--- a/exo-sysAdmin/980-JMX-XSys.pptx
+++ b/exo-sysAdmin/980-JMX-XSys.pptx
@@ -7,7 +7,7 @@
     <p:sldMasterId id="2147483650" r:id="rId3"/>
   </p:sldMasterIdLst>
   <p:notesMasterIdLst>
-    <p:notesMasterId r:id="rId28"/>
+    <p:notesMasterId r:id="rId29"/>
   </p:notesMasterIdLst>
   <p:sldIdLst>
     <p:sldId id="256" r:id="rId4"/>
@@ -29,11 +29,12 @@
     <p:sldId id="421" r:id="rId20"/>
     <p:sldId id="420" r:id="rId21"/>
     <p:sldId id="422" r:id="rId22"/>
-    <p:sldId id="417" r:id="rId23"/>
-    <p:sldId id="418" r:id="rId24"/>
-    <p:sldId id="423" r:id="rId25"/>
-    <p:sldId id="424" r:id="rId26"/>
-    <p:sldId id="394" r:id="rId27"/>
+    <p:sldId id="425" r:id="rId23"/>
+    <p:sldId id="417" r:id="rId24"/>
+    <p:sldId id="418" r:id="rId25"/>
+    <p:sldId id="423" r:id="rId26"/>
+    <p:sldId id="424" r:id="rId27"/>
+    <p:sldId id="394" r:id="rId28"/>
   </p:sldIdLst>
   <p:sldSz cx="11160125" cy="7559675"/>
   <p:notesSz cx="7772400" cy="10058400"/>
@@ -2088,7 +2089,7 @@
             <a:fld id="{24266FFD-7EDA-49C8-88B2-0F0ACA6EE776}" type="slidenum">
               <a:rPr lang="en-GB"/>
               <a:pPr/>
-              <a:t>20</a:t>
+              <a:t>21</a:t>
             </a:fld>
             <a:endParaRPr lang="en-GB"/>
           </a:p>
@@ -2191,7 +2192,7 @@
                   <a:tab pos="9144000" algn="l"/>
                 </a:tabLst>
               </a:pPr>
-              <a:t>20</a:t>
+              <a:t>21</a:t>
             </a:fld>
             <a:endParaRPr lang="en-GB" sz="1400">
               <a:solidFill>
@@ -2321,7 +2322,7 @@
             <a:fld id="{43F345E1-DE08-49C4-9805-072619C6BD24}" type="slidenum">
               <a:rPr lang="en-GB"/>
               <a:pPr/>
-              <a:t>24</a:t>
+              <a:t>25</a:t>
             </a:fld>
             <a:endParaRPr lang="en-GB"/>
           </a:p>
@@ -2424,7 +2425,7 @@
                   <a:tab pos="9144000" algn="l"/>
                 </a:tabLst>
               </a:pPr>
-              <a:t>24</a:t>
+              <a:t>25</a:t>
             </a:fld>
             <a:endParaRPr lang="en-GB" sz="1400">
               <a:solidFill>
@@ -18772,7 +18773,7 @@
         <p:spPr>
           <a:xfrm>
             <a:off x="5003998" y="6012085"/>
-            <a:ext cx="5487099" cy="984885"/>
+            <a:ext cx="5686723" cy="984885"/>
           </a:xfrm>
           <a:prstGeom prst="rect">
             <a:avLst/>
@@ -18791,11 +18792,23 @@
             </a:r>
             <a:r>
               <a:rPr lang="fr-FR" sz="4000" dirty="0" err="1" smtClean="0"/>
-              <a:t>remote</a:t>
+              <a:t>R</a:t>
+            </a:r>
+            <a:r>
+              <a:rPr lang="fr-FR" sz="4000" dirty="0" err="1" smtClean="0"/>
+              <a:t>emote</a:t>
             </a:r>
             <a:r>
               <a:rPr lang="fr-FR" sz="4000" dirty="0" smtClean="0"/>
-              <a:t> monitoring</a:t>
+              <a:t> </a:t>
+            </a:r>
+            <a:r>
+              <a:rPr lang="fr-FR" sz="4000" dirty="0"/>
+              <a:t>M</a:t>
+            </a:r>
+            <a:r>
+              <a:rPr lang="fr-FR" sz="4000" dirty="0" smtClean="0"/>
+              <a:t>onitoring</a:t>
             </a:r>
             <a:endParaRPr lang="fr-FR" sz="4000" dirty="0"/>
           </a:p>
@@ -18890,79 +18903,23 @@
             </a:r>
             <a:r>
               <a:rPr lang="fr-FR" dirty="0" err="1"/>
-              <a:t>remote</a:t>
+              <a:t>R</a:t>
+            </a:r>
+            <a:r>
+              <a:rPr lang="fr-FR" dirty="0" err="1" smtClean="0"/>
+              <a:t>emote</a:t>
+            </a:r>
+            <a:r>
+              <a:rPr lang="fr-FR" dirty="0" smtClean="0"/>
+              <a:t> </a:t>
             </a:r>
             <a:r>
               <a:rPr lang="fr-FR" dirty="0"/>
-              <a:t> </a:t>
+              <a:t>C</a:t>
             </a:r>
             <a:r>
               <a:rPr lang="fr-FR" dirty="0" smtClean="0"/>
-              <a:t>configuration </a:t>
-            </a:r>
-            <a:r>
-              <a:rPr lang="fr-FR" sz="2200" dirty="0" smtClean="0">
-                <a:solidFill>
-                  <a:srgbClr val="FF9900"/>
-                </a:solidFill>
-              </a:rPr>
-              <a:t>(</a:t>
-            </a:r>
-            <a:r>
-              <a:rPr lang="fr-FR" sz="2200" dirty="0" err="1">
-                <a:solidFill>
-                  <a:srgbClr val="FF9900"/>
-                </a:solidFill>
-              </a:rPr>
-              <a:t>T</a:t>
-            </a:r>
-            <a:r>
-              <a:rPr lang="fr-FR" sz="2200" dirty="0" err="1" smtClean="0">
-                <a:solidFill>
-                  <a:srgbClr val="FF9900"/>
-                </a:solidFill>
-              </a:rPr>
-              <a:t>omcat</a:t>
-            </a:r>
-            <a:r>
-              <a:rPr lang="fr-FR" sz="2200" dirty="0" smtClean="0">
-                <a:solidFill>
-                  <a:srgbClr val="FF9900"/>
-                </a:solidFill>
-              </a:rPr>
-              <a:t> - </a:t>
-            </a:r>
-            <a:r>
-              <a:rPr lang="fr-CA" sz="2200" dirty="0" err="1" smtClean="0">
-                <a:solidFill>
-                  <a:srgbClr val="FF9900"/>
-                </a:solidFill>
-              </a:rPr>
-              <a:t>Password</a:t>
-            </a:r>
-            <a:r>
-              <a:rPr lang="fr-CA" sz="2200" dirty="0" smtClean="0">
-                <a:solidFill>
-                  <a:srgbClr val="FF9900"/>
-                </a:solidFill>
-              </a:rPr>
-              <a:t> </a:t>
-            </a:r>
-            <a:r>
-              <a:rPr lang="fr-CA" sz="2200" dirty="0" err="1">
-                <a:solidFill>
-                  <a:srgbClr val="FF9900"/>
-                </a:solidFill>
-              </a:rPr>
-              <a:t>Authentication</a:t>
-            </a:r>
-            <a:r>
-              <a:rPr lang="fr-FR" sz="2200" dirty="0" smtClean="0">
-                <a:solidFill>
-                  <a:srgbClr val="FF9900"/>
-                </a:solidFill>
-              </a:rPr>
-              <a:t>)</a:t>
+              <a:t>onfiguration</a:t>
             </a:r>
             <a:endParaRPr lang="fr-FR" sz="2200" dirty="0">
               <a:solidFill>
@@ -20389,76 +20346,20 @@
               <a:t>JMX </a:t>
             </a:r>
             <a:r>
-              <a:rPr lang="fr-FR" dirty="0" err="1"/>
-              <a:t>remote</a:t>
-            </a:r>
-            <a:r>
-              <a:rPr lang="fr-FR" dirty="0"/>
+              <a:rPr lang="fr-FR" dirty="0" err="1" smtClean="0"/>
+              <a:t>Remote</a:t>
+            </a:r>
+            <a:r>
+              <a:rPr lang="fr-FR" dirty="0" smtClean="0"/>
               <a:t> </a:t>
             </a:r>
             <a:r>
               <a:rPr lang="fr-FR" dirty="0" smtClean="0"/>
-              <a:t>configuration </a:t>
+              <a:t>C</a:t>
             </a:r>
             <a:r>
               <a:rPr lang="fr-FR" dirty="0" smtClean="0"/>
-              <a:t>(</a:t>
-            </a:r>
-            <a:r>
-              <a:rPr lang="fr-FR" sz="2200" dirty="0" err="1" smtClean="0">
-                <a:solidFill>
-                  <a:srgbClr val="FF9900"/>
-                </a:solidFill>
-              </a:rPr>
-              <a:t>Tomcat</a:t>
-            </a:r>
-            <a:r>
-              <a:rPr lang="fr-FR" sz="2200" dirty="0" smtClean="0">
-                <a:solidFill>
-                  <a:srgbClr val="FF9900"/>
-                </a:solidFill>
-              </a:rPr>
-              <a:t> </a:t>
-            </a:r>
-            <a:r>
-              <a:rPr lang="fr-FR" sz="2200" dirty="0">
-                <a:solidFill>
-                  <a:srgbClr val="FF9900"/>
-                </a:solidFill>
-              </a:rPr>
-              <a:t>- </a:t>
-            </a:r>
-            <a:r>
-              <a:rPr lang="fr-CA" sz="2200" dirty="0" err="1">
-                <a:solidFill>
-                  <a:srgbClr val="FF9900"/>
-                </a:solidFill>
-              </a:rPr>
-              <a:t>Password</a:t>
-            </a:r>
-            <a:r>
-              <a:rPr lang="fr-CA" sz="2200" dirty="0">
-                <a:solidFill>
-                  <a:srgbClr val="FF9900"/>
-                </a:solidFill>
-              </a:rPr>
-              <a:t> </a:t>
-            </a:r>
-            <a:r>
-              <a:rPr lang="fr-CA" sz="2200" dirty="0" err="1">
-                <a:solidFill>
-                  <a:srgbClr val="FF9900"/>
-                </a:solidFill>
-              </a:rPr>
-              <a:t>Authentication</a:t>
-            </a:r>
-            <a:r>
-              <a:rPr lang="fr-FR" sz="3600" dirty="0" smtClean="0">
-                <a:solidFill>
-                  <a:srgbClr val="FF9900"/>
-                </a:solidFill>
-              </a:rPr>
-              <a:t>)</a:t>
+              <a:t>onfiguration</a:t>
             </a:r>
             <a:endParaRPr lang="fr-FR" dirty="0"/>
           </a:p>
@@ -21636,7 +21537,6 @@
               <a:rPr lang="fr-FR" sz="4800" dirty="0"/>
               <a:t> JVM</a:t>
             </a:r>
-            <a:endParaRPr lang="fr-FR" sz="4800" dirty="0"/>
           </a:p>
         </p:txBody>
       </p:sp>
@@ -21749,7 +21649,6 @@
               <a:rPr lang="fr-FR" sz="3600" dirty="0"/>
               <a:t> JVM</a:t>
             </a:r>
-            <a:endParaRPr lang="fr-FR" sz="3600" dirty="0"/>
           </a:p>
         </p:txBody>
       </p:sp>
@@ -23559,7 +23458,6 @@
               <a:rPr lang="fr-CA" i="0" dirty="0" smtClean="0"/>
               <a:t> the interface.</a:t>
             </a:r>
-            <a:endParaRPr lang="fr-CA" i="0" dirty="0" smtClean="0"/>
           </a:p>
         </p:txBody>
       </p:sp>
@@ -24518,7 +24416,6 @@
               <a:rPr lang="fr-CA" i="0" dirty="0" smtClean="0"/>
               <a:t> :</a:t>
             </a:r>
-            <a:endParaRPr lang="fr-CA" i="0" dirty="0" smtClean="0"/>
           </a:p>
         </p:txBody>
       </p:sp>
@@ -24816,18 +24713,7 @@
                   </a:schemeClr>
                 </a:solidFill>
               </a:rPr>
-              <a:t> </a:t>
-            </a:r>
-            <a:r>
-              <a:rPr lang="fr-FR" i="0" dirty="0" smtClean="0">
-                <a:solidFill>
-                  <a:schemeClr val="tx1">
-                    <a:lumMod val="75000"/>
-                    <a:lumOff val="25000"/>
-                  </a:schemeClr>
-                </a:solidFill>
-              </a:rPr>
-              <a:t>JVM</a:t>
+              <a:t> JVM</a:t>
             </a:r>
           </a:p>
           <a:p>
@@ -24968,6 +24854,170 @@
 </file>
 
 <file path=ppt/slides/slide20.xml><?xml version="1.0" encoding="utf-8"?>
+<p:sld xmlns:a="http://schemas.openxmlformats.org/drawingml/2006/main" xmlns:r="http://schemas.openxmlformats.org/officeDocument/2006/relationships" xmlns:p="http://schemas.openxmlformats.org/presentationml/2006/main">
+  <p:cSld>
+    <p:spTree>
+      <p:nvGrpSpPr>
+        <p:cNvPr id="1" name=""/>
+        <p:cNvGrpSpPr/>
+        <p:nvPr/>
+      </p:nvGrpSpPr>
+      <p:grpSpPr>
+        <a:xfrm>
+          <a:off x="0" y="0"/>
+          <a:ext cx="0" cy="0"/>
+          <a:chOff x="0" y="0"/>
+          <a:chExt cx="0" cy="0"/>
+        </a:xfrm>
+      </p:grpSpPr>
+      <p:sp>
+        <p:nvSpPr>
+          <p:cNvPr id="15362" name="Rectangle 1"/>
+          <p:cNvSpPr>
+            <a:spLocks noGrp="1" noChangeArrowheads="1"/>
+          </p:cNvSpPr>
+          <p:nvPr>
+            <p:ph type="title"/>
+          </p:nvPr>
+        </p:nvSpPr>
+        <p:spPr>
+          <a:xfrm>
+            <a:off x="490435" y="255926"/>
+            <a:ext cx="10179255" cy="454024"/>
+          </a:xfrm>
+        </p:spPr>
+        <p:txBody>
+          <a:bodyPr rIns="41783" anchor="b"/>
+          <a:lstStyle/>
+          <a:p>
+            <a:pPr marL="584962" lvl="1" indent="-219361">
+              <a:lnSpc>
+                <a:spcPct val="100000"/>
+              </a:lnSpc>
+            </a:pPr>
+            <a:r>
+              <a:rPr lang="fr-FR" sz="3600" dirty="0" err="1"/>
+              <a:t>Using</a:t>
+            </a:r>
+            <a:r>
+              <a:rPr lang="fr-FR" sz="3600" dirty="0"/>
+              <a:t> </a:t>
+            </a:r>
+            <a:r>
+              <a:rPr lang="fr-FR" sz="3600" dirty="0" err="1" smtClean="0"/>
+              <a:t>VisualVM</a:t>
+            </a:r>
+            <a:r>
+              <a:rPr lang="fr-FR" sz="3600" dirty="0" smtClean="0"/>
+              <a:t> (</a:t>
+            </a:r>
+            <a:r>
+              <a:rPr lang="fr-FR" sz="3600" dirty="0" err="1" smtClean="0"/>
+              <a:t>Mbeans</a:t>
+            </a:r>
+            <a:r>
+              <a:rPr lang="fr-FR" sz="3600" dirty="0" smtClean="0"/>
+              <a:t> tab)</a:t>
+            </a:r>
+            <a:endParaRPr lang="fr-FR" sz="3600" dirty="0"/>
+          </a:p>
+        </p:txBody>
+      </p:sp>
+      <p:sp>
+        <p:nvSpPr>
+          <p:cNvPr id="15363" name="Rectangle 2"/>
+          <p:cNvSpPr>
+            <a:spLocks noGrp="1" noChangeArrowheads="1"/>
+          </p:cNvSpPr>
+          <p:nvPr>
+            <p:ph type="body" idx="1"/>
+          </p:nvPr>
+        </p:nvSpPr>
+        <p:spPr>
+          <a:xfrm>
+            <a:off x="395486" y="1043533"/>
+            <a:ext cx="10219725" cy="5089000"/>
+          </a:xfrm>
+        </p:spPr>
+        <p:txBody>
+          <a:bodyPr rIns="41783" anchor="t"/>
+          <a:lstStyle/>
+          <a:p>
+            <a:pPr marL="265113" lvl="1" indent="-265113">
+              <a:lnSpc>
+                <a:spcPct val="100000"/>
+              </a:lnSpc>
+            </a:pPr>
+            <a:r>
+              <a:rPr lang="fr-CA" i="0" dirty="0" smtClean="0"/>
+              <a:t>Clearing a cache (of </a:t>
+            </a:r>
+            <a:r>
+              <a:rPr lang="fr-CA" i="0" dirty="0" err="1" smtClean="0"/>
+              <a:t>groovy</a:t>
+            </a:r>
+            <a:r>
+              <a:rPr lang="fr-CA" i="0" dirty="0" smtClean="0"/>
+              <a:t> </a:t>
+            </a:r>
+            <a:r>
+              <a:rPr lang="fr-CA" i="0" dirty="0" err="1" smtClean="0"/>
+              <a:t>templates</a:t>
+            </a:r>
+            <a:r>
+              <a:rPr lang="fr-CA" i="0" dirty="0" smtClean="0"/>
+              <a:t>):</a:t>
+            </a:r>
+            <a:endParaRPr lang="fr-CA" i="0" dirty="0" smtClean="0"/>
+          </a:p>
+        </p:txBody>
+      </p:sp>
+      <p:pic>
+        <p:nvPicPr>
+          <p:cNvPr id="4" name="Image 3"/>
+          <p:cNvPicPr>
+            <a:picLocks noChangeAspect="1"/>
+          </p:cNvPicPr>
+          <p:nvPr/>
+        </p:nvPicPr>
+        <p:blipFill>
+          <a:blip r:embed="rId2"/>
+          <a:stretch>
+            <a:fillRect/>
+          </a:stretch>
+        </p:blipFill>
+        <p:spPr>
+          <a:xfrm>
+            <a:off x="6084118" y="971525"/>
+            <a:ext cx="3568700" cy="5321300"/>
+          </a:xfrm>
+          <a:prstGeom prst="rect">
+            <a:avLst/>
+          </a:prstGeom>
+        </p:spPr>
+      </p:pic>
+    </p:spTree>
+    <p:extLst>
+      <p:ext uri="{BB962C8B-B14F-4D97-AF65-F5344CB8AC3E}">
+        <p14:creationId xmlns:p14="http://schemas.microsoft.com/office/powerpoint/2010/main" val="1577090373"/>
+      </p:ext>
+    </p:extLst>
+  </p:cSld>
+  <p:clrMapOvr>
+    <a:masterClrMapping/>
+  </p:clrMapOvr>
+  <p:transition xmlns:p14="http://schemas.microsoft.com/office/powerpoint/2010/main"/>
+  <p:timing>
+    <p:tnLst>
+      <p:par>
+        <p:cTn xmlns:p14="http://schemas.microsoft.com/office/powerpoint/2010/main" id="1" dur="indefinite" restart="never" nodeType="tmRoot"/>
+      </p:par>
+    </p:tnLst>
+  </p:timing>
+</p:sld>
+</file>
+
+<file path=ppt/slides/slide21.xml><?xml version="1.0" encoding="utf-8"?>
 <p:sld xmlns:a="http://schemas.openxmlformats.org/drawingml/2006/main" xmlns:r="http://schemas.openxmlformats.org/officeDocument/2006/relationships" xmlns:p="http://schemas.openxmlformats.org/presentationml/2006/main">
   <p:cSld>
     <p:spTree>
@@ -25081,7 +25131,7 @@
                   <a:tab pos="9144000" algn="l"/>
                 </a:tabLst>
               </a:pPr>
-              <a:t>20</a:t>
+              <a:t>21</a:t>
             </a:fld>
             <a:endParaRPr lang="en-GB" sz="1400">
               <a:solidFill>
@@ -25186,7 +25236,7 @@
 </p:sld>
 </file>
 
-<file path=ppt/slides/slide21.xml><?xml version="1.0" encoding="utf-8"?>
+<file path=ppt/slides/slide22.xml><?xml version="1.0" encoding="utf-8"?>
 <p:sld xmlns:a="http://schemas.openxmlformats.org/drawingml/2006/main" xmlns:r="http://schemas.openxmlformats.org/officeDocument/2006/relationships" xmlns:p="http://schemas.openxmlformats.org/presentationml/2006/main">
   <p:cSld>
     <p:spTree>
@@ -25341,18 +25391,7 @@
                   </a:schemeClr>
                 </a:solidFill>
               </a:rPr>
-              <a:t> </a:t>
-            </a:r>
-            <a:r>
-              <a:rPr lang="fr-CA" i="0" dirty="0" smtClean="0">
-                <a:solidFill>
-                  <a:schemeClr val="tx1">
-                    <a:lumMod val="75000"/>
-                    <a:lumOff val="25000"/>
-                  </a:schemeClr>
-                </a:solidFill>
-              </a:rPr>
-              <a:t>: </a:t>
+              <a:t> : </a:t>
             </a:r>
             <a:r>
               <a:rPr lang="fr-CA" b="0" i="0" dirty="0" smtClean="0">
@@ -25987,1208 +26026,6 @@
     <p:extLst>
       <p:ext uri="{BB962C8B-B14F-4D97-AF65-F5344CB8AC3E}">
         <p14:creationId xmlns:p14="http://schemas.microsoft.com/office/powerpoint/2010/main" val="282853443"/>
-      </p:ext>
-    </p:extLst>
-  </p:cSld>
-  <p:clrMapOvr>
-    <a:masterClrMapping/>
-  </p:clrMapOvr>
-  <p:transition xmlns:p14="http://schemas.microsoft.com/office/powerpoint/2010/main"/>
-  <p:timing>
-    <p:tnLst>
-      <p:par>
-        <p:cTn xmlns:p14="http://schemas.microsoft.com/office/powerpoint/2010/main" id="1" dur="indefinite" restart="never" nodeType="tmRoot"/>
-      </p:par>
-    </p:tnLst>
-  </p:timing>
-</p:sld>
-</file>
-
-<file path=ppt/slides/slide22.xml><?xml version="1.0" encoding="utf-8"?>
-<p:sld xmlns:a="http://schemas.openxmlformats.org/drawingml/2006/main" xmlns:r="http://schemas.openxmlformats.org/officeDocument/2006/relationships" xmlns:p="http://schemas.openxmlformats.org/presentationml/2006/main">
-  <p:cSld>
-    <p:spTree>
-      <p:nvGrpSpPr>
-        <p:cNvPr id="1" name=""/>
-        <p:cNvGrpSpPr/>
-        <p:nvPr/>
-      </p:nvGrpSpPr>
-      <p:grpSpPr>
-        <a:xfrm>
-          <a:off x="0" y="0"/>
-          <a:ext cx="0" cy="0"/>
-          <a:chOff x="0" y="0"/>
-          <a:chExt cx="0" cy="0"/>
-        </a:xfrm>
-      </p:grpSpPr>
-      <p:sp>
-        <p:nvSpPr>
-          <p:cNvPr id="15362" name="Rectangle 1"/>
-          <p:cNvSpPr>
-            <a:spLocks noGrp="1" noChangeArrowheads="1"/>
-          </p:cNvSpPr>
-          <p:nvPr>
-            <p:ph type="title"/>
-          </p:nvPr>
-        </p:nvSpPr>
-        <p:spPr>
-          <a:xfrm>
-            <a:off x="490435" y="255926"/>
-            <a:ext cx="10562235" cy="454024"/>
-          </a:xfrm>
-        </p:spPr>
-        <p:txBody>
-          <a:bodyPr rIns="41783" anchor="b"/>
-          <a:lstStyle/>
-          <a:p>
-            <a:pPr marL="584962" lvl="1" indent="-219361">
-              <a:lnSpc>
-                <a:spcPct val="100000"/>
-              </a:lnSpc>
-            </a:pPr>
-            <a:r>
-              <a:rPr lang="fr-FR" sz="3600" dirty="0" err="1"/>
-              <a:t>Exercises</a:t>
-            </a:r>
-            <a:r>
-              <a:rPr lang="fr-FR" sz="3600" dirty="0"/>
-              <a:t> : </a:t>
-            </a:r>
-            <a:r>
-              <a:rPr lang="fr-FR" sz="3000" dirty="0" smtClean="0"/>
-              <a:t>80b </a:t>
-            </a:r>
-            <a:r>
-              <a:rPr lang="fr-FR" sz="3000" dirty="0" err="1" smtClean="0"/>
-              <a:t>Connection</a:t>
-            </a:r>
-            <a:r>
-              <a:rPr lang="fr-FR" sz="3000" dirty="0" smtClean="0"/>
-              <a:t> to JMX </a:t>
-            </a:r>
-            <a:r>
-              <a:rPr lang="fr-FR" sz="3000" dirty="0" err="1" smtClean="0"/>
-              <a:t>with</a:t>
-            </a:r>
-            <a:r>
-              <a:rPr lang="fr-FR" sz="3000" dirty="0" smtClean="0"/>
-              <a:t> </a:t>
-            </a:r>
-            <a:r>
-              <a:rPr lang="fr-FR" sz="3000" dirty="0" err="1" smtClean="0"/>
-              <a:t>authentitication</a:t>
-            </a:r>
-            <a:endParaRPr lang="fr-FR" sz="3000" dirty="0"/>
-          </a:p>
-        </p:txBody>
-      </p:sp>
-      <p:sp>
-        <p:nvSpPr>
-          <p:cNvPr id="15363" name="Rectangle 2"/>
-          <p:cNvSpPr>
-            <a:spLocks noGrp="1" noChangeArrowheads="1"/>
-          </p:cNvSpPr>
-          <p:nvPr>
-            <p:ph type="body" idx="1"/>
-          </p:nvPr>
-        </p:nvSpPr>
-        <p:spPr>
-          <a:xfrm>
-            <a:off x="395486" y="1043533"/>
-            <a:ext cx="10219725" cy="5089000"/>
-          </a:xfrm>
-        </p:spPr>
-        <p:txBody>
-          <a:bodyPr rIns="41783" anchor="t"/>
-          <a:lstStyle/>
-          <a:p>
-            <a:pPr marL="265113" lvl="1" indent="-265113">
-              <a:lnSpc>
-                <a:spcPct val="100000"/>
-              </a:lnSpc>
-            </a:pPr>
-            <a:r>
-              <a:rPr lang="fr-CA" i="0" dirty="0" smtClean="0">
-                <a:solidFill>
-                  <a:srgbClr val="404040"/>
-                </a:solidFill>
-              </a:rPr>
-              <a:t>Setup </a:t>
-            </a:r>
-            <a:r>
-              <a:rPr lang="fr-CA" i="0" dirty="0" err="1" smtClean="0">
-                <a:solidFill>
-                  <a:srgbClr val="404040"/>
-                </a:solidFill>
-              </a:rPr>
-              <a:t>eXo</a:t>
-            </a:r>
-            <a:r>
-              <a:rPr lang="fr-CA" i="0" dirty="0" smtClean="0">
-                <a:solidFill>
-                  <a:srgbClr val="404040"/>
-                </a:solidFill>
-              </a:rPr>
-              <a:t> to use </a:t>
-            </a:r>
-            <a:r>
-              <a:rPr lang="fr-CA" i="0" dirty="0" err="1" smtClean="0">
-                <a:solidFill>
-                  <a:srgbClr val="404040"/>
-                </a:solidFill>
-              </a:rPr>
-              <a:t>remote</a:t>
-            </a:r>
-            <a:r>
-              <a:rPr lang="fr-CA" i="0" dirty="0" smtClean="0">
-                <a:solidFill>
-                  <a:srgbClr val="404040"/>
-                </a:solidFill>
-              </a:rPr>
-              <a:t> JMX </a:t>
-            </a:r>
-            <a:r>
-              <a:rPr lang="fr-CA" i="0" dirty="0" err="1" smtClean="0">
-                <a:solidFill>
-                  <a:srgbClr val="404040"/>
-                </a:solidFill>
-              </a:rPr>
-              <a:t>with</a:t>
-            </a:r>
-            <a:r>
-              <a:rPr lang="fr-CA" i="0" dirty="0" smtClean="0">
-                <a:solidFill>
-                  <a:srgbClr val="404040"/>
-                </a:solidFill>
-              </a:rPr>
-              <a:t> authentification (All information are in the </a:t>
-            </a:r>
-            <a:r>
-              <a:rPr lang="fr-FR" i="0" dirty="0" smtClean="0">
-                <a:solidFill>
-                  <a:srgbClr val="404040"/>
-                </a:solidFill>
-              </a:rPr>
-              <a:t>JMX </a:t>
-            </a:r>
-            <a:r>
-              <a:rPr lang="fr-FR" i="0" dirty="0" err="1">
-                <a:solidFill>
-                  <a:srgbClr val="404040"/>
-                </a:solidFill>
-              </a:rPr>
-              <a:t>remote</a:t>
-            </a:r>
-            <a:r>
-              <a:rPr lang="fr-FR" i="0" dirty="0">
-                <a:solidFill>
-                  <a:srgbClr val="404040"/>
-                </a:solidFill>
-              </a:rPr>
-              <a:t> configuration (</a:t>
-            </a:r>
-            <a:r>
-              <a:rPr lang="fr-FR" i="0" dirty="0" err="1">
-                <a:solidFill>
-                  <a:srgbClr val="404040"/>
-                </a:solidFill>
-              </a:rPr>
-              <a:t>tomcat</a:t>
-            </a:r>
-            <a:r>
-              <a:rPr lang="fr-FR" i="0" dirty="0">
-                <a:solidFill>
-                  <a:srgbClr val="404040"/>
-                </a:solidFill>
-              </a:rPr>
-              <a:t> - </a:t>
-            </a:r>
-            <a:r>
-              <a:rPr lang="fr-CA" i="0" dirty="0" err="1">
-                <a:solidFill>
-                  <a:srgbClr val="404040"/>
-                </a:solidFill>
-              </a:rPr>
-              <a:t>Password</a:t>
-            </a:r>
-            <a:r>
-              <a:rPr lang="fr-CA" i="0" dirty="0">
-                <a:solidFill>
-                  <a:srgbClr val="404040"/>
-                </a:solidFill>
-              </a:rPr>
-              <a:t> </a:t>
-            </a:r>
-            <a:r>
-              <a:rPr lang="fr-CA" i="0" dirty="0" err="1" smtClean="0">
-                <a:solidFill>
-                  <a:srgbClr val="404040"/>
-                </a:solidFill>
-              </a:rPr>
-              <a:t>Authentication</a:t>
-            </a:r>
-            <a:r>
-              <a:rPr lang="fr-FR" i="0" dirty="0" smtClean="0">
-                <a:solidFill>
-                  <a:srgbClr val="404040"/>
-                </a:solidFill>
-              </a:rPr>
-              <a:t> </a:t>
-            </a:r>
-            <a:r>
-              <a:rPr lang="fr-FR" i="0" dirty="0" err="1" smtClean="0">
-                <a:solidFill>
-                  <a:srgbClr val="404040"/>
-                </a:solidFill>
-              </a:rPr>
-              <a:t>slides</a:t>
-            </a:r>
-            <a:r>
-              <a:rPr lang="fr-FR" i="0" dirty="0" smtClean="0">
-                <a:solidFill>
-                  <a:srgbClr val="404040"/>
-                </a:solidFill>
-              </a:rPr>
-              <a:t>).</a:t>
-            </a:r>
-          </a:p>
-          <a:p>
-            <a:pPr marL="265113" lvl="1" indent="-265113">
-              <a:lnSpc>
-                <a:spcPct val="100000"/>
-              </a:lnSpc>
-            </a:pPr>
-            <a:r>
-              <a:rPr lang="fr-FR" i="0" dirty="0" err="1" smtClean="0">
-                <a:solidFill>
-                  <a:srgbClr val="404040"/>
-                </a:solidFill>
-              </a:rPr>
-              <a:t>Create</a:t>
-            </a:r>
-            <a:r>
-              <a:rPr lang="fr-FR" i="0" dirty="0" smtClean="0">
-                <a:solidFill>
-                  <a:srgbClr val="404040"/>
-                </a:solidFill>
-              </a:rPr>
-              <a:t> a user </a:t>
-            </a:r>
-            <a:r>
-              <a:rPr lang="fr-FR" i="0" dirty="0" err="1" smtClean="0">
-                <a:solidFill>
-                  <a:srgbClr val="404040"/>
-                </a:solidFill>
-              </a:rPr>
-              <a:t>adminjmx</a:t>
-            </a:r>
-            <a:r>
-              <a:rPr lang="fr-FR" i="0" dirty="0" smtClean="0">
-                <a:solidFill>
-                  <a:srgbClr val="404040"/>
-                </a:solidFill>
-              </a:rPr>
-              <a:t> </a:t>
-            </a:r>
-            <a:r>
-              <a:rPr lang="fr-FR" i="0" dirty="0" err="1" smtClean="0">
-                <a:solidFill>
-                  <a:srgbClr val="404040"/>
-                </a:solidFill>
-              </a:rPr>
-              <a:t>password</a:t>
-            </a:r>
-            <a:r>
-              <a:rPr lang="fr-FR" i="0" dirty="0" smtClean="0">
-                <a:solidFill>
-                  <a:srgbClr val="404040"/>
-                </a:solidFill>
-              </a:rPr>
-              <a:t> </a:t>
-            </a:r>
-            <a:r>
-              <a:rPr lang="fr-FR" i="0" dirty="0" err="1" smtClean="0">
-                <a:solidFill>
-                  <a:srgbClr val="404040"/>
-                </a:solidFill>
-              </a:rPr>
-              <a:t>adminjmx</a:t>
-            </a:r>
-            <a:r>
-              <a:rPr lang="fr-FR" i="0" dirty="0" smtClean="0">
-                <a:solidFill>
-                  <a:srgbClr val="404040"/>
-                </a:solidFill>
-              </a:rPr>
-              <a:t> </a:t>
-            </a:r>
-            <a:r>
-              <a:rPr lang="fr-FR" i="0" dirty="0" err="1" smtClean="0">
-                <a:solidFill>
-                  <a:srgbClr val="404040"/>
-                </a:solidFill>
-              </a:rPr>
-              <a:t>with</a:t>
-            </a:r>
-            <a:r>
-              <a:rPr lang="fr-FR" i="0" dirty="0" smtClean="0">
-                <a:solidFill>
-                  <a:srgbClr val="404040"/>
-                </a:solidFill>
-              </a:rPr>
-              <a:t> </a:t>
-            </a:r>
-            <a:r>
-              <a:rPr lang="fr-FR" i="0" dirty="0" err="1" smtClean="0">
-                <a:solidFill>
-                  <a:srgbClr val="404040"/>
-                </a:solidFill>
-              </a:rPr>
-              <a:t>read</a:t>
-            </a:r>
-            <a:r>
-              <a:rPr lang="fr-FR" i="0" dirty="0" smtClean="0">
-                <a:solidFill>
-                  <a:srgbClr val="404040"/>
-                </a:solidFill>
-              </a:rPr>
-              <a:t> </a:t>
-            </a:r>
-            <a:r>
-              <a:rPr lang="fr-FR" i="0" dirty="0" err="1" smtClean="0">
-                <a:solidFill>
-                  <a:srgbClr val="404040"/>
-                </a:solidFill>
-              </a:rPr>
-              <a:t>write</a:t>
-            </a:r>
-            <a:r>
-              <a:rPr lang="fr-FR" i="0" dirty="0" smtClean="0">
-                <a:solidFill>
-                  <a:srgbClr val="404040"/>
-                </a:solidFill>
-              </a:rPr>
-              <a:t> permission</a:t>
-            </a:r>
-          </a:p>
-          <a:p>
-            <a:pPr marL="265113" lvl="1" indent="-265113">
-              <a:lnSpc>
-                <a:spcPct val="100000"/>
-              </a:lnSpc>
-            </a:pPr>
-            <a:r>
-              <a:rPr lang="fr-FR" i="0" dirty="0" err="1">
-                <a:solidFill>
-                  <a:srgbClr val="404040"/>
-                </a:solidFill>
-              </a:rPr>
-              <a:t>Create</a:t>
-            </a:r>
-            <a:r>
-              <a:rPr lang="fr-FR" i="0" dirty="0">
-                <a:solidFill>
-                  <a:srgbClr val="404040"/>
-                </a:solidFill>
-              </a:rPr>
-              <a:t> a user </a:t>
-            </a:r>
-            <a:r>
-              <a:rPr lang="fr-FR" i="0" dirty="0" err="1" smtClean="0">
-                <a:solidFill>
-                  <a:srgbClr val="404040"/>
-                </a:solidFill>
-              </a:rPr>
-              <a:t>guestjmx</a:t>
-            </a:r>
-            <a:r>
-              <a:rPr lang="fr-FR" i="0" dirty="0" smtClean="0">
-                <a:solidFill>
-                  <a:srgbClr val="404040"/>
-                </a:solidFill>
-              </a:rPr>
-              <a:t> </a:t>
-            </a:r>
-            <a:r>
-              <a:rPr lang="fr-FR" i="0" dirty="0" err="1">
-                <a:solidFill>
-                  <a:srgbClr val="404040"/>
-                </a:solidFill>
-              </a:rPr>
-              <a:t>password</a:t>
-            </a:r>
-            <a:r>
-              <a:rPr lang="fr-FR" i="0" dirty="0">
-                <a:solidFill>
-                  <a:srgbClr val="404040"/>
-                </a:solidFill>
-              </a:rPr>
-              <a:t> </a:t>
-            </a:r>
-            <a:r>
-              <a:rPr lang="fr-FR" i="0" dirty="0" err="1" smtClean="0">
-                <a:solidFill>
-                  <a:srgbClr val="404040"/>
-                </a:solidFill>
-              </a:rPr>
-              <a:t>guestjmx</a:t>
-            </a:r>
-            <a:r>
-              <a:rPr lang="fr-FR" i="0" dirty="0" smtClean="0">
-                <a:solidFill>
-                  <a:srgbClr val="404040"/>
-                </a:solidFill>
-              </a:rPr>
-              <a:t> </a:t>
-            </a:r>
-            <a:r>
-              <a:rPr lang="fr-FR" i="0" dirty="0" err="1">
-                <a:solidFill>
-                  <a:srgbClr val="404040"/>
-                </a:solidFill>
-              </a:rPr>
-              <a:t>with</a:t>
-            </a:r>
-            <a:r>
-              <a:rPr lang="fr-FR" i="0" dirty="0">
-                <a:solidFill>
-                  <a:srgbClr val="404040"/>
-                </a:solidFill>
-              </a:rPr>
-              <a:t> </a:t>
-            </a:r>
-            <a:r>
-              <a:rPr lang="fr-FR" i="0" dirty="0" err="1" smtClean="0">
-                <a:solidFill>
-                  <a:srgbClr val="404040"/>
-                </a:solidFill>
-              </a:rPr>
-              <a:t>read</a:t>
-            </a:r>
-            <a:r>
-              <a:rPr lang="fr-FR" i="0" dirty="0" smtClean="0">
-                <a:solidFill>
-                  <a:srgbClr val="404040"/>
-                </a:solidFill>
-              </a:rPr>
-              <a:t> </a:t>
-            </a:r>
-            <a:r>
-              <a:rPr lang="fr-FR" i="0" dirty="0" err="1" smtClean="0">
-                <a:solidFill>
-                  <a:srgbClr val="404040"/>
-                </a:solidFill>
-              </a:rPr>
-              <a:t>only</a:t>
-            </a:r>
-            <a:r>
-              <a:rPr lang="fr-FR" i="0" dirty="0" smtClean="0">
-                <a:solidFill>
-                  <a:srgbClr val="404040"/>
-                </a:solidFill>
-              </a:rPr>
-              <a:t> permission</a:t>
-            </a:r>
-          </a:p>
-          <a:p>
-            <a:pPr marL="265113" lvl="1" indent="-265113">
-              <a:lnSpc>
-                <a:spcPct val="100000"/>
-              </a:lnSpc>
-            </a:pPr>
-            <a:r>
-              <a:rPr lang="fr-FR" i="0" dirty="0" smtClean="0">
-                <a:solidFill>
-                  <a:srgbClr val="404040"/>
-                </a:solidFill>
-              </a:rPr>
-              <a:t>Restart </a:t>
-            </a:r>
-            <a:r>
-              <a:rPr lang="fr-FR" i="0" dirty="0" err="1" smtClean="0">
-                <a:solidFill>
-                  <a:srgbClr val="404040"/>
-                </a:solidFill>
-              </a:rPr>
-              <a:t>eXo</a:t>
-            </a:r>
-            <a:endParaRPr lang="fr-FR" i="0" dirty="0" smtClean="0">
-              <a:solidFill>
-                <a:srgbClr val="404040"/>
-              </a:solidFill>
-            </a:endParaRPr>
-          </a:p>
-          <a:p>
-            <a:pPr marL="265113" lvl="1" indent="-265113">
-              <a:lnSpc>
-                <a:spcPct val="100000"/>
-              </a:lnSpc>
-            </a:pPr>
-            <a:r>
-              <a:rPr lang="fr-FR" i="0" dirty="0" err="1" smtClean="0">
-                <a:solidFill>
-                  <a:srgbClr val="404040"/>
-                </a:solidFill>
-              </a:rPr>
-              <a:t>Launch</a:t>
-            </a:r>
-            <a:r>
-              <a:rPr lang="fr-FR" i="0" dirty="0" smtClean="0">
-                <a:solidFill>
-                  <a:srgbClr val="404040"/>
-                </a:solidFill>
-              </a:rPr>
-              <a:t> </a:t>
-            </a:r>
-            <a:r>
-              <a:rPr lang="fr-FR" i="0" dirty="0" err="1" smtClean="0">
-                <a:solidFill>
-                  <a:srgbClr val="404040"/>
-                </a:solidFill>
-              </a:rPr>
-              <a:t>VisualVM</a:t>
-            </a:r>
-            <a:endParaRPr lang="fr-FR" i="0" dirty="0" smtClean="0">
-              <a:solidFill>
-                <a:srgbClr val="404040"/>
-              </a:solidFill>
-            </a:endParaRPr>
-          </a:p>
-          <a:p>
-            <a:pPr marL="265113" lvl="1" indent="-265113">
-              <a:lnSpc>
-                <a:spcPct val="100000"/>
-              </a:lnSpc>
-            </a:pPr>
-            <a:r>
-              <a:rPr lang="fr-FR" i="0" dirty="0" err="1" smtClean="0">
-                <a:solidFill>
-                  <a:srgbClr val="404040"/>
-                </a:solidFill>
-              </a:rPr>
-              <a:t>Try</a:t>
-            </a:r>
-            <a:r>
-              <a:rPr lang="fr-FR" i="0" dirty="0" smtClean="0">
-                <a:solidFill>
-                  <a:srgbClr val="404040"/>
-                </a:solidFill>
-              </a:rPr>
-              <a:t> to </a:t>
-            </a:r>
-            <a:r>
-              <a:rPr lang="fr-FR" i="0" dirty="0" err="1" smtClean="0">
-                <a:solidFill>
-                  <a:srgbClr val="404040"/>
-                </a:solidFill>
-              </a:rPr>
-              <a:t>connect</a:t>
-            </a:r>
-            <a:r>
-              <a:rPr lang="fr-FR" i="0" dirty="0" smtClean="0">
-                <a:solidFill>
-                  <a:srgbClr val="404040"/>
-                </a:solidFill>
-              </a:rPr>
-              <a:t> to </a:t>
-            </a:r>
-            <a:r>
-              <a:rPr lang="fr-FR" i="0" dirty="0" err="1" smtClean="0">
-                <a:solidFill>
-                  <a:srgbClr val="404040"/>
-                </a:solidFill>
-              </a:rPr>
-              <a:t>jmx</a:t>
-            </a:r>
-            <a:r>
-              <a:rPr lang="fr-FR" i="0" dirty="0" smtClean="0">
-                <a:solidFill>
-                  <a:srgbClr val="404040"/>
-                </a:solidFill>
-              </a:rPr>
-              <a:t>, </a:t>
-            </a:r>
-            <a:r>
-              <a:rPr lang="fr-FR" i="0" dirty="0" err="1" smtClean="0">
-                <a:solidFill>
-                  <a:srgbClr val="404040"/>
-                </a:solidFill>
-              </a:rPr>
-              <a:t>what</a:t>
-            </a:r>
-            <a:r>
-              <a:rPr lang="fr-FR" i="0" dirty="0" smtClean="0">
-                <a:solidFill>
-                  <a:srgbClr val="404040"/>
-                </a:solidFill>
-              </a:rPr>
-              <a:t> </a:t>
-            </a:r>
-            <a:r>
-              <a:rPr lang="fr-FR" i="0" dirty="0" err="1" smtClean="0">
-                <a:solidFill>
-                  <a:srgbClr val="404040"/>
-                </a:solidFill>
-              </a:rPr>
-              <a:t>happens</a:t>
-            </a:r>
-            <a:r>
-              <a:rPr lang="fr-FR" i="0" dirty="0" smtClean="0">
-                <a:solidFill>
-                  <a:srgbClr val="404040"/>
-                </a:solidFill>
-              </a:rPr>
-              <a:t>?</a:t>
-            </a:r>
-          </a:p>
-          <a:p>
-            <a:pPr marL="265113" lvl="1" indent="-265113">
-              <a:lnSpc>
-                <a:spcPct val="100000"/>
-              </a:lnSpc>
-            </a:pPr>
-            <a:r>
-              <a:rPr lang="fr-FR" i="0" dirty="0" err="1" smtClean="0">
-                <a:solidFill>
-                  <a:srgbClr val="404040"/>
-                </a:solidFill>
-              </a:rPr>
-              <a:t>Connect</a:t>
-            </a:r>
-            <a:r>
-              <a:rPr lang="fr-FR" i="0" dirty="0" smtClean="0">
-                <a:solidFill>
-                  <a:srgbClr val="404040"/>
-                </a:solidFill>
-              </a:rPr>
-              <a:t> to </a:t>
-            </a:r>
-            <a:r>
-              <a:rPr lang="fr-FR" i="0" dirty="0" err="1" smtClean="0">
-                <a:solidFill>
-                  <a:srgbClr val="404040"/>
-                </a:solidFill>
-              </a:rPr>
-              <a:t>jmx</a:t>
-            </a:r>
-            <a:r>
-              <a:rPr lang="fr-FR" i="0" dirty="0" smtClean="0">
-                <a:solidFill>
-                  <a:srgbClr val="404040"/>
-                </a:solidFill>
-              </a:rPr>
-              <a:t> </a:t>
-            </a:r>
-            <a:r>
-              <a:rPr lang="fr-FR" i="0" dirty="0" err="1" smtClean="0">
-                <a:solidFill>
-                  <a:srgbClr val="404040"/>
-                </a:solidFill>
-              </a:rPr>
-              <a:t>with</a:t>
-            </a:r>
-            <a:r>
-              <a:rPr lang="fr-FR" i="0" dirty="0" smtClean="0">
-                <a:solidFill>
-                  <a:srgbClr val="404040"/>
-                </a:solidFill>
-              </a:rPr>
-              <a:t> user </a:t>
-            </a:r>
-            <a:r>
-              <a:rPr lang="fr-FR" i="0" dirty="0" err="1" smtClean="0">
-                <a:solidFill>
-                  <a:srgbClr val="404040"/>
-                </a:solidFill>
-              </a:rPr>
-              <a:t>guestjmx</a:t>
-            </a:r>
-            <a:r>
-              <a:rPr lang="fr-FR" i="0" dirty="0" smtClean="0">
-                <a:solidFill>
-                  <a:srgbClr val="404040"/>
-                </a:solidFill>
-              </a:rPr>
-              <a:t>, go to </a:t>
-            </a:r>
-            <a:r>
-              <a:rPr lang="fr-FR" i="0" dirty="0" err="1" smtClean="0">
-                <a:solidFill>
-                  <a:srgbClr val="404040"/>
-                </a:solidFill>
-              </a:rPr>
-              <a:t>Mbeans</a:t>
-            </a:r>
-            <a:r>
-              <a:rPr lang="fr-FR" i="0" dirty="0" smtClean="0">
-                <a:solidFill>
-                  <a:srgbClr val="404040"/>
-                </a:solidFill>
-              </a:rPr>
-              <a:t>, go to </a:t>
-            </a:r>
-            <a:r>
-              <a:rPr lang="fr-FR" i="0" dirty="0" err="1" smtClean="0">
-                <a:solidFill>
-                  <a:srgbClr val="404040"/>
-                </a:solidFill>
-              </a:rPr>
-              <a:t>catalina</a:t>
-            </a:r>
-            <a:r>
-              <a:rPr lang="fr-FR" i="0" dirty="0" smtClean="0">
-                <a:solidFill>
-                  <a:srgbClr val="404040"/>
-                </a:solidFill>
-              </a:rPr>
-              <a:t>-&gt;</a:t>
-            </a:r>
-            <a:r>
-              <a:rPr lang="fr-FR" i="0" dirty="0" err="1" smtClean="0">
-                <a:solidFill>
-                  <a:srgbClr val="404040"/>
-                </a:solidFill>
-              </a:rPr>
-              <a:t>engine</a:t>
-            </a:r>
-            <a:r>
-              <a:rPr lang="fr-FR" i="0" dirty="0" smtClean="0">
-                <a:solidFill>
-                  <a:srgbClr val="404040"/>
-                </a:solidFill>
-              </a:rPr>
-              <a:t>, and </a:t>
-            </a:r>
-            <a:r>
-              <a:rPr lang="fr-FR" i="0" dirty="0" err="1" smtClean="0">
-                <a:solidFill>
-                  <a:srgbClr val="404040"/>
-                </a:solidFill>
-              </a:rPr>
-              <a:t>try</a:t>
-            </a:r>
-            <a:r>
-              <a:rPr lang="fr-FR" i="0" dirty="0" smtClean="0">
-                <a:solidFill>
-                  <a:srgbClr val="404040"/>
-                </a:solidFill>
-              </a:rPr>
-              <a:t> to stop the </a:t>
-            </a:r>
-            <a:r>
-              <a:rPr lang="fr-FR" i="0" dirty="0" err="1" smtClean="0">
-                <a:solidFill>
-                  <a:srgbClr val="404040"/>
-                </a:solidFill>
-              </a:rPr>
-              <a:t>engine</a:t>
-            </a:r>
-            <a:r>
-              <a:rPr lang="fr-FR" i="0" dirty="0" smtClean="0">
-                <a:solidFill>
-                  <a:srgbClr val="404040"/>
-                </a:solidFill>
-              </a:rPr>
-              <a:t> via the </a:t>
-            </a:r>
-            <a:r>
-              <a:rPr lang="fr-FR" i="0" dirty="0" err="1" smtClean="0">
-                <a:solidFill>
-                  <a:srgbClr val="404040"/>
-                </a:solidFill>
-              </a:rPr>
-              <a:t>operation</a:t>
-            </a:r>
-            <a:r>
-              <a:rPr lang="fr-FR" i="0" dirty="0" smtClean="0">
-                <a:solidFill>
-                  <a:srgbClr val="404040"/>
-                </a:solidFill>
-              </a:rPr>
-              <a:t> </a:t>
-            </a:r>
-            <a:r>
-              <a:rPr lang="fr-FR" i="0" dirty="0" err="1" smtClean="0">
-                <a:solidFill>
-                  <a:srgbClr val="404040"/>
-                </a:solidFill>
-              </a:rPr>
-              <a:t>tab.</a:t>
-            </a:r>
-            <a:r>
-              <a:rPr lang="fr-FR" i="0" dirty="0" smtClean="0">
-                <a:solidFill>
-                  <a:srgbClr val="404040"/>
-                </a:solidFill>
-              </a:rPr>
-              <a:t> </a:t>
-            </a:r>
-            <a:r>
-              <a:rPr lang="fr-FR" i="0" dirty="0" err="1">
-                <a:solidFill>
-                  <a:srgbClr val="404040"/>
-                </a:solidFill>
-              </a:rPr>
-              <a:t>W</a:t>
-            </a:r>
-            <a:r>
-              <a:rPr lang="fr-FR" i="0" dirty="0" err="1" smtClean="0">
-                <a:solidFill>
-                  <a:srgbClr val="404040"/>
-                </a:solidFill>
-              </a:rPr>
-              <a:t>hat</a:t>
-            </a:r>
-            <a:r>
-              <a:rPr lang="fr-FR" i="0" dirty="0" smtClean="0">
-                <a:solidFill>
-                  <a:srgbClr val="404040"/>
-                </a:solidFill>
-              </a:rPr>
-              <a:t> </a:t>
-            </a:r>
-            <a:r>
-              <a:rPr lang="fr-FR" i="0" dirty="0" err="1" smtClean="0">
-                <a:solidFill>
-                  <a:srgbClr val="404040"/>
-                </a:solidFill>
-              </a:rPr>
-              <a:t>happens</a:t>
-            </a:r>
-            <a:r>
-              <a:rPr lang="fr-FR" i="0" dirty="0" smtClean="0">
-                <a:solidFill>
-                  <a:srgbClr val="404040"/>
-                </a:solidFill>
-              </a:rPr>
-              <a:t>?</a:t>
-            </a:r>
-          </a:p>
-          <a:p>
-            <a:pPr marL="265113" lvl="1" indent="-265113">
-              <a:lnSpc>
-                <a:spcPct val="100000"/>
-              </a:lnSpc>
-            </a:pPr>
-            <a:r>
-              <a:rPr lang="fr-FR" i="0" dirty="0" err="1">
-                <a:solidFill>
-                  <a:srgbClr val="404040"/>
-                </a:solidFill>
-              </a:rPr>
-              <a:t>Connect</a:t>
-            </a:r>
-            <a:r>
-              <a:rPr lang="fr-FR" i="0" dirty="0">
-                <a:solidFill>
-                  <a:srgbClr val="404040"/>
-                </a:solidFill>
-              </a:rPr>
-              <a:t> to </a:t>
-            </a:r>
-            <a:r>
-              <a:rPr lang="fr-FR" i="0" dirty="0" err="1">
-                <a:solidFill>
-                  <a:srgbClr val="404040"/>
-                </a:solidFill>
-              </a:rPr>
-              <a:t>jmx</a:t>
-            </a:r>
-            <a:r>
-              <a:rPr lang="fr-FR" i="0" dirty="0">
-                <a:solidFill>
-                  <a:srgbClr val="404040"/>
-                </a:solidFill>
-              </a:rPr>
-              <a:t> </a:t>
-            </a:r>
-            <a:r>
-              <a:rPr lang="fr-FR" i="0" dirty="0" err="1">
-                <a:solidFill>
-                  <a:srgbClr val="404040"/>
-                </a:solidFill>
-              </a:rPr>
-              <a:t>with</a:t>
-            </a:r>
-            <a:r>
-              <a:rPr lang="fr-FR" i="0" dirty="0">
-                <a:solidFill>
-                  <a:srgbClr val="404040"/>
-                </a:solidFill>
-              </a:rPr>
-              <a:t> user </a:t>
-            </a:r>
-            <a:r>
-              <a:rPr lang="fr-FR" i="0" dirty="0" err="1">
-                <a:solidFill>
-                  <a:srgbClr val="404040"/>
-                </a:solidFill>
-              </a:rPr>
-              <a:t>guestjmx</a:t>
-            </a:r>
-            <a:r>
-              <a:rPr lang="fr-FR" i="0" dirty="0">
-                <a:solidFill>
-                  <a:srgbClr val="404040"/>
-                </a:solidFill>
-              </a:rPr>
-              <a:t>, go to </a:t>
-            </a:r>
-            <a:r>
-              <a:rPr lang="fr-FR" i="0" dirty="0" err="1">
-                <a:solidFill>
-                  <a:srgbClr val="404040"/>
-                </a:solidFill>
-              </a:rPr>
-              <a:t>Mbeans</a:t>
-            </a:r>
-            <a:r>
-              <a:rPr lang="fr-FR" i="0" dirty="0">
-                <a:solidFill>
-                  <a:srgbClr val="404040"/>
-                </a:solidFill>
-              </a:rPr>
-              <a:t>, go to </a:t>
-            </a:r>
-            <a:r>
-              <a:rPr lang="fr-FR" i="0" dirty="0" err="1">
-                <a:solidFill>
-                  <a:srgbClr val="404040"/>
-                </a:solidFill>
-              </a:rPr>
-              <a:t>catalina</a:t>
-            </a:r>
-            <a:r>
-              <a:rPr lang="fr-FR" i="0" dirty="0">
-                <a:solidFill>
-                  <a:srgbClr val="404040"/>
-                </a:solidFill>
-              </a:rPr>
-              <a:t>-&gt;</a:t>
-            </a:r>
-            <a:r>
-              <a:rPr lang="fr-FR" i="0" dirty="0" err="1">
-                <a:solidFill>
-                  <a:srgbClr val="404040"/>
-                </a:solidFill>
-              </a:rPr>
-              <a:t>engine</a:t>
-            </a:r>
-            <a:r>
-              <a:rPr lang="fr-FR" i="0" dirty="0">
-                <a:solidFill>
-                  <a:srgbClr val="404040"/>
-                </a:solidFill>
-              </a:rPr>
-              <a:t>, and </a:t>
-            </a:r>
-            <a:r>
-              <a:rPr lang="fr-FR" i="0" dirty="0" err="1">
-                <a:solidFill>
-                  <a:srgbClr val="404040"/>
-                </a:solidFill>
-              </a:rPr>
-              <a:t>try</a:t>
-            </a:r>
-            <a:r>
-              <a:rPr lang="fr-FR" i="0" dirty="0">
-                <a:solidFill>
-                  <a:srgbClr val="404040"/>
-                </a:solidFill>
-              </a:rPr>
-              <a:t> to stop the </a:t>
-            </a:r>
-            <a:r>
-              <a:rPr lang="fr-FR" i="0" dirty="0" err="1">
-                <a:solidFill>
-                  <a:srgbClr val="404040"/>
-                </a:solidFill>
-              </a:rPr>
-              <a:t>engine</a:t>
-            </a:r>
-            <a:r>
-              <a:rPr lang="fr-FR" i="0" dirty="0">
-                <a:solidFill>
-                  <a:srgbClr val="404040"/>
-                </a:solidFill>
-              </a:rPr>
-              <a:t> via the </a:t>
-            </a:r>
-            <a:r>
-              <a:rPr lang="fr-FR" i="0" dirty="0" err="1">
-                <a:solidFill>
-                  <a:srgbClr val="404040"/>
-                </a:solidFill>
-              </a:rPr>
-              <a:t>operation</a:t>
-            </a:r>
-            <a:r>
-              <a:rPr lang="fr-FR" i="0" dirty="0">
-                <a:solidFill>
-                  <a:srgbClr val="404040"/>
-                </a:solidFill>
-              </a:rPr>
-              <a:t> </a:t>
-            </a:r>
-            <a:r>
-              <a:rPr lang="fr-FR" i="0" dirty="0" err="1">
-                <a:solidFill>
-                  <a:srgbClr val="404040"/>
-                </a:solidFill>
-              </a:rPr>
-              <a:t>tab.</a:t>
-            </a:r>
-            <a:r>
-              <a:rPr lang="fr-FR" i="0" dirty="0">
-                <a:solidFill>
-                  <a:srgbClr val="404040"/>
-                </a:solidFill>
-              </a:rPr>
-              <a:t> </a:t>
-            </a:r>
-            <a:r>
-              <a:rPr lang="fr-FR" i="0" dirty="0" err="1">
-                <a:solidFill>
-                  <a:srgbClr val="404040"/>
-                </a:solidFill>
-              </a:rPr>
-              <a:t>What</a:t>
-            </a:r>
-            <a:r>
-              <a:rPr lang="fr-FR" i="0" dirty="0">
-                <a:solidFill>
-                  <a:srgbClr val="404040"/>
-                </a:solidFill>
-              </a:rPr>
-              <a:t> </a:t>
-            </a:r>
-            <a:r>
-              <a:rPr lang="fr-FR" i="0" dirty="0" err="1">
-                <a:solidFill>
-                  <a:srgbClr val="404040"/>
-                </a:solidFill>
-              </a:rPr>
-              <a:t>happens</a:t>
-            </a:r>
-            <a:r>
-              <a:rPr lang="fr-FR" i="0" dirty="0" smtClean="0">
-                <a:solidFill>
-                  <a:srgbClr val="404040"/>
-                </a:solidFill>
-              </a:rPr>
-              <a:t>?</a:t>
-            </a:r>
-          </a:p>
-          <a:p>
-            <a:pPr marL="265113" lvl="1" indent="-265113">
-              <a:lnSpc>
-                <a:spcPct val="100000"/>
-              </a:lnSpc>
-            </a:pPr>
-            <a:r>
-              <a:rPr lang="fr-FR" i="0" dirty="0" smtClean="0">
-                <a:solidFill>
-                  <a:srgbClr val="404040"/>
-                </a:solidFill>
-              </a:rPr>
-              <a:t>Restart </a:t>
-            </a:r>
-            <a:r>
-              <a:rPr lang="fr-FR" i="0" dirty="0" err="1" smtClean="0">
-                <a:solidFill>
-                  <a:srgbClr val="404040"/>
-                </a:solidFill>
-              </a:rPr>
-              <a:t>tomcat</a:t>
-            </a:r>
-            <a:endParaRPr lang="fr-FR" i="0" dirty="0">
-              <a:solidFill>
-                <a:srgbClr val="404040"/>
-              </a:solidFill>
-            </a:endParaRPr>
-          </a:p>
-          <a:p>
-            <a:pPr marL="265113" lvl="1" indent="-265113">
-              <a:lnSpc>
-                <a:spcPct val="100000"/>
-              </a:lnSpc>
-            </a:pPr>
-            <a:endParaRPr lang="fr-FR" i="0" dirty="0" smtClean="0">
-              <a:solidFill>
-                <a:srgbClr val="404040"/>
-              </a:solidFill>
-            </a:endParaRPr>
-          </a:p>
-          <a:p>
-            <a:pPr marL="265113" lvl="1" indent="-265113">
-              <a:lnSpc>
-                <a:spcPct val="100000"/>
-              </a:lnSpc>
-            </a:pPr>
-            <a:endParaRPr lang="fr-FR" i="0" dirty="0">
-              <a:solidFill>
-                <a:srgbClr val="404040"/>
-              </a:solidFill>
-            </a:endParaRPr>
-          </a:p>
-          <a:p>
-            <a:pPr marL="265113" lvl="1" indent="-265113">
-              <a:lnSpc>
-                <a:spcPct val="100000"/>
-              </a:lnSpc>
-            </a:pPr>
-            <a:endParaRPr lang="fr-FR" i="0" dirty="0" smtClean="0">
-              <a:solidFill>
-                <a:srgbClr val="404040"/>
-              </a:solidFill>
-            </a:endParaRPr>
-          </a:p>
-          <a:p>
-            <a:pPr marL="265113" lvl="1" indent="-265113">
-              <a:lnSpc>
-                <a:spcPct val="100000"/>
-              </a:lnSpc>
-            </a:pPr>
-            <a:endParaRPr lang="fr-FR" i="0" dirty="0" smtClean="0">
-              <a:solidFill>
-                <a:srgbClr val="404040"/>
-              </a:solidFill>
-            </a:endParaRPr>
-          </a:p>
-          <a:p>
-            <a:pPr marL="265113" lvl="1" indent="-265113">
-              <a:lnSpc>
-                <a:spcPct val="100000"/>
-              </a:lnSpc>
-            </a:pPr>
-            <a:endParaRPr lang="fr-CA" i="0" dirty="0" smtClean="0">
-              <a:solidFill>
-                <a:srgbClr val="404040"/>
-              </a:solidFill>
-            </a:endParaRPr>
-          </a:p>
-          <a:p>
-            <a:pPr marL="265113" lvl="1" indent="-265113">
-              <a:lnSpc>
-                <a:spcPct val="100000"/>
-              </a:lnSpc>
-            </a:pPr>
-            <a:endParaRPr lang="fr-CA" i="0" dirty="0" smtClean="0"/>
-          </a:p>
-          <a:p>
-            <a:pPr marL="265113" lvl="1" indent="-265113">
-              <a:lnSpc>
-                <a:spcPct val="100000"/>
-              </a:lnSpc>
-            </a:pPr>
-            <a:endParaRPr lang="fr-CA" i="0" dirty="0" smtClean="0"/>
-          </a:p>
-        </p:txBody>
-      </p:sp>
-    </p:spTree>
-    <p:extLst>
-      <p:ext uri="{BB962C8B-B14F-4D97-AF65-F5344CB8AC3E}">
-        <p14:creationId xmlns:p14="http://schemas.microsoft.com/office/powerpoint/2010/main" val="190267872"/>
       </p:ext>
     </p:extLst>
   </p:cSld>
@@ -27258,6 +26095,1208 @@
             </a:r>
             <a:r>
               <a:rPr lang="fr-FR" sz="3000" dirty="0" smtClean="0"/>
+              <a:t>80b </a:t>
+            </a:r>
+            <a:r>
+              <a:rPr lang="fr-FR" sz="3000" dirty="0" err="1" smtClean="0"/>
+              <a:t>Connection</a:t>
+            </a:r>
+            <a:r>
+              <a:rPr lang="fr-FR" sz="3000" dirty="0" smtClean="0"/>
+              <a:t> to JMX </a:t>
+            </a:r>
+            <a:r>
+              <a:rPr lang="fr-FR" sz="3000" dirty="0" err="1" smtClean="0"/>
+              <a:t>with</a:t>
+            </a:r>
+            <a:r>
+              <a:rPr lang="fr-FR" sz="3000" dirty="0" smtClean="0"/>
+              <a:t> </a:t>
+            </a:r>
+            <a:r>
+              <a:rPr lang="fr-FR" sz="3000" dirty="0" err="1" smtClean="0"/>
+              <a:t>authentitication</a:t>
+            </a:r>
+            <a:endParaRPr lang="fr-FR" sz="3000" dirty="0"/>
+          </a:p>
+        </p:txBody>
+      </p:sp>
+      <p:sp>
+        <p:nvSpPr>
+          <p:cNvPr id="15363" name="Rectangle 2"/>
+          <p:cNvSpPr>
+            <a:spLocks noGrp="1" noChangeArrowheads="1"/>
+          </p:cNvSpPr>
+          <p:nvPr>
+            <p:ph type="body" idx="1"/>
+          </p:nvPr>
+        </p:nvSpPr>
+        <p:spPr>
+          <a:xfrm>
+            <a:off x="395486" y="1043533"/>
+            <a:ext cx="10219725" cy="5089000"/>
+          </a:xfrm>
+        </p:spPr>
+        <p:txBody>
+          <a:bodyPr rIns="41783" anchor="t"/>
+          <a:lstStyle/>
+          <a:p>
+            <a:pPr marL="265113" lvl="1" indent="-265113">
+              <a:lnSpc>
+                <a:spcPct val="100000"/>
+              </a:lnSpc>
+            </a:pPr>
+            <a:r>
+              <a:rPr lang="fr-CA" i="0" dirty="0" smtClean="0">
+                <a:solidFill>
+                  <a:srgbClr val="404040"/>
+                </a:solidFill>
+              </a:rPr>
+              <a:t>Setup </a:t>
+            </a:r>
+            <a:r>
+              <a:rPr lang="fr-CA" i="0" dirty="0" err="1" smtClean="0">
+                <a:solidFill>
+                  <a:srgbClr val="404040"/>
+                </a:solidFill>
+              </a:rPr>
+              <a:t>eXo</a:t>
+            </a:r>
+            <a:r>
+              <a:rPr lang="fr-CA" i="0" dirty="0" smtClean="0">
+                <a:solidFill>
+                  <a:srgbClr val="404040"/>
+                </a:solidFill>
+              </a:rPr>
+              <a:t> to use </a:t>
+            </a:r>
+            <a:r>
+              <a:rPr lang="fr-CA" i="0" dirty="0" err="1" smtClean="0">
+                <a:solidFill>
+                  <a:srgbClr val="404040"/>
+                </a:solidFill>
+              </a:rPr>
+              <a:t>remote</a:t>
+            </a:r>
+            <a:r>
+              <a:rPr lang="fr-CA" i="0" dirty="0" smtClean="0">
+                <a:solidFill>
+                  <a:srgbClr val="404040"/>
+                </a:solidFill>
+              </a:rPr>
+              <a:t> JMX </a:t>
+            </a:r>
+            <a:r>
+              <a:rPr lang="fr-CA" i="0" dirty="0" err="1" smtClean="0">
+                <a:solidFill>
+                  <a:srgbClr val="404040"/>
+                </a:solidFill>
+              </a:rPr>
+              <a:t>with</a:t>
+            </a:r>
+            <a:r>
+              <a:rPr lang="fr-CA" i="0" dirty="0" smtClean="0">
+                <a:solidFill>
+                  <a:srgbClr val="404040"/>
+                </a:solidFill>
+              </a:rPr>
+              <a:t> authentification (All information are in the </a:t>
+            </a:r>
+            <a:r>
+              <a:rPr lang="fr-FR" i="0" dirty="0" smtClean="0">
+                <a:solidFill>
+                  <a:srgbClr val="404040"/>
+                </a:solidFill>
+              </a:rPr>
+              <a:t>JMX </a:t>
+            </a:r>
+            <a:r>
+              <a:rPr lang="fr-FR" i="0" dirty="0" err="1">
+                <a:solidFill>
+                  <a:srgbClr val="404040"/>
+                </a:solidFill>
+              </a:rPr>
+              <a:t>remote</a:t>
+            </a:r>
+            <a:r>
+              <a:rPr lang="fr-FR" i="0" dirty="0">
+                <a:solidFill>
+                  <a:srgbClr val="404040"/>
+                </a:solidFill>
+              </a:rPr>
+              <a:t> configuration (</a:t>
+            </a:r>
+            <a:r>
+              <a:rPr lang="fr-FR" i="0" dirty="0" err="1">
+                <a:solidFill>
+                  <a:srgbClr val="404040"/>
+                </a:solidFill>
+              </a:rPr>
+              <a:t>tomcat</a:t>
+            </a:r>
+            <a:r>
+              <a:rPr lang="fr-FR" i="0" dirty="0">
+                <a:solidFill>
+                  <a:srgbClr val="404040"/>
+                </a:solidFill>
+              </a:rPr>
+              <a:t> - </a:t>
+            </a:r>
+            <a:r>
+              <a:rPr lang="fr-CA" i="0" dirty="0" err="1">
+                <a:solidFill>
+                  <a:srgbClr val="404040"/>
+                </a:solidFill>
+              </a:rPr>
+              <a:t>Password</a:t>
+            </a:r>
+            <a:r>
+              <a:rPr lang="fr-CA" i="0" dirty="0">
+                <a:solidFill>
+                  <a:srgbClr val="404040"/>
+                </a:solidFill>
+              </a:rPr>
+              <a:t> </a:t>
+            </a:r>
+            <a:r>
+              <a:rPr lang="fr-CA" i="0" dirty="0" err="1" smtClean="0">
+                <a:solidFill>
+                  <a:srgbClr val="404040"/>
+                </a:solidFill>
+              </a:rPr>
+              <a:t>Authentication</a:t>
+            </a:r>
+            <a:r>
+              <a:rPr lang="fr-FR" i="0" dirty="0" smtClean="0">
+                <a:solidFill>
+                  <a:srgbClr val="404040"/>
+                </a:solidFill>
+              </a:rPr>
+              <a:t> </a:t>
+            </a:r>
+            <a:r>
+              <a:rPr lang="fr-FR" i="0" dirty="0" err="1" smtClean="0">
+                <a:solidFill>
+                  <a:srgbClr val="404040"/>
+                </a:solidFill>
+              </a:rPr>
+              <a:t>slides</a:t>
+            </a:r>
+            <a:r>
+              <a:rPr lang="fr-FR" i="0" dirty="0" smtClean="0">
+                <a:solidFill>
+                  <a:srgbClr val="404040"/>
+                </a:solidFill>
+              </a:rPr>
+              <a:t>).</a:t>
+            </a:r>
+          </a:p>
+          <a:p>
+            <a:pPr marL="265113" lvl="1" indent="-265113">
+              <a:lnSpc>
+                <a:spcPct val="100000"/>
+              </a:lnSpc>
+            </a:pPr>
+            <a:r>
+              <a:rPr lang="fr-FR" i="0" dirty="0" err="1" smtClean="0">
+                <a:solidFill>
+                  <a:srgbClr val="404040"/>
+                </a:solidFill>
+              </a:rPr>
+              <a:t>Create</a:t>
+            </a:r>
+            <a:r>
+              <a:rPr lang="fr-FR" i="0" dirty="0" smtClean="0">
+                <a:solidFill>
+                  <a:srgbClr val="404040"/>
+                </a:solidFill>
+              </a:rPr>
+              <a:t> a user </a:t>
+            </a:r>
+            <a:r>
+              <a:rPr lang="fr-FR" i="0" dirty="0" err="1" smtClean="0">
+                <a:solidFill>
+                  <a:srgbClr val="404040"/>
+                </a:solidFill>
+              </a:rPr>
+              <a:t>adminjmx</a:t>
+            </a:r>
+            <a:r>
+              <a:rPr lang="fr-FR" i="0" dirty="0" smtClean="0">
+                <a:solidFill>
+                  <a:srgbClr val="404040"/>
+                </a:solidFill>
+              </a:rPr>
+              <a:t> </a:t>
+            </a:r>
+            <a:r>
+              <a:rPr lang="fr-FR" i="0" dirty="0" err="1" smtClean="0">
+                <a:solidFill>
+                  <a:srgbClr val="404040"/>
+                </a:solidFill>
+              </a:rPr>
+              <a:t>password</a:t>
+            </a:r>
+            <a:r>
+              <a:rPr lang="fr-FR" i="0" dirty="0" smtClean="0">
+                <a:solidFill>
+                  <a:srgbClr val="404040"/>
+                </a:solidFill>
+              </a:rPr>
+              <a:t> </a:t>
+            </a:r>
+            <a:r>
+              <a:rPr lang="fr-FR" i="0" dirty="0" err="1" smtClean="0">
+                <a:solidFill>
+                  <a:srgbClr val="404040"/>
+                </a:solidFill>
+              </a:rPr>
+              <a:t>adminjmx</a:t>
+            </a:r>
+            <a:r>
+              <a:rPr lang="fr-FR" i="0" dirty="0" smtClean="0">
+                <a:solidFill>
+                  <a:srgbClr val="404040"/>
+                </a:solidFill>
+              </a:rPr>
+              <a:t> </a:t>
+            </a:r>
+            <a:r>
+              <a:rPr lang="fr-FR" i="0" dirty="0" err="1" smtClean="0">
+                <a:solidFill>
+                  <a:srgbClr val="404040"/>
+                </a:solidFill>
+              </a:rPr>
+              <a:t>with</a:t>
+            </a:r>
+            <a:r>
+              <a:rPr lang="fr-FR" i="0" dirty="0" smtClean="0">
+                <a:solidFill>
+                  <a:srgbClr val="404040"/>
+                </a:solidFill>
+              </a:rPr>
+              <a:t> </a:t>
+            </a:r>
+            <a:r>
+              <a:rPr lang="fr-FR" i="0" dirty="0" err="1" smtClean="0">
+                <a:solidFill>
+                  <a:srgbClr val="404040"/>
+                </a:solidFill>
+              </a:rPr>
+              <a:t>read</a:t>
+            </a:r>
+            <a:r>
+              <a:rPr lang="fr-FR" i="0" dirty="0" smtClean="0">
+                <a:solidFill>
+                  <a:srgbClr val="404040"/>
+                </a:solidFill>
+              </a:rPr>
+              <a:t> </a:t>
+            </a:r>
+            <a:r>
+              <a:rPr lang="fr-FR" i="0" dirty="0" err="1" smtClean="0">
+                <a:solidFill>
+                  <a:srgbClr val="404040"/>
+                </a:solidFill>
+              </a:rPr>
+              <a:t>write</a:t>
+            </a:r>
+            <a:r>
+              <a:rPr lang="fr-FR" i="0" dirty="0" smtClean="0">
+                <a:solidFill>
+                  <a:srgbClr val="404040"/>
+                </a:solidFill>
+              </a:rPr>
+              <a:t> permission</a:t>
+            </a:r>
+          </a:p>
+          <a:p>
+            <a:pPr marL="265113" lvl="1" indent="-265113">
+              <a:lnSpc>
+                <a:spcPct val="100000"/>
+              </a:lnSpc>
+            </a:pPr>
+            <a:r>
+              <a:rPr lang="fr-FR" i="0" dirty="0" err="1">
+                <a:solidFill>
+                  <a:srgbClr val="404040"/>
+                </a:solidFill>
+              </a:rPr>
+              <a:t>Create</a:t>
+            </a:r>
+            <a:r>
+              <a:rPr lang="fr-FR" i="0" dirty="0">
+                <a:solidFill>
+                  <a:srgbClr val="404040"/>
+                </a:solidFill>
+              </a:rPr>
+              <a:t> a user </a:t>
+            </a:r>
+            <a:r>
+              <a:rPr lang="fr-FR" i="0" dirty="0" err="1" smtClean="0">
+                <a:solidFill>
+                  <a:srgbClr val="404040"/>
+                </a:solidFill>
+              </a:rPr>
+              <a:t>guestjmx</a:t>
+            </a:r>
+            <a:r>
+              <a:rPr lang="fr-FR" i="0" dirty="0" smtClean="0">
+                <a:solidFill>
+                  <a:srgbClr val="404040"/>
+                </a:solidFill>
+              </a:rPr>
+              <a:t> </a:t>
+            </a:r>
+            <a:r>
+              <a:rPr lang="fr-FR" i="0" dirty="0" err="1">
+                <a:solidFill>
+                  <a:srgbClr val="404040"/>
+                </a:solidFill>
+              </a:rPr>
+              <a:t>password</a:t>
+            </a:r>
+            <a:r>
+              <a:rPr lang="fr-FR" i="0" dirty="0">
+                <a:solidFill>
+                  <a:srgbClr val="404040"/>
+                </a:solidFill>
+              </a:rPr>
+              <a:t> </a:t>
+            </a:r>
+            <a:r>
+              <a:rPr lang="fr-FR" i="0" dirty="0" err="1" smtClean="0">
+                <a:solidFill>
+                  <a:srgbClr val="404040"/>
+                </a:solidFill>
+              </a:rPr>
+              <a:t>guestjmx</a:t>
+            </a:r>
+            <a:r>
+              <a:rPr lang="fr-FR" i="0" dirty="0" smtClean="0">
+                <a:solidFill>
+                  <a:srgbClr val="404040"/>
+                </a:solidFill>
+              </a:rPr>
+              <a:t> </a:t>
+            </a:r>
+            <a:r>
+              <a:rPr lang="fr-FR" i="0" dirty="0" err="1">
+                <a:solidFill>
+                  <a:srgbClr val="404040"/>
+                </a:solidFill>
+              </a:rPr>
+              <a:t>with</a:t>
+            </a:r>
+            <a:r>
+              <a:rPr lang="fr-FR" i="0" dirty="0">
+                <a:solidFill>
+                  <a:srgbClr val="404040"/>
+                </a:solidFill>
+              </a:rPr>
+              <a:t> </a:t>
+            </a:r>
+            <a:r>
+              <a:rPr lang="fr-FR" i="0" dirty="0" err="1" smtClean="0">
+                <a:solidFill>
+                  <a:srgbClr val="404040"/>
+                </a:solidFill>
+              </a:rPr>
+              <a:t>read</a:t>
+            </a:r>
+            <a:r>
+              <a:rPr lang="fr-FR" i="0" dirty="0" smtClean="0">
+                <a:solidFill>
+                  <a:srgbClr val="404040"/>
+                </a:solidFill>
+              </a:rPr>
+              <a:t> </a:t>
+            </a:r>
+            <a:r>
+              <a:rPr lang="fr-FR" i="0" dirty="0" err="1" smtClean="0">
+                <a:solidFill>
+                  <a:srgbClr val="404040"/>
+                </a:solidFill>
+              </a:rPr>
+              <a:t>only</a:t>
+            </a:r>
+            <a:r>
+              <a:rPr lang="fr-FR" i="0" dirty="0" smtClean="0">
+                <a:solidFill>
+                  <a:srgbClr val="404040"/>
+                </a:solidFill>
+              </a:rPr>
+              <a:t> permission</a:t>
+            </a:r>
+          </a:p>
+          <a:p>
+            <a:pPr marL="265113" lvl="1" indent="-265113">
+              <a:lnSpc>
+                <a:spcPct val="100000"/>
+              </a:lnSpc>
+            </a:pPr>
+            <a:r>
+              <a:rPr lang="fr-FR" i="0" dirty="0" smtClean="0">
+                <a:solidFill>
+                  <a:srgbClr val="404040"/>
+                </a:solidFill>
+              </a:rPr>
+              <a:t>Restart </a:t>
+            </a:r>
+            <a:r>
+              <a:rPr lang="fr-FR" i="0" dirty="0" err="1" smtClean="0">
+                <a:solidFill>
+                  <a:srgbClr val="404040"/>
+                </a:solidFill>
+              </a:rPr>
+              <a:t>eXo</a:t>
+            </a:r>
+            <a:endParaRPr lang="fr-FR" i="0" dirty="0" smtClean="0">
+              <a:solidFill>
+                <a:srgbClr val="404040"/>
+              </a:solidFill>
+            </a:endParaRPr>
+          </a:p>
+          <a:p>
+            <a:pPr marL="265113" lvl="1" indent="-265113">
+              <a:lnSpc>
+                <a:spcPct val="100000"/>
+              </a:lnSpc>
+            </a:pPr>
+            <a:r>
+              <a:rPr lang="fr-FR" i="0" dirty="0" err="1" smtClean="0">
+                <a:solidFill>
+                  <a:srgbClr val="404040"/>
+                </a:solidFill>
+              </a:rPr>
+              <a:t>Launch</a:t>
+            </a:r>
+            <a:r>
+              <a:rPr lang="fr-FR" i="0" dirty="0" smtClean="0">
+                <a:solidFill>
+                  <a:srgbClr val="404040"/>
+                </a:solidFill>
+              </a:rPr>
+              <a:t> </a:t>
+            </a:r>
+            <a:r>
+              <a:rPr lang="fr-FR" i="0" dirty="0" err="1" smtClean="0">
+                <a:solidFill>
+                  <a:srgbClr val="404040"/>
+                </a:solidFill>
+              </a:rPr>
+              <a:t>VisualVM</a:t>
+            </a:r>
+            <a:endParaRPr lang="fr-FR" i="0" dirty="0" smtClean="0">
+              <a:solidFill>
+                <a:srgbClr val="404040"/>
+              </a:solidFill>
+            </a:endParaRPr>
+          </a:p>
+          <a:p>
+            <a:pPr marL="265113" lvl="1" indent="-265113">
+              <a:lnSpc>
+                <a:spcPct val="100000"/>
+              </a:lnSpc>
+            </a:pPr>
+            <a:r>
+              <a:rPr lang="fr-FR" i="0" dirty="0" err="1" smtClean="0">
+                <a:solidFill>
+                  <a:srgbClr val="404040"/>
+                </a:solidFill>
+              </a:rPr>
+              <a:t>Try</a:t>
+            </a:r>
+            <a:r>
+              <a:rPr lang="fr-FR" i="0" dirty="0" smtClean="0">
+                <a:solidFill>
+                  <a:srgbClr val="404040"/>
+                </a:solidFill>
+              </a:rPr>
+              <a:t> to </a:t>
+            </a:r>
+            <a:r>
+              <a:rPr lang="fr-FR" i="0" dirty="0" err="1" smtClean="0">
+                <a:solidFill>
+                  <a:srgbClr val="404040"/>
+                </a:solidFill>
+              </a:rPr>
+              <a:t>connect</a:t>
+            </a:r>
+            <a:r>
+              <a:rPr lang="fr-FR" i="0" dirty="0" smtClean="0">
+                <a:solidFill>
+                  <a:srgbClr val="404040"/>
+                </a:solidFill>
+              </a:rPr>
+              <a:t> to </a:t>
+            </a:r>
+            <a:r>
+              <a:rPr lang="fr-FR" i="0" dirty="0" err="1" smtClean="0">
+                <a:solidFill>
+                  <a:srgbClr val="404040"/>
+                </a:solidFill>
+              </a:rPr>
+              <a:t>jmx</a:t>
+            </a:r>
+            <a:r>
+              <a:rPr lang="fr-FR" i="0" dirty="0" smtClean="0">
+                <a:solidFill>
+                  <a:srgbClr val="404040"/>
+                </a:solidFill>
+              </a:rPr>
+              <a:t>, </a:t>
+            </a:r>
+            <a:r>
+              <a:rPr lang="fr-FR" i="0" dirty="0" err="1" smtClean="0">
+                <a:solidFill>
+                  <a:srgbClr val="404040"/>
+                </a:solidFill>
+              </a:rPr>
+              <a:t>what</a:t>
+            </a:r>
+            <a:r>
+              <a:rPr lang="fr-FR" i="0" dirty="0" smtClean="0">
+                <a:solidFill>
+                  <a:srgbClr val="404040"/>
+                </a:solidFill>
+              </a:rPr>
+              <a:t> </a:t>
+            </a:r>
+            <a:r>
+              <a:rPr lang="fr-FR" i="0" dirty="0" err="1" smtClean="0">
+                <a:solidFill>
+                  <a:srgbClr val="404040"/>
+                </a:solidFill>
+              </a:rPr>
+              <a:t>happens</a:t>
+            </a:r>
+            <a:r>
+              <a:rPr lang="fr-FR" i="0" dirty="0" smtClean="0">
+                <a:solidFill>
+                  <a:srgbClr val="404040"/>
+                </a:solidFill>
+              </a:rPr>
+              <a:t>?</a:t>
+            </a:r>
+          </a:p>
+          <a:p>
+            <a:pPr marL="265113" lvl="1" indent="-265113">
+              <a:lnSpc>
+                <a:spcPct val="100000"/>
+              </a:lnSpc>
+            </a:pPr>
+            <a:r>
+              <a:rPr lang="fr-FR" i="0" dirty="0" err="1" smtClean="0">
+                <a:solidFill>
+                  <a:srgbClr val="404040"/>
+                </a:solidFill>
+              </a:rPr>
+              <a:t>Connect</a:t>
+            </a:r>
+            <a:r>
+              <a:rPr lang="fr-FR" i="0" dirty="0" smtClean="0">
+                <a:solidFill>
+                  <a:srgbClr val="404040"/>
+                </a:solidFill>
+              </a:rPr>
+              <a:t> to </a:t>
+            </a:r>
+            <a:r>
+              <a:rPr lang="fr-FR" i="0" dirty="0" err="1" smtClean="0">
+                <a:solidFill>
+                  <a:srgbClr val="404040"/>
+                </a:solidFill>
+              </a:rPr>
+              <a:t>jmx</a:t>
+            </a:r>
+            <a:r>
+              <a:rPr lang="fr-FR" i="0" dirty="0" smtClean="0">
+                <a:solidFill>
+                  <a:srgbClr val="404040"/>
+                </a:solidFill>
+              </a:rPr>
+              <a:t> </a:t>
+            </a:r>
+            <a:r>
+              <a:rPr lang="fr-FR" i="0" dirty="0" err="1" smtClean="0">
+                <a:solidFill>
+                  <a:srgbClr val="404040"/>
+                </a:solidFill>
+              </a:rPr>
+              <a:t>with</a:t>
+            </a:r>
+            <a:r>
+              <a:rPr lang="fr-FR" i="0" dirty="0" smtClean="0">
+                <a:solidFill>
+                  <a:srgbClr val="404040"/>
+                </a:solidFill>
+              </a:rPr>
+              <a:t> user </a:t>
+            </a:r>
+            <a:r>
+              <a:rPr lang="fr-FR" i="0" dirty="0" err="1" smtClean="0">
+                <a:solidFill>
+                  <a:srgbClr val="404040"/>
+                </a:solidFill>
+              </a:rPr>
+              <a:t>guestjmx</a:t>
+            </a:r>
+            <a:r>
+              <a:rPr lang="fr-FR" i="0" dirty="0" smtClean="0">
+                <a:solidFill>
+                  <a:srgbClr val="404040"/>
+                </a:solidFill>
+              </a:rPr>
+              <a:t>, go to </a:t>
+            </a:r>
+            <a:r>
+              <a:rPr lang="fr-FR" i="0" dirty="0" err="1" smtClean="0">
+                <a:solidFill>
+                  <a:srgbClr val="404040"/>
+                </a:solidFill>
+              </a:rPr>
+              <a:t>Mbeans</a:t>
+            </a:r>
+            <a:r>
+              <a:rPr lang="fr-FR" i="0" dirty="0" smtClean="0">
+                <a:solidFill>
+                  <a:srgbClr val="404040"/>
+                </a:solidFill>
+              </a:rPr>
+              <a:t>, go to </a:t>
+            </a:r>
+            <a:r>
+              <a:rPr lang="fr-FR" i="0" dirty="0" err="1" smtClean="0">
+                <a:solidFill>
+                  <a:srgbClr val="404040"/>
+                </a:solidFill>
+              </a:rPr>
+              <a:t>catalina</a:t>
+            </a:r>
+            <a:r>
+              <a:rPr lang="fr-FR" i="0" dirty="0" smtClean="0">
+                <a:solidFill>
+                  <a:srgbClr val="404040"/>
+                </a:solidFill>
+              </a:rPr>
+              <a:t>-&gt;</a:t>
+            </a:r>
+            <a:r>
+              <a:rPr lang="fr-FR" i="0" dirty="0" err="1" smtClean="0">
+                <a:solidFill>
+                  <a:srgbClr val="404040"/>
+                </a:solidFill>
+              </a:rPr>
+              <a:t>engine</a:t>
+            </a:r>
+            <a:r>
+              <a:rPr lang="fr-FR" i="0" dirty="0" smtClean="0">
+                <a:solidFill>
+                  <a:srgbClr val="404040"/>
+                </a:solidFill>
+              </a:rPr>
+              <a:t>, and </a:t>
+            </a:r>
+            <a:r>
+              <a:rPr lang="fr-FR" i="0" dirty="0" err="1" smtClean="0">
+                <a:solidFill>
+                  <a:srgbClr val="404040"/>
+                </a:solidFill>
+              </a:rPr>
+              <a:t>try</a:t>
+            </a:r>
+            <a:r>
+              <a:rPr lang="fr-FR" i="0" dirty="0" smtClean="0">
+                <a:solidFill>
+                  <a:srgbClr val="404040"/>
+                </a:solidFill>
+              </a:rPr>
+              <a:t> to stop the </a:t>
+            </a:r>
+            <a:r>
+              <a:rPr lang="fr-FR" i="0" dirty="0" err="1" smtClean="0">
+                <a:solidFill>
+                  <a:srgbClr val="404040"/>
+                </a:solidFill>
+              </a:rPr>
+              <a:t>engine</a:t>
+            </a:r>
+            <a:r>
+              <a:rPr lang="fr-FR" i="0" dirty="0" smtClean="0">
+                <a:solidFill>
+                  <a:srgbClr val="404040"/>
+                </a:solidFill>
+              </a:rPr>
+              <a:t> via the </a:t>
+            </a:r>
+            <a:r>
+              <a:rPr lang="fr-FR" i="0" dirty="0" err="1" smtClean="0">
+                <a:solidFill>
+                  <a:srgbClr val="404040"/>
+                </a:solidFill>
+              </a:rPr>
+              <a:t>operation</a:t>
+            </a:r>
+            <a:r>
+              <a:rPr lang="fr-FR" i="0" dirty="0" smtClean="0">
+                <a:solidFill>
+                  <a:srgbClr val="404040"/>
+                </a:solidFill>
+              </a:rPr>
+              <a:t> </a:t>
+            </a:r>
+            <a:r>
+              <a:rPr lang="fr-FR" i="0" dirty="0" err="1" smtClean="0">
+                <a:solidFill>
+                  <a:srgbClr val="404040"/>
+                </a:solidFill>
+              </a:rPr>
+              <a:t>tab.</a:t>
+            </a:r>
+            <a:r>
+              <a:rPr lang="fr-FR" i="0" dirty="0" smtClean="0">
+                <a:solidFill>
+                  <a:srgbClr val="404040"/>
+                </a:solidFill>
+              </a:rPr>
+              <a:t> </a:t>
+            </a:r>
+            <a:r>
+              <a:rPr lang="fr-FR" i="0" dirty="0" err="1">
+                <a:solidFill>
+                  <a:srgbClr val="404040"/>
+                </a:solidFill>
+              </a:rPr>
+              <a:t>W</a:t>
+            </a:r>
+            <a:r>
+              <a:rPr lang="fr-FR" i="0" dirty="0" err="1" smtClean="0">
+                <a:solidFill>
+                  <a:srgbClr val="404040"/>
+                </a:solidFill>
+              </a:rPr>
+              <a:t>hat</a:t>
+            </a:r>
+            <a:r>
+              <a:rPr lang="fr-FR" i="0" dirty="0" smtClean="0">
+                <a:solidFill>
+                  <a:srgbClr val="404040"/>
+                </a:solidFill>
+              </a:rPr>
+              <a:t> </a:t>
+            </a:r>
+            <a:r>
+              <a:rPr lang="fr-FR" i="0" dirty="0" err="1" smtClean="0">
+                <a:solidFill>
+                  <a:srgbClr val="404040"/>
+                </a:solidFill>
+              </a:rPr>
+              <a:t>happens</a:t>
+            </a:r>
+            <a:r>
+              <a:rPr lang="fr-FR" i="0" dirty="0" smtClean="0">
+                <a:solidFill>
+                  <a:srgbClr val="404040"/>
+                </a:solidFill>
+              </a:rPr>
+              <a:t>?</a:t>
+            </a:r>
+          </a:p>
+          <a:p>
+            <a:pPr marL="265113" lvl="1" indent="-265113">
+              <a:lnSpc>
+                <a:spcPct val="100000"/>
+              </a:lnSpc>
+            </a:pPr>
+            <a:r>
+              <a:rPr lang="fr-FR" i="0" dirty="0" err="1">
+                <a:solidFill>
+                  <a:srgbClr val="404040"/>
+                </a:solidFill>
+              </a:rPr>
+              <a:t>Connect</a:t>
+            </a:r>
+            <a:r>
+              <a:rPr lang="fr-FR" i="0" dirty="0">
+                <a:solidFill>
+                  <a:srgbClr val="404040"/>
+                </a:solidFill>
+              </a:rPr>
+              <a:t> to </a:t>
+            </a:r>
+            <a:r>
+              <a:rPr lang="fr-FR" i="0" dirty="0" err="1">
+                <a:solidFill>
+                  <a:srgbClr val="404040"/>
+                </a:solidFill>
+              </a:rPr>
+              <a:t>jmx</a:t>
+            </a:r>
+            <a:r>
+              <a:rPr lang="fr-FR" i="0" dirty="0">
+                <a:solidFill>
+                  <a:srgbClr val="404040"/>
+                </a:solidFill>
+              </a:rPr>
+              <a:t> </a:t>
+            </a:r>
+            <a:r>
+              <a:rPr lang="fr-FR" i="0" dirty="0" err="1">
+                <a:solidFill>
+                  <a:srgbClr val="404040"/>
+                </a:solidFill>
+              </a:rPr>
+              <a:t>with</a:t>
+            </a:r>
+            <a:r>
+              <a:rPr lang="fr-FR" i="0" dirty="0">
+                <a:solidFill>
+                  <a:srgbClr val="404040"/>
+                </a:solidFill>
+              </a:rPr>
+              <a:t> user </a:t>
+            </a:r>
+            <a:r>
+              <a:rPr lang="fr-FR" i="0" dirty="0" err="1">
+                <a:solidFill>
+                  <a:srgbClr val="404040"/>
+                </a:solidFill>
+              </a:rPr>
+              <a:t>guestjmx</a:t>
+            </a:r>
+            <a:r>
+              <a:rPr lang="fr-FR" i="0" dirty="0">
+                <a:solidFill>
+                  <a:srgbClr val="404040"/>
+                </a:solidFill>
+              </a:rPr>
+              <a:t>, go to </a:t>
+            </a:r>
+            <a:r>
+              <a:rPr lang="fr-FR" i="0" dirty="0" err="1">
+                <a:solidFill>
+                  <a:srgbClr val="404040"/>
+                </a:solidFill>
+              </a:rPr>
+              <a:t>Mbeans</a:t>
+            </a:r>
+            <a:r>
+              <a:rPr lang="fr-FR" i="0" dirty="0">
+                <a:solidFill>
+                  <a:srgbClr val="404040"/>
+                </a:solidFill>
+              </a:rPr>
+              <a:t>, go to </a:t>
+            </a:r>
+            <a:r>
+              <a:rPr lang="fr-FR" i="0" dirty="0" err="1">
+                <a:solidFill>
+                  <a:srgbClr val="404040"/>
+                </a:solidFill>
+              </a:rPr>
+              <a:t>catalina</a:t>
+            </a:r>
+            <a:r>
+              <a:rPr lang="fr-FR" i="0" dirty="0">
+                <a:solidFill>
+                  <a:srgbClr val="404040"/>
+                </a:solidFill>
+              </a:rPr>
+              <a:t>-&gt;</a:t>
+            </a:r>
+            <a:r>
+              <a:rPr lang="fr-FR" i="0" dirty="0" err="1">
+                <a:solidFill>
+                  <a:srgbClr val="404040"/>
+                </a:solidFill>
+              </a:rPr>
+              <a:t>engine</a:t>
+            </a:r>
+            <a:r>
+              <a:rPr lang="fr-FR" i="0" dirty="0">
+                <a:solidFill>
+                  <a:srgbClr val="404040"/>
+                </a:solidFill>
+              </a:rPr>
+              <a:t>, and </a:t>
+            </a:r>
+            <a:r>
+              <a:rPr lang="fr-FR" i="0" dirty="0" err="1">
+                <a:solidFill>
+                  <a:srgbClr val="404040"/>
+                </a:solidFill>
+              </a:rPr>
+              <a:t>try</a:t>
+            </a:r>
+            <a:r>
+              <a:rPr lang="fr-FR" i="0" dirty="0">
+                <a:solidFill>
+                  <a:srgbClr val="404040"/>
+                </a:solidFill>
+              </a:rPr>
+              <a:t> to stop the </a:t>
+            </a:r>
+            <a:r>
+              <a:rPr lang="fr-FR" i="0" dirty="0" err="1">
+                <a:solidFill>
+                  <a:srgbClr val="404040"/>
+                </a:solidFill>
+              </a:rPr>
+              <a:t>engine</a:t>
+            </a:r>
+            <a:r>
+              <a:rPr lang="fr-FR" i="0" dirty="0">
+                <a:solidFill>
+                  <a:srgbClr val="404040"/>
+                </a:solidFill>
+              </a:rPr>
+              <a:t> via the </a:t>
+            </a:r>
+            <a:r>
+              <a:rPr lang="fr-FR" i="0" dirty="0" err="1">
+                <a:solidFill>
+                  <a:srgbClr val="404040"/>
+                </a:solidFill>
+              </a:rPr>
+              <a:t>operation</a:t>
+            </a:r>
+            <a:r>
+              <a:rPr lang="fr-FR" i="0" dirty="0">
+                <a:solidFill>
+                  <a:srgbClr val="404040"/>
+                </a:solidFill>
+              </a:rPr>
+              <a:t> </a:t>
+            </a:r>
+            <a:r>
+              <a:rPr lang="fr-FR" i="0" dirty="0" err="1">
+                <a:solidFill>
+                  <a:srgbClr val="404040"/>
+                </a:solidFill>
+              </a:rPr>
+              <a:t>tab.</a:t>
+            </a:r>
+            <a:r>
+              <a:rPr lang="fr-FR" i="0" dirty="0">
+                <a:solidFill>
+                  <a:srgbClr val="404040"/>
+                </a:solidFill>
+              </a:rPr>
+              <a:t> </a:t>
+            </a:r>
+            <a:r>
+              <a:rPr lang="fr-FR" i="0" dirty="0" err="1">
+                <a:solidFill>
+                  <a:srgbClr val="404040"/>
+                </a:solidFill>
+              </a:rPr>
+              <a:t>What</a:t>
+            </a:r>
+            <a:r>
+              <a:rPr lang="fr-FR" i="0" dirty="0">
+                <a:solidFill>
+                  <a:srgbClr val="404040"/>
+                </a:solidFill>
+              </a:rPr>
+              <a:t> </a:t>
+            </a:r>
+            <a:r>
+              <a:rPr lang="fr-FR" i="0" dirty="0" err="1">
+                <a:solidFill>
+                  <a:srgbClr val="404040"/>
+                </a:solidFill>
+              </a:rPr>
+              <a:t>happens</a:t>
+            </a:r>
+            <a:r>
+              <a:rPr lang="fr-FR" i="0" dirty="0" smtClean="0">
+                <a:solidFill>
+                  <a:srgbClr val="404040"/>
+                </a:solidFill>
+              </a:rPr>
+              <a:t>?</a:t>
+            </a:r>
+          </a:p>
+          <a:p>
+            <a:pPr marL="265113" lvl="1" indent="-265113">
+              <a:lnSpc>
+                <a:spcPct val="100000"/>
+              </a:lnSpc>
+            </a:pPr>
+            <a:r>
+              <a:rPr lang="fr-FR" i="0" dirty="0" smtClean="0">
+                <a:solidFill>
+                  <a:srgbClr val="404040"/>
+                </a:solidFill>
+              </a:rPr>
+              <a:t>Restart </a:t>
+            </a:r>
+            <a:r>
+              <a:rPr lang="fr-FR" i="0" dirty="0" err="1" smtClean="0">
+                <a:solidFill>
+                  <a:srgbClr val="404040"/>
+                </a:solidFill>
+              </a:rPr>
+              <a:t>tomcat</a:t>
+            </a:r>
+            <a:endParaRPr lang="fr-FR" i="0" dirty="0">
+              <a:solidFill>
+                <a:srgbClr val="404040"/>
+              </a:solidFill>
+            </a:endParaRPr>
+          </a:p>
+          <a:p>
+            <a:pPr marL="265113" lvl="1" indent="-265113">
+              <a:lnSpc>
+                <a:spcPct val="100000"/>
+              </a:lnSpc>
+            </a:pPr>
+            <a:endParaRPr lang="fr-FR" i="0" dirty="0" smtClean="0">
+              <a:solidFill>
+                <a:srgbClr val="404040"/>
+              </a:solidFill>
+            </a:endParaRPr>
+          </a:p>
+          <a:p>
+            <a:pPr marL="265113" lvl="1" indent="-265113">
+              <a:lnSpc>
+                <a:spcPct val="100000"/>
+              </a:lnSpc>
+            </a:pPr>
+            <a:endParaRPr lang="fr-FR" i="0" dirty="0">
+              <a:solidFill>
+                <a:srgbClr val="404040"/>
+              </a:solidFill>
+            </a:endParaRPr>
+          </a:p>
+          <a:p>
+            <a:pPr marL="265113" lvl="1" indent="-265113">
+              <a:lnSpc>
+                <a:spcPct val="100000"/>
+              </a:lnSpc>
+            </a:pPr>
+            <a:endParaRPr lang="fr-FR" i="0" dirty="0" smtClean="0">
+              <a:solidFill>
+                <a:srgbClr val="404040"/>
+              </a:solidFill>
+            </a:endParaRPr>
+          </a:p>
+          <a:p>
+            <a:pPr marL="265113" lvl="1" indent="-265113">
+              <a:lnSpc>
+                <a:spcPct val="100000"/>
+              </a:lnSpc>
+            </a:pPr>
+            <a:endParaRPr lang="fr-FR" i="0" dirty="0" smtClean="0">
+              <a:solidFill>
+                <a:srgbClr val="404040"/>
+              </a:solidFill>
+            </a:endParaRPr>
+          </a:p>
+          <a:p>
+            <a:pPr marL="265113" lvl="1" indent="-265113">
+              <a:lnSpc>
+                <a:spcPct val="100000"/>
+              </a:lnSpc>
+            </a:pPr>
+            <a:endParaRPr lang="fr-CA" i="0" dirty="0" smtClean="0">
+              <a:solidFill>
+                <a:srgbClr val="404040"/>
+              </a:solidFill>
+            </a:endParaRPr>
+          </a:p>
+          <a:p>
+            <a:pPr marL="265113" lvl="1" indent="-265113">
+              <a:lnSpc>
+                <a:spcPct val="100000"/>
+              </a:lnSpc>
+            </a:pPr>
+            <a:endParaRPr lang="fr-CA" i="0" dirty="0" smtClean="0"/>
+          </a:p>
+          <a:p>
+            <a:pPr marL="265113" lvl="1" indent="-265113">
+              <a:lnSpc>
+                <a:spcPct val="100000"/>
+              </a:lnSpc>
+            </a:pPr>
+            <a:endParaRPr lang="fr-CA" i="0" dirty="0" smtClean="0"/>
+          </a:p>
+        </p:txBody>
+      </p:sp>
+    </p:spTree>
+    <p:extLst>
+      <p:ext uri="{BB962C8B-B14F-4D97-AF65-F5344CB8AC3E}">
+        <p14:creationId xmlns:p14="http://schemas.microsoft.com/office/powerpoint/2010/main" val="190267872"/>
+      </p:ext>
+    </p:extLst>
+  </p:cSld>
+  <p:clrMapOvr>
+    <a:masterClrMapping/>
+  </p:clrMapOvr>
+  <p:transition xmlns:p14="http://schemas.microsoft.com/office/powerpoint/2010/main"/>
+  <p:timing>
+    <p:tnLst>
+      <p:par>
+        <p:cTn xmlns:p14="http://schemas.microsoft.com/office/powerpoint/2010/main" id="1" dur="indefinite" restart="never" nodeType="tmRoot"/>
+      </p:par>
+    </p:tnLst>
+  </p:timing>
+</p:sld>
+</file>
+
+<file path=ppt/slides/slide24.xml><?xml version="1.0" encoding="utf-8"?>
+<p:sld xmlns:a="http://schemas.openxmlformats.org/drawingml/2006/main" xmlns:r="http://schemas.openxmlformats.org/officeDocument/2006/relationships" xmlns:p="http://schemas.openxmlformats.org/presentationml/2006/main">
+  <p:cSld>
+    <p:spTree>
+      <p:nvGrpSpPr>
+        <p:cNvPr id="1" name=""/>
+        <p:cNvGrpSpPr/>
+        <p:nvPr/>
+      </p:nvGrpSpPr>
+      <p:grpSpPr>
+        <a:xfrm>
+          <a:off x="0" y="0"/>
+          <a:ext cx="0" cy="0"/>
+          <a:chOff x="0" y="0"/>
+          <a:chExt cx="0" cy="0"/>
+        </a:xfrm>
+      </p:grpSpPr>
+      <p:sp>
+        <p:nvSpPr>
+          <p:cNvPr id="15362" name="Rectangle 1"/>
+          <p:cNvSpPr>
+            <a:spLocks noGrp="1" noChangeArrowheads="1"/>
+          </p:cNvSpPr>
+          <p:nvPr>
+            <p:ph type="title"/>
+          </p:nvPr>
+        </p:nvSpPr>
+        <p:spPr>
+          <a:xfrm>
+            <a:off x="490435" y="255926"/>
+            <a:ext cx="10562235" cy="454024"/>
+          </a:xfrm>
+        </p:spPr>
+        <p:txBody>
+          <a:bodyPr rIns="41783" anchor="b"/>
+          <a:lstStyle/>
+          <a:p>
+            <a:pPr marL="584962" lvl="1" indent="-219361">
+              <a:lnSpc>
+                <a:spcPct val="100000"/>
+              </a:lnSpc>
+            </a:pPr>
+            <a:r>
+              <a:rPr lang="fr-FR" sz="3600" dirty="0" err="1"/>
+              <a:t>Exercises</a:t>
+            </a:r>
+            <a:r>
+              <a:rPr lang="fr-FR" sz="3600" dirty="0"/>
+              <a:t> : </a:t>
+            </a:r>
+            <a:r>
+              <a:rPr lang="fr-FR" sz="3000" dirty="0" smtClean="0"/>
               <a:t>80c </a:t>
             </a:r>
             <a:r>
@@ -28315,7 +28354,7 @@
 </p:sld>
 </file>
 
-<file path=ppt/slides/slide24.xml><?xml version="1.0" encoding="utf-8"?>
+<file path=ppt/slides/slide25.xml><?xml version="1.0" encoding="utf-8"?>
 <p:sld xmlns:a="http://schemas.openxmlformats.org/drawingml/2006/main" xmlns:r="http://schemas.openxmlformats.org/officeDocument/2006/relationships" xmlns:p="http://schemas.openxmlformats.org/presentationml/2006/main">
   <p:cSld>
     <p:spTree>
@@ -29849,12 +29888,25 @@
             </a:r>
             <a:r>
               <a:rPr lang="fr-FR" sz="4800" dirty="0" err="1"/>
-              <a:t>remote</a:t>
+              <a:t>R</a:t>
+            </a:r>
+            <a:r>
+              <a:rPr lang="fr-FR" sz="4800" dirty="0" err="1" smtClean="0"/>
+              <a:t>emote</a:t>
+            </a:r>
+            <a:r>
+              <a:rPr lang="fr-FR" sz="4800" dirty="0" smtClean="0"/>
+              <a:t> </a:t>
             </a:r>
             <a:r>
               <a:rPr lang="fr-FR" sz="4800" dirty="0"/>
-              <a:t> configuration</a:t>
-            </a:r>
+              <a:t>C</a:t>
+            </a:r>
+            <a:r>
+              <a:rPr lang="fr-FR" sz="4800" dirty="0" smtClean="0"/>
+              <a:t>onfiguration</a:t>
+            </a:r>
+            <a:endParaRPr lang="fr-FR" sz="4800" dirty="0"/>
           </a:p>
         </p:txBody>
       </p:sp>
@@ -29960,8 +30012,8 @@
               <a:t>configuration (</a:t>
             </a:r>
             <a:r>
-              <a:rPr lang="fr-FR" dirty="0" err="1" smtClean="0"/>
-              <a:t>Jboss</a:t>
+              <a:rPr lang="fr-FR" dirty="0" smtClean="0"/>
+              <a:t>JBoss</a:t>
             </a:r>
             <a:r>
               <a:rPr lang="fr-FR" dirty="0" smtClean="0"/>
@@ -30771,8 +30823,8 @@
               <a:t>configuration (</a:t>
             </a:r>
             <a:r>
-              <a:rPr lang="fr-FR" dirty="0" err="1" smtClean="0"/>
-              <a:t>Jboss</a:t>
+              <a:rPr lang="fr-FR" dirty="0" smtClean="0"/>
+              <a:t>JBoss</a:t>
             </a:r>
             <a:r>
               <a:rPr lang="fr-FR" dirty="0" smtClean="0"/>
@@ -31440,15 +31492,27 @@
             </a:r>
             <a:r>
               <a:rPr lang="fr-FR" dirty="0" err="1"/>
-              <a:t>remote</a:t>
+              <a:t>R</a:t>
+            </a:r>
+            <a:r>
+              <a:rPr lang="fr-FR" dirty="0" err="1" smtClean="0"/>
+              <a:t>emote</a:t>
+            </a:r>
+            <a:r>
+              <a:rPr lang="fr-FR" dirty="0" smtClean="0"/>
+              <a:t> </a:t>
             </a:r>
             <a:r>
               <a:rPr lang="fr-FR" dirty="0"/>
-              <a:t> </a:t>
+              <a:t>C</a:t>
             </a:r>
             <a:r>
               <a:rPr lang="fr-FR" dirty="0" smtClean="0"/>
-              <a:t>configuration (</a:t>
+              <a:t>onfiguration </a:t>
+            </a:r>
+            <a:r>
+              <a:rPr lang="fr-FR" dirty="0" smtClean="0"/>
+              <a:t>(</a:t>
             </a:r>
             <a:r>
               <a:rPr lang="fr-FR" dirty="0" err="1" smtClean="0"/>
@@ -31995,15 +32059,27 @@
             </a:r>
             <a:r>
               <a:rPr lang="fr-FR" dirty="0" err="1"/>
-              <a:t>remote</a:t>
+              <a:t>R</a:t>
+            </a:r>
+            <a:r>
+              <a:rPr lang="fr-FR" dirty="0" err="1" smtClean="0"/>
+              <a:t>emote</a:t>
+            </a:r>
+            <a:r>
+              <a:rPr lang="fr-FR" dirty="0" smtClean="0"/>
+              <a:t> </a:t>
             </a:r>
             <a:r>
               <a:rPr lang="fr-FR" dirty="0"/>
-              <a:t> </a:t>
+              <a:t>C</a:t>
             </a:r>
             <a:r>
               <a:rPr lang="fr-FR" dirty="0" smtClean="0"/>
-              <a:t>configuration (</a:t>
+              <a:t>onfiguration </a:t>
+            </a:r>
+            <a:r>
+              <a:rPr lang="fr-FR" dirty="0" smtClean="0"/>
+              <a:t>(</a:t>
             </a:r>
             <a:r>
               <a:rPr lang="fr-FR" dirty="0" err="1" smtClean="0"/>

--- a/exo-sysAdmin/980-JMX-XSys.pptx
+++ b/exo-sysAdmin/980-JMX-XSys.pptx
@@ -7,7 +7,7 @@
     <p:sldMasterId id="2147483650" r:id="rId3"/>
   </p:sldMasterIdLst>
   <p:notesMasterIdLst>
-    <p:notesMasterId r:id="rId27"/>
+    <p:notesMasterId r:id="rId28"/>
   </p:notesMasterIdLst>
   <p:sldIdLst>
     <p:sldId id="256" r:id="rId4"/>
@@ -17,22 +17,23 @@
     <p:sldId id="406" r:id="rId8"/>
     <p:sldId id="407" r:id="rId9"/>
     <p:sldId id="410" r:id="rId10"/>
-    <p:sldId id="412" r:id="rId11"/>
-    <p:sldId id="411" r:id="rId12"/>
-    <p:sldId id="413" r:id="rId13"/>
-    <p:sldId id="414" r:id="rId14"/>
-    <p:sldId id="415" r:id="rId15"/>
-    <p:sldId id="416" r:id="rId16"/>
-    <p:sldId id="419" r:id="rId17"/>
-    <p:sldId id="421" r:id="rId18"/>
-    <p:sldId id="420" r:id="rId19"/>
-    <p:sldId id="422" r:id="rId20"/>
-    <p:sldId id="425" r:id="rId21"/>
-    <p:sldId id="417" r:id="rId22"/>
-    <p:sldId id="418" r:id="rId23"/>
-    <p:sldId id="424" r:id="rId24"/>
-    <p:sldId id="423" r:id="rId25"/>
-    <p:sldId id="394" r:id="rId26"/>
+    <p:sldId id="426" r:id="rId11"/>
+    <p:sldId id="412" r:id="rId12"/>
+    <p:sldId id="411" r:id="rId13"/>
+    <p:sldId id="413" r:id="rId14"/>
+    <p:sldId id="414" r:id="rId15"/>
+    <p:sldId id="415" r:id="rId16"/>
+    <p:sldId id="416" r:id="rId17"/>
+    <p:sldId id="419" r:id="rId18"/>
+    <p:sldId id="421" r:id="rId19"/>
+    <p:sldId id="420" r:id="rId20"/>
+    <p:sldId id="422" r:id="rId21"/>
+    <p:sldId id="425" r:id="rId22"/>
+    <p:sldId id="417" r:id="rId23"/>
+    <p:sldId id="418" r:id="rId24"/>
+    <p:sldId id="424" r:id="rId25"/>
+    <p:sldId id="423" r:id="rId26"/>
+    <p:sldId id="394" r:id="rId27"/>
   </p:sldIdLst>
   <p:sldSz cx="11160125" cy="7559675"/>
   <p:notesSz cx="7772400" cy="10058400"/>
@@ -1621,7 +1622,7 @@
             <a:fld id="{24266FFD-7EDA-49C8-88B2-0F0ACA6EE776}" type="slidenum">
               <a:rPr lang="en-GB"/>
               <a:pPr/>
-              <a:t>10</a:t>
+              <a:t>11</a:t>
             </a:fld>
             <a:endParaRPr lang="en-GB"/>
           </a:p>
@@ -1724,7 +1725,7 @@
                   <a:tab pos="9144000" algn="l"/>
                 </a:tabLst>
               </a:pPr>
-              <a:t>10</a:t>
+              <a:t>11</a:t>
             </a:fld>
             <a:endParaRPr lang="en-GB" sz="1400">
               <a:solidFill>
@@ -1854,7 +1855,7 @@
             <a:fld id="{24266FFD-7EDA-49C8-88B2-0F0ACA6EE776}" type="slidenum">
               <a:rPr lang="en-GB"/>
               <a:pPr/>
-              <a:t>12</a:t>
+              <a:t>13</a:t>
             </a:fld>
             <a:endParaRPr lang="en-GB"/>
           </a:p>
@@ -1957,7 +1958,7 @@
                   <a:tab pos="9144000" algn="l"/>
                 </a:tabLst>
               </a:pPr>
-              <a:t>12</a:t>
+              <a:t>13</a:t>
             </a:fld>
             <a:endParaRPr lang="en-GB" sz="1400">
               <a:solidFill>
@@ -2087,7 +2088,7 @@
             <a:fld id="{24266FFD-7EDA-49C8-88B2-0F0ACA6EE776}" type="slidenum">
               <a:rPr lang="en-GB"/>
               <a:pPr/>
-              <a:t>19</a:t>
+              <a:t>20</a:t>
             </a:fld>
             <a:endParaRPr lang="en-GB"/>
           </a:p>
@@ -2190,7 +2191,7 @@
                   <a:tab pos="9144000" algn="l"/>
                 </a:tabLst>
               </a:pPr>
-              <a:t>19</a:t>
+              <a:t>20</a:t>
             </a:fld>
             <a:endParaRPr lang="en-GB" sz="1400">
               <a:solidFill>
@@ -2320,7 +2321,7 @@
             <a:fld id="{43F345E1-DE08-49C4-9805-072619C6BD24}" type="slidenum">
               <a:rPr lang="en-GB"/>
               <a:pPr/>
-              <a:t>23</a:t>
+              <a:t>24</a:t>
             </a:fld>
             <a:endParaRPr lang="en-GB"/>
           </a:p>
@@ -2423,7 +2424,7 @@
                   <a:tab pos="9144000" algn="l"/>
                 </a:tabLst>
               </a:pPr>
-              <a:t>23</a:t>
+              <a:t>24</a:t>
             </a:fld>
             <a:endParaRPr lang="en-GB" sz="1400">
               <a:solidFill>
@@ -18868,6 +18869,600 @@
       </p:grpSpPr>
       <p:sp>
         <p:nvSpPr>
+          <p:cNvPr id="15362" name="Rectangle 1"/>
+          <p:cNvSpPr>
+            <a:spLocks noGrp="1" noChangeArrowheads="1"/>
+          </p:cNvSpPr>
+          <p:nvPr>
+            <p:ph type="title"/>
+          </p:nvPr>
+        </p:nvSpPr>
+        <p:spPr>
+          <a:xfrm>
+            <a:off x="490435" y="255926"/>
+            <a:ext cx="10179255" cy="454024"/>
+          </a:xfrm>
+        </p:spPr>
+        <p:txBody>
+          <a:bodyPr rIns="41783" anchor="b"/>
+          <a:lstStyle/>
+          <a:p>
+            <a:pPr marL="584962" lvl="1" indent="-219361">
+              <a:lnSpc>
+                <a:spcPct val="100000"/>
+              </a:lnSpc>
+            </a:pPr>
+            <a:r>
+              <a:rPr lang="en-US" dirty="0" smtClean="0"/>
+              <a:t>JMX Configuration with </a:t>
+            </a:r>
+            <a:r>
+              <a:rPr lang="en-US" dirty="0" smtClean="0">
+                <a:latin typeface="Arial"/>
+                <a:ea typeface="MS Gothic"/>
+                <a:cs typeface="MS Gothic"/>
+              </a:rPr>
+              <a:t>Authentication </a:t>
+            </a:r>
+            <a:endParaRPr lang="en-US" sz="2200" dirty="0">
+              <a:solidFill>
+                <a:srgbClr val="FF9900"/>
+              </a:solidFill>
+            </a:endParaRPr>
+          </a:p>
+        </p:txBody>
+      </p:sp>
+      <p:sp>
+        <p:nvSpPr>
+          <p:cNvPr id="15363" name="Rectangle 2"/>
+          <p:cNvSpPr>
+            <a:spLocks noGrp="1" noChangeArrowheads="1"/>
+          </p:cNvSpPr>
+          <p:nvPr>
+            <p:ph type="body" idx="1"/>
+          </p:nvPr>
+        </p:nvSpPr>
+        <p:spPr>
+          <a:xfrm>
+            <a:off x="395486" y="995093"/>
+            <a:ext cx="10219725" cy="5089000"/>
+          </a:xfrm>
+        </p:spPr>
+        <p:txBody>
+          <a:bodyPr rIns="41783" anchor="t"/>
+          <a:lstStyle/>
+          <a:p>
+            <a:pPr marL="265113" lvl="1" indent="-265113">
+              <a:lnSpc>
+                <a:spcPct val="100000"/>
+              </a:lnSpc>
+            </a:pPr>
+            <a:r>
+              <a:rPr lang="en-US" sz="2200" i="0" dirty="0" smtClean="0">
+                <a:solidFill>
+                  <a:schemeClr val="tx1">
+                    <a:lumMod val="75000"/>
+                    <a:lumOff val="25000"/>
+                  </a:schemeClr>
+                </a:solidFill>
+              </a:rPr>
+              <a:t>Create a password file (</a:t>
+            </a:r>
+            <a:r>
+              <a:rPr lang="en-US" sz="1800" b="0" i="0" dirty="0" smtClean="0">
+                <a:solidFill>
+                  <a:schemeClr val="tx1">
+                    <a:lumMod val="75000"/>
+                    <a:lumOff val="25000"/>
+                  </a:schemeClr>
+                </a:solidFill>
+              </a:rPr>
+              <a:t>tomcat/</a:t>
+            </a:r>
+            <a:r>
+              <a:rPr lang="en-US" sz="1800" b="0" i="0" dirty="0" err="1" smtClean="0">
+                <a:solidFill>
+                  <a:schemeClr val="tx1">
+                    <a:lumMod val="75000"/>
+                    <a:lumOff val="25000"/>
+                  </a:schemeClr>
+                </a:solidFill>
+              </a:rPr>
+              <a:t>conf</a:t>
+            </a:r>
+            <a:r>
+              <a:rPr lang="en-US" sz="1800" b="0" i="0" dirty="0" smtClean="0">
+                <a:solidFill>
+                  <a:schemeClr val="tx1">
+                    <a:lumMod val="75000"/>
+                    <a:lumOff val="25000"/>
+                  </a:schemeClr>
+                </a:solidFill>
+              </a:rPr>
+              <a:t>/</a:t>
+            </a:r>
+            <a:r>
+              <a:rPr lang="en-US" sz="1800" b="0" i="0" dirty="0" err="1" smtClean="0">
+                <a:solidFill>
+                  <a:schemeClr val="tx1">
+                    <a:lumMod val="75000"/>
+                    <a:lumOff val="25000"/>
+                  </a:schemeClr>
+                </a:solidFill>
+              </a:rPr>
+              <a:t>jmxremote.password</a:t>
+            </a:r>
+            <a:r>
+              <a:rPr lang="en-US" sz="2200" i="0" dirty="0" smtClean="0">
+                <a:solidFill>
+                  <a:schemeClr val="tx1">
+                    <a:lumMod val="75000"/>
+                    <a:lumOff val="25000"/>
+                  </a:schemeClr>
+                </a:solidFill>
+              </a:rPr>
+              <a:t>) containing the user accounts with passwords:</a:t>
+            </a:r>
+          </a:p>
+          <a:p>
+            <a:pPr marL="1025525" lvl="2" indent="0">
+              <a:lnSpc>
+                <a:spcPct val="100000"/>
+              </a:lnSpc>
+              <a:buNone/>
+            </a:pPr>
+            <a:r>
+              <a:rPr lang="en-US" sz="1800" b="0" i="0" dirty="0" smtClean="0">
+                <a:solidFill>
+                  <a:schemeClr val="tx1">
+                    <a:lumMod val="75000"/>
+                    <a:lumOff val="25000"/>
+                  </a:schemeClr>
+                </a:solidFill>
+              </a:rPr>
+              <a:t>	guest  password +	admin password</a:t>
+            </a:r>
+            <a:endParaRPr lang="en-US" sz="1800" i="0" dirty="0" smtClean="0">
+              <a:solidFill>
+                <a:schemeClr val="tx1">
+                  <a:lumMod val="75000"/>
+                  <a:lumOff val="25000"/>
+                </a:schemeClr>
+              </a:solidFill>
+            </a:endParaRPr>
+          </a:p>
+          <a:p>
+            <a:pPr marL="265113" lvl="1" indent="-265113">
+              <a:lnSpc>
+                <a:spcPct val="100000"/>
+              </a:lnSpc>
+            </a:pPr>
+            <a:r>
+              <a:rPr lang="en-US" sz="2200" i="0" dirty="0" smtClean="0">
+                <a:solidFill>
+                  <a:schemeClr val="tx1">
+                    <a:lumMod val="75000"/>
+                    <a:lumOff val="25000"/>
+                  </a:schemeClr>
+                </a:solidFill>
+              </a:rPr>
+              <a:t>The file above creates two users for JMX connections. </a:t>
+            </a:r>
+            <a:r>
+              <a:rPr lang="en-US" i="0" dirty="0" smtClean="0">
+                <a:solidFill>
+                  <a:schemeClr val="tx1">
+                    <a:lumMod val="75000"/>
+                    <a:lumOff val="25000"/>
+                  </a:schemeClr>
+                </a:solidFill>
+              </a:rPr>
+              <a:t>B</a:t>
+            </a:r>
+            <a:r>
+              <a:rPr lang="en-US" sz="2200" i="0" dirty="0" smtClean="0">
+                <a:solidFill>
+                  <a:schemeClr val="tx1">
+                    <a:lumMod val="75000"/>
+                    <a:lumOff val="25000"/>
+                  </a:schemeClr>
+                </a:solidFill>
+              </a:rPr>
+              <a:t>oth</a:t>
+            </a:r>
+            <a:r>
+              <a:rPr lang="en-US" i="0" dirty="0" smtClean="0">
+                <a:solidFill>
+                  <a:schemeClr val="tx1">
+                    <a:lumMod val="75000"/>
+                    <a:lumOff val="25000"/>
+                  </a:schemeClr>
+                </a:solidFill>
+              </a:rPr>
+              <a:t> users, guest and admin, have </a:t>
+            </a:r>
+            <a:r>
+              <a:rPr lang="en-US" sz="2200" i="0" dirty="0" smtClean="0">
+                <a:solidFill>
+                  <a:schemeClr val="tx1">
+                    <a:lumMod val="75000"/>
+                    <a:lumOff val="25000"/>
+                  </a:schemeClr>
+                </a:solidFill>
+              </a:rPr>
+              <a:t>the password "password ».</a:t>
+            </a:r>
+          </a:p>
+          <a:p>
+            <a:pPr marL="265113" lvl="1" indent="-265113">
+              <a:lnSpc>
+                <a:spcPct val="100000"/>
+              </a:lnSpc>
+            </a:pPr>
+            <a:r>
+              <a:rPr lang="en-US" sz="2200" i="0" dirty="0" smtClean="0">
+                <a:solidFill>
+                  <a:schemeClr val="tx1">
+                    <a:lumMod val="75000"/>
+                    <a:lumOff val="25000"/>
+                  </a:schemeClr>
+                </a:solidFill>
+              </a:rPr>
+              <a:t>Create the access file, in which you assign permissions to each account</a:t>
+            </a:r>
+            <a:r>
+              <a:rPr lang="en-US" i="0" dirty="0" smtClean="0">
+                <a:solidFill>
+                  <a:schemeClr val="tx1">
+                    <a:lumMod val="75000"/>
+                    <a:lumOff val="25000"/>
+                  </a:schemeClr>
+                </a:solidFill>
+              </a:rPr>
+              <a:t>: (</a:t>
+            </a:r>
+            <a:r>
+              <a:rPr lang="en-US" sz="1800" b="0" i="0" dirty="0" smtClean="0">
+                <a:solidFill>
+                  <a:schemeClr val="tx1">
+                    <a:lumMod val="75000"/>
+                    <a:lumOff val="25000"/>
+                  </a:schemeClr>
+                </a:solidFill>
+              </a:rPr>
+              <a:t>tomcat/</a:t>
+            </a:r>
+            <a:r>
+              <a:rPr lang="en-US" sz="1800" b="0" i="0" dirty="0" err="1" smtClean="0">
+                <a:solidFill>
+                  <a:schemeClr val="tx1">
+                    <a:lumMod val="75000"/>
+                    <a:lumOff val="25000"/>
+                  </a:schemeClr>
+                </a:solidFill>
+              </a:rPr>
+              <a:t>conf</a:t>
+            </a:r>
+            <a:r>
+              <a:rPr lang="en-US" sz="1800" b="0" i="0" dirty="0" smtClean="0">
+                <a:solidFill>
+                  <a:schemeClr val="tx1">
+                    <a:lumMod val="75000"/>
+                    <a:lumOff val="25000"/>
+                  </a:schemeClr>
+                </a:solidFill>
+              </a:rPr>
+              <a:t>/</a:t>
+            </a:r>
+            <a:r>
+              <a:rPr lang="en-US" sz="1800" b="0" i="0" dirty="0" err="1" smtClean="0">
+                <a:solidFill>
+                  <a:schemeClr val="tx1">
+                    <a:lumMod val="75000"/>
+                    <a:lumOff val="25000"/>
+                  </a:schemeClr>
+                </a:solidFill>
+              </a:rPr>
+              <a:t>jmxremote.access</a:t>
+            </a:r>
+            <a:r>
+              <a:rPr lang="en-US" sz="1800" b="0" i="0" dirty="0" smtClean="0">
+                <a:solidFill>
+                  <a:schemeClr val="tx1">
+                    <a:lumMod val="75000"/>
+                    <a:lumOff val="25000"/>
+                  </a:schemeClr>
+                </a:solidFill>
+              </a:rPr>
+              <a:t>) </a:t>
+            </a:r>
+            <a:r>
+              <a:rPr lang="en-US" sz="2200" i="0" dirty="0" smtClean="0">
+                <a:solidFill>
+                  <a:schemeClr val="tx1">
+                    <a:lumMod val="75000"/>
+                    <a:lumOff val="25000"/>
+                  </a:schemeClr>
+                </a:solidFill>
+              </a:rPr>
+              <a:t>:</a:t>
+            </a:r>
+          </a:p>
+          <a:p>
+            <a:pPr marL="0" lvl="1" indent="0">
+              <a:lnSpc>
+                <a:spcPct val="100000"/>
+              </a:lnSpc>
+              <a:buNone/>
+            </a:pPr>
+            <a:r>
+              <a:rPr lang="en-US" sz="2400" b="0" i="0" dirty="0" smtClean="0">
+                <a:solidFill>
+                  <a:schemeClr val="tx1">
+                    <a:lumMod val="75000"/>
+                    <a:lumOff val="25000"/>
+                  </a:schemeClr>
+                </a:solidFill>
+              </a:rPr>
+              <a:t>			</a:t>
+            </a:r>
+            <a:r>
+              <a:rPr lang="en-US" sz="1800" b="0" i="0" dirty="0" smtClean="0">
+                <a:solidFill>
+                  <a:schemeClr val="tx1">
+                    <a:lumMod val="75000"/>
+                    <a:lumOff val="25000"/>
+                  </a:schemeClr>
+                </a:solidFill>
+              </a:rPr>
+              <a:t>guest </a:t>
+            </a:r>
+            <a:r>
+              <a:rPr lang="en-US" sz="1800" b="0" i="0" dirty="0" err="1" smtClean="0">
+                <a:solidFill>
+                  <a:schemeClr val="tx1">
+                    <a:lumMod val="75000"/>
+                    <a:lumOff val="25000"/>
+                  </a:schemeClr>
+                </a:solidFill>
+              </a:rPr>
+              <a:t>readonly</a:t>
+            </a:r>
+            <a:r>
+              <a:rPr lang="en-US" sz="1800" b="0" i="0" dirty="0" smtClean="0">
+                <a:solidFill>
+                  <a:schemeClr val="tx1">
+                    <a:lumMod val="75000"/>
+                    <a:lumOff val="25000"/>
+                  </a:schemeClr>
+                </a:solidFill>
+              </a:rPr>
+              <a:t> +			admin </a:t>
+            </a:r>
+            <a:r>
+              <a:rPr lang="en-US" sz="1800" b="0" i="0" dirty="0" err="1" smtClean="0">
+                <a:solidFill>
+                  <a:schemeClr val="tx1">
+                    <a:lumMod val="75000"/>
+                    <a:lumOff val="25000"/>
+                  </a:schemeClr>
+                </a:solidFill>
+              </a:rPr>
+              <a:t>readwrite</a:t>
+            </a:r>
+            <a:endParaRPr lang="en-US" sz="1800" b="0" i="0" dirty="0" smtClean="0">
+              <a:solidFill>
+                <a:schemeClr val="tx1">
+                  <a:lumMod val="75000"/>
+                  <a:lumOff val="25000"/>
+                </a:schemeClr>
+              </a:solidFill>
+            </a:endParaRPr>
+          </a:p>
+          <a:p>
+            <a:pPr marL="265113" lvl="1" indent="-265113">
+              <a:lnSpc>
+                <a:spcPct val="100000"/>
+              </a:lnSpc>
+            </a:pPr>
+            <a:r>
+              <a:rPr lang="fr-CA" i="0" dirty="0">
+                <a:solidFill>
+                  <a:srgbClr val="000000">
+                    <a:lumMod val="75000"/>
+                    <a:lumOff val="25000"/>
+                  </a:srgbClr>
+                </a:solidFill>
+              </a:rPr>
+              <a:t>You </a:t>
+            </a:r>
+            <a:r>
+              <a:rPr lang="fr-CA" i="0" dirty="0" smtClean="0">
+                <a:solidFill>
+                  <a:srgbClr val="000000">
+                    <a:lumMod val="75000"/>
+                    <a:lumOff val="25000"/>
+                  </a:srgbClr>
+                </a:solidFill>
+              </a:rPr>
+              <a:t>have to </a:t>
+            </a:r>
+            <a:r>
+              <a:rPr lang="fr-CA" i="0" dirty="0">
+                <a:solidFill>
+                  <a:srgbClr val="000000">
+                    <a:lumMod val="75000"/>
+                    <a:lumOff val="25000"/>
+                  </a:srgbClr>
+                </a:solidFill>
+              </a:rPr>
+              <a:t>set the </a:t>
+            </a:r>
+            <a:r>
+              <a:rPr lang="fr-CA" i="0" dirty="0" err="1" smtClean="0">
+                <a:solidFill>
+                  <a:srgbClr val="000000">
+                    <a:lumMod val="75000"/>
+                    <a:lumOff val="25000"/>
+                  </a:srgbClr>
+                </a:solidFill>
+              </a:rPr>
+              <a:t>read</a:t>
+            </a:r>
+            <a:r>
+              <a:rPr lang="fr-CA" i="0" dirty="0" smtClean="0">
+                <a:solidFill>
+                  <a:srgbClr val="000000">
+                    <a:lumMod val="75000"/>
+                    <a:lumOff val="25000"/>
+                  </a:srgbClr>
+                </a:solidFill>
+              </a:rPr>
+              <a:t> permissions to </a:t>
+            </a:r>
+            <a:r>
+              <a:rPr lang="fr-CA" i="0" dirty="0" err="1" smtClean="0">
+                <a:solidFill>
+                  <a:srgbClr val="000000">
+                    <a:lumMod val="75000"/>
+                    <a:lumOff val="25000"/>
+                  </a:srgbClr>
+                </a:solidFill>
+              </a:rPr>
+              <a:t>both</a:t>
+            </a:r>
+            <a:r>
+              <a:rPr lang="fr-CA" i="0" dirty="0" smtClean="0">
+                <a:solidFill>
+                  <a:srgbClr val="000000">
+                    <a:lumMod val="75000"/>
+                    <a:lumOff val="25000"/>
+                  </a:srgbClr>
+                </a:solidFill>
+              </a:rPr>
+              <a:t> files (</a:t>
+            </a:r>
+            <a:r>
+              <a:rPr lang="fr-CA" i="0" dirty="0" err="1" smtClean="0">
+                <a:solidFill>
+                  <a:srgbClr val="000000">
+                    <a:lumMod val="75000"/>
+                    <a:lumOff val="25000"/>
+                  </a:srgbClr>
+                </a:solidFill>
+              </a:rPr>
+              <a:t>password</a:t>
+            </a:r>
+            <a:r>
+              <a:rPr lang="fr-CA" i="0" dirty="0" smtClean="0">
+                <a:solidFill>
+                  <a:srgbClr val="000000">
+                    <a:lumMod val="75000"/>
+                    <a:lumOff val="25000"/>
+                  </a:srgbClr>
+                </a:solidFill>
+              </a:rPr>
+              <a:t> file and </a:t>
+            </a:r>
+            <a:r>
+              <a:rPr lang="fr-CA" i="0" dirty="0" err="1" smtClean="0">
+                <a:solidFill>
+                  <a:srgbClr val="000000">
+                    <a:lumMod val="75000"/>
+                    <a:lumOff val="25000"/>
+                  </a:srgbClr>
+                </a:solidFill>
+              </a:rPr>
+              <a:t>acces</a:t>
+            </a:r>
+            <a:r>
+              <a:rPr lang="fr-CA" i="0" dirty="0" smtClean="0">
+                <a:solidFill>
+                  <a:srgbClr val="000000">
+                    <a:lumMod val="75000"/>
+                    <a:lumOff val="25000"/>
+                  </a:srgbClr>
+                </a:solidFill>
+              </a:rPr>
+              <a:t> file).</a:t>
+            </a:r>
+            <a:endParaRPr lang="fr-CA" i="0" dirty="0">
+              <a:solidFill>
+                <a:srgbClr val="000000">
+                  <a:lumMod val="75000"/>
+                  <a:lumOff val="25000"/>
+                </a:srgbClr>
+              </a:solidFill>
+            </a:endParaRPr>
+          </a:p>
+          <a:p>
+            <a:pPr marL="0" lvl="1" indent="0">
+              <a:lnSpc>
+                <a:spcPct val="100000"/>
+              </a:lnSpc>
+              <a:buNone/>
+            </a:pPr>
+            <a:endParaRPr lang="en-US" sz="1800" b="0" i="0" dirty="0" smtClean="0">
+              <a:solidFill>
+                <a:schemeClr val="tx1">
+                  <a:lumMod val="75000"/>
+                  <a:lumOff val="25000"/>
+                </a:schemeClr>
+              </a:solidFill>
+            </a:endParaRPr>
+          </a:p>
+          <a:p>
+            <a:pPr marL="265113" lvl="1" indent="-265113">
+              <a:lnSpc>
+                <a:spcPct val="100000"/>
+              </a:lnSpc>
+            </a:pPr>
+            <a:endParaRPr lang="en-US" i="0" dirty="0"/>
+          </a:p>
+        </p:txBody>
+      </p:sp>
+    </p:spTree>
+    <p:extLst>
+      <p:ext uri="{BB962C8B-B14F-4D97-AF65-F5344CB8AC3E}">
+        <p14:creationId xmlns:p14="http://schemas.microsoft.com/office/powerpoint/2010/main" val="3464125179"/>
+      </p:ext>
+    </p:extLst>
+  </p:cSld>
+  <p:clrMapOvr>
+    <a:masterClrMapping/>
+  </p:clrMapOvr>
+  <p:transition xmlns:p14="http://schemas.microsoft.com/office/powerpoint/2010/main"/>
+  <p:timing>
+    <p:tnLst>
+      <p:par>
+        <p:cTn xmlns:p14="http://schemas.microsoft.com/office/powerpoint/2010/main" id="1" dur="indefinite" restart="never" nodeType="tmRoot"/>
+      </p:par>
+    </p:tnLst>
+  </p:timing>
+</p:sld>
+</file>
+
+<file path=ppt/slides/slide11.xml><?xml version="1.0" encoding="utf-8"?>
+<p:sld xmlns:a="http://schemas.openxmlformats.org/drawingml/2006/main" xmlns:r="http://schemas.openxmlformats.org/officeDocument/2006/relationships" xmlns:p="http://schemas.openxmlformats.org/presentationml/2006/main">
+  <p:cSld>
+    <p:spTree>
+      <p:nvGrpSpPr>
+        <p:cNvPr id="1" name=""/>
+        <p:cNvGrpSpPr/>
+        <p:nvPr/>
+      </p:nvGrpSpPr>
+      <p:grpSpPr>
+        <a:xfrm>
+          <a:off x="0" y="0"/>
+          <a:ext cx="0" cy="0"/>
+          <a:chOff x="0" y="0"/>
+          <a:chExt cx="0" cy="0"/>
+        </a:xfrm>
+      </p:grpSpPr>
+      <p:sp>
+        <p:nvSpPr>
           <p:cNvPr id="81922" name="Text Box 1"/>
           <p:cNvSpPr txBox="1">
             <a:spLocks noChangeArrowheads="1"/>
@@ -18963,7 +19558,7 @@
                   <a:tab pos="9144000" algn="l"/>
                 </a:tabLst>
               </a:pPr>
-              <a:t>10</a:t>
+              <a:t>11</a:t>
             </a:fld>
             <a:endParaRPr lang="en-GB" sz="1400">
               <a:solidFill>
@@ -19079,7 +19674,7 @@
 </p:sld>
 </file>
 
-<file path=ppt/slides/slide11.xml><?xml version="1.0" encoding="utf-8"?>
+<file path=ppt/slides/slide12.xml><?xml version="1.0" encoding="utf-8"?>
 <p:sld xmlns:a="http://schemas.openxmlformats.org/drawingml/2006/main" xmlns:r="http://schemas.openxmlformats.org/officeDocument/2006/relationships" xmlns:p="http://schemas.openxmlformats.org/presentationml/2006/main">
   <p:cSld>
     <p:spTree>
@@ -19665,18 +20260,7 @@
                   </a:schemeClr>
                 </a:solidFill>
               </a:rPr>
-              <a:t> </a:t>
-            </a:r>
-            <a:r>
-              <a:rPr lang="fr-CA" i="0" dirty="0" smtClean="0">
-                <a:solidFill>
-                  <a:schemeClr val="tx1">
-                    <a:lumMod val="75000"/>
-                    <a:lumOff val="25000"/>
-                  </a:schemeClr>
-                </a:solidFill>
-              </a:rPr>
-              <a:t>as « local »</a:t>
+              <a:t> as « local »</a:t>
             </a:r>
           </a:p>
           <a:p>
@@ -20249,7 +20833,7 @@
 </p:sld>
 </file>
 
-<file path=ppt/slides/slide12.xml><?xml version="1.0" encoding="utf-8"?>
+<file path=ppt/slides/slide13.xml><?xml version="1.0" encoding="utf-8"?>
 <p:sld xmlns:a="http://schemas.openxmlformats.org/drawingml/2006/main" xmlns:r="http://schemas.openxmlformats.org/officeDocument/2006/relationships" xmlns:p="http://schemas.openxmlformats.org/presentationml/2006/main">
   <p:cSld>
     <p:spTree>
@@ -20363,7 +20947,7 @@
                   <a:tab pos="9144000" algn="l"/>
                 </a:tabLst>
               </a:pPr>
-              <a:t>12</a:t>
+              <a:t>13</a:t>
             </a:fld>
             <a:endParaRPr lang="en-GB" sz="1400">
               <a:solidFill>
@@ -20468,309 +21052,6 @@
 </p:sld>
 </file>
 
-<file path=ppt/slides/slide13.xml><?xml version="1.0" encoding="utf-8"?>
-<p:sld xmlns:a="http://schemas.openxmlformats.org/drawingml/2006/main" xmlns:r="http://schemas.openxmlformats.org/officeDocument/2006/relationships" xmlns:p="http://schemas.openxmlformats.org/presentationml/2006/main">
-  <p:cSld>
-    <p:spTree>
-      <p:nvGrpSpPr>
-        <p:cNvPr id="1" name=""/>
-        <p:cNvGrpSpPr/>
-        <p:nvPr/>
-      </p:nvGrpSpPr>
-      <p:grpSpPr>
-        <a:xfrm>
-          <a:off x="0" y="0"/>
-          <a:ext cx="0" cy="0"/>
-          <a:chOff x="0" y="0"/>
-          <a:chExt cx="0" cy="0"/>
-        </a:xfrm>
-      </p:grpSpPr>
-      <p:sp>
-        <p:nvSpPr>
-          <p:cNvPr id="15362" name="Rectangle 1"/>
-          <p:cNvSpPr>
-            <a:spLocks noGrp="1" noChangeArrowheads="1"/>
-          </p:cNvSpPr>
-          <p:nvPr>
-            <p:ph type="title"/>
-          </p:nvPr>
-        </p:nvSpPr>
-        <p:spPr>
-          <a:xfrm>
-            <a:off x="490435" y="255926"/>
-            <a:ext cx="10179255" cy="454024"/>
-          </a:xfrm>
-        </p:spPr>
-        <p:txBody>
-          <a:bodyPr rIns="41783" anchor="b"/>
-          <a:lstStyle/>
-          <a:p>
-            <a:pPr marL="584962" lvl="1" indent="-219361">
-              <a:lnSpc>
-                <a:spcPct val="100000"/>
-              </a:lnSpc>
-            </a:pPr>
-            <a:r>
-              <a:rPr lang="fr-FR" sz="3600" dirty="0" err="1"/>
-              <a:t>Using</a:t>
-            </a:r>
-            <a:r>
-              <a:rPr lang="fr-FR" sz="3600" dirty="0"/>
-              <a:t> </a:t>
-            </a:r>
-            <a:r>
-              <a:rPr lang="fr-FR" sz="3600" dirty="0" err="1" smtClean="0"/>
-              <a:t>VisualVM</a:t>
-            </a:r>
-            <a:r>
-              <a:rPr lang="fr-FR" sz="3600" dirty="0" smtClean="0"/>
-              <a:t> (</a:t>
-            </a:r>
-            <a:r>
-              <a:rPr lang="fr-FR" sz="3600" dirty="0" err="1" smtClean="0"/>
-              <a:t>Overview</a:t>
-            </a:r>
-            <a:r>
-              <a:rPr lang="fr-FR" sz="3600" dirty="0" smtClean="0"/>
-              <a:t> tab)</a:t>
-            </a:r>
-            <a:endParaRPr lang="fr-FR" sz="3600" dirty="0"/>
-          </a:p>
-        </p:txBody>
-      </p:sp>
-      <p:sp>
-        <p:nvSpPr>
-          <p:cNvPr id="15363" name="Rectangle 2"/>
-          <p:cNvSpPr>
-            <a:spLocks noGrp="1" noChangeArrowheads="1"/>
-          </p:cNvSpPr>
-          <p:nvPr>
-            <p:ph type="body" idx="1"/>
-          </p:nvPr>
-        </p:nvSpPr>
-        <p:spPr>
-          <a:xfrm>
-            <a:off x="395486" y="1043533"/>
-            <a:ext cx="10219725" cy="5089000"/>
-          </a:xfrm>
-        </p:spPr>
-        <p:txBody>
-          <a:bodyPr rIns="41783" anchor="t"/>
-          <a:lstStyle/>
-          <a:p>
-            <a:pPr marL="265113" lvl="1" indent="-265113">
-              <a:lnSpc>
-                <a:spcPct val="100000"/>
-              </a:lnSpc>
-            </a:pPr>
-            <a:r>
-              <a:rPr lang="fr-CA" sz="2200" i="0" dirty="0" smtClean="0">
-                <a:solidFill>
-                  <a:srgbClr val="404040"/>
-                </a:solidFill>
-              </a:rPr>
-              <a:t>The </a:t>
-            </a:r>
-            <a:r>
-              <a:rPr lang="fr-CA" sz="2200" i="0" dirty="0" err="1" smtClean="0">
-                <a:solidFill>
-                  <a:srgbClr val="404040"/>
-                </a:solidFill>
-              </a:rPr>
-              <a:t>Overview</a:t>
-            </a:r>
-            <a:r>
-              <a:rPr lang="fr-CA" sz="2200" i="0" dirty="0" smtClean="0">
-                <a:solidFill>
-                  <a:srgbClr val="404040"/>
-                </a:solidFill>
-              </a:rPr>
-              <a:t> tab </a:t>
-            </a:r>
-            <a:r>
-              <a:rPr lang="fr-CA" sz="2200" i="0" dirty="0">
-                <a:solidFill>
-                  <a:srgbClr val="404040"/>
-                </a:solidFill>
-              </a:rPr>
-              <a:t>display shows </a:t>
-            </a:r>
-            <a:r>
-              <a:rPr lang="fr-CA" sz="2200" i="0" dirty="0" err="1">
-                <a:solidFill>
-                  <a:srgbClr val="404040"/>
-                </a:solidFill>
-              </a:rPr>
-              <a:t>high-level</a:t>
-            </a:r>
-            <a:r>
-              <a:rPr lang="fr-CA" sz="2200" i="0" dirty="0">
-                <a:solidFill>
-                  <a:srgbClr val="404040"/>
-                </a:solidFill>
-              </a:rPr>
-              <a:t> information about the application: </a:t>
-            </a:r>
-            <a:r>
-              <a:rPr lang="fr-CA" sz="2200" i="0" dirty="0" err="1">
-                <a:solidFill>
-                  <a:srgbClr val="404040"/>
-                </a:solidFill>
-              </a:rPr>
-              <a:t>its</a:t>
-            </a:r>
-            <a:r>
-              <a:rPr lang="fr-CA" sz="2200" i="0" dirty="0">
-                <a:solidFill>
-                  <a:srgbClr val="404040"/>
-                </a:solidFill>
-              </a:rPr>
-              <a:t> </a:t>
-            </a:r>
-            <a:r>
-              <a:rPr lang="fr-CA" sz="2200" i="0" dirty="0" err="1">
-                <a:solidFill>
-                  <a:srgbClr val="404040"/>
-                </a:solidFill>
-              </a:rPr>
-              <a:t>process</a:t>
-            </a:r>
-            <a:r>
-              <a:rPr lang="fr-CA" sz="2200" i="0" dirty="0">
-                <a:solidFill>
-                  <a:srgbClr val="404040"/>
-                </a:solidFill>
-              </a:rPr>
-              <a:t> ID, Java version </a:t>
-            </a:r>
-            <a:r>
-              <a:rPr lang="fr-CA" sz="2200" i="0" dirty="0" err="1">
-                <a:solidFill>
-                  <a:srgbClr val="404040"/>
-                </a:solidFill>
-              </a:rPr>
-              <a:t>used</a:t>
-            </a:r>
-            <a:r>
-              <a:rPr lang="fr-CA" sz="2200" i="0" dirty="0">
-                <a:solidFill>
-                  <a:srgbClr val="404040"/>
-                </a:solidFill>
-              </a:rPr>
-              <a:t> to </a:t>
-            </a:r>
-            <a:r>
-              <a:rPr lang="fr-CA" sz="2200" i="0" dirty="0" err="1">
-                <a:solidFill>
-                  <a:srgbClr val="404040"/>
-                </a:solidFill>
-              </a:rPr>
-              <a:t>run</a:t>
-            </a:r>
-            <a:r>
-              <a:rPr lang="fr-CA" sz="2200" i="0" dirty="0">
-                <a:solidFill>
-                  <a:srgbClr val="404040"/>
-                </a:solidFill>
-              </a:rPr>
-              <a:t> </a:t>
-            </a:r>
-            <a:r>
-              <a:rPr lang="fr-CA" sz="2200" i="0" dirty="0" err="1">
-                <a:solidFill>
-                  <a:srgbClr val="404040"/>
-                </a:solidFill>
-              </a:rPr>
-              <a:t>it</a:t>
-            </a:r>
-            <a:r>
-              <a:rPr lang="fr-CA" sz="2200" i="0" dirty="0">
-                <a:solidFill>
-                  <a:srgbClr val="404040"/>
-                </a:solidFill>
-              </a:rPr>
-              <a:t>, the </a:t>
-            </a:r>
-            <a:r>
-              <a:rPr lang="fr-CA" sz="2200" i="0" dirty="0" err="1">
-                <a:solidFill>
-                  <a:srgbClr val="404040"/>
-                </a:solidFill>
-              </a:rPr>
-              <a:t>name</a:t>
-            </a:r>
-            <a:r>
-              <a:rPr lang="fr-CA" sz="2200" i="0" dirty="0">
-                <a:solidFill>
-                  <a:srgbClr val="404040"/>
-                </a:solidFill>
-              </a:rPr>
-              <a:t> of the main class, </a:t>
-            </a:r>
-            <a:r>
-              <a:rPr lang="fr-CA" sz="2200" i="0" dirty="0" smtClean="0">
-                <a:solidFill>
-                  <a:srgbClr val="404040"/>
-                </a:solidFill>
-              </a:rPr>
-              <a:t>etc..</a:t>
-            </a:r>
-          </a:p>
-          <a:p>
-            <a:pPr marL="265113" lvl="1" indent="-265113">
-              <a:lnSpc>
-                <a:spcPct val="100000"/>
-              </a:lnSpc>
-            </a:pPr>
-            <a:endParaRPr lang="fr-CA" i="0" dirty="0" smtClean="0"/>
-          </a:p>
-        </p:txBody>
-      </p:sp>
-      <p:pic>
-        <p:nvPicPr>
-          <p:cNvPr id="2" name="Image 1"/>
-          <p:cNvPicPr>
-            <a:picLocks noChangeAspect="1"/>
-          </p:cNvPicPr>
-          <p:nvPr/>
-        </p:nvPicPr>
-        <p:blipFill>
-          <a:blip r:embed="rId2"/>
-          <a:stretch>
-            <a:fillRect/>
-          </a:stretch>
-        </p:blipFill>
-        <p:spPr>
-          <a:xfrm>
-            <a:off x="611510" y="2189212"/>
-            <a:ext cx="9760309" cy="4542953"/>
-          </a:xfrm>
-          <a:prstGeom prst="rect">
-            <a:avLst/>
-          </a:prstGeom>
-        </p:spPr>
-      </p:pic>
-    </p:spTree>
-    <p:extLst>
-      <p:ext uri="{BB962C8B-B14F-4D97-AF65-F5344CB8AC3E}">
-        <p14:creationId xmlns:p14="http://schemas.microsoft.com/office/powerpoint/2010/main" val="579435433"/>
-      </p:ext>
-    </p:extLst>
-  </p:cSld>
-  <p:clrMapOvr>
-    <a:masterClrMapping/>
-  </p:clrMapOvr>
-  <p:transition xmlns:p14="http://schemas.microsoft.com/office/powerpoint/2010/main"/>
-  <p:timing>
-    <p:tnLst>
-      <p:par>
-        <p:cTn xmlns:p14="http://schemas.microsoft.com/office/powerpoint/2010/main" id="1" dur="indefinite" restart="never" nodeType="tmRoot"/>
-      </p:par>
-    </p:tnLst>
-  </p:timing>
-</p:sld>
-</file>
-
 <file path=ppt/slides/slide14.xml><?xml version="1.0" encoding="utf-8"?>
 <p:sld xmlns:a="http://schemas.openxmlformats.org/drawingml/2006/main" xmlns:r="http://schemas.openxmlformats.org/officeDocument/2006/relationships" xmlns:p="http://schemas.openxmlformats.org/presentationml/2006/main">
   <p:cSld>
@@ -20827,7 +21108,15 @@
             </a:r>
             <a:r>
               <a:rPr lang="fr-FR" sz="3600" dirty="0" smtClean="0"/>
-              <a:t> (Monitor tab)</a:t>
+              <a:t> (</a:t>
+            </a:r>
+            <a:r>
+              <a:rPr lang="fr-FR" sz="3600" dirty="0" err="1" smtClean="0"/>
+              <a:t>Overview</a:t>
+            </a:r>
+            <a:r>
+              <a:rPr lang="fr-FR" sz="3600" dirty="0" smtClean="0"/>
+              <a:t> tab)</a:t>
             </a:r>
             <a:endParaRPr lang="fr-FR" sz="3600" dirty="0"/>
           </a:p>
@@ -20859,32 +21148,156 @@
               </a:lnSpc>
             </a:pPr>
             <a:r>
-              <a:rPr lang="fr-CA" i="0" dirty="0"/>
-              <a:t>The Monitor display </a:t>
-            </a:r>
-            <a:r>
-              <a:rPr lang="fr-CA" i="0" dirty="0" smtClean="0"/>
-              <a:t>use full graphs about : CPU, </a:t>
-            </a:r>
-            <a:r>
-              <a:rPr lang="fr-CA" i="0" dirty="0" err="1" smtClean="0"/>
-              <a:t>Heap</a:t>
-            </a:r>
-            <a:r>
-              <a:rPr lang="fr-CA" i="0" dirty="0"/>
-              <a:t>, Permanent </a:t>
-            </a:r>
-            <a:r>
-              <a:rPr lang="fr-CA" i="0" dirty="0" err="1"/>
-              <a:t>Generation</a:t>
-            </a:r>
-            <a:r>
-              <a:rPr lang="fr-CA" i="0" dirty="0"/>
-              <a:t>, Threads, and </a:t>
-            </a:r>
-            <a:r>
-              <a:rPr lang="fr-CA" i="0" dirty="0" smtClean="0"/>
-              <a:t>Classes</a:t>
+              <a:rPr lang="fr-CA" sz="2200" i="0" dirty="0" smtClean="0">
+                <a:solidFill>
+                  <a:srgbClr val="404040"/>
+                </a:solidFill>
+              </a:rPr>
+              <a:t>The </a:t>
+            </a:r>
+            <a:r>
+              <a:rPr lang="fr-CA" sz="2200" i="0" dirty="0" err="1" smtClean="0">
+                <a:solidFill>
+                  <a:srgbClr val="404040"/>
+                </a:solidFill>
+              </a:rPr>
+              <a:t>Overview</a:t>
+            </a:r>
+            <a:r>
+              <a:rPr lang="fr-CA" sz="2200" i="0" dirty="0" smtClean="0">
+                <a:solidFill>
+                  <a:srgbClr val="404040"/>
+                </a:solidFill>
+              </a:rPr>
+              <a:t> tab </a:t>
+            </a:r>
+            <a:r>
+              <a:rPr lang="fr-CA" sz="2200" i="0" dirty="0">
+                <a:solidFill>
+                  <a:srgbClr val="404040"/>
+                </a:solidFill>
+              </a:rPr>
+              <a:t>display shows </a:t>
+            </a:r>
+            <a:r>
+              <a:rPr lang="fr-CA" sz="2200" i="0" dirty="0" err="1">
+                <a:solidFill>
+                  <a:srgbClr val="404040"/>
+                </a:solidFill>
+              </a:rPr>
+              <a:t>high-level</a:t>
+            </a:r>
+            <a:r>
+              <a:rPr lang="fr-CA" sz="2200" i="0" dirty="0">
+                <a:solidFill>
+                  <a:srgbClr val="404040"/>
+                </a:solidFill>
+              </a:rPr>
+              <a:t> information about the application: </a:t>
+            </a:r>
+            <a:r>
+              <a:rPr lang="fr-CA" sz="2200" i="0" dirty="0" err="1">
+                <a:solidFill>
+                  <a:srgbClr val="404040"/>
+                </a:solidFill>
+              </a:rPr>
+              <a:t>its</a:t>
+            </a:r>
+            <a:r>
+              <a:rPr lang="fr-CA" sz="2200" i="0" dirty="0">
+                <a:solidFill>
+                  <a:srgbClr val="404040"/>
+                </a:solidFill>
+              </a:rPr>
+              <a:t> </a:t>
+            </a:r>
+            <a:r>
+              <a:rPr lang="fr-CA" sz="2200" i="0" dirty="0" err="1">
+                <a:solidFill>
+                  <a:srgbClr val="404040"/>
+                </a:solidFill>
+              </a:rPr>
+              <a:t>process</a:t>
+            </a:r>
+            <a:r>
+              <a:rPr lang="fr-CA" sz="2200" i="0" dirty="0">
+                <a:solidFill>
+                  <a:srgbClr val="404040"/>
+                </a:solidFill>
+              </a:rPr>
+              <a:t> ID, Java version </a:t>
+            </a:r>
+            <a:r>
+              <a:rPr lang="fr-CA" sz="2200" i="0" dirty="0" err="1">
+                <a:solidFill>
+                  <a:srgbClr val="404040"/>
+                </a:solidFill>
+              </a:rPr>
+              <a:t>used</a:t>
+            </a:r>
+            <a:r>
+              <a:rPr lang="fr-CA" sz="2200" i="0" dirty="0">
+                <a:solidFill>
+                  <a:srgbClr val="404040"/>
+                </a:solidFill>
+              </a:rPr>
+              <a:t> to </a:t>
+            </a:r>
+            <a:r>
+              <a:rPr lang="fr-CA" sz="2200" i="0" dirty="0" err="1">
+                <a:solidFill>
+                  <a:srgbClr val="404040"/>
+                </a:solidFill>
+              </a:rPr>
+              <a:t>run</a:t>
+            </a:r>
+            <a:r>
+              <a:rPr lang="fr-CA" sz="2200" i="0" dirty="0">
+                <a:solidFill>
+                  <a:srgbClr val="404040"/>
+                </a:solidFill>
+              </a:rPr>
+              <a:t> </a:t>
+            </a:r>
+            <a:r>
+              <a:rPr lang="fr-CA" sz="2200" i="0" dirty="0" err="1">
+                <a:solidFill>
+                  <a:srgbClr val="404040"/>
+                </a:solidFill>
+              </a:rPr>
+              <a:t>it</a:t>
+            </a:r>
+            <a:r>
+              <a:rPr lang="fr-CA" sz="2200" i="0" dirty="0">
+                <a:solidFill>
+                  <a:srgbClr val="404040"/>
+                </a:solidFill>
+              </a:rPr>
+              <a:t>, the </a:t>
+            </a:r>
+            <a:r>
+              <a:rPr lang="fr-CA" sz="2200" i="0" dirty="0" err="1">
+                <a:solidFill>
+                  <a:srgbClr val="404040"/>
+                </a:solidFill>
+              </a:rPr>
+              <a:t>name</a:t>
+            </a:r>
+            <a:r>
+              <a:rPr lang="fr-CA" sz="2200" i="0" dirty="0">
+                <a:solidFill>
+                  <a:srgbClr val="404040"/>
+                </a:solidFill>
+              </a:rPr>
+              <a:t> of the main class, </a:t>
+            </a:r>
+            <a:r>
+              <a:rPr lang="fr-CA" sz="2200" i="0" dirty="0" smtClean="0">
+                <a:solidFill>
+                  <a:srgbClr val="404040"/>
+                </a:solidFill>
+              </a:rPr>
+              <a:t>etc..</a:t>
             </a:r>
           </a:p>
           <a:p>
@@ -20893,84 +21306,13 @@
                 <a:spcPct val="100000"/>
               </a:lnSpc>
             </a:pPr>
-            <a:r>
-              <a:rPr lang="fr-CA" i="0" dirty="0" smtClean="0"/>
-              <a:t>You </a:t>
-            </a:r>
-            <a:r>
-              <a:rPr lang="fr-CA" i="0" dirty="0" err="1" smtClean="0"/>
-              <a:t>can</a:t>
-            </a:r>
-            <a:r>
-              <a:rPr lang="fr-CA" i="0" dirty="0" smtClean="0"/>
-              <a:t> </a:t>
-            </a:r>
-            <a:r>
-              <a:rPr lang="fr-CA" i="0" dirty="0" err="1" smtClean="0"/>
-              <a:t>also</a:t>
-            </a:r>
-            <a:r>
-              <a:rPr lang="fr-CA" i="0" dirty="0" smtClean="0"/>
-              <a:t> </a:t>
-            </a:r>
-            <a:r>
-              <a:rPr lang="fr-CA" i="0" dirty="0" err="1" smtClean="0"/>
-              <a:t>perform</a:t>
-            </a:r>
-            <a:r>
-              <a:rPr lang="fr-CA" i="0" dirty="0"/>
-              <a:t> </a:t>
-            </a:r>
-            <a:r>
-              <a:rPr lang="fr-CA" i="0" dirty="0" smtClean="0"/>
-              <a:t>GC (</a:t>
-            </a:r>
-            <a:r>
-              <a:rPr lang="fr-CA" i="0" dirty="0" err="1" smtClean="0"/>
-              <a:t>garbage</a:t>
-            </a:r>
-            <a:r>
-              <a:rPr lang="fr-CA" i="0" dirty="0" smtClean="0"/>
-              <a:t> </a:t>
-            </a:r>
-            <a:r>
-              <a:rPr lang="fr-CA" i="0" dirty="0" err="1" smtClean="0"/>
-              <a:t>collector</a:t>
-            </a:r>
-            <a:r>
-              <a:rPr lang="fr-CA" i="0" dirty="0" smtClean="0"/>
-              <a:t>) or </a:t>
-            </a:r>
-            <a:r>
-              <a:rPr lang="fr-CA" i="0" dirty="0" err="1" smtClean="0"/>
-              <a:t>Heap</a:t>
-            </a:r>
-            <a:r>
-              <a:rPr lang="fr-CA" i="0" dirty="0" smtClean="0"/>
-              <a:t> Dump </a:t>
-            </a:r>
-            <a:r>
-              <a:rPr lang="fr-CA" i="0" dirty="0" err="1" smtClean="0"/>
-              <a:t>directly</a:t>
-            </a:r>
-            <a:r>
-              <a:rPr lang="fr-CA" i="0" dirty="0" smtClean="0"/>
-              <a:t> </a:t>
-            </a:r>
-            <a:r>
-              <a:rPr lang="fr-CA" i="0" dirty="0" err="1" smtClean="0"/>
-              <a:t>from</a:t>
-            </a:r>
-            <a:r>
-              <a:rPr lang="fr-CA" i="0" dirty="0" smtClean="0"/>
-              <a:t> the interface.</a:t>
-            </a:r>
+            <a:endParaRPr lang="fr-CA" i="0" dirty="0" smtClean="0"/>
           </a:p>
         </p:txBody>
       </p:sp>
       <p:pic>
         <p:nvPicPr>
-          <p:cNvPr id="3" name="Image 2"/>
+          <p:cNvPr id="2" name="Image 1"/>
           <p:cNvPicPr>
             <a:picLocks noChangeAspect="1"/>
           </p:cNvPicPr>
@@ -20984,8 +21326,8 @@
         </p:blipFill>
         <p:spPr>
           <a:xfrm>
-            <a:off x="2339702" y="2771725"/>
-            <a:ext cx="5256584" cy="3601438"/>
+            <a:off x="611510" y="2189212"/>
+            <a:ext cx="9760309" cy="4542953"/>
           </a:xfrm>
           <a:prstGeom prst="rect">
             <a:avLst/>
@@ -20995,7 +21337,7 @@
     </p:spTree>
     <p:extLst>
       <p:ext uri="{BB962C8B-B14F-4D97-AF65-F5344CB8AC3E}">
-        <p14:creationId xmlns:p14="http://schemas.microsoft.com/office/powerpoint/2010/main" val="4015134464"/>
+        <p14:creationId xmlns:p14="http://schemas.microsoft.com/office/powerpoint/2010/main" val="579435433"/>
       </p:ext>
     </p:extLst>
   </p:cSld>
@@ -21069,7 +21411,7 @@
             </a:r>
             <a:r>
               <a:rPr lang="fr-FR" sz="3600" dirty="0" smtClean="0"/>
-              <a:t> (Threads tab)</a:t>
+              <a:t> (Monitor tab)</a:t>
             </a:r>
             <a:endParaRPr lang="fr-FR" sz="3600" dirty="0"/>
           </a:p>
@@ -21101,70 +21443,33 @@
               </a:lnSpc>
             </a:pPr>
             <a:r>
-              <a:rPr lang="fr-CA" sz="2000" i="0" dirty="0" smtClean="0"/>
-              <a:t>This </a:t>
-            </a:r>
-            <a:r>
-              <a:rPr lang="fr-CA" sz="2000" i="0" dirty="0"/>
-              <a:t>tab displays a </a:t>
-            </a:r>
-            <a:r>
-              <a:rPr lang="fr-CA" sz="2000" i="0" dirty="0" err="1"/>
-              <a:t>timeline</a:t>
-            </a:r>
-            <a:r>
-              <a:rPr lang="fr-CA" sz="2000" i="0" dirty="0"/>
-              <a:t> </a:t>
-            </a:r>
-            <a:r>
-              <a:rPr lang="fr-CA" sz="2000" i="0" dirty="0" err="1"/>
-              <a:t>with</a:t>
-            </a:r>
-            <a:r>
-              <a:rPr lang="fr-CA" sz="2000" i="0" dirty="0"/>
-              <a:t> real-time thread states. </a:t>
-            </a:r>
-            <a:r>
-              <a:rPr lang="fr-CA" sz="2000" i="0" dirty="0" smtClean="0"/>
-              <a:t>Use </a:t>
-            </a:r>
-            <a:r>
-              <a:rPr lang="fr-CA" sz="2000" i="0" dirty="0"/>
-              <a:t>the buttons in the </a:t>
-            </a:r>
-            <a:r>
-              <a:rPr lang="fr-CA" sz="2000" i="0" dirty="0" err="1"/>
-              <a:t>Timeline</a:t>
-            </a:r>
-            <a:r>
-              <a:rPr lang="fr-CA" sz="2000" i="0" dirty="0"/>
-              <a:t> </a:t>
-            </a:r>
-            <a:r>
-              <a:rPr lang="fr-CA" sz="2000" i="0" dirty="0" err="1"/>
-              <a:t>toolbar</a:t>
-            </a:r>
-            <a:r>
-              <a:rPr lang="fr-CA" sz="2000" i="0" dirty="0"/>
-              <a:t> to zoom in/out on the </a:t>
-            </a:r>
-            <a:r>
-              <a:rPr lang="fr-CA" sz="2000" i="0" dirty="0" err="1"/>
-              <a:t>current</a:t>
-            </a:r>
-            <a:r>
-              <a:rPr lang="fr-CA" sz="2000" i="0" dirty="0"/>
-              <a:t> </a:t>
-            </a:r>
-            <a:r>
-              <a:rPr lang="fr-CA" sz="2000" i="0" dirty="0" err="1" smtClean="0"/>
-              <a:t>view</a:t>
-            </a:r>
-            <a:r>
-              <a:rPr lang="fr-CA" sz="2000" i="0" dirty="0" smtClean="0"/>
-              <a:t>.</a:t>
-            </a:r>
-            <a:endParaRPr lang="fr-CA" sz="2000" i="0" dirty="0"/>
+              <a:rPr lang="fr-CA" i="0" dirty="0"/>
+              <a:t>The Monitor display </a:t>
+            </a:r>
+            <a:r>
+              <a:rPr lang="fr-CA" i="0" dirty="0" smtClean="0"/>
+              <a:t>use full graphs about : CPU, </a:t>
+            </a:r>
+            <a:r>
+              <a:rPr lang="fr-CA" i="0" dirty="0" err="1" smtClean="0"/>
+              <a:t>Heap</a:t>
+            </a:r>
+            <a:r>
+              <a:rPr lang="fr-CA" i="0" dirty="0"/>
+              <a:t>, Permanent </a:t>
+            </a:r>
+            <a:r>
+              <a:rPr lang="fr-CA" i="0" dirty="0" err="1"/>
+              <a:t>Generation</a:t>
+            </a:r>
+            <a:r>
+              <a:rPr lang="fr-CA" i="0" dirty="0"/>
+              <a:t>, Threads, and </a:t>
+            </a:r>
+            <a:r>
+              <a:rPr lang="fr-CA" i="0" dirty="0" smtClean="0"/>
+              <a:t>Classes</a:t>
+            </a:r>
           </a:p>
           <a:p>
             <a:pPr marL="265113" lvl="1" indent="-265113">
@@ -21173,168 +21478,83 @@
               </a:lnSpc>
             </a:pPr>
             <a:r>
-              <a:rPr lang="fr-CA" sz="2000" i="0" dirty="0" smtClean="0"/>
-              <a:t>The </a:t>
-            </a:r>
-            <a:r>
-              <a:rPr lang="fr-CA" sz="2000" i="0" dirty="0"/>
-              <a:t>drop-down </a:t>
-            </a:r>
-            <a:r>
-              <a:rPr lang="fr-CA" sz="2000" i="0" dirty="0" err="1"/>
-              <a:t>list</a:t>
-            </a:r>
-            <a:r>
-              <a:rPr lang="fr-CA" sz="2000" i="0" dirty="0"/>
+              <a:rPr lang="fr-CA" i="0" dirty="0" smtClean="0"/>
+              <a:t>You </a:t>
+            </a:r>
+            <a:r>
+              <a:rPr lang="fr-CA" i="0" dirty="0" err="1" smtClean="0"/>
+              <a:t>can</a:t>
+            </a:r>
+            <a:r>
+              <a:rPr lang="fr-CA" i="0" dirty="0" smtClean="0"/>
               <a:t> </a:t>
             </a:r>
             <a:r>
-              <a:rPr lang="fr-CA" sz="2000" i="0" dirty="0" err="1"/>
-              <a:t>enables</a:t>
-            </a:r>
-            <a:r>
-              <a:rPr lang="fr-CA" sz="2000" i="0" dirty="0"/>
+              <a:rPr lang="fr-CA" i="0" dirty="0" err="1" smtClean="0"/>
+              <a:t>also</a:t>
+            </a:r>
+            <a:r>
+              <a:rPr lang="fr-CA" i="0" dirty="0" smtClean="0"/>
               <a:t> </a:t>
             </a:r>
             <a:r>
-              <a:rPr lang="fr-CA" sz="2000" i="0" dirty="0" err="1"/>
-              <a:t>you</a:t>
-            </a:r>
-            <a:r>
-              <a:rPr lang="fr-CA" sz="2000" i="0" dirty="0"/>
-              <a:t> to select </a:t>
-            </a:r>
-            <a:r>
-              <a:rPr lang="fr-CA" sz="2000" i="0" dirty="0" err="1"/>
-              <a:t>which</a:t>
-            </a:r>
-            <a:r>
-              <a:rPr lang="fr-CA" sz="2000" i="0" dirty="0"/>
-              <a:t> threads are </a:t>
-            </a:r>
-            <a:r>
-              <a:rPr lang="fr-CA" sz="2000" i="0" dirty="0" err="1"/>
-              <a:t>displayed</a:t>
-            </a:r>
-            <a:r>
-              <a:rPr lang="fr-CA" sz="2000" i="0" dirty="0"/>
-              <a:t>. You </a:t>
-            </a:r>
-            <a:r>
-              <a:rPr lang="fr-CA" sz="2000" i="0" dirty="0" err="1"/>
-              <a:t>can</a:t>
-            </a:r>
-            <a:r>
-              <a:rPr lang="fr-CA" sz="2000" i="0" dirty="0"/>
+              <a:rPr lang="fr-CA" i="0" dirty="0" err="1" smtClean="0"/>
+              <a:t>perform</a:t>
+            </a:r>
+            <a:r>
+              <a:rPr lang="fr-CA" i="0" dirty="0"/>
               <a:t> </a:t>
             </a:r>
             <a:r>
-              <a:rPr lang="fr-CA" sz="2000" i="0" dirty="0" err="1"/>
-              <a:t>choose</a:t>
-            </a:r>
-            <a:r>
-              <a:rPr lang="fr-CA" sz="2000" i="0" dirty="0"/>
-              <a:t> to </a:t>
-            </a:r>
-            <a:r>
-              <a:rPr lang="fr-CA" sz="2000" i="0" dirty="0" err="1"/>
-              <a:t>view</a:t>
-            </a:r>
-            <a:r>
-              <a:rPr lang="fr-CA" sz="2000" i="0" dirty="0"/>
-              <a:t> all threads, live threads or </a:t>
-            </a:r>
-            <a:r>
-              <a:rPr lang="fr-CA" sz="2000" i="0" dirty="0" err="1"/>
-              <a:t>finished</a:t>
-            </a:r>
-            <a:r>
-              <a:rPr lang="fr-CA" sz="2000" i="0" dirty="0"/>
-              <a:t> threads. </a:t>
-            </a:r>
-            <a:endParaRPr lang="fr-CA" sz="2000" i="0" dirty="0" smtClean="0"/>
-          </a:p>
-          <a:p>
-            <a:pPr marL="265113" lvl="1" indent="-265113">
-              <a:lnSpc>
-                <a:spcPct val="100000"/>
-              </a:lnSpc>
-            </a:pPr>
-            <a:r>
-              <a:rPr lang="fr-CA" sz="2000" i="0" dirty="0" smtClean="0"/>
-              <a:t>You </a:t>
-            </a:r>
-            <a:r>
-              <a:rPr lang="fr-CA" sz="2000" i="0" dirty="0" err="1"/>
-              <a:t>can</a:t>
-            </a:r>
-            <a:r>
-              <a:rPr lang="fr-CA" sz="2000" i="0" dirty="0"/>
+              <a:rPr lang="fr-CA" i="0" dirty="0" smtClean="0"/>
+              <a:t>GC (</a:t>
+            </a:r>
+            <a:r>
+              <a:rPr lang="fr-CA" i="0" dirty="0" err="1" smtClean="0"/>
+              <a:t>garbage</a:t>
+            </a:r>
+            <a:r>
+              <a:rPr lang="fr-CA" i="0" dirty="0" smtClean="0"/>
               <a:t> </a:t>
             </a:r>
             <a:r>
-              <a:rPr lang="fr-CA" sz="2000" i="0" dirty="0" err="1"/>
-              <a:t>also</a:t>
-            </a:r>
-            <a:r>
-              <a:rPr lang="fr-CA" sz="2000" i="0" dirty="0"/>
-              <a:t> select a single thread or multiple threads to display a </a:t>
-            </a:r>
-            <a:r>
-              <a:rPr lang="fr-CA" sz="2000" i="0" dirty="0" err="1"/>
-              <a:t>subset</a:t>
-            </a:r>
-            <a:r>
-              <a:rPr lang="fr-CA" sz="2000" i="0" dirty="0"/>
-              <a:t> of the threads. You </a:t>
-            </a:r>
-            <a:r>
-              <a:rPr lang="fr-CA" sz="2000" i="0" dirty="0" err="1"/>
-              <a:t>can</a:t>
-            </a:r>
-            <a:r>
-              <a:rPr lang="fr-CA" sz="2000" i="0" dirty="0"/>
+              <a:rPr lang="fr-CA" i="0" dirty="0" err="1" smtClean="0"/>
+              <a:t>collector</a:t>
+            </a:r>
+            <a:r>
+              <a:rPr lang="fr-CA" i="0" dirty="0" smtClean="0"/>
+              <a:t>) or </a:t>
+            </a:r>
+            <a:r>
+              <a:rPr lang="fr-CA" i="0" dirty="0" err="1" smtClean="0"/>
+              <a:t>Heap</a:t>
+            </a:r>
+            <a:r>
+              <a:rPr lang="fr-CA" i="0" dirty="0" smtClean="0"/>
+              <a:t> Dump </a:t>
+            </a:r>
+            <a:r>
+              <a:rPr lang="fr-CA" i="0" dirty="0" err="1" smtClean="0"/>
+              <a:t>directly</a:t>
+            </a:r>
+            <a:r>
+              <a:rPr lang="fr-CA" i="0" dirty="0" smtClean="0"/>
               <a:t> </a:t>
             </a:r>
             <a:r>
-              <a:rPr lang="fr-CA" sz="2000" i="0" dirty="0" err="1"/>
-              <a:t>double-click</a:t>
-            </a:r>
-            <a:r>
-              <a:rPr lang="fr-CA" sz="2000" i="0" dirty="0"/>
-              <a:t> on a thread </a:t>
-            </a:r>
-            <a:r>
-              <a:rPr lang="fr-CA" sz="2000" i="0" dirty="0" err="1"/>
-              <a:t>timeline</a:t>
-            </a:r>
-            <a:r>
-              <a:rPr lang="fr-CA" sz="2000" i="0" dirty="0"/>
-              <a:t> to open </a:t>
-            </a:r>
-            <a:r>
-              <a:rPr lang="fr-CA" sz="2000" i="0" dirty="0" err="1"/>
-              <a:t>that</a:t>
-            </a:r>
-            <a:r>
-              <a:rPr lang="fr-CA" sz="2000" i="0" dirty="0"/>
-              <a:t> thread in the </a:t>
-            </a:r>
-            <a:r>
-              <a:rPr lang="fr-CA" sz="2000" i="0" dirty="0" err="1"/>
-              <a:t>Details</a:t>
-            </a:r>
-            <a:r>
-              <a:rPr lang="fr-CA" sz="2000" i="0" dirty="0"/>
-              <a:t> tab</a:t>
-            </a:r>
-            <a:endParaRPr lang="fr-CA" sz="2000" i="0" dirty="0" smtClean="0"/>
+              <a:rPr lang="fr-CA" i="0" dirty="0" err="1" smtClean="0"/>
+              <a:t>from</a:t>
+            </a:r>
+            <a:r>
+              <a:rPr lang="fr-CA" i="0" dirty="0" smtClean="0"/>
+              <a:t> the interface.</a:t>
+            </a:r>
           </a:p>
         </p:txBody>
       </p:sp>
       <p:pic>
         <p:nvPicPr>
-          <p:cNvPr id="2" name="Image 1"/>
+          <p:cNvPr id="3" name="Image 2"/>
           <p:cNvPicPr>
             <a:picLocks noChangeAspect="1"/>
           </p:cNvPicPr>
@@ -21348,8 +21568,8 @@
         </p:blipFill>
         <p:spPr>
           <a:xfrm>
-            <a:off x="2339702" y="3347789"/>
-            <a:ext cx="7740302" cy="3324934"/>
+            <a:off x="2339702" y="2771725"/>
+            <a:ext cx="5256584" cy="3601438"/>
           </a:xfrm>
           <a:prstGeom prst="rect">
             <a:avLst/>
@@ -21359,7 +21579,7 @@
     </p:spTree>
     <p:extLst>
       <p:ext uri="{BB962C8B-B14F-4D97-AF65-F5344CB8AC3E}">
-        <p14:creationId xmlns:p14="http://schemas.microsoft.com/office/powerpoint/2010/main" val="1718599857"/>
+        <p14:creationId xmlns:p14="http://schemas.microsoft.com/office/powerpoint/2010/main" val="4015134464"/>
       </p:ext>
     </p:extLst>
   </p:cSld>
@@ -21433,7 +21653,7 @@
             </a:r>
             <a:r>
               <a:rPr lang="fr-FR" sz="3600" dirty="0" smtClean="0"/>
-              <a:t> (Sampler(profiler) tab)</a:t>
+              <a:t> (Threads tab)</a:t>
             </a:r>
             <a:endParaRPr lang="fr-FR" sz="3600" dirty="0"/>
           </a:p>
@@ -21465,130 +21685,234 @@
               </a:lnSpc>
             </a:pPr>
             <a:r>
-              <a:rPr lang="fr-CA" i="0" dirty="0"/>
+              <a:rPr lang="fr-CA" sz="2000" i="0" dirty="0" smtClean="0"/>
+              <a:t>This </a:t>
+            </a:r>
+            <a:r>
+              <a:rPr lang="fr-CA" sz="2000" i="0" dirty="0"/>
+              <a:t>tab displays a </a:t>
+            </a:r>
+            <a:r>
+              <a:rPr lang="fr-CA" sz="2000" i="0" dirty="0" err="1"/>
+              <a:t>timeline</a:t>
+            </a:r>
+            <a:r>
+              <a:rPr lang="fr-CA" sz="2000" i="0" dirty="0"/>
+              <a:t> </a:t>
+            </a:r>
+            <a:r>
+              <a:rPr lang="fr-CA" sz="2000" i="0" dirty="0" err="1"/>
+              <a:t>with</a:t>
+            </a:r>
+            <a:r>
+              <a:rPr lang="fr-CA" sz="2000" i="0" dirty="0"/>
+              <a:t> real-time thread states. </a:t>
+            </a:r>
+            <a:r>
+              <a:rPr lang="fr-CA" sz="2000" i="0" dirty="0" smtClean="0"/>
+              <a:t>Use </a:t>
+            </a:r>
+            <a:r>
+              <a:rPr lang="fr-CA" sz="2000" i="0" dirty="0"/>
+              <a:t>the buttons in the </a:t>
+            </a:r>
+            <a:r>
+              <a:rPr lang="fr-CA" sz="2000" i="0" dirty="0" err="1"/>
+              <a:t>Timeline</a:t>
+            </a:r>
+            <a:r>
+              <a:rPr lang="fr-CA" sz="2000" i="0" dirty="0"/>
+              <a:t> </a:t>
+            </a:r>
+            <a:r>
+              <a:rPr lang="fr-CA" sz="2000" i="0" dirty="0" err="1"/>
+              <a:t>toolbar</a:t>
+            </a:r>
+            <a:r>
+              <a:rPr lang="fr-CA" sz="2000" i="0" dirty="0"/>
+              <a:t> to zoom in/out on the </a:t>
+            </a:r>
+            <a:r>
+              <a:rPr lang="fr-CA" sz="2000" i="0" dirty="0" err="1"/>
+              <a:t>current</a:t>
+            </a:r>
+            <a:r>
+              <a:rPr lang="fr-CA" sz="2000" i="0" dirty="0"/>
+              <a:t> </a:t>
+            </a:r>
+            <a:r>
+              <a:rPr lang="fr-CA" sz="2000" i="0" dirty="0" err="1" smtClean="0"/>
+              <a:t>view</a:t>
+            </a:r>
+            <a:r>
+              <a:rPr lang="fr-CA" sz="2000" i="0" dirty="0" smtClean="0"/>
+              <a:t>.</a:t>
+            </a:r>
+            <a:endParaRPr lang="fr-CA" sz="2000" i="0" dirty="0"/>
+          </a:p>
+          <a:p>
+            <a:pPr marL="265113" lvl="1" indent="-265113">
+              <a:lnSpc>
+                <a:spcPct val="100000"/>
+              </a:lnSpc>
+            </a:pPr>
+            <a:r>
+              <a:rPr lang="fr-CA" sz="2000" i="0" dirty="0" smtClean="0"/>
               <a:t>The </a:t>
             </a:r>
             <a:r>
-              <a:rPr lang="fr-CA" i="0" dirty="0" smtClean="0"/>
-              <a:t>Sampler tab </a:t>
-            </a:r>
-            <a:r>
-              <a:rPr lang="fr-CA" i="0" dirty="0" err="1" smtClean="0"/>
-              <a:t>provides</a:t>
-            </a:r>
-            <a:r>
-              <a:rPr lang="fr-CA" i="0" dirty="0" smtClean="0"/>
-              <a:t> a </a:t>
-            </a:r>
-            <a:r>
-              <a:rPr lang="fr-CA" i="0" dirty="0" err="1"/>
-              <a:t>powerful</a:t>
-            </a:r>
-            <a:r>
-              <a:rPr lang="fr-CA" i="0" dirty="0"/>
-              <a:t> performance and </a:t>
-            </a:r>
-            <a:r>
-              <a:rPr lang="fr-CA" i="0" dirty="0" err="1"/>
-              <a:t>memory</a:t>
-            </a:r>
-            <a:r>
-              <a:rPr lang="fr-CA" i="0" dirty="0"/>
-              <a:t> profiler </a:t>
-            </a:r>
-            <a:r>
-              <a:rPr lang="fr-CA" i="0" dirty="0" err="1"/>
+              <a:rPr lang="fr-CA" sz="2000" i="0" dirty="0"/>
+              <a:t>drop-down </a:t>
+            </a:r>
+            <a:r>
+              <a:rPr lang="fr-CA" sz="2000" i="0" dirty="0" err="1"/>
+              <a:t>list</a:t>
+            </a:r>
+            <a:r>
+              <a:rPr lang="fr-CA" sz="2000" i="0" dirty="0"/>
+              <a:t> </a:t>
+            </a:r>
+            <a:r>
+              <a:rPr lang="fr-CA" sz="2000" i="0" dirty="0" err="1"/>
+              <a:t>enables</a:t>
+            </a:r>
+            <a:r>
+              <a:rPr lang="fr-CA" sz="2000" i="0" dirty="0"/>
+              <a:t> </a:t>
+            </a:r>
+            <a:r>
+              <a:rPr lang="fr-CA" sz="2000" i="0" dirty="0" err="1"/>
+              <a:t>you</a:t>
+            </a:r>
+            <a:r>
+              <a:rPr lang="fr-CA" sz="2000" i="0" dirty="0"/>
+              <a:t> to select </a:t>
+            </a:r>
+            <a:r>
+              <a:rPr lang="fr-CA" sz="2000" i="0" dirty="0" err="1"/>
               <a:t>which</a:t>
             </a:r>
             <a:r>
-              <a:rPr lang="fr-CA" i="0" dirty="0"/>
-              <a:t> uses </a:t>
-            </a:r>
-            <a:r>
-              <a:rPr lang="fr-CA" i="0" dirty="0" err="1"/>
-              <a:t>sampling</a:t>
-            </a:r>
-            <a:r>
-              <a:rPr lang="fr-CA" i="0" dirty="0"/>
-              <a:t>, a technique </a:t>
-            </a:r>
-            <a:r>
-              <a:rPr lang="fr-CA" i="0" dirty="0" err="1"/>
+              <a:rPr lang="fr-CA" sz="2000" i="0" dirty="0"/>
+              <a:t> threads are </a:t>
+            </a:r>
+            <a:r>
+              <a:rPr lang="fr-CA" sz="2000" i="0" dirty="0" err="1"/>
+              <a:t>displayed</a:t>
+            </a:r>
+            <a:r>
+              <a:rPr lang="fr-CA" sz="2000" i="0" dirty="0"/>
+              <a:t>. You </a:t>
+            </a:r>
+            <a:r>
+              <a:rPr lang="fr-CA" sz="2000" i="0" dirty="0" err="1"/>
+              <a:t>can</a:t>
+            </a:r>
+            <a:r>
+              <a:rPr lang="fr-CA" sz="2000" i="0" dirty="0"/>
+              <a:t> </a:t>
+            </a:r>
+            <a:r>
+              <a:rPr lang="fr-CA" sz="2000" i="0" dirty="0" err="1"/>
+              <a:t>choose</a:t>
+            </a:r>
+            <a:r>
+              <a:rPr lang="fr-CA" sz="2000" i="0" dirty="0"/>
+              <a:t> to </a:t>
+            </a:r>
+            <a:r>
+              <a:rPr lang="fr-CA" sz="2000" i="0" dirty="0" err="1"/>
+              <a:t>view</a:t>
+            </a:r>
+            <a:r>
+              <a:rPr lang="fr-CA" sz="2000" i="0" dirty="0"/>
+              <a:t> all threads, live threads or </a:t>
+            </a:r>
+            <a:r>
+              <a:rPr lang="fr-CA" sz="2000" i="0" dirty="0" err="1"/>
+              <a:t>finished</a:t>
+            </a:r>
+            <a:r>
+              <a:rPr lang="fr-CA" sz="2000" i="0" dirty="0"/>
+              <a:t> threads. </a:t>
+            </a:r>
+            <a:endParaRPr lang="fr-CA" sz="2000" i="0" dirty="0" smtClean="0"/>
+          </a:p>
+          <a:p>
+            <a:pPr marL="265113" lvl="1" indent="-265113">
+              <a:lnSpc>
+                <a:spcPct val="100000"/>
+              </a:lnSpc>
+            </a:pPr>
+            <a:r>
+              <a:rPr lang="fr-CA" sz="2000" i="0" dirty="0" smtClean="0"/>
+              <a:t>You </a:t>
+            </a:r>
+            <a:r>
+              <a:rPr lang="fr-CA" sz="2000" i="0" dirty="0" err="1"/>
+              <a:t>can</a:t>
+            </a:r>
+            <a:r>
+              <a:rPr lang="fr-CA" sz="2000" i="0" dirty="0"/>
+              <a:t> </a:t>
+            </a:r>
+            <a:r>
+              <a:rPr lang="fr-CA" sz="2000" i="0" dirty="0" err="1"/>
+              <a:t>also</a:t>
+            </a:r>
+            <a:r>
+              <a:rPr lang="fr-CA" sz="2000" i="0" dirty="0"/>
+              <a:t> select a single thread or multiple threads to display a </a:t>
+            </a:r>
+            <a:r>
+              <a:rPr lang="fr-CA" sz="2000" i="0" dirty="0" err="1"/>
+              <a:t>subset</a:t>
+            </a:r>
+            <a:r>
+              <a:rPr lang="fr-CA" sz="2000" i="0" dirty="0"/>
+              <a:t> of the threads. You </a:t>
+            </a:r>
+            <a:r>
+              <a:rPr lang="fr-CA" sz="2000" i="0" dirty="0" err="1"/>
+              <a:t>can</a:t>
+            </a:r>
+            <a:r>
+              <a:rPr lang="fr-CA" sz="2000" i="0" dirty="0"/>
+              <a:t> </a:t>
+            </a:r>
+            <a:r>
+              <a:rPr lang="fr-CA" sz="2000" i="0" dirty="0" err="1"/>
+              <a:t>double-click</a:t>
+            </a:r>
+            <a:r>
+              <a:rPr lang="fr-CA" sz="2000" i="0" dirty="0"/>
+              <a:t> on a thread </a:t>
+            </a:r>
+            <a:r>
+              <a:rPr lang="fr-CA" sz="2000" i="0" dirty="0" err="1"/>
+              <a:t>timeline</a:t>
+            </a:r>
+            <a:r>
+              <a:rPr lang="fr-CA" sz="2000" i="0" dirty="0"/>
+              <a:t> to open </a:t>
+            </a:r>
+            <a:r>
+              <a:rPr lang="fr-CA" sz="2000" i="0" dirty="0" err="1"/>
               <a:t>that</a:t>
             </a:r>
             <a:r>
-              <a:rPr lang="fr-CA" i="0" dirty="0"/>
-              <a:t> </a:t>
-            </a:r>
-            <a:r>
-              <a:rPr lang="fr-CA" i="0" dirty="0" err="1"/>
-              <a:t>allows</a:t>
-            </a:r>
-            <a:r>
-              <a:rPr lang="fr-CA" i="0" dirty="0"/>
-              <a:t> performance and </a:t>
-            </a:r>
-            <a:r>
-              <a:rPr lang="fr-CA" i="0" dirty="0" err="1"/>
-              <a:t>memory</a:t>
-            </a:r>
-            <a:r>
-              <a:rPr lang="fr-CA" i="0" dirty="0"/>
-              <a:t> data to </a:t>
-            </a:r>
-            <a:r>
-              <a:rPr lang="fr-CA" i="0" dirty="0" err="1"/>
-              <a:t>be</a:t>
-            </a:r>
-            <a:r>
-              <a:rPr lang="fr-CA" i="0" dirty="0"/>
-              <a:t> </a:t>
-            </a:r>
-            <a:r>
-              <a:rPr lang="fr-CA" i="0" dirty="0" err="1"/>
-              <a:t>gathered</a:t>
-            </a:r>
-            <a:r>
-              <a:rPr lang="fr-CA" i="0" dirty="0"/>
-              <a:t> </a:t>
-            </a:r>
-            <a:r>
-              <a:rPr lang="fr-CA" i="0" dirty="0" err="1"/>
-              <a:t>with</a:t>
-            </a:r>
-            <a:r>
-              <a:rPr lang="fr-CA" i="0" dirty="0"/>
-              <a:t> </a:t>
-            </a:r>
-            <a:r>
-              <a:rPr lang="fr-CA" i="0" dirty="0" err="1"/>
-              <a:t>zero</a:t>
-            </a:r>
-            <a:r>
-              <a:rPr lang="fr-CA" i="0" dirty="0"/>
-              <a:t> setup and </a:t>
-            </a:r>
-            <a:r>
-              <a:rPr lang="fr-CA" i="0" dirty="0" err="1"/>
-              <a:t>virtually</a:t>
-            </a:r>
-            <a:r>
-              <a:rPr lang="fr-CA" i="0" dirty="0"/>
-              <a:t> </a:t>
-            </a:r>
-            <a:r>
-              <a:rPr lang="fr-CA" i="0" dirty="0" smtClean="0"/>
-              <a:t>no </a:t>
-            </a:r>
-            <a:r>
-              <a:rPr lang="fr-CA" i="0" dirty="0" err="1"/>
-              <a:t>overhead</a:t>
-            </a:r>
-            <a:r>
-              <a:rPr lang="fr-CA" i="0" dirty="0"/>
-              <a:t>.</a:t>
-            </a:r>
-            <a:endParaRPr lang="fr-CA" i="0" dirty="0" smtClean="0"/>
+              <a:rPr lang="fr-CA" sz="2000" i="0" dirty="0"/>
+              <a:t> thread in the </a:t>
+            </a:r>
+            <a:r>
+              <a:rPr lang="fr-CA" sz="2000" i="0" dirty="0" err="1"/>
+              <a:t>Details</a:t>
+            </a:r>
+            <a:r>
+              <a:rPr lang="fr-CA" sz="2000" i="0" dirty="0"/>
+              <a:t> tab</a:t>
+            </a:r>
+            <a:endParaRPr lang="fr-CA" sz="2000" i="0" dirty="0" smtClean="0"/>
           </a:p>
         </p:txBody>
       </p:sp>
@@ -21608,8 +21932,8 @@
         </p:blipFill>
         <p:spPr>
           <a:xfrm>
-            <a:off x="1097330" y="2195661"/>
-            <a:ext cx="9523292" cy="4464496"/>
+            <a:off x="2339702" y="3347789"/>
+            <a:ext cx="7740302" cy="3324934"/>
           </a:xfrm>
           <a:prstGeom prst="rect">
             <a:avLst/>
@@ -21619,7 +21943,7 @@
     </p:spTree>
     <p:extLst>
       <p:ext uri="{BB962C8B-B14F-4D97-AF65-F5344CB8AC3E}">
-        <p14:creationId xmlns:p14="http://schemas.microsoft.com/office/powerpoint/2010/main" val="1155525332"/>
+        <p14:creationId xmlns:p14="http://schemas.microsoft.com/office/powerpoint/2010/main" val="1718599857"/>
       </p:ext>
     </p:extLst>
   </p:cSld>
@@ -21693,19 +22017,7 @@
             </a:r>
             <a:r>
               <a:rPr lang="fr-FR" sz="3600" dirty="0" smtClean="0"/>
-              <a:t> (</a:t>
-            </a:r>
-            <a:r>
-              <a:rPr lang="fr-FR" sz="3600" dirty="0" err="1" smtClean="0"/>
-              <a:t>MBeans</a:t>
-            </a:r>
-            <a:r>
-              <a:rPr lang="fr-FR" sz="3600" dirty="0" smtClean="0"/>
-              <a:t> </a:t>
-            </a:r>
-            <a:r>
-              <a:rPr lang="fr-FR" sz="3600" dirty="0" smtClean="0"/>
-              <a:t>tab)</a:t>
+              <a:t> (Sampler(profiler) tab)</a:t>
             </a:r>
             <a:endParaRPr lang="fr-FR" sz="3600" dirty="0"/>
           </a:p>
@@ -21741,16 +22053,52 @@
               <a:t>The </a:t>
             </a:r>
             <a:r>
+              <a:rPr lang="fr-CA" i="0" dirty="0" smtClean="0"/>
+              <a:t>Sampler tab </a:t>
+            </a:r>
+            <a:r>
+              <a:rPr lang="fr-CA" i="0" dirty="0" err="1" smtClean="0"/>
+              <a:t>provides</a:t>
+            </a:r>
+            <a:r>
+              <a:rPr lang="fr-CA" i="0" dirty="0" smtClean="0"/>
+              <a:t> a </a:t>
+            </a:r>
+            <a:r>
               <a:rPr lang="fr-CA" i="0" dirty="0" err="1"/>
-              <a:t>MBeans</a:t>
+              <a:t>powerful</a:t>
             </a:r>
             <a:r>
               <a:rPr lang="fr-CA" i="0" dirty="0"/>
-              <a:t> tab displays information about all the </a:t>
+              <a:t> performance and </a:t>
             </a:r>
             <a:r>
               <a:rPr lang="fr-CA" i="0" dirty="0" err="1"/>
-              <a:t>MBeans</a:t>
+              <a:t>memory</a:t>
+            </a:r>
+            <a:r>
+              <a:rPr lang="fr-CA" i="0" dirty="0"/>
+              <a:t> profiler </a:t>
+            </a:r>
+            <a:r>
+              <a:rPr lang="fr-CA" i="0" dirty="0" err="1"/>
+              <a:t>which</a:t>
+            </a:r>
+            <a:r>
+              <a:rPr lang="fr-CA" i="0" dirty="0"/>
+              <a:t> uses </a:t>
+            </a:r>
+            <a:r>
+              <a:rPr lang="fr-CA" i="0" dirty="0" err="1"/>
+              <a:t>sampling</a:t>
+            </a:r>
+            <a:r>
+              <a:rPr lang="fr-CA" i="0" dirty="0"/>
+              <a:t>, a technique </a:t>
+            </a:r>
+            <a:r>
+              <a:rPr lang="fr-CA" i="0" dirty="0" err="1"/>
+              <a:t>that</a:t>
             </a:r>
             <a:r>
               <a:rPr lang="fr-CA" i="0" dirty="0"/>
@@ -21758,7 +22106,23 @@
             </a:r>
             <a:r>
               <a:rPr lang="fr-CA" i="0" dirty="0" err="1"/>
-              <a:t>registered</a:t>
+              <a:t>allows</a:t>
+            </a:r>
+            <a:r>
+              <a:rPr lang="fr-CA" i="0" dirty="0"/>
+              <a:t> performance and </a:t>
+            </a:r>
+            <a:r>
+              <a:rPr lang="fr-CA" i="0" dirty="0" err="1"/>
+              <a:t>memory</a:t>
+            </a:r>
+            <a:r>
+              <a:rPr lang="fr-CA" i="0" dirty="0"/>
+              <a:t> data to </a:t>
+            </a:r>
+            <a:r>
+              <a:rPr lang="fr-CA" i="0" dirty="0" err="1"/>
+              <a:t>be</a:t>
             </a:r>
             <a:r>
               <a:rPr lang="fr-CA" i="0" dirty="0"/>
@@ -21766,15 +22130,7 @@
             </a:r>
             <a:r>
               <a:rPr lang="fr-CA" i="0" dirty="0" err="1"/>
-              <a:t>with</a:t>
-            </a:r>
-            <a:r>
-              <a:rPr lang="fr-CA" i="0" dirty="0"/>
-              <a:t> the </a:t>
-            </a:r>
-            <a:r>
-              <a:rPr lang="fr-CA" i="0" dirty="0" err="1"/>
-              <a:t>platform</a:t>
+              <a:t>gathered</a:t>
             </a:r>
             <a:r>
               <a:rPr lang="fr-CA" i="0" dirty="0"/>
@@ -21782,153 +22138,47 @@
             </a:r>
             <a:r>
               <a:rPr lang="fr-CA" i="0" dirty="0" err="1"/>
-              <a:t>MBean</a:t>
+              <a:t>with</a:t>
             </a:r>
             <a:r>
               <a:rPr lang="fr-CA" i="0" dirty="0"/>
-              <a:t> server</a:t>
+              <a:t> </a:t>
+            </a:r>
+            <a:r>
+              <a:rPr lang="fr-CA" i="0" dirty="0" err="1"/>
+              <a:t>zero</a:t>
+            </a:r>
+            <a:r>
+              <a:rPr lang="fr-CA" i="0" dirty="0"/>
+              <a:t> setup and </a:t>
+            </a:r>
+            <a:r>
+              <a:rPr lang="fr-CA" i="0" dirty="0" err="1"/>
+              <a:t>virtually</a:t>
+            </a:r>
+            <a:r>
+              <a:rPr lang="fr-CA" i="0" dirty="0"/>
+              <a:t> </a:t>
             </a:r>
             <a:r>
               <a:rPr lang="fr-CA" i="0" dirty="0" smtClean="0"/>
-              <a:t>.</a:t>
-            </a:r>
-          </a:p>
-          <a:p>
-            <a:pPr marL="265113" lvl="1" indent="-265113">
-              <a:lnSpc>
-                <a:spcPct val="100000"/>
-              </a:lnSpc>
-            </a:pPr>
-            <a:r>
-              <a:rPr lang="fr-CA" i="0" dirty="0" smtClean="0"/>
-              <a:t>Exo </a:t>
-            </a:r>
-            <a:r>
-              <a:rPr lang="fr-CA" i="0" dirty="0" smtClean="0"/>
-              <a:t>exposes </a:t>
-            </a:r>
-            <a:r>
-              <a:rPr lang="fr-CA" i="0" dirty="0" err="1" smtClean="0"/>
-              <a:t>various</a:t>
-            </a:r>
-            <a:r>
-              <a:rPr lang="fr-CA" i="0" dirty="0" smtClean="0"/>
-              <a:t> </a:t>
+              <a:t>no </a:t>
             </a:r>
             <a:r>
               <a:rPr lang="fr-CA" i="0" dirty="0" err="1"/>
-              <a:t>attributes</a:t>
-            </a:r>
-            <a:r>
-              <a:rPr lang="fr-CA" i="0" dirty="0"/>
-              <a:t>, </a:t>
-            </a:r>
-            <a:r>
-              <a:rPr lang="fr-CA" i="0" dirty="0" err="1"/>
-              <a:t>operations</a:t>
-            </a:r>
-            <a:r>
-              <a:rPr lang="fr-CA" i="0" dirty="0"/>
-              <a:t>, notifications, and </a:t>
-            </a:r>
-            <a:r>
-              <a:rPr lang="fr-CA" i="0" dirty="0" err="1" smtClean="0"/>
-              <a:t>metadata</a:t>
+              <a:t>overhead</a:t>
             </a:r>
             <a:r>
               <a:rPr lang="fr-CA" i="0" dirty="0"/>
               <a:t>.</a:t>
             </a:r>
             <a:endParaRPr lang="fr-CA" i="0" dirty="0" smtClean="0"/>
-          </a:p>
-          <a:p>
-            <a:pPr marL="265113" lvl="1" indent="-265113">
-              <a:lnSpc>
-                <a:spcPct val="100000"/>
-              </a:lnSpc>
-            </a:pPr>
-            <a:r>
-              <a:rPr lang="fr-CA" i="0" dirty="0" smtClean="0"/>
-              <a:t>For </a:t>
-            </a:r>
-            <a:r>
-              <a:rPr lang="fr-CA" i="0" dirty="0" err="1" smtClean="0"/>
-              <a:t>example</a:t>
-            </a:r>
-            <a:r>
-              <a:rPr lang="fr-CA" i="0" dirty="0" smtClean="0"/>
-              <a:t>, </a:t>
-            </a:r>
-            <a:r>
-              <a:rPr lang="fr-CA" i="0" dirty="0" err="1" smtClean="0"/>
-              <a:t>Mbeans</a:t>
-            </a:r>
-            <a:r>
-              <a:rPr lang="fr-CA" i="0" dirty="0" smtClean="0"/>
-              <a:t> tab </a:t>
-            </a:r>
-            <a:r>
-              <a:rPr lang="fr-CA" i="0" dirty="0" err="1"/>
-              <a:t>c</a:t>
-            </a:r>
-            <a:r>
-              <a:rPr lang="fr-CA" i="0" dirty="0" err="1" smtClean="0"/>
-              <a:t>an</a:t>
-            </a:r>
-            <a:r>
-              <a:rPr lang="fr-CA" i="0" dirty="0" smtClean="0"/>
-              <a:t> </a:t>
-            </a:r>
-            <a:r>
-              <a:rPr lang="fr-CA" i="0" dirty="0" err="1" smtClean="0"/>
-              <a:t>be</a:t>
-            </a:r>
-            <a:r>
-              <a:rPr lang="fr-CA" i="0" dirty="0" smtClean="0"/>
-              <a:t> </a:t>
-            </a:r>
-            <a:r>
-              <a:rPr lang="fr-CA" i="0" dirty="0" err="1" smtClean="0"/>
-              <a:t>used</a:t>
-            </a:r>
-            <a:r>
-              <a:rPr lang="fr-CA" i="0" dirty="0" smtClean="0"/>
-              <a:t> to manage eXo cache or to </a:t>
-            </a:r>
-            <a:r>
-              <a:rPr lang="fr-CA" i="0" dirty="0" err="1" smtClean="0"/>
-              <a:t>retrieve</a:t>
-            </a:r>
-            <a:r>
-              <a:rPr lang="fr-CA" i="0" dirty="0" smtClean="0"/>
-              <a:t> </a:t>
-            </a:r>
-            <a:r>
-              <a:rPr lang="fr-CA" i="0" dirty="0" smtClean="0"/>
-              <a:t>eXo </a:t>
-            </a:r>
-            <a:r>
-              <a:rPr lang="fr-CA" i="0" dirty="0" err="1"/>
-              <a:t>keys</a:t>
-            </a:r>
-            <a:r>
-              <a:rPr lang="fr-CA" i="0" dirty="0"/>
-              <a:t> </a:t>
-            </a:r>
-            <a:r>
-              <a:rPr lang="fr-CA" i="0" dirty="0" err="1" smtClean="0"/>
-              <a:t>attributes</a:t>
-            </a:r>
-            <a:r>
-              <a:rPr lang="fr-CA" i="0" dirty="0" smtClean="0"/>
-              <a:t> :</a:t>
-            </a:r>
           </a:p>
         </p:txBody>
       </p:sp>
       <p:pic>
         <p:nvPicPr>
-          <p:cNvPr id="3" name="Image 2"/>
+          <p:cNvPr id="2" name="Image 1"/>
           <p:cNvPicPr>
             <a:picLocks noChangeAspect="1"/>
           </p:cNvPicPr>
@@ -21942,8 +22192,8 @@
         </p:blipFill>
         <p:spPr>
           <a:xfrm>
-            <a:off x="3995886" y="2915741"/>
-            <a:ext cx="5807759" cy="3960440"/>
+            <a:off x="1097330" y="2195661"/>
+            <a:ext cx="9523292" cy="4464496"/>
           </a:xfrm>
           <a:prstGeom prst="rect">
             <a:avLst/>
@@ -21953,7 +22203,7 @@
     </p:spTree>
     <p:extLst>
       <p:ext uri="{BB962C8B-B14F-4D97-AF65-F5344CB8AC3E}">
-        <p14:creationId xmlns:p14="http://schemas.microsoft.com/office/powerpoint/2010/main" val="2945599935"/>
+        <p14:creationId xmlns:p14="http://schemas.microsoft.com/office/powerpoint/2010/main" val="1155525332"/>
       </p:ext>
     </p:extLst>
   </p:cSld>
@@ -22031,6 +22281,328 @@
             </a:r>
             <a:r>
               <a:rPr lang="fr-FR" sz="3600" dirty="0" err="1" smtClean="0"/>
+              <a:t>MBeans</a:t>
+            </a:r>
+            <a:r>
+              <a:rPr lang="fr-FR" sz="3600" dirty="0" smtClean="0"/>
+              <a:t> tab)</a:t>
+            </a:r>
+            <a:endParaRPr lang="fr-FR" sz="3600" dirty="0"/>
+          </a:p>
+        </p:txBody>
+      </p:sp>
+      <p:sp>
+        <p:nvSpPr>
+          <p:cNvPr id="15363" name="Rectangle 2"/>
+          <p:cNvSpPr>
+            <a:spLocks noGrp="1" noChangeArrowheads="1"/>
+          </p:cNvSpPr>
+          <p:nvPr>
+            <p:ph type="body" idx="1"/>
+          </p:nvPr>
+        </p:nvSpPr>
+        <p:spPr>
+          <a:xfrm>
+            <a:off x="395486" y="1043533"/>
+            <a:ext cx="10219725" cy="5089000"/>
+          </a:xfrm>
+        </p:spPr>
+        <p:txBody>
+          <a:bodyPr rIns="41783" anchor="t"/>
+          <a:lstStyle/>
+          <a:p>
+            <a:pPr marL="265113" lvl="1" indent="-265113">
+              <a:lnSpc>
+                <a:spcPct val="100000"/>
+              </a:lnSpc>
+            </a:pPr>
+            <a:r>
+              <a:rPr lang="fr-CA" i="0" dirty="0"/>
+              <a:t>The </a:t>
+            </a:r>
+            <a:r>
+              <a:rPr lang="fr-CA" i="0" dirty="0" err="1"/>
+              <a:t>MBeans</a:t>
+            </a:r>
+            <a:r>
+              <a:rPr lang="fr-CA" i="0" dirty="0"/>
+              <a:t> tab displays information about all the </a:t>
+            </a:r>
+            <a:r>
+              <a:rPr lang="fr-CA" i="0" dirty="0" err="1"/>
+              <a:t>MBeans</a:t>
+            </a:r>
+            <a:r>
+              <a:rPr lang="fr-CA" i="0" dirty="0"/>
+              <a:t> </a:t>
+            </a:r>
+            <a:r>
+              <a:rPr lang="fr-CA" i="0" dirty="0" err="1"/>
+              <a:t>registered</a:t>
+            </a:r>
+            <a:r>
+              <a:rPr lang="fr-CA" i="0" dirty="0"/>
+              <a:t> </a:t>
+            </a:r>
+            <a:r>
+              <a:rPr lang="fr-CA" i="0" dirty="0" err="1"/>
+              <a:t>with</a:t>
+            </a:r>
+            <a:r>
+              <a:rPr lang="fr-CA" i="0" dirty="0"/>
+              <a:t> the </a:t>
+            </a:r>
+            <a:r>
+              <a:rPr lang="fr-CA" i="0" dirty="0" err="1"/>
+              <a:t>platform</a:t>
+            </a:r>
+            <a:r>
+              <a:rPr lang="fr-CA" i="0" dirty="0"/>
+              <a:t> </a:t>
+            </a:r>
+            <a:r>
+              <a:rPr lang="fr-CA" i="0" dirty="0" err="1"/>
+              <a:t>MBean</a:t>
+            </a:r>
+            <a:r>
+              <a:rPr lang="fr-CA" i="0" dirty="0"/>
+              <a:t> server</a:t>
+            </a:r>
+            <a:r>
+              <a:rPr lang="fr-CA" i="0" dirty="0" smtClean="0"/>
+              <a:t>.</a:t>
+            </a:r>
+          </a:p>
+          <a:p>
+            <a:pPr marL="265113" lvl="1" indent="-265113">
+              <a:lnSpc>
+                <a:spcPct val="100000"/>
+              </a:lnSpc>
+            </a:pPr>
+            <a:r>
+              <a:rPr lang="fr-CA" i="0" dirty="0" smtClean="0"/>
+              <a:t>Exo exposes </a:t>
+            </a:r>
+            <a:r>
+              <a:rPr lang="fr-CA" i="0" dirty="0" err="1" smtClean="0"/>
+              <a:t>various</a:t>
+            </a:r>
+            <a:r>
+              <a:rPr lang="fr-CA" i="0" dirty="0" smtClean="0"/>
+              <a:t> </a:t>
+            </a:r>
+            <a:r>
+              <a:rPr lang="fr-CA" i="0" dirty="0" err="1"/>
+              <a:t>attributes</a:t>
+            </a:r>
+            <a:r>
+              <a:rPr lang="fr-CA" i="0" dirty="0"/>
+              <a:t>, </a:t>
+            </a:r>
+            <a:r>
+              <a:rPr lang="fr-CA" i="0" dirty="0" err="1"/>
+              <a:t>operations</a:t>
+            </a:r>
+            <a:r>
+              <a:rPr lang="fr-CA" i="0" dirty="0"/>
+              <a:t>, notifications, and </a:t>
+            </a:r>
+            <a:r>
+              <a:rPr lang="fr-CA" i="0" dirty="0" err="1" smtClean="0"/>
+              <a:t>metadata</a:t>
+            </a:r>
+            <a:r>
+              <a:rPr lang="fr-CA" i="0" dirty="0"/>
+              <a:t>.</a:t>
+            </a:r>
+            <a:endParaRPr lang="fr-CA" i="0" dirty="0" smtClean="0"/>
+          </a:p>
+          <a:p>
+            <a:pPr marL="265113" lvl="1" indent="-265113">
+              <a:lnSpc>
+                <a:spcPct val="100000"/>
+              </a:lnSpc>
+            </a:pPr>
+            <a:r>
+              <a:rPr lang="fr-CA" i="0" dirty="0" smtClean="0"/>
+              <a:t>For </a:t>
+            </a:r>
+            <a:r>
+              <a:rPr lang="fr-CA" i="0" dirty="0" err="1" smtClean="0"/>
+              <a:t>example</a:t>
+            </a:r>
+            <a:r>
+              <a:rPr lang="fr-CA" i="0" dirty="0" smtClean="0"/>
+              <a:t>, </a:t>
+            </a:r>
+            <a:r>
+              <a:rPr lang="fr-CA" i="0" dirty="0" err="1" smtClean="0"/>
+              <a:t>Mbeans</a:t>
+            </a:r>
+            <a:r>
+              <a:rPr lang="fr-CA" i="0" dirty="0" smtClean="0"/>
+              <a:t> tab </a:t>
+            </a:r>
+            <a:r>
+              <a:rPr lang="fr-CA" i="0" dirty="0" err="1"/>
+              <a:t>c</a:t>
+            </a:r>
+            <a:r>
+              <a:rPr lang="fr-CA" i="0" dirty="0" err="1" smtClean="0"/>
+              <a:t>an</a:t>
+            </a:r>
+            <a:r>
+              <a:rPr lang="fr-CA" i="0" dirty="0" smtClean="0"/>
+              <a:t> </a:t>
+            </a:r>
+            <a:r>
+              <a:rPr lang="fr-CA" i="0" dirty="0" err="1" smtClean="0"/>
+              <a:t>be</a:t>
+            </a:r>
+            <a:r>
+              <a:rPr lang="fr-CA" i="0" dirty="0" smtClean="0"/>
+              <a:t> </a:t>
+            </a:r>
+            <a:r>
+              <a:rPr lang="fr-CA" i="0" dirty="0" err="1" smtClean="0"/>
+              <a:t>used</a:t>
+            </a:r>
+            <a:r>
+              <a:rPr lang="fr-CA" i="0" dirty="0" smtClean="0"/>
+              <a:t> to manage eXo cache or to </a:t>
+            </a:r>
+            <a:r>
+              <a:rPr lang="fr-CA" i="0" dirty="0" err="1" smtClean="0"/>
+              <a:t>retrieve</a:t>
+            </a:r>
+            <a:r>
+              <a:rPr lang="fr-CA" i="0" dirty="0" smtClean="0"/>
+              <a:t> eXo </a:t>
+            </a:r>
+            <a:r>
+              <a:rPr lang="fr-CA" i="0" dirty="0" err="1"/>
+              <a:t>keys</a:t>
+            </a:r>
+            <a:r>
+              <a:rPr lang="fr-CA" i="0" dirty="0"/>
+              <a:t> </a:t>
+            </a:r>
+            <a:r>
+              <a:rPr lang="fr-CA" i="0" dirty="0" err="1" smtClean="0"/>
+              <a:t>attributes</a:t>
+            </a:r>
+            <a:r>
+              <a:rPr lang="fr-CA" i="0" dirty="0" smtClean="0"/>
+              <a:t> :</a:t>
+            </a:r>
+          </a:p>
+        </p:txBody>
+      </p:sp>
+      <p:pic>
+        <p:nvPicPr>
+          <p:cNvPr id="3" name="Image 2"/>
+          <p:cNvPicPr>
+            <a:picLocks noChangeAspect="1"/>
+          </p:cNvPicPr>
+          <p:nvPr/>
+        </p:nvPicPr>
+        <p:blipFill>
+          <a:blip r:embed="rId2"/>
+          <a:stretch>
+            <a:fillRect/>
+          </a:stretch>
+        </p:blipFill>
+        <p:spPr>
+          <a:xfrm>
+            <a:off x="3995886" y="2915741"/>
+            <a:ext cx="5807759" cy="3960440"/>
+          </a:xfrm>
+          <a:prstGeom prst="rect">
+            <a:avLst/>
+          </a:prstGeom>
+        </p:spPr>
+      </p:pic>
+    </p:spTree>
+    <p:extLst>
+      <p:ext uri="{BB962C8B-B14F-4D97-AF65-F5344CB8AC3E}">
+        <p14:creationId xmlns:p14="http://schemas.microsoft.com/office/powerpoint/2010/main" val="2945599935"/>
+      </p:ext>
+    </p:extLst>
+  </p:cSld>
+  <p:clrMapOvr>
+    <a:masterClrMapping/>
+  </p:clrMapOvr>
+  <p:transition xmlns:p14="http://schemas.microsoft.com/office/powerpoint/2010/main"/>
+  <p:timing>
+    <p:tnLst>
+      <p:par>
+        <p:cTn xmlns:p14="http://schemas.microsoft.com/office/powerpoint/2010/main" id="1" dur="indefinite" restart="never" nodeType="tmRoot"/>
+      </p:par>
+    </p:tnLst>
+  </p:timing>
+</p:sld>
+</file>
+
+<file path=ppt/slides/slide19.xml><?xml version="1.0" encoding="utf-8"?>
+<p:sld xmlns:a="http://schemas.openxmlformats.org/drawingml/2006/main" xmlns:r="http://schemas.openxmlformats.org/officeDocument/2006/relationships" xmlns:p="http://schemas.openxmlformats.org/presentationml/2006/main">
+  <p:cSld>
+    <p:spTree>
+      <p:nvGrpSpPr>
+        <p:cNvPr id="1" name=""/>
+        <p:cNvGrpSpPr/>
+        <p:nvPr/>
+      </p:nvGrpSpPr>
+      <p:grpSpPr>
+        <a:xfrm>
+          <a:off x="0" y="0"/>
+          <a:ext cx="0" cy="0"/>
+          <a:chOff x="0" y="0"/>
+          <a:chExt cx="0" cy="0"/>
+        </a:xfrm>
+      </p:grpSpPr>
+      <p:sp>
+        <p:nvSpPr>
+          <p:cNvPr id="15362" name="Rectangle 1"/>
+          <p:cNvSpPr>
+            <a:spLocks noGrp="1" noChangeArrowheads="1"/>
+          </p:cNvSpPr>
+          <p:nvPr>
+            <p:ph type="title"/>
+          </p:nvPr>
+        </p:nvSpPr>
+        <p:spPr>
+          <a:xfrm>
+            <a:off x="490435" y="255926"/>
+            <a:ext cx="10179255" cy="454024"/>
+          </a:xfrm>
+        </p:spPr>
+        <p:txBody>
+          <a:bodyPr rIns="41783" anchor="b"/>
+          <a:lstStyle/>
+          <a:p>
+            <a:pPr marL="584962" lvl="1" indent="-219361">
+              <a:lnSpc>
+                <a:spcPct val="100000"/>
+              </a:lnSpc>
+            </a:pPr>
+            <a:r>
+              <a:rPr lang="fr-FR" sz="3600" dirty="0" err="1"/>
+              <a:t>Using</a:t>
+            </a:r>
+            <a:r>
+              <a:rPr lang="fr-FR" sz="3600" dirty="0"/>
+              <a:t> </a:t>
+            </a:r>
+            <a:r>
+              <a:rPr lang="fr-FR" sz="3600" dirty="0" err="1" smtClean="0"/>
+              <a:t>VisualVM</a:t>
+            </a:r>
+            <a:r>
+              <a:rPr lang="fr-FR" sz="3600" dirty="0" smtClean="0"/>
+              <a:t> (</a:t>
+            </a:r>
+            <a:r>
+              <a:rPr lang="fr-FR" sz="3600" dirty="0" err="1" smtClean="0"/>
               <a:t>Mbeans</a:t>
             </a:r>
             <a:r>
@@ -22134,7 +22706,436 @@
 </p:sld>
 </file>
 
-<file path=ppt/slides/slide19.xml><?xml version="1.0" encoding="utf-8"?>
+<file path=ppt/slides/slide2.xml><?xml version="1.0" encoding="utf-8"?>
+<p:sld xmlns:a="http://schemas.openxmlformats.org/drawingml/2006/main" xmlns:r="http://schemas.openxmlformats.org/officeDocument/2006/relationships" xmlns:p="http://schemas.openxmlformats.org/presentationml/2006/main">
+  <p:cSld>
+    <p:spTree>
+      <p:nvGrpSpPr>
+        <p:cNvPr id="1" name=""/>
+        <p:cNvGrpSpPr/>
+        <p:nvPr/>
+      </p:nvGrpSpPr>
+      <p:grpSpPr>
+        <a:xfrm>
+          <a:off x="0" y="0"/>
+          <a:ext cx="0" cy="0"/>
+          <a:chOff x="0" y="0"/>
+          <a:chExt cx="0" cy="0"/>
+        </a:xfrm>
+      </p:grpSpPr>
+      <p:sp>
+        <p:nvSpPr>
+          <p:cNvPr id="15362" name="Rectangle 1"/>
+          <p:cNvSpPr>
+            <a:spLocks noGrp="1" noChangeArrowheads="1"/>
+          </p:cNvSpPr>
+          <p:nvPr>
+            <p:ph type="title"/>
+          </p:nvPr>
+        </p:nvSpPr>
+        <p:spPr>
+          <a:xfrm>
+            <a:off x="490435" y="255926"/>
+            <a:ext cx="10179255" cy="454024"/>
+          </a:xfrm>
+        </p:spPr>
+        <p:txBody>
+          <a:bodyPr rIns="41783" anchor="b"/>
+          <a:lstStyle/>
+          <a:p>
+            <a:pPr eaLnBrk="1" hangingPunct="1"/>
+            <a:r>
+              <a:rPr lang="en-US" dirty="0" smtClean="0"/>
+              <a:t>Table of Contents</a:t>
+            </a:r>
+          </a:p>
+        </p:txBody>
+      </p:sp>
+      <p:sp>
+        <p:nvSpPr>
+          <p:cNvPr id="15363" name="Rectangle 2"/>
+          <p:cNvSpPr>
+            <a:spLocks noGrp="1" noChangeArrowheads="1"/>
+          </p:cNvSpPr>
+          <p:nvPr>
+            <p:ph type="body" idx="1"/>
+          </p:nvPr>
+        </p:nvSpPr>
+        <p:spPr>
+          <a:xfrm>
+            <a:off x="507964" y="563045"/>
+            <a:ext cx="10179255" cy="5089000"/>
+          </a:xfrm>
+        </p:spPr>
+        <p:txBody>
+          <a:bodyPr rIns="41783"/>
+          <a:lstStyle/>
+          <a:p>
+            <a:pPr marL="219361" indent="-216749">
+              <a:lnSpc>
+                <a:spcPct val="100000"/>
+              </a:lnSpc>
+              <a:buNone/>
+            </a:pPr>
+            <a:endParaRPr lang="en-US" sz="2200" i="0" dirty="0" smtClean="0">
+              <a:solidFill>
+                <a:schemeClr val="tx1">
+                  <a:lumMod val="75000"/>
+                  <a:lumOff val="25000"/>
+                </a:schemeClr>
+              </a:solidFill>
+            </a:endParaRPr>
+          </a:p>
+          <a:p>
+            <a:pPr marL="584962" lvl="1" indent="-219361">
+              <a:lnSpc>
+                <a:spcPct val="100000"/>
+              </a:lnSpc>
+            </a:pPr>
+            <a:r>
+              <a:rPr lang="fr-FR" i="0" dirty="0" smtClean="0">
+                <a:solidFill>
+                  <a:schemeClr val="tx1">
+                    <a:lumMod val="75000"/>
+                    <a:lumOff val="25000"/>
+                  </a:schemeClr>
+                </a:solidFill>
+              </a:rPr>
+              <a:t> Introduction JMX &amp; </a:t>
+            </a:r>
+            <a:r>
+              <a:rPr lang="fr-FR" i="0" dirty="0" err="1" smtClean="0">
+                <a:solidFill>
+                  <a:schemeClr val="tx1">
+                    <a:lumMod val="75000"/>
+                    <a:lumOff val="25000"/>
+                  </a:schemeClr>
+                </a:solidFill>
+              </a:rPr>
+              <a:t>VisualVM</a:t>
+            </a:r>
+            <a:endParaRPr lang="fr-FR" i="0" dirty="0" smtClean="0">
+              <a:solidFill>
+                <a:schemeClr val="tx1">
+                  <a:lumMod val="75000"/>
+                  <a:lumOff val="25000"/>
+                </a:schemeClr>
+              </a:solidFill>
+            </a:endParaRPr>
+          </a:p>
+          <a:p>
+            <a:pPr marL="584962" lvl="1" indent="-219361">
+              <a:lnSpc>
+                <a:spcPct val="100000"/>
+              </a:lnSpc>
+            </a:pPr>
+            <a:r>
+              <a:rPr lang="fr-FR" i="0" dirty="0">
+                <a:solidFill>
+                  <a:schemeClr val="tx1">
+                    <a:lumMod val="75000"/>
+                    <a:lumOff val="25000"/>
+                  </a:schemeClr>
+                </a:solidFill>
+              </a:rPr>
+              <a:t> </a:t>
+            </a:r>
+            <a:r>
+              <a:rPr lang="fr-FR" i="0" dirty="0" smtClean="0">
+                <a:solidFill>
+                  <a:schemeClr val="tx1">
+                    <a:lumMod val="75000"/>
+                    <a:lumOff val="25000"/>
+                  </a:schemeClr>
+                </a:solidFill>
+              </a:rPr>
+              <a:t>JMX </a:t>
+            </a:r>
+            <a:r>
+              <a:rPr lang="fr-FR" i="0" dirty="0" err="1" smtClean="0">
+                <a:solidFill>
+                  <a:schemeClr val="tx1">
+                    <a:lumMod val="75000"/>
+                    <a:lumOff val="25000"/>
+                  </a:schemeClr>
+                </a:solidFill>
+              </a:rPr>
+              <a:t>remote</a:t>
+            </a:r>
+            <a:r>
+              <a:rPr lang="fr-FR" i="0" dirty="0" smtClean="0">
+                <a:solidFill>
+                  <a:schemeClr val="tx1">
+                    <a:lumMod val="75000"/>
+                    <a:lumOff val="25000"/>
+                  </a:schemeClr>
+                </a:solidFill>
+              </a:rPr>
+              <a:t> configuration</a:t>
+            </a:r>
+          </a:p>
+          <a:p>
+            <a:pPr marL="584962" lvl="1" indent="-219361">
+              <a:lnSpc>
+                <a:spcPct val="100000"/>
+              </a:lnSpc>
+            </a:pPr>
+            <a:r>
+              <a:rPr lang="fr-FR" i="0" dirty="0">
+                <a:solidFill>
+                  <a:schemeClr val="tx1">
+                    <a:lumMod val="75000"/>
+                    <a:lumOff val="25000"/>
+                  </a:schemeClr>
+                </a:solidFill>
+              </a:rPr>
+              <a:t> </a:t>
+            </a:r>
+            <a:r>
+              <a:rPr lang="fr-FR" i="0" dirty="0" err="1" smtClean="0">
+                <a:solidFill>
+                  <a:schemeClr val="tx1">
+                    <a:lumMod val="75000"/>
+                    <a:lumOff val="25000"/>
+                  </a:schemeClr>
+                </a:solidFill>
+              </a:rPr>
+              <a:t>Connecting</a:t>
+            </a:r>
+            <a:r>
+              <a:rPr lang="fr-FR" i="0" dirty="0" smtClean="0">
+                <a:solidFill>
+                  <a:schemeClr val="tx1">
+                    <a:lumMod val="75000"/>
+                    <a:lumOff val="25000"/>
+                  </a:schemeClr>
+                </a:solidFill>
+              </a:rPr>
+              <a:t> </a:t>
+            </a:r>
+            <a:r>
+              <a:rPr lang="fr-FR" i="0" dirty="0" err="1" smtClean="0">
+                <a:solidFill>
+                  <a:schemeClr val="tx1">
+                    <a:lumMod val="75000"/>
+                    <a:lumOff val="25000"/>
+                  </a:schemeClr>
+                </a:solidFill>
+              </a:rPr>
+              <a:t>VisualVM</a:t>
+            </a:r>
+            <a:r>
+              <a:rPr lang="fr-FR" i="0" dirty="0" smtClean="0">
+                <a:solidFill>
+                  <a:schemeClr val="tx1">
+                    <a:lumMod val="75000"/>
+                    <a:lumOff val="25000"/>
+                  </a:schemeClr>
+                </a:solidFill>
+              </a:rPr>
+              <a:t> to </a:t>
+            </a:r>
+            <a:r>
+              <a:rPr lang="fr-FR" i="0" dirty="0" err="1" smtClean="0">
+                <a:solidFill>
+                  <a:schemeClr val="tx1">
+                    <a:lumMod val="75000"/>
+                    <a:lumOff val="25000"/>
+                  </a:schemeClr>
+                </a:solidFill>
+              </a:rPr>
+              <a:t>remote</a:t>
+            </a:r>
+            <a:r>
+              <a:rPr lang="fr-FR" i="0" dirty="0" smtClean="0">
+                <a:solidFill>
+                  <a:schemeClr val="tx1">
+                    <a:lumMod val="75000"/>
+                    <a:lumOff val="25000"/>
+                  </a:schemeClr>
+                </a:solidFill>
+              </a:rPr>
+              <a:t> JVM</a:t>
+            </a:r>
+          </a:p>
+          <a:p>
+            <a:pPr marL="584962" lvl="1" indent="-219361">
+              <a:lnSpc>
+                <a:spcPct val="100000"/>
+              </a:lnSpc>
+            </a:pPr>
+            <a:r>
+              <a:rPr lang="fr-FR" i="0" dirty="0">
+                <a:solidFill>
+                  <a:schemeClr val="tx1">
+                    <a:lumMod val="75000"/>
+                    <a:lumOff val="25000"/>
+                  </a:schemeClr>
+                </a:solidFill>
+              </a:rPr>
+              <a:t> </a:t>
+            </a:r>
+            <a:r>
+              <a:rPr lang="fr-FR" i="0" dirty="0" err="1" smtClean="0">
+                <a:solidFill>
+                  <a:schemeClr val="tx1">
+                    <a:lumMod val="75000"/>
+                    <a:lumOff val="25000"/>
+                  </a:schemeClr>
+                </a:solidFill>
+              </a:rPr>
+              <a:t>Using</a:t>
+            </a:r>
+            <a:r>
+              <a:rPr lang="fr-FR" i="0" dirty="0" smtClean="0">
+                <a:solidFill>
+                  <a:schemeClr val="tx1">
+                    <a:lumMod val="75000"/>
+                    <a:lumOff val="25000"/>
+                  </a:schemeClr>
+                </a:solidFill>
+              </a:rPr>
+              <a:t> </a:t>
+            </a:r>
+            <a:r>
+              <a:rPr lang="fr-FR" i="0" dirty="0" err="1" smtClean="0">
+                <a:solidFill>
+                  <a:schemeClr val="tx1">
+                    <a:lumMod val="75000"/>
+                    <a:lumOff val="25000"/>
+                  </a:schemeClr>
+                </a:solidFill>
+              </a:rPr>
+              <a:t>VisualVM</a:t>
+            </a:r>
+            <a:endParaRPr lang="fr-FR" i="0" dirty="0" smtClean="0">
+              <a:solidFill>
+                <a:schemeClr val="tx1">
+                  <a:lumMod val="75000"/>
+                  <a:lumOff val="25000"/>
+                </a:schemeClr>
+              </a:solidFill>
+            </a:endParaRPr>
+          </a:p>
+          <a:p>
+            <a:pPr marL="584962" lvl="1" indent="-219361">
+              <a:lnSpc>
+                <a:spcPct val="100000"/>
+              </a:lnSpc>
+            </a:pPr>
+            <a:r>
+              <a:rPr lang="fr-FR" sz="2400" dirty="0" smtClean="0">
+                <a:solidFill>
+                  <a:srgbClr val="404040"/>
+                </a:solidFill>
+              </a:rPr>
+              <a:t> </a:t>
+            </a:r>
+            <a:r>
+              <a:rPr lang="fr-FR" sz="2400" i="0" dirty="0" err="1" smtClean="0">
+                <a:solidFill>
+                  <a:srgbClr val="404040"/>
+                </a:solidFill>
+              </a:rPr>
+              <a:t>Exercises</a:t>
+            </a:r>
+            <a:r>
+              <a:rPr lang="fr-FR" sz="2400" i="0" dirty="0" smtClean="0">
+                <a:solidFill>
+                  <a:srgbClr val="404040"/>
+                </a:solidFill>
+              </a:rPr>
+              <a:t> </a:t>
+            </a:r>
+            <a:r>
+              <a:rPr lang="fr-FR" sz="2400" i="0" dirty="0">
+                <a:solidFill>
+                  <a:srgbClr val="404040"/>
+                </a:solidFill>
+              </a:rPr>
+              <a:t>: </a:t>
+            </a:r>
+            <a:r>
+              <a:rPr lang="fr-FR" sz="2400" i="0" dirty="0" smtClean="0">
+                <a:solidFill>
+                  <a:srgbClr val="404040"/>
+                </a:solidFill>
+              </a:rPr>
+              <a:t>JMX Monitoring </a:t>
+            </a:r>
+            <a:r>
+              <a:rPr lang="fr-FR" sz="2400" i="0" dirty="0" err="1" smtClean="0">
+                <a:solidFill>
+                  <a:srgbClr val="404040"/>
+                </a:solidFill>
+              </a:rPr>
+              <a:t>with</a:t>
+            </a:r>
+            <a:r>
+              <a:rPr lang="fr-FR" sz="2400" i="0" dirty="0" smtClean="0">
+                <a:solidFill>
+                  <a:srgbClr val="404040"/>
+                </a:solidFill>
+              </a:rPr>
+              <a:t> </a:t>
+            </a:r>
+            <a:r>
+              <a:rPr lang="fr-FR" sz="2400" i="0" dirty="0" err="1" smtClean="0">
+                <a:solidFill>
+                  <a:srgbClr val="404040"/>
+                </a:solidFill>
+              </a:rPr>
+              <a:t>JConsole</a:t>
+            </a:r>
+            <a:r>
+              <a:rPr lang="fr-FR" sz="2400" i="0" dirty="0" smtClean="0">
+                <a:solidFill>
+                  <a:srgbClr val="404040"/>
+                </a:solidFill>
+              </a:rPr>
+              <a:t> or </a:t>
+            </a:r>
+            <a:r>
+              <a:rPr lang="fr-FR" sz="2400" i="0" dirty="0" err="1" smtClean="0">
+                <a:solidFill>
+                  <a:srgbClr val="404040"/>
+                </a:solidFill>
+              </a:rPr>
+              <a:t>VisualVM</a:t>
+            </a:r>
+            <a:endParaRPr lang="fr-FR" i="0" dirty="0">
+              <a:solidFill>
+                <a:schemeClr val="tx1">
+                  <a:lumMod val="75000"/>
+                  <a:lumOff val="25000"/>
+                </a:schemeClr>
+              </a:solidFill>
+            </a:endParaRPr>
+          </a:p>
+        </p:txBody>
+      </p:sp>
+    </p:spTree>
+    <p:extLst>
+      <p:ext uri="{BB962C8B-B14F-4D97-AF65-F5344CB8AC3E}">
+        <p14:creationId xmlns:p14="http://schemas.microsoft.com/office/powerpoint/2010/main" val="3533802583"/>
+      </p:ext>
+    </p:extLst>
+  </p:cSld>
+  <p:clrMapOvr>
+    <a:masterClrMapping/>
+  </p:clrMapOvr>
+  <p:transition xmlns:p14="http://schemas.microsoft.com/office/powerpoint/2010/main"/>
+  <p:timing>
+    <p:tnLst>
+      <p:par>
+        <p:cTn xmlns:p14="http://schemas.microsoft.com/office/powerpoint/2010/main" id="1" dur="indefinite" restart="never" nodeType="tmRoot"/>
+      </p:par>
+    </p:tnLst>
+  </p:timing>
+</p:sld>
+</file>
+
+<file path=ppt/slides/slide20.xml><?xml version="1.0" encoding="utf-8"?>
 <p:sld xmlns:a="http://schemas.openxmlformats.org/drawingml/2006/main" xmlns:r="http://schemas.openxmlformats.org/officeDocument/2006/relationships" xmlns:p="http://schemas.openxmlformats.org/presentationml/2006/main">
   <p:cSld>
     <p:spTree>
@@ -22248,7 +23249,7 @@
                   <a:tab pos="9144000" algn="l"/>
                 </a:tabLst>
               </a:pPr>
-              <a:t>19</a:t>
+              <a:t>20</a:t>
             </a:fld>
             <a:endParaRPr lang="en-GB" sz="1400">
               <a:solidFill>
@@ -22353,7 +23354,7 @@
 </p:sld>
 </file>
 
-<file path=ppt/slides/slide2.xml><?xml version="1.0" encoding="utf-8"?>
+<file path=ppt/slides/slide21.xml><?xml version="1.0" encoding="utf-8"?>
 <p:sld xmlns:a="http://schemas.openxmlformats.org/drawingml/2006/main" xmlns:r="http://schemas.openxmlformats.org/officeDocument/2006/relationships" xmlns:p="http://schemas.openxmlformats.org/presentationml/2006/main">
   <p:cSld>
     <p:spTree>
@@ -22390,435 +23391,6 @@
           <a:bodyPr rIns="41783" anchor="b"/>
           <a:lstStyle/>
           <a:p>
-            <a:pPr eaLnBrk="1" hangingPunct="1"/>
-            <a:r>
-              <a:rPr lang="en-US" dirty="0" smtClean="0"/>
-              <a:t>Table of Contents</a:t>
-            </a:r>
-          </a:p>
-        </p:txBody>
-      </p:sp>
-      <p:sp>
-        <p:nvSpPr>
-          <p:cNvPr id="15363" name="Rectangle 2"/>
-          <p:cNvSpPr>
-            <a:spLocks noGrp="1" noChangeArrowheads="1"/>
-          </p:cNvSpPr>
-          <p:nvPr>
-            <p:ph type="body" idx="1"/>
-          </p:nvPr>
-        </p:nvSpPr>
-        <p:spPr>
-          <a:xfrm>
-            <a:off x="507964" y="563045"/>
-            <a:ext cx="10179255" cy="5089000"/>
-          </a:xfrm>
-        </p:spPr>
-        <p:txBody>
-          <a:bodyPr rIns="41783"/>
-          <a:lstStyle/>
-          <a:p>
-            <a:pPr marL="219361" indent="-216749">
-              <a:lnSpc>
-                <a:spcPct val="100000"/>
-              </a:lnSpc>
-              <a:buNone/>
-            </a:pPr>
-            <a:endParaRPr lang="en-US" sz="2200" i="0" dirty="0" smtClean="0">
-              <a:solidFill>
-                <a:schemeClr val="tx1">
-                  <a:lumMod val="75000"/>
-                  <a:lumOff val="25000"/>
-                </a:schemeClr>
-              </a:solidFill>
-            </a:endParaRPr>
-          </a:p>
-          <a:p>
-            <a:pPr marL="584962" lvl="1" indent="-219361">
-              <a:lnSpc>
-                <a:spcPct val="100000"/>
-              </a:lnSpc>
-            </a:pPr>
-            <a:r>
-              <a:rPr lang="fr-FR" i="0" dirty="0" smtClean="0">
-                <a:solidFill>
-                  <a:schemeClr val="tx1">
-                    <a:lumMod val="75000"/>
-                    <a:lumOff val="25000"/>
-                  </a:schemeClr>
-                </a:solidFill>
-              </a:rPr>
-              <a:t> Introduction JMX &amp; </a:t>
-            </a:r>
-            <a:r>
-              <a:rPr lang="fr-FR" i="0" dirty="0" err="1" smtClean="0">
-                <a:solidFill>
-                  <a:schemeClr val="tx1">
-                    <a:lumMod val="75000"/>
-                    <a:lumOff val="25000"/>
-                  </a:schemeClr>
-                </a:solidFill>
-              </a:rPr>
-              <a:t>VisualVM</a:t>
-            </a:r>
-            <a:endParaRPr lang="fr-FR" i="0" dirty="0" smtClean="0">
-              <a:solidFill>
-                <a:schemeClr val="tx1">
-                  <a:lumMod val="75000"/>
-                  <a:lumOff val="25000"/>
-                </a:schemeClr>
-              </a:solidFill>
-            </a:endParaRPr>
-          </a:p>
-          <a:p>
-            <a:pPr marL="584962" lvl="1" indent="-219361">
-              <a:lnSpc>
-                <a:spcPct val="100000"/>
-              </a:lnSpc>
-            </a:pPr>
-            <a:r>
-              <a:rPr lang="fr-FR" i="0" dirty="0">
-                <a:solidFill>
-                  <a:schemeClr val="tx1">
-                    <a:lumMod val="75000"/>
-                    <a:lumOff val="25000"/>
-                  </a:schemeClr>
-                </a:solidFill>
-              </a:rPr>
-              <a:t> </a:t>
-            </a:r>
-            <a:r>
-              <a:rPr lang="fr-FR" i="0" dirty="0" smtClean="0">
-                <a:solidFill>
-                  <a:schemeClr val="tx1">
-                    <a:lumMod val="75000"/>
-                    <a:lumOff val="25000"/>
-                  </a:schemeClr>
-                </a:solidFill>
-              </a:rPr>
-              <a:t>JMX </a:t>
-            </a:r>
-            <a:r>
-              <a:rPr lang="fr-FR" i="0" dirty="0" err="1" smtClean="0">
-                <a:solidFill>
-                  <a:schemeClr val="tx1">
-                    <a:lumMod val="75000"/>
-                    <a:lumOff val="25000"/>
-                  </a:schemeClr>
-                </a:solidFill>
-              </a:rPr>
-              <a:t>remote</a:t>
-            </a:r>
-            <a:r>
-              <a:rPr lang="fr-FR" i="0" dirty="0" smtClean="0">
-                <a:solidFill>
-                  <a:schemeClr val="tx1">
-                    <a:lumMod val="75000"/>
-                    <a:lumOff val="25000"/>
-                  </a:schemeClr>
-                </a:solidFill>
-              </a:rPr>
-              <a:t> configuration</a:t>
-            </a:r>
-          </a:p>
-          <a:p>
-            <a:pPr marL="584962" lvl="1" indent="-219361">
-              <a:lnSpc>
-                <a:spcPct val="100000"/>
-              </a:lnSpc>
-            </a:pPr>
-            <a:r>
-              <a:rPr lang="fr-FR" i="0" dirty="0">
-                <a:solidFill>
-                  <a:schemeClr val="tx1">
-                    <a:lumMod val="75000"/>
-                    <a:lumOff val="25000"/>
-                  </a:schemeClr>
-                </a:solidFill>
-              </a:rPr>
-              <a:t> </a:t>
-            </a:r>
-            <a:r>
-              <a:rPr lang="fr-FR" i="0" dirty="0" err="1" smtClean="0">
-                <a:solidFill>
-                  <a:schemeClr val="tx1">
-                    <a:lumMod val="75000"/>
-                    <a:lumOff val="25000"/>
-                  </a:schemeClr>
-                </a:solidFill>
-              </a:rPr>
-              <a:t>Connecting</a:t>
-            </a:r>
-            <a:r>
-              <a:rPr lang="fr-FR" i="0" dirty="0" smtClean="0">
-                <a:solidFill>
-                  <a:schemeClr val="tx1">
-                    <a:lumMod val="75000"/>
-                    <a:lumOff val="25000"/>
-                  </a:schemeClr>
-                </a:solidFill>
-              </a:rPr>
-              <a:t> </a:t>
-            </a:r>
-            <a:r>
-              <a:rPr lang="fr-FR" i="0" dirty="0" err="1" smtClean="0">
-                <a:solidFill>
-                  <a:schemeClr val="tx1">
-                    <a:lumMod val="75000"/>
-                    <a:lumOff val="25000"/>
-                  </a:schemeClr>
-                </a:solidFill>
-              </a:rPr>
-              <a:t>VisualVM</a:t>
-            </a:r>
-            <a:r>
-              <a:rPr lang="fr-FR" i="0" dirty="0" smtClean="0">
-                <a:solidFill>
-                  <a:schemeClr val="tx1">
-                    <a:lumMod val="75000"/>
-                    <a:lumOff val="25000"/>
-                  </a:schemeClr>
-                </a:solidFill>
-              </a:rPr>
-              <a:t> to </a:t>
-            </a:r>
-            <a:r>
-              <a:rPr lang="fr-FR" i="0" dirty="0" err="1" smtClean="0">
-                <a:solidFill>
-                  <a:schemeClr val="tx1">
-                    <a:lumMod val="75000"/>
-                    <a:lumOff val="25000"/>
-                  </a:schemeClr>
-                </a:solidFill>
-              </a:rPr>
-              <a:t>remote</a:t>
-            </a:r>
-            <a:r>
-              <a:rPr lang="fr-FR" i="0" dirty="0" smtClean="0">
-                <a:solidFill>
-                  <a:schemeClr val="tx1">
-                    <a:lumMod val="75000"/>
-                    <a:lumOff val="25000"/>
-                  </a:schemeClr>
-                </a:solidFill>
-              </a:rPr>
-              <a:t> JVM</a:t>
-            </a:r>
-          </a:p>
-          <a:p>
-            <a:pPr marL="584962" lvl="1" indent="-219361">
-              <a:lnSpc>
-                <a:spcPct val="100000"/>
-              </a:lnSpc>
-            </a:pPr>
-            <a:r>
-              <a:rPr lang="fr-FR" i="0" dirty="0">
-                <a:solidFill>
-                  <a:schemeClr val="tx1">
-                    <a:lumMod val="75000"/>
-                    <a:lumOff val="25000"/>
-                  </a:schemeClr>
-                </a:solidFill>
-              </a:rPr>
-              <a:t> </a:t>
-            </a:r>
-            <a:r>
-              <a:rPr lang="fr-FR" i="0" dirty="0" err="1" smtClean="0">
-                <a:solidFill>
-                  <a:schemeClr val="tx1">
-                    <a:lumMod val="75000"/>
-                    <a:lumOff val="25000"/>
-                  </a:schemeClr>
-                </a:solidFill>
-              </a:rPr>
-              <a:t>Using</a:t>
-            </a:r>
-            <a:r>
-              <a:rPr lang="fr-FR" i="0" dirty="0" smtClean="0">
-                <a:solidFill>
-                  <a:schemeClr val="tx1">
-                    <a:lumMod val="75000"/>
-                    <a:lumOff val="25000"/>
-                  </a:schemeClr>
-                </a:solidFill>
-              </a:rPr>
-              <a:t> </a:t>
-            </a:r>
-            <a:r>
-              <a:rPr lang="fr-FR" i="0" dirty="0" err="1" smtClean="0">
-                <a:solidFill>
-                  <a:schemeClr val="tx1">
-                    <a:lumMod val="75000"/>
-                    <a:lumOff val="25000"/>
-                  </a:schemeClr>
-                </a:solidFill>
-              </a:rPr>
-              <a:t>VisualVM</a:t>
-            </a:r>
-            <a:endParaRPr lang="fr-FR" i="0" dirty="0" smtClean="0">
-              <a:solidFill>
-                <a:schemeClr val="tx1">
-                  <a:lumMod val="75000"/>
-                  <a:lumOff val="25000"/>
-                </a:schemeClr>
-              </a:solidFill>
-            </a:endParaRPr>
-          </a:p>
-          <a:p>
-            <a:pPr marL="584962" lvl="1" indent="-219361">
-              <a:lnSpc>
-                <a:spcPct val="100000"/>
-              </a:lnSpc>
-            </a:pPr>
-            <a:r>
-              <a:rPr lang="fr-FR" sz="2400" dirty="0" smtClean="0">
-                <a:solidFill>
-                  <a:srgbClr val="404040"/>
-                </a:solidFill>
-              </a:rPr>
-              <a:t> </a:t>
-            </a:r>
-            <a:r>
-              <a:rPr lang="fr-FR" sz="2400" i="0" dirty="0" err="1" smtClean="0">
-                <a:solidFill>
-                  <a:srgbClr val="404040"/>
-                </a:solidFill>
-              </a:rPr>
-              <a:t>Exercises</a:t>
-            </a:r>
-            <a:r>
-              <a:rPr lang="fr-FR" sz="2400" i="0" dirty="0" smtClean="0">
-                <a:solidFill>
-                  <a:srgbClr val="404040"/>
-                </a:solidFill>
-              </a:rPr>
-              <a:t> </a:t>
-            </a:r>
-            <a:r>
-              <a:rPr lang="fr-FR" sz="2400" i="0" dirty="0">
-                <a:solidFill>
-                  <a:srgbClr val="404040"/>
-                </a:solidFill>
-              </a:rPr>
-              <a:t>: </a:t>
-            </a:r>
-            <a:r>
-              <a:rPr lang="fr-FR" sz="2400" i="0" dirty="0" smtClean="0">
-                <a:solidFill>
-                  <a:srgbClr val="404040"/>
-                </a:solidFill>
-              </a:rPr>
-              <a:t>JMX Monitoring </a:t>
-            </a:r>
-            <a:r>
-              <a:rPr lang="fr-FR" sz="2400" i="0" dirty="0" err="1" smtClean="0">
-                <a:solidFill>
-                  <a:srgbClr val="404040"/>
-                </a:solidFill>
-              </a:rPr>
-              <a:t>with</a:t>
-            </a:r>
-            <a:r>
-              <a:rPr lang="fr-FR" sz="2400" i="0" dirty="0" smtClean="0">
-                <a:solidFill>
-                  <a:srgbClr val="404040"/>
-                </a:solidFill>
-              </a:rPr>
-              <a:t> </a:t>
-            </a:r>
-            <a:r>
-              <a:rPr lang="fr-FR" sz="2400" i="0" dirty="0" err="1" smtClean="0">
-                <a:solidFill>
-                  <a:srgbClr val="404040"/>
-                </a:solidFill>
-              </a:rPr>
-              <a:t>JConsole</a:t>
-            </a:r>
-            <a:r>
-              <a:rPr lang="fr-FR" sz="2400" i="0" dirty="0" smtClean="0">
-                <a:solidFill>
-                  <a:srgbClr val="404040"/>
-                </a:solidFill>
-              </a:rPr>
-              <a:t> or </a:t>
-            </a:r>
-            <a:r>
-              <a:rPr lang="fr-FR" sz="2400" i="0" dirty="0" err="1" smtClean="0">
-                <a:solidFill>
-                  <a:srgbClr val="404040"/>
-                </a:solidFill>
-              </a:rPr>
-              <a:t>VisualVM</a:t>
-            </a:r>
-            <a:endParaRPr lang="fr-FR" i="0" dirty="0">
-              <a:solidFill>
-                <a:schemeClr val="tx1">
-                  <a:lumMod val="75000"/>
-                  <a:lumOff val="25000"/>
-                </a:schemeClr>
-              </a:solidFill>
-            </a:endParaRPr>
-          </a:p>
-        </p:txBody>
-      </p:sp>
-    </p:spTree>
-    <p:extLst>
-      <p:ext uri="{BB962C8B-B14F-4D97-AF65-F5344CB8AC3E}">
-        <p14:creationId xmlns:p14="http://schemas.microsoft.com/office/powerpoint/2010/main" val="3533802583"/>
-      </p:ext>
-    </p:extLst>
-  </p:cSld>
-  <p:clrMapOvr>
-    <a:masterClrMapping/>
-  </p:clrMapOvr>
-  <p:transition xmlns:p14="http://schemas.microsoft.com/office/powerpoint/2010/main"/>
-  <p:timing>
-    <p:tnLst>
-      <p:par>
-        <p:cTn xmlns:p14="http://schemas.microsoft.com/office/powerpoint/2010/main" id="1" dur="indefinite" restart="never" nodeType="tmRoot"/>
-      </p:par>
-    </p:tnLst>
-  </p:timing>
-</p:sld>
-</file>
-
-<file path=ppt/slides/slide20.xml><?xml version="1.0" encoding="utf-8"?>
-<p:sld xmlns:a="http://schemas.openxmlformats.org/drawingml/2006/main" xmlns:r="http://schemas.openxmlformats.org/officeDocument/2006/relationships" xmlns:p="http://schemas.openxmlformats.org/presentationml/2006/main">
-  <p:cSld>
-    <p:spTree>
-      <p:nvGrpSpPr>
-        <p:cNvPr id="1" name=""/>
-        <p:cNvGrpSpPr/>
-        <p:nvPr/>
-      </p:nvGrpSpPr>
-      <p:grpSpPr>
-        <a:xfrm>
-          <a:off x="0" y="0"/>
-          <a:ext cx="0" cy="0"/>
-          <a:chOff x="0" y="0"/>
-          <a:chExt cx="0" cy="0"/>
-        </a:xfrm>
-      </p:grpSpPr>
-      <p:sp>
-        <p:nvSpPr>
-          <p:cNvPr id="15362" name="Rectangle 1"/>
-          <p:cNvSpPr>
-            <a:spLocks noGrp="1" noChangeArrowheads="1"/>
-          </p:cNvSpPr>
-          <p:nvPr>
-            <p:ph type="title"/>
-          </p:nvPr>
-        </p:nvSpPr>
-        <p:spPr>
-          <a:xfrm>
-            <a:off x="490435" y="255926"/>
-            <a:ext cx="10179255" cy="454024"/>
-          </a:xfrm>
-        </p:spPr>
-        <p:txBody>
-          <a:bodyPr rIns="41783" anchor="b"/>
-          <a:lstStyle/>
-          <a:p>
             <a:pPr marL="584962" lvl="1" indent="-219361">
               <a:lnSpc>
                 <a:spcPct val="100000"/>
@@ -23572,1131 +24144,6 @@
     <p:extLst>
       <p:ext uri="{BB962C8B-B14F-4D97-AF65-F5344CB8AC3E}">
         <p14:creationId xmlns:p14="http://schemas.microsoft.com/office/powerpoint/2010/main" val="282853443"/>
-      </p:ext>
-    </p:extLst>
-  </p:cSld>
-  <p:clrMapOvr>
-    <a:masterClrMapping/>
-  </p:clrMapOvr>
-  <p:transition xmlns:p14="http://schemas.microsoft.com/office/powerpoint/2010/main"/>
-  <p:timing>
-    <p:tnLst>
-      <p:par>
-        <p:cTn xmlns:p14="http://schemas.microsoft.com/office/powerpoint/2010/main" id="1" dur="indefinite" restart="never" nodeType="tmRoot"/>
-      </p:par>
-    </p:tnLst>
-  </p:timing>
-</p:sld>
-</file>
-
-<file path=ppt/slides/slide21.xml><?xml version="1.0" encoding="utf-8"?>
-<p:sld xmlns:a="http://schemas.openxmlformats.org/drawingml/2006/main" xmlns:r="http://schemas.openxmlformats.org/officeDocument/2006/relationships" xmlns:p="http://schemas.openxmlformats.org/presentationml/2006/main">
-  <p:cSld>
-    <p:spTree>
-      <p:nvGrpSpPr>
-        <p:cNvPr id="1" name=""/>
-        <p:cNvGrpSpPr/>
-        <p:nvPr/>
-      </p:nvGrpSpPr>
-      <p:grpSpPr>
-        <a:xfrm>
-          <a:off x="0" y="0"/>
-          <a:ext cx="0" cy="0"/>
-          <a:chOff x="0" y="0"/>
-          <a:chExt cx="0" cy="0"/>
-        </a:xfrm>
-      </p:grpSpPr>
-      <p:sp>
-        <p:nvSpPr>
-          <p:cNvPr id="15362" name="Rectangle 1"/>
-          <p:cNvSpPr>
-            <a:spLocks noGrp="1" noChangeArrowheads="1"/>
-          </p:cNvSpPr>
-          <p:nvPr>
-            <p:ph type="title"/>
-          </p:nvPr>
-        </p:nvSpPr>
-        <p:spPr>
-          <a:xfrm>
-            <a:off x="490435" y="255926"/>
-            <a:ext cx="10562235" cy="454024"/>
-          </a:xfrm>
-        </p:spPr>
-        <p:txBody>
-          <a:bodyPr rIns="41783" anchor="b"/>
-          <a:lstStyle/>
-          <a:p>
-            <a:pPr marL="584962" lvl="1" indent="-219361">
-              <a:lnSpc>
-                <a:spcPct val="100000"/>
-              </a:lnSpc>
-            </a:pPr>
-            <a:r>
-              <a:rPr lang="fr-FR" sz="3600" dirty="0" err="1"/>
-              <a:t>Exercises</a:t>
-            </a:r>
-            <a:r>
-              <a:rPr lang="fr-FR" sz="3600" dirty="0"/>
-              <a:t> : </a:t>
-            </a:r>
-            <a:r>
-              <a:rPr lang="fr-FR" sz="3600" dirty="0" smtClean="0"/>
-              <a:t>1b </a:t>
-            </a:r>
-            <a:r>
-              <a:rPr lang="fr-FR" sz="3600" dirty="0" err="1" smtClean="0"/>
-              <a:t>Using</a:t>
-            </a:r>
-            <a:r>
-              <a:rPr lang="fr-FR" sz="3600" dirty="0" smtClean="0"/>
-              <a:t> </a:t>
-            </a:r>
-            <a:r>
-              <a:rPr lang="fr-FR" sz="3600" dirty="0" err="1" smtClean="0"/>
-              <a:t>VisualVM</a:t>
-            </a:r>
-            <a:endParaRPr lang="fr-FR" sz="3600" dirty="0"/>
-          </a:p>
-        </p:txBody>
-      </p:sp>
-      <p:sp>
-        <p:nvSpPr>
-          <p:cNvPr id="15363" name="Rectangle 2"/>
-          <p:cNvSpPr>
-            <a:spLocks noGrp="1" noChangeArrowheads="1"/>
-          </p:cNvSpPr>
-          <p:nvPr>
-            <p:ph type="body" idx="1"/>
-          </p:nvPr>
-        </p:nvSpPr>
-        <p:spPr>
-          <a:xfrm>
-            <a:off x="395486" y="1043533"/>
-            <a:ext cx="10219725" cy="5688632"/>
-          </a:xfrm>
-        </p:spPr>
-        <p:txBody>
-          <a:bodyPr rIns="41783" anchor="t"/>
-          <a:lstStyle/>
-          <a:p>
-            <a:pPr marL="265113" lvl="1" indent="-265113">
-              <a:lnSpc>
-                <a:spcPct val="100000"/>
-              </a:lnSpc>
-            </a:pPr>
-            <a:r>
-              <a:rPr lang="fr-CA" i="0" dirty="0" smtClean="0">
-                <a:solidFill>
-                  <a:srgbClr val="404040"/>
-                </a:solidFill>
-              </a:rPr>
-              <a:t>Go to </a:t>
-            </a:r>
-            <a:r>
-              <a:rPr lang="fr-CA" i="0" dirty="0" err="1" smtClean="0">
-                <a:solidFill>
-                  <a:srgbClr val="404040"/>
-                </a:solidFill>
-              </a:rPr>
-              <a:t>overview</a:t>
-            </a:r>
-            <a:r>
-              <a:rPr lang="fr-CA" i="0" dirty="0" smtClean="0">
-                <a:solidFill>
-                  <a:srgbClr val="404040"/>
-                </a:solidFill>
-              </a:rPr>
-              <a:t> tab, </a:t>
-            </a:r>
-            <a:r>
-              <a:rPr lang="fr-CA" i="0" dirty="0" err="1" smtClean="0">
-                <a:solidFill>
-                  <a:srgbClr val="404040"/>
-                </a:solidFill>
-              </a:rPr>
-              <a:t>retrieve</a:t>
-            </a:r>
-            <a:r>
-              <a:rPr lang="fr-CA" i="0" dirty="0" smtClean="0">
-                <a:solidFill>
-                  <a:srgbClr val="404040"/>
-                </a:solidFill>
-              </a:rPr>
-              <a:t> the JVM argument and system </a:t>
-            </a:r>
-            <a:r>
-              <a:rPr lang="fr-CA" i="0" dirty="0" err="1" smtClean="0">
-                <a:solidFill>
-                  <a:srgbClr val="404040"/>
-                </a:solidFill>
-              </a:rPr>
-              <a:t>properties</a:t>
-            </a:r>
-            <a:endParaRPr lang="fr-CA" i="0" dirty="0" smtClean="0">
-              <a:solidFill>
-                <a:srgbClr val="404040"/>
-              </a:solidFill>
-            </a:endParaRPr>
-          </a:p>
-          <a:p>
-            <a:pPr marL="265113" lvl="1" indent="-265113">
-              <a:lnSpc>
-                <a:spcPct val="100000"/>
-              </a:lnSpc>
-            </a:pPr>
-            <a:r>
-              <a:rPr lang="fr-FR" i="0" dirty="0" smtClean="0">
-                <a:solidFill>
-                  <a:srgbClr val="404040"/>
-                </a:solidFill>
-              </a:rPr>
-              <a:t>In the monitor tab, </a:t>
-            </a:r>
-            <a:r>
-              <a:rPr lang="fr-FR" i="0" dirty="0" err="1" smtClean="0">
-                <a:solidFill>
-                  <a:srgbClr val="404040"/>
-                </a:solidFill>
-              </a:rPr>
-              <a:t>perform</a:t>
-            </a:r>
-            <a:r>
-              <a:rPr lang="fr-FR" i="0" dirty="0" smtClean="0">
-                <a:solidFill>
-                  <a:srgbClr val="404040"/>
-                </a:solidFill>
-              </a:rPr>
-              <a:t> a </a:t>
-            </a:r>
-            <a:r>
-              <a:rPr lang="fr-FR" i="0" dirty="0" err="1" smtClean="0">
-                <a:solidFill>
-                  <a:srgbClr val="404040"/>
-                </a:solidFill>
-              </a:rPr>
-              <a:t>Heap</a:t>
-            </a:r>
-            <a:r>
-              <a:rPr lang="fr-FR" i="0" dirty="0" smtClean="0">
-                <a:solidFill>
-                  <a:srgbClr val="404040"/>
-                </a:solidFill>
-              </a:rPr>
-              <a:t> Dump &amp; </a:t>
-            </a:r>
-            <a:r>
-              <a:rPr lang="fr-FR" i="0" dirty="0" err="1" smtClean="0">
-                <a:solidFill>
-                  <a:srgbClr val="404040"/>
-                </a:solidFill>
-              </a:rPr>
-              <a:t>save</a:t>
-            </a:r>
-            <a:r>
-              <a:rPr lang="fr-FR" i="0" dirty="0" smtClean="0">
-                <a:solidFill>
-                  <a:srgbClr val="404040"/>
-                </a:solidFill>
-              </a:rPr>
-              <a:t> </a:t>
-            </a:r>
-            <a:r>
-              <a:rPr lang="fr-FR" i="0" dirty="0" err="1" smtClean="0">
-                <a:solidFill>
-                  <a:srgbClr val="404040"/>
-                </a:solidFill>
-              </a:rPr>
-              <a:t>it</a:t>
-            </a:r>
-            <a:r>
-              <a:rPr lang="fr-FR" i="0" dirty="0" smtClean="0">
-                <a:solidFill>
-                  <a:srgbClr val="404040"/>
-                </a:solidFill>
-              </a:rPr>
-              <a:t> to </a:t>
-            </a:r>
-            <a:r>
-              <a:rPr lang="fr-FR" i="0" dirty="0" err="1" smtClean="0">
-                <a:solidFill>
-                  <a:srgbClr val="404040"/>
-                </a:solidFill>
-              </a:rPr>
-              <a:t>your</a:t>
-            </a:r>
-            <a:r>
-              <a:rPr lang="fr-FR" i="0" dirty="0" smtClean="0">
-                <a:solidFill>
-                  <a:srgbClr val="404040"/>
-                </a:solidFill>
-              </a:rPr>
-              <a:t> machine.</a:t>
-            </a:r>
-          </a:p>
-          <a:p>
-            <a:pPr marL="265113" lvl="1" indent="-265113">
-              <a:lnSpc>
-                <a:spcPct val="100000"/>
-              </a:lnSpc>
-            </a:pPr>
-            <a:r>
-              <a:rPr lang="fr-FR" i="0" dirty="0" smtClean="0">
-                <a:solidFill>
-                  <a:srgbClr val="404040"/>
-                </a:solidFill>
-              </a:rPr>
-              <a:t>Open </a:t>
-            </a:r>
-            <a:r>
-              <a:rPr lang="fr-FR" i="0" dirty="0" err="1" smtClean="0">
-                <a:solidFill>
-                  <a:srgbClr val="404040"/>
-                </a:solidFill>
-              </a:rPr>
-              <a:t>this</a:t>
-            </a:r>
-            <a:r>
-              <a:rPr lang="fr-FR" i="0" dirty="0" smtClean="0">
-                <a:solidFill>
-                  <a:srgbClr val="404040"/>
-                </a:solidFill>
-              </a:rPr>
-              <a:t> </a:t>
-            </a:r>
-            <a:r>
-              <a:rPr lang="fr-FR" i="0" dirty="0" err="1" smtClean="0">
-                <a:solidFill>
-                  <a:srgbClr val="404040"/>
-                </a:solidFill>
-              </a:rPr>
-              <a:t>Heap</a:t>
-            </a:r>
-            <a:r>
-              <a:rPr lang="fr-FR" i="0" dirty="0" smtClean="0">
-                <a:solidFill>
-                  <a:srgbClr val="404040"/>
-                </a:solidFill>
-              </a:rPr>
-              <a:t> Dump </a:t>
-            </a:r>
-            <a:r>
-              <a:rPr lang="fr-FR" i="0" dirty="0" err="1" smtClean="0">
-                <a:solidFill>
-                  <a:srgbClr val="404040"/>
-                </a:solidFill>
-              </a:rPr>
-              <a:t>with</a:t>
-            </a:r>
-            <a:r>
-              <a:rPr lang="fr-FR" i="0" dirty="0" smtClean="0">
-                <a:solidFill>
-                  <a:srgbClr val="404040"/>
-                </a:solidFill>
-              </a:rPr>
-              <a:t> </a:t>
-            </a:r>
-            <a:r>
-              <a:rPr lang="fr-FR" i="0" dirty="0" err="1" smtClean="0">
-                <a:solidFill>
-                  <a:srgbClr val="404040"/>
-                </a:solidFill>
-              </a:rPr>
-              <a:t>VisualVM</a:t>
-            </a:r>
-            <a:r>
-              <a:rPr lang="fr-FR" i="0" dirty="0" smtClean="0">
-                <a:solidFill>
-                  <a:srgbClr val="404040"/>
-                </a:solidFill>
-              </a:rPr>
-              <a:t>, </a:t>
-            </a:r>
-            <a:r>
-              <a:rPr lang="fr-FR" i="0" dirty="0" err="1" smtClean="0">
-                <a:solidFill>
-                  <a:srgbClr val="404040"/>
-                </a:solidFill>
-              </a:rPr>
-              <a:t>you</a:t>
-            </a:r>
-            <a:r>
-              <a:rPr lang="fr-FR" i="0" dirty="0" smtClean="0">
-                <a:solidFill>
-                  <a:srgbClr val="404040"/>
-                </a:solidFill>
-              </a:rPr>
-              <a:t> </a:t>
-            </a:r>
-            <a:r>
-              <a:rPr lang="fr-FR" i="0" dirty="0" err="1" smtClean="0">
-                <a:solidFill>
-                  <a:srgbClr val="404040"/>
-                </a:solidFill>
-              </a:rPr>
-              <a:t>can</a:t>
-            </a:r>
-            <a:r>
-              <a:rPr lang="fr-FR" i="0" dirty="0" smtClean="0">
-                <a:solidFill>
-                  <a:srgbClr val="404040"/>
-                </a:solidFill>
-              </a:rPr>
-              <a:t> </a:t>
-            </a:r>
-            <a:r>
-              <a:rPr lang="fr-FR" i="0" dirty="0" err="1" smtClean="0">
-                <a:solidFill>
-                  <a:srgbClr val="404040"/>
-                </a:solidFill>
-              </a:rPr>
-              <a:t>find</a:t>
-            </a:r>
-            <a:r>
-              <a:rPr lang="fr-FR" i="0" dirty="0" smtClean="0">
-                <a:solidFill>
-                  <a:srgbClr val="404040"/>
-                </a:solidFill>
-              </a:rPr>
-              <a:t> information about classes, instances </a:t>
-            </a:r>
-            <a:r>
-              <a:rPr lang="fr-FR" i="0" dirty="0" err="1" smtClean="0">
-                <a:solidFill>
-                  <a:srgbClr val="404040"/>
-                </a:solidFill>
-              </a:rPr>
-              <a:t>etc</a:t>
-            </a:r>
-            <a:r>
-              <a:rPr lang="fr-FR" i="0" dirty="0" smtClean="0">
-                <a:solidFill>
-                  <a:srgbClr val="404040"/>
-                </a:solidFill>
-              </a:rPr>
-              <a:t> ....</a:t>
-            </a:r>
-          </a:p>
-          <a:p>
-            <a:pPr marL="265113" lvl="1" indent="-265113">
-              <a:lnSpc>
-                <a:spcPct val="100000"/>
-              </a:lnSpc>
-            </a:pPr>
-            <a:r>
-              <a:rPr lang="fr-FR" i="0" dirty="0" smtClean="0">
-                <a:solidFill>
-                  <a:srgbClr val="404040"/>
-                </a:solidFill>
-              </a:rPr>
-              <a:t>In the sampler tab, </a:t>
-            </a:r>
-            <a:r>
-              <a:rPr lang="fr-FR" i="0" dirty="0" err="1" smtClean="0">
-                <a:solidFill>
-                  <a:srgbClr val="404040"/>
-                </a:solidFill>
-              </a:rPr>
-              <a:t>perform</a:t>
-            </a:r>
-            <a:r>
-              <a:rPr lang="fr-FR" i="0" dirty="0" smtClean="0">
-                <a:solidFill>
-                  <a:srgbClr val="404040"/>
-                </a:solidFill>
-              </a:rPr>
-              <a:t> a </a:t>
-            </a:r>
-            <a:r>
-              <a:rPr lang="fr-FR" i="0" dirty="0" err="1" smtClean="0">
-                <a:solidFill>
-                  <a:srgbClr val="404040"/>
-                </a:solidFill>
-              </a:rPr>
-              <a:t>cpu</a:t>
-            </a:r>
-            <a:r>
-              <a:rPr lang="fr-FR" i="0" dirty="0" smtClean="0">
-                <a:solidFill>
-                  <a:srgbClr val="404040"/>
-                </a:solidFill>
-              </a:rPr>
-              <a:t> &amp; </a:t>
-            </a:r>
-            <a:r>
-              <a:rPr lang="fr-FR" i="0" dirty="0" err="1" smtClean="0">
-                <a:solidFill>
-                  <a:srgbClr val="404040"/>
-                </a:solidFill>
-              </a:rPr>
-              <a:t>memory</a:t>
-            </a:r>
-            <a:r>
-              <a:rPr lang="fr-FR" i="0" dirty="0" smtClean="0">
-                <a:solidFill>
-                  <a:srgbClr val="404040"/>
-                </a:solidFill>
-              </a:rPr>
-              <a:t> </a:t>
-            </a:r>
-            <a:r>
-              <a:rPr lang="fr-FR" i="0" dirty="0" err="1" smtClean="0">
-                <a:solidFill>
-                  <a:srgbClr val="404040"/>
-                </a:solidFill>
-              </a:rPr>
-              <a:t>sampling</a:t>
-            </a:r>
-            <a:endParaRPr lang="fr-FR" i="0" dirty="0" smtClean="0">
-              <a:solidFill>
-                <a:srgbClr val="404040"/>
-              </a:solidFill>
-            </a:endParaRPr>
-          </a:p>
-          <a:p>
-            <a:pPr marL="265113" lvl="1" indent="-265113">
-              <a:lnSpc>
-                <a:spcPct val="100000"/>
-              </a:lnSpc>
-            </a:pPr>
-            <a:r>
-              <a:rPr lang="fr-FR" i="0" dirty="0" err="1" smtClean="0">
-                <a:solidFill>
-                  <a:srgbClr val="404040"/>
-                </a:solidFill>
-              </a:rPr>
-              <a:t>With</a:t>
-            </a:r>
-            <a:r>
-              <a:rPr lang="fr-FR" i="0" dirty="0" smtClean="0">
-                <a:solidFill>
-                  <a:srgbClr val="404040"/>
-                </a:solidFill>
-              </a:rPr>
-              <a:t> the sampler profiler, </a:t>
-            </a:r>
-            <a:r>
-              <a:rPr lang="fr-FR" i="0" dirty="0" err="1" smtClean="0">
-                <a:solidFill>
-                  <a:srgbClr val="404040"/>
-                </a:solidFill>
-              </a:rPr>
-              <a:t>you</a:t>
-            </a:r>
-            <a:r>
-              <a:rPr lang="fr-FR" i="0" dirty="0" smtClean="0">
-                <a:solidFill>
-                  <a:srgbClr val="404040"/>
-                </a:solidFill>
-              </a:rPr>
-              <a:t> </a:t>
-            </a:r>
-            <a:r>
-              <a:rPr lang="fr-FR" i="0" dirty="0" err="1" smtClean="0">
-                <a:solidFill>
-                  <a:srgbClr val="404040"/>
-                </a:solidFill>
-              </a:rPr>
-              <a:t>can</a:t>
-            </a:r>
-            <a:r>
-              <a:rPr lang="fr-FR" i="0" dirty="0" smtClean="0">
-                <a:solidFill>
-                  <a:srgbClr val="404040"/>
-                </a:solidFill>
-              </a:rPr>
-              <a:t> </a:t>
-            </a:r>
-            <a:r>
-              <a:rPr lang="fr-FR" i="0" dirty="0" err="1" smtClean="0">
-                <a:solidFill>
-                  <a:srgbClr val="404040"/>
-                </a:solidFill>
-              </a:rPr>
-              <a:t>easily</a:t>
-            </a:r>
-            <a:r>
-              <a:rPr lang="fr-FR" i="0" dirty="0" smtClean="0">
-                <a:solidFill>
-                  <a:srgbClr val="404040"/>
-                </a:solidFill>
-              </a:rPr>
-              <a:t> </a:t>
-            </a:r>
-            <a:r>
-              <a:rPr lang="fr-FR" i="0" dirty="0" err="1" smtClean="0">
-                <a:solidFill>
-                  <a:srgbClr val="404040"/>
-                </a:solidFill>
-              </a:rPr>
-              <a:t>identifiy</a:t>
-            </a:r>
-            <a:r>
-              <a:rPr lang="fr-FR" i="0" dirty="0" smtClean="0">
-                <a:solidFill>
-                  <a:srgbClr val="404040"/>
-                </a:solidFill>
-              </a:rPr>
-              <a:t> the top </a:t>
-            </a:r>
-            <a:r>
-              <a:rPr lang="fr-FR" i="0" dirty="0" err="1" smtClean="0">
-                <a:solidFill>
-                  <a:srgbClr val="404040"/>
-                </a:solidFill>
-              </a:rPr>
-              <a:t>cpu</a:t>
-            </a:r>
-            <a:r>
-              <a:rPr lang="fr-FR" i="0" dirty="0" smtClean="0">
-                <a:solidFill>
-                  <a:srgbClr val="404040"/>
-                </a:solidFill>
-              </a:rPr>
-              <a:t> &amp; </a:t>
-            </a:r>
-            <a:r>
-              <a:rPr lang="fr-FR" i="0" dirty="0" err="1" smtClean="0">
-                <a:solidFill>
-                  <a:srgbClr val="404040"/>
-                </a:solidFill>
-              </a:rPr>
-              <a:t>memory</a:t>
-            </a:r>
-            <a:r>
-              <a:rPr lang="fr-FR" i="0" dirty="0" smtClean="0">
-                <a:solidFill>
-                  <a:srgbClr val="404040"/>
-                </a:solidFill>
-              </a:rPr>
-              <a:t> consumer. </a:t>
-            </a:r>
-          </a:p>
-          <a:p>
-            <a:pPr marL="265113" lvl="1" indent="-265113">
-              <a:lnSpc>
-                <a:spcPct val="100000"/>
-              </a:lnSpc>
-            </a:pPr>
-            <a:r>
-              <a:rPr lang="fr-FR" i="0" dirty="0" err="1" smtClean="0">
-                <a:solidFill>
-                  <a:srgbClr val="404040"/>
-                </a:solidFill>
-              </a:rPr>
-              <a:t>With</a:t>
-            </a:r>
-            <a:r>
-              <a:rPr lang="fr-FR" i="0" dirty="0" smtClean="0">
-                <a:solidFill>
-                  <a:srgbClr val="404040"/>
-                </a:solidFill>
-              </a:rPr>
-              <a:t> the </a:t>
-            </a:r>
-            <a:r>
-              <a:rPr lang="fr-FR" i="0" dirty="0" err="1" smtClean="0">
-                <a:solidFill>
-                  <a:srgbClr val="404040"/>
-                </a:solidFill>
-              </a:rPr>
-              <a:t>MBeans</a:t>
-            </a:r>
-            <a:r>
-              <a:rPr lang="fr-FR" i="0" dirty="0" smtClean="0">
-                <a:solidFill>
-                  <a:srgbClr val="404040"/>
-                </a:solidFill>
-              </a:rPr>
-              <a:t> tab, explore the </a:t>
-            </a:r>
-            <a:r>
-              <a:rPr lang="fr-FR" i="0" dirty="0" err="1" smtClean="0">
-                <a:solidFill>
-                  <a:srgbClr val="404040"/>
-                </a:solidFill>
-              </a:rPr>
-              <a:t>MBeans</a:t>
-            </a:r>
-            <a:r>
-              <a:rPr lang="fr-FR" i="0" dirty="0" smtClean="0">
-                <a:solidFill>
-                  <a:srgbClr val="404040"/>
-                </a:solidFill>
-              </a:rPr>
-              <a:t> </a:t>
-            </a:r>
-            <a:r>
-              <a:rPr lang="fr-FR" i="0" dirty="0" err="1" smtClean="0">
-                <a:solidFill>
-                  <a:srgbClr val="404040"/>
-                </a:solidFill>
-              </a:rPr>
-              <a:t>exposed</a:t>
-            </a:r>
-            <a:r>
-              <a:rPr lang="fr-FR" i="0" dirty="0" smtClean="0">
-                <a:solidFill>
-                  <a:srgbClr val="404040"/>
-                </a:solidFill>
-              </a:rPr>
-              <a:t> by </a:t>
-            </a:r>
-            <a:r>
-              <a:rPr lang="fr-FR" i="0" dirty="0" err="1" smtClean="0">
-                <a:solidFill>
-                  <a:srgbClr val="404040"/>
-                </a:solidFill>
-              </a:rPr>
-              <a:t>eXo</a:t>
-            </a:r>
-            <a:r>
-              <a:rPr lang="fr-FR" i="0" dirty="0" smtClean="0">
-                <a:solidFill>
-                  <a:srgbClr val="404040"/>
-                </a:solidFill>
-              </a:rPr>
-              <a:t> :</a:t>
-            </a:r>
-          </a:p>
-          <a:p>
-            <a:pPr lvl="1">
-              <a:lnSpc>
-                <a:spcPct val="100000"/>
-              </a:lnSpc>
-              <a:buFontTx/>
-              <a:buChar char="-"/>
-            </a:pPr>
-            <a:r>
-              <a:rPr lang="fr-FR" i="0" dirty="0" err="1" smtClean="0">
-                <a:solidFill>
-                  <a:srgbClr val="404040"/>
-                </a:solidFill>
-              </a:rPr>
-              <a:t>Retrieve</a:t>
-            </a:r>
-            <a:r>
-              <a:rPr lang="fr-FR" i="0" dirty="0" smtClean="0">
-                <a:solidFill>
-                  <a:srgbClr val="404040"/>
-                </a:solidFill>
-              </a:rPr>
-              <a:t> the portal configuration (</a:t>
-            </a:r>
-            <a:r>
-              <a:rPr lang="fr-FR" sz="1800" b="0" i="0" dirty="0" smtClean="0">
-                <a:solidFill>
-                  <a:srgbClr val="404040"/>
-                </a:solidFill>
-              </a:rPr>
-              <a:t>in exo-&gt;portal-&gt;portal-&gt;</a:t>
-            </a:r>
-            <a:r>
-              <a:rPr lang="fr-FR" sz="1800" b="0" i="0" dirty="0" err="1" smtClean="0">
-                <a:solidFill>
-                  <a:srgbClr val="404040"/>
-                </a:solidFill>
-              </a:rPr>
-              <a:t>portal.getConfigrationXML</a:t>
-            </a:r>
-            <a:r>
-              <a:rPr lang="fr-FR" sz="1800" b="0" i="0" dirty="0" smtClean="0">
-                <a:solidFill>
-                  <a:srgbClr val="404040"/>
-                </a:solidFill>
-              </a:rPr>
-              <a:t>()</a:t>
-            </a:r>
-            <a:r>
-              <a:rPr lang="fr-FR" i="0" dirty="0" smtClean="0">
-                <a:solidFill>
-                  <a:srgbClr val="404040"/>
-                </a:solidFill>
-              </a:rPr>
-              <a:t>)</a:t>
-            </a:r>
-          </a:p>
-          <a:p>
-            <a:pPr lvl="1">
-              <a:lnSpc>
-                <a:spcPct val="100000"/>
-              </a:lnSpc>
-              <a:buFontTx/>
-              <a:buChar char="-"/>
-            </a:pPr>
-            <a:r>
-              <a:rPr lang="fr-FR" i="0" dirty="0" smtClean="0">
-                <a:solidFill>
-                  <a:srgbClr val="404040"/>
-                </a:solidFill>
-              </a:rPr>
-              <a:t>In the forum </a:t>
-            </a:r>
-            <a:r>
-              <a:rPr lang="fr-FR" i="0" dirty="0" err="1" smtClean="0">
-                <a:solidFill>
-                  <a:srgbClr val="404040"/>
-                </a:solidFill>
-              </a:rPr>
-              <a:t>MBeans</a:t>
-            </a:r>
-            <a:r>
-              <a:rPr lang="fr-FR" i="0" dirty="0" smtClean="0">
-                <a:solidFill>
-                  <a:srgbClr val="404040"/>
-                </a:solidFill>
-              </a:rPr>
-              <a:t>, check if </a:t>
-            </a:r>
-            <a:r>
-              <a:rPr lang="fr-FR" i="0" dirty="0" err="1" smtClean="0">
-                <a:solidFill>
-                  <a:srgbClr val="404040"/>
-                </a:solidFill>
-              </a:rPr>
-              <a:t>john</a:t>
-            </a:r>
-            <a:r>
-              <a:rPr lang="fr-FR" i="0" dirty="0" smtClean="0">
-                <a:solidFill>
-                  <a:srgbClr val="404040"/>
-                </a:solidFill>
-              </a:rPr>
-              <a:t> &amp; </a:t>
-            </a:r>
-            <a:r>
-              <a:rPr lang="fr-FR" i="0" dirty="0" err="1" smtClean="0">
-                <a:solidFill>
-                  <a:srgbClr val="404040"/>
-                </a:solidFill>
-              </a:rPr>
-              <a:t>root</a:t>
-            </a:r>
-            <a:r>
-              <a:rPr lang="fr-FR" i="0" dirty="0" smtClean="0">
-                <a:solidFill>
-                  <a:srgbClr val="404040"/>
-                </a:solidFill>
-              </a:rPr>
-              <a:t> has </a:t>
-            </a:r>
-            <a:r>
-              <a:rPr lang="fr-FR" i="0" dirty="0" err="1" smtClean="0">
-                <a:solidFill>
-                  <a:srgbClr val="404040"/>
-                </a:solidFill>
-              </a:rPr>
-              <a:t>admin</a:t>
-            </a:r>
-            <a:r>
-              <a:rPr lang="fr-FR" i="0" dirty="0" smtClean="0">
-                <a:solidFill>
-                  <a:srgbClr val="404040"/>
-                </a:solidFill>
-              </a:rPr>
-              <a:t> </a:t>
-            </a:r>
-            <a:r>
-              <a:rPr lang="fr-FR" i="0" dirty="0" err="1" smtClean="0">
-                <a:solidFill>
-                  <a:srgbClr val="404040"/>
-                </a:solidFill>
-              </a:rPr>
-              <a:t>role</a:t>
-            </a:r>
-            <a:r>
-              <a:rPr lang="fr-FR" i="0" dirty="0">
-                <a:solidFill>
-                  <a:srgbClr val="404040"/>
-                </a:solidFill>
-              </a:rPr>
-              <a:t>:</a:t>
-            </a:r>
-            <a:endParaRPr lang="fr-FR" i="0" dirty="0" smtClean="0">
-              <a:solidFill>
-                <a:srgbClr val="404040"/>
-              </a:solidFill>
-            </a:endParaRPr>
-          </a:p>
-          <a:p>
-            <a:pPr marL="0" lvl="1" indent="0">
-              <a:lnSpc>
-                <a:spcPct val="100000"/>
-              </a:lnSpc>
-              <a:buNone/>
-            </a:pPr>
-            <a:r>
-              <a:rPr lang="fr-FR" sz="2400" b="0" i="0" dirty="0" smtClean="0">
-                <a:solidFill>
-                  <a:srgbClr val="404040"/>
-                </a:solidFill>
-              </a:rPr>
-              <a:t>		</a:t>
-            </a:r>
-            <a:r>
-              <a:rPr lang="fr-FR" sz="1800" b="0" i="0" dirty="0" smtClean="0">
-                <a:solidFill>
-                  <a:srgbClr val="404040"/>
-                </a:solidFill>
-              </a:rPr>
-              <a:t>(</a:t>
-            </a:r>
-            <a:r>
-              <a:rPr lang="fr-FR" sz="1800" b="0" i="0" dirty="0">
-                <a:solidFill>
-                  <a:srgbClr val="404040"/>
-                </a:solidFill>
-              </a:rPr>
-              <a:t>in exo-&gt;portal-&gt;forum-&gt;</a:t>
-            </a:r>
-            <a:r>
-              <a:rPr lang="fr-FR" sz="1800" b="0" i="0" dirty="0" err="1">
-                <a:solidFill>
-                  <a:srgbClr val="404040"/>
-                </a:solidFill>
-              </a:rPr>
-              <a:t>hasAdminForumRole</a:t>
-            </a:r>
-            <a:r>
-              <a:rPr lang="fr-FR" sz="1800" b="0" i="0" dirty="0">
-                <a:solidFill>
-                  <a:srgbClr val="404040"/>
-                </a:solidFill>
-              </a:rPr>
-              <a:t>(«</a:t>
-            </a:r>
-            <a:r>
-              <a:rPr lang="fr-FR" sz="1800" b="0" i="0">
-                <a:solidFill>
-                  <a:srgbClr val="404040"/>
-                </a:solidFill>
-              </a:rPr>
-              <a:t> </a:t>
-            </a:r>
-            <a:r>
-              <a:rPr lang="fr-FR" sz="1800" b="0" i="0" smtClean="0">
-                <a:solidFill>
-                  <a:srgbClr val="404040"/>
-                </a:solidFill>
-              </a:rPr>
-              <a:t>john</a:t>
-            </a:r>
-            <a:r>
-              <a:rPr lang="fr-FR" sz="1800" b="0" i="0" dirty="0" smtClean="0">
-                <a:solidFill>
-                  <a:srgbClr val="404040"/>
-                </a:solidFill>
-              </a:rPr>
-              <a:t> </a:t>
-            </a:r>
-            <a:r>
-              <a:rPr lang="fr-FR" sz="1800" b="0" i="0" dirty="0">
-                <a:solidFill>
-                  <a:srgbClr val="404040"/>
-                </a:solidFill>
-              </a:rPr>
-              <a:t>»</a:t>
-            </a:r>
-            <a:r>
-              <a:rPr lang="fr-FR" sz="1800" b="0" i="0" dirty="0" smtClean="0">
-                <a:solidFill>
-                  <a:srgbClr val="404040"/>
-                </a:solidFill>
-              </a:rPr>
-              <a:t>)</a:t>
-            </a:r>
-            <a:endParaRPr lang="fr-FR" sz="1800" i="0" dirty="0" smtClean="0">
-              <a:solidFill>
-                <a:srgbClr val="404040"/>
-              </a:solidFill>
-            </a:endParaRPr>
-          </a:p>
-          <a:p>
-            <a:pPr lvl="1">
-              <a:lnSpc>
-                <a:spcPct val="100000"/>
-              </a:lnSpc>
-              <a:buFontTx/>
-              <a:buChar char="-"/>
-            </a:pPr>
-            <a:r>
-              <a:rPr lang="fr-FR" i="0" dirty="0" err="1" smtClean="0">
-                <a:solidFill>
-                  <a:srgbClr val="404040"/>
-                </a:solidFill>
-              </a:rPr>
-              <a:t>Clear</a:t>
-            </a:r>
-            <a:r>
-              <a:rPr lang="fr-FR" i="0" dirty="0" smtClean="0">
-                <a:solidFill>
-                  <a:srgbClr val="404040"/>
-                </a:solidFill>
-              </a:rPr>
-              <a:t> the </a:t>
-            </a:r>
-            <a:r>
-              <a:rPr lang="fr-FR" i="0" dirty="0" err="1" smtClean="0">
-                <a:solidFill>
-                  <a:srgbClr val="404040"/>
-                </a:solidFill>
-              </a:rPr>
-              <a:t>eXo</a:t>
-            </a:r>
-            <a:r>
-              <a:rPr lang="fr-FR" i="0" dirty="0" smtClean="0">
-                <a:solidFill>
-                  <a:srgbClr val="404040"/>
-                </a:solidFill>
-              </a:rPr>
-              <a:t> </a:t>
-            </a:r>
-            <a:r>
-              <a:rPr lang="fr-FR" i="0" dirty="0" err="1" smtClean="0">
-                <a:solidFill>
-                  <a:srgbClr val="404040"/>
-                </a:solidFill>
-              </a:rPr>
-              <a:t>template</a:t>
-            </a:r>
-            <a:r>
-              <a:rPr lang="fr-FR" i="0" dirty="0" smtClean="0">
-                <a:solidFill>
-                  <a:srgbClr val="404040"/>
-                </a:solidFill>
-              </a:rPr>
-              <a:t> cache (</a:t>
-            </a:r>
-            <a:r>
-              <a:rPr lang="fr-FR" sz="1800" b="0" i="0" dirty="0">
-                <a:solidFill>
-                  <a:srgbClr val="404040"/>
-                </a:solidFill>
-              </a:rPr>
-              <a:t>in exo-&gt;portal-</a:t>
-            </a:r>
-            <a:r>
-              <a:rPr lang="fr-FR" sz="1800" b="0" i="0" dirty="0" smtClean="0">
-                <a:solidFill>
-                  <a:srgbClr val="404040"/>
-                </a:solidFill>
-              </a:rPr>
-              <a:t>&gt;cache-&gt;</a:t>
-            </a:r>
-            <a:r>
-              <a:rPr lang="fr-FR" sz="1800" b="0" i="0" dirty="0" err="1" smtClean="0">
-                <a:solidFill>
-                  <a:srgbClr val="404040"/>
-                </a:solidFill>
-              </a:rPr>
-              <a:t>TemplateService.clearCache</a:t>
-            </a:r>
-            <a:r>
-              <a:rPr lang="fr-FR" sz="1800" b="0" i="0" dirty="0" smtClean="0">
-                <a:solidFill>
-                  <a:srgbClr val="404040"/>
-                </a:solidFill>
-              </a:rPr>
-              <a:t>()</a:t>
-            </a:r>
-            <a:r>
-              <a:rPr lang="fr-FR" sz="2400" b="0" i="0" dirty="0" smtClean="0">
-                <a:solidFill>
-                  <a:srgbClr val="404040"/>
-                </a:solidFill>
-              </a:rPr>
-              <a:t>)</a:t>
-            </a:r>
-            <a:endParaRPr lang="fr-FR" i="0" dirty="0" smtClean="0">
-              <a:solidFill>
-                <a:srgbClr val="404040"/>
-              </a:solidFill>
-            </a:endParaRPr>
-          </a:p>
-          <a:p>
-            <a:pPr lvl="1">
-              <a:lnSpc>
-                <a:spcPct val="100000"/>
-              </a:lnSpc>
-              <a:buFontTx/>
-              <a:buChar char="-"/>
-            </a:pPr>
-            <a:endParaRPr lang="fr-FR" i="0" dirty="0" smtClean="0">
-              <a:solidFill>
-                <a:srgbClr val="404040"/>
-              </a:solidFill>
-            </a:endParaRPr>
-          </a:p>
-          <a:p>
-            <a:pPr marL="0" lvl="1" indent="0">
-              <a:lnSpc>
-                <a:spcPct val="100000"/>
-              </a:lnSpc>
-              <a:buNone/>
-            </a:pPr>
-            <a:endParaRPr lang="fr-FR" i="0" dirty="0">
-              <a:solidFill>
-                <a:srgbClr val="404040"/>
-              </a:solidFill>
-            </a:endParaRPr>
-          </a:p>
-          <a:p>
-            <a:pPr marL="265113" lvl="1" indent="-265113">
-              <a:lnSpc>
-                <a:spcPct val="100000"/>
-              </a:lnSpc>
-            </a:pPr>
-            <a:endParaRPr lang="fr-FR" i="0" dirty="0" smtClean="0">
-              <a:solidFill>
-                <a:srgbClr val="404040"/>
-              </a:solidFill>
-            </a:endParaRPr>
-          </a:p>
-          <a:p>
-            <a:pPr marL="265113" lvl="1" indent="-265113">
-              <a:lnSpc>
-                <a:spcPct val="100000"/>
-              </a:lnSpc>
-            </a:pPr>
-            <a:endParaRPr lang="fr-FR" i="0" dirty="0" smtClean="0">
-              <a:solidFill>
-                <a:srgbClr val="404040"/>
-              </a:solidFill>
-            </a:endParaRPr>
-          </a:p>
-          <a:p>
-            <a:pPr marL="265113" lvl="1" indent="-265113">
-              <a:lnSpc>
-                <a:spcPct val="100000"/>
-              </a:lnSpc>
-            </a:pPr>
-            <a:endParaRPr lang="fr-CA" i="0" dirty="0" smtClean="0">
-              <a:solidFill>
-                <a:srgbClr val="404040"/>
-              </a:solidFill>
-            </a:endParaRPr>
-          </a:p>
-          <a:p>
-            <a:pPr marL="265113" lvl="1" indent="-265113">
-              <a:lnSpc>
-                <a:spcPct val="100000"/>
-              </a:lnSpc>
-            </a:pPr>
-            <a:endParaRPr lang="fr-CA" i="0" dirty="0" smtClean="0"/>
-          </a:p>
-          <a:p>
-            <a:pPr marL="265113" lvl="1" indent="-265113">
-              <a:lnSpc>
-                <a:spcPct val="100000"/>
-              </a:lnSpc>
-            </a:pPr>
-            <a:endParaRPr lang="fr-CA" i="0" dirty="0" smtClean="0"/>
-          </a:p>
-        </p:txBody>
-      </p:sp>
-    </p:spTree>
-    <p:extLst>
-      <p:ext uri="{BB962C8B-B14F-4D97-AF65-F5344CB8AC3E}">
-        <p14:creationId xmlns:p14="http://schemas.microsoft.com/office/powerpoint/2010/main" val="2460136822"/>
       </p:ext>
     </p:extLst>
   </p:cSld>
@@ -24765,12 +24212,1133 @@
               <a:t> : </a:t>
             </a:r>
             <a:r>
+              <a:rPr lang="fr-FR" sz="3600" dirty="0" smtClean="0"/>
+              <a:t>1b </a:t>
+            </a:r>
+            <a:r>
+              <a:rPr lang="fr-FR" sz="3600" dirty="0" err="1" smtClean="0"/>
+              <a:t>Using</a:t>
+            </a:r>
+            <a:r>
+              <a:rPr lang="fr-FR" sz="3600" dirty="0" smtClean="0"/>
+              <a:t> </a:t>
+            </a:r>
+            <a:r>
+              <a:rPr lang="fr-FR" sz="3600" dirty="0" err="1" smtClean="0"/>
+              <a:t>VisualVM</a:t>
+            </a:r>
+            <a:endParaRPr lang="fr-FR" sz="3600" dirty="0"/>
+          </a:p>
+        </p:txBody>
+      </p:sp>
+      <p:sp>
+        <p:nvSpPr>
+          <p:cNvPr id="15363" name="Rectangle 2"/>
+          <p:cNvSpPr>
+            <a:spLocks noGrp="1" noChangeArrowheads="1"/>
+          </p:cNvSpPr>
+          <p:nvPr>
+            <p:ph type="body" idx="1"/>
+          </p:nvPr>
+        </p:nvSpPr>
+        <p:spPr>
+          <a:xfrm>
+            <a:off x="395486" y="1043533"/>
+            <a:ext cx="10219725" cy="5688632"/>
+          </a:xfrm>
+        </p:spPr>
+        <p:txBody>
+          <a:bodyPr rIns="41783" anchor="t"/>
+          <a:lstStyle/>
+          <a:p>
+            <a:pPr marL="265113" lvl="1" indent="-265113">
+              <a:lnSpc>
+                <a:spcPct val="100000"/>
+              </a:lnSpc>
+            </a:pPr>
+            <a:r>
+              <a:rPr lang="fr-CA" i="0" dirty="0" smtClean="0">
+                <a:solidFill>
+                  <a:srgbClr val="404040"/>
+                </a:solidFill>
+              </a:rPr>
+              <a:t>Go to </a:t>
+            </a:r>
+            <a:r>
+              <a:rPr lang="fr-CA" i="0" dirty="0" err="1" smtClean="0">
+                <a:solidFill>
+                  <a:srgbClr val="404040"/>
+                </a:solidFill>
+              </a:rPr>
+              <a:t>overview</a:t>
+            </a:r>
+            <a:r>
+              <a:rPr lang="fr-CA" i="0" dirty="0" smtClean="0">
+                <a:solidFill>
+                  <a:srgbClr val="404040"/>
+                </a:solidFill>
+              </a:rPr>
+              <a:t> tab, </a:t>
+            </a:r>
+            <a:r>
+              <a:rPr lang="fr-CA" i="0" dirty="0" err="1" smtClean="0">
+                <a:solidFill>
+                  <a:srgbClr val="404040"/>
+                </a:solidFill>
+              </a:rPr>
+              <a:t>retrieve</a:t>
+            </a:r>
+            <a:r>
+              <a:rPr lang="fr-CA" i="0" dirty="0" smtClean="0">
+                <a:solidFill>
+                  <a:srgbClr val="404040"/>
+                </a:solidFill>
+              </a:rPr>
+              <a:t> the JVM argument and system </a:t>
+            </a:r>
+            <a:r>
+              <a:rPr lang="fr-CA" i="0" dirty="0" err="1" smtClean="0">
+                <a:solidFill>
+                  <a:srgbClr val="404040"/>
+                </a:solidFill>
+              </a:rPr>
+              <a:t>properties</a:t>
+            </a:r>
+            <a:endParaRPr lang="fr-CA" i="0" dirty="0" smtClean="0">
+              <a:solidFill>
+                <a:srgbClr val="404040"/>
+              </a:solidFill>
+            </a:endParaRPr>
+          </a:p>
+          <a:p>
+            <a:pPr marL="265113" lvl="1" indent="-265113">
+              <a:lnSpc>
+                <a:spcPct val="100000"/>
+              </a:lnSpc>
+            </a:pPr>
+            <a:r>
+              <a:rPr lang="fr-FR" i="0" dirty="0" smtClean="0">
+                <a:solidFill>
+                  <a:srgbClr val="404040"/>
+                </a:solidFill>
+              </a:rPr>
+              <a:t>In the monitor tab, </a:t>
+            </a:r>
+            <a:r>
+              <a:rPr lang="fr-FR" i="0" dirty="0" err="1" smtClean="0">
+                <a:solidFill>
+                  <a:srgbClr val="404040"/>
+                </a:solidFill>
+              </a:rPr>
+              <a:t>perform</a:t>
+            </a:r>
+            <a:r>
+              <a:rPr lang="fr-FR" i="0" dirty="0" smtClean="0">
+                <a:solidFill>
+                  <a:srgbClr val="404040"/>
+                </a:solidFill>
+              </a:rPr>
+              <a:t> a </a:t>
+            </a:r>
+            <a:r>
+              <a:rPr lang="fr-FR" i="0" dirty="0" err="1" smtClean="0">
+                <a:solidFill>
+                  <a:srgbClr val="404040"/>
+                </a:solidFill>
+              </a:rPr>
+              <a:t>Heap</a:t>
+            </a:r>
+            <a:r>
+              <a:rPr lang="fr-FR" i="0" dirty="0" smtClean="0">
+                <a:solidFill>
+                  <a:srgbClr val="404040"/>
+                </a:solidFill>
+              </a:rPr>
+              <a:t> Dump &amp; </a:t>
+            </a:r>
+            <a:r>
+              <a:rPr lang="fr-FR" i="0" dirty="0" err="1" smtClean="0">
+                <a:solidFill>
+                  <a:srgbClr val="404040"/>
+                </a:solidFill>
+              </a:rPr>
+              <a:t>save</a:t>
+            </a:r>
+            <a:r>
+              <a:rPr lang="fr-FR" i="0" dirty="0" smtClean="0">
+                <a:solidFill>
+                  <a:srgbClr val="404040"/>
+                </a:solidFill>
+              </a:rPr>
+              <a:t> </a:t>
+            </a:r>
+            <a:r>
+              <a:rPr lang="fr-FR" i="0" dirty="0" err="1" smtClean="0">
+                <a:solidFill>
+                  <a:srgbClr val="404040"/>
+                </a:solidFill>
+              </a:rPr>
+              <a:t>it</a:t>
+            </a:r>
+            <a:r>
+              <a:rPr lang="fr-FR" i="0" dirty="0" smtClean="0">
+                <a:solidFill>
+                  <a:srgbClr val="404040"/>
+                </a:solidFill>
+              </a:rPr>
+              <a:t> to </a:t>
+            </a:r>
+            <a:r>
+              <a:rPr lang="fr-FR" i="0" dirty="0" err="1" smtClean="0">
+                <a:solidFill>
+                  <a:srgbClr val="404040"/>
+                </a:solidFill>
+              </a:rPr>
+              <a:t>your</a:t>
+            </a:r>
+            <a:r>
+              <a:rPr lang="fr-FR" i="0" dirty="0" smtClean="0">
+                <a:solidFill>
+                  <a:srgbClr val="404040"/>
+                </a:solidFill>
+              </a:rPr>
+              <a:t> machine.</a:t>
+            </a:r>
+          </a:p>
+          <a:p>
+            <a:pPr marL="265113" lvl="1" indent="-265113">
+              <a:lnSpc>
+                <a:spcPct val="100000"/>
+              </a:lnSpc>
+            </a:pPr>
+            <a:r>
+              <a:rPr lang="fr-FR" i="0" dirty="0" smtClean="0">
+                <a:solidFill>
+                  <a:srgbClr val="404040"/>
+                </a:solidFill>
+              </a:rPr>
+              <a:t>Open </a:t>
+            </a:r>
+            <a:r>
+              <a:rPr lang="fr-FR" i="0" dirty="0" err="1" smtClean="0">
+                <a:solidFill>
+                  <a:srgbClr val="404040"/>
+                </a:solidFill>
+              </a:rPr>
+              <a:t>this</a:t>
+            </a:r>
+            <a:r>
+              <a:rPr lang="fr-FR" i="0" dirty="0" smtClean="0">
+                <a:solidFill>
+                  <a:srgbClr val="404040"/>
+                </a:solidFill>
+              </a:rPr>
+              <a:t> </a:t>
+            </a:r>
+            <a:r>
+              <a:rPr lang="fr-FR" i="0" dirty="0" err="1" smtClean="0">
+                <a:solidFill>
+                  <a:srgbClr val="404040"/>
+                </a:solidFill>
+              </a:rPr>
+              <a:t>Heap</a:t>
+            </a:r>
+            <a:r>
+              <a:rPr lang="fr-FR" i="0" dirty="0" smtClean="0">
+                <a:solidFill>
+                  <a:srgbClr val="404040"/>
+                </a:solidFill>
+              </a:rPr>
+              <a:t> Dump </a:t>
+            </a:r>
+            <a:r>
+              <a:rPr lang="fr-FR" i="0" dirty="0" err="1" smtClean="0">
+                <a:solidFill>
+                  <a:srgbClr val="404040"/>
+                </a:solidFill>
+              </a:rPr>
+              <a:t>with</a:t>
+            </a:r>
+            <a:r>
+              <a:rPr lang="fr-FR" i="0" dirty="0" smtClean="0">
+                <a:solidFill>
+                  <a:srgbClr val="404040"/>
+                </a:solidFill>
+              </a:rPr>
+              <a:t> </a:t>
+            </a:r>
+            <a:r>
+              <a:rPr lang="fr-FR" i="0" dirty="0" err="1" smtClean="0">
+                <a:solidFill>
+                  <a:srgbClr val="404040"/>
+                </a:solidFill>
+              </a:rPr>
+              <a:t>VisualVM</a:t>
+            </a:r>
+            <a:r>
+              <a:rPr lang="fr-FR" i="0" dirty="0" smtClean="0">
+                <a:solidFill>
+                  <a:srgbClr val="404040"/>
+                </a:solidFill>
+              </a:rPr>
+              <a:t>, </a:t>
+            </a:r>
+            <a:r>
+              <a:rPr lang="fr-FR" i="0" dirty="0" err="1" smtClean="0">
+                <a:solidFill>
+                  <a:srgbClr val="404040"/>
+                </a:solidFill>
+              </a:rPr>
+              <a:t>you</a:t>
+            </a:r>
+            <a:r>
+              <a:rPr lang="fr-FR" i="0" dirty="0" smtClean="0">
+                <a:solidFill>
+                  <a:srgbClr val="404040"/>
+                </a:solidFill>
+              </a:rPr>
+              <a:t> </a:t>
+            </a:r>
+            <a:r>
+              <a:rPr lang="fr-FR" i="0" dirty="0" err="1" smtClean="0">
+                <a:solidFill>
+                  <a:srgbClr val="404040"/>
+                </a:solidFill>
+              </a:rPr>
+              <a:t>can</a:t>
+            </a:r>
+            <a:r>
+              <a:rPr lang="fr-FR" i="0" dirty="0" smtClean="0">
+                <a:solidFill>
+                  <a:srgbClr val="404040"/>
+                </a:solidFill>
+              </a:rPr>
+              <a:t> </a:t>
+            </a:r>
+            <a:r>
+              <a:rPr lang="fr-FR" i="0" dirty="0" err="1" smtClean="0">
+                <a:solidFill>
+                  <a:srgbClr val="404040"/>
+                </a:solidFill>
+              </a:rPr>
+              <a:t>find</a:t>
+            </a:r>
+            <a:r>
+              <a:rPr lang="fr-FR" i="0" dirty="0" smtClean="0">
+                <a:solidFill>
+                  <a:srgbClr val="404040"/>
+                </a:solidFill>
+              </a:rPr>
+              <a:t> information about classes, instances </a:t>
+            </a:r>
+            <a:r>
+              <a:rPr lang="fr-FR" i="0" dirty="0" err="1" smtClean="0">
+                <a:solidFill>
+                  <a:srgbClr val="404040"/>
+                </a:solidFill>
+              </a:rPr>
+              <a:t>etc</a:t>
+            </a:r>
+            <a:r>
+              <a:rPr lang="fr-FR" i="0" dirty="0" smtClean="0">
+                <a:solidFill>
+                  <a:srgbClr val="404040"/>
+                </a:solidFill>
+              </a:rPr>
+              <a:t> ....</a:t>
+            </a:r>
+          </a:p>
+          <a:p>
+            <a:pPr marL="265113" lvl="1" indent="-265113">
+              <a:lnSpc>
+                <a:spcPct val="100000"/>
+              </a:lnSpc>
+            </a:pPr>
+            <a:r>
+              <a:rPr lang="fr-FR" i="0" dirty="0" smtClean="0">
+                <a:solidFill>
+                  <a:srgbClr val="404040"/>
+                </a:solidFill>
+              </a:rPr>
+              <a:t>In the sampler tab, </a:t>
+            </a:r>
+            <a:r>
+              <a:rPr lang="fr-FR" i="0" dirty="0" err="1" smtClean="0">
+                <a:solidFill>
+                  <a:srgbClr val="404040"/>
+                </a:solidFill>
+              </a:rPr>
+              <a:t>perform</a:t>
+            </a:r>
+            <a:r>
+              <a:rPr lang="fr-FR" i="0" dirty="0" smtClean="0">
+                <a:solidFill>
+                  <a:srgbClr val="404040"/>
+                </a:solidFill>
+              </a:rPr>
+              <a:t> a </a:t>
+            </a:r>
+            <a:r>
+              <a:rPr lang="fr-FR" i="0" dirty="0" err="1" smtClean="0">
+                <a:solidFill>
+                  <a:srgbClr val="404040"/>
+                </a:solidFill>
+              </a:rPr>
+              <a:t>cpu</a:t>
+            </a:r>
+            <a:r>
+              <a:rPr lang="fr-FR" i="0" dirty="0" smtClean="0">
+                <a:solidFill>
+                  <a:srgbClr val="404040"/>
+                </a:solidFill>
+              </a:rPr>
+              <a:t> &amp; </a:t>
+            </a:r>
+            <a:r>
+              <a:rPr lang="fr-FR" i="0" dirty="0" err="1" smtClean="0">
+                <a:solidFill>
+                  <a:srgbClr val="404040"/>
+                </a:solidFill>
+              </a:rPr>
+              <a:t>memory</a:t>
+            </a:r>
+            <a:r>
+              <a:rPr lang="fr-FR" i="0" dirty="0" smtClean="0">
+                <a:solidFill>
+                  <a:srgbClr val="404040"/>
+                </a:solidFill>
+              </a:rPr>
+              <a:t> </a:t>
+            </a:r>
+            <a:r>
+              <a:rPr lang="fr-FR" i="0" dirty="0" err="1" smtClean="0">
+                <a:solidFill>
+                  <a:srgbClr val="404040"/>
+                </a:solidFill>
+              </a:rPr>
+              <a:t>sampling</a:t>
+            </a:r>
+            <a:endParaRPr lang="fr-FR" i="0" dirty="0" smtClean="0">
+              <a:solidFill>
+                <a:srgbClr val="404040"/>
+              </a:solidFill>
+            </a:endParaRPr>
+          </a:p>
+          <a:p>
+            <a:pPr marL="265113" lvl="1" indent="-265113">
+              <a:lnSpc>
+                <a:spcPct val="100000"/>
+              </a:lnSpc>
+            </a:pPr>
+            <a:r>
+              <a:rPr lang="fr-FR" i="0" dirty="0" err="1" smtClean="0">
+                <a:solidFill>
+                  <a:srgbClr val="404040"/>
+                </a:solidFill>
+              </a:rPr>
+              <a:t>With</a:t>
+            </a:r>
+            <a:r>
+              <a:rPr lang="fr-FR" i="0" dirty="0" smtClean="0">
+                <a:solidFill>
+                  <a:srgbClr val="404040"/>
+                </a:solidFill>
+              </a:rPr>
+              <a:t> the sampler profiler, </a:t>
+            </a:r>
+            <a:r>
+              <a:rPr lang="fr-FR" i="0" dirty="0" err="1" smtClean="0">
+                <a:solidFill>
+                  <a:srgbClr val="404040"/>
+                </a:solidFill>
+              </a:rPr>
+              <a:t>you</a:t>
+            </a:r>
+            <a:r>
+              <a:rPr lang="fr-FR" i="0" dirty="0" smtClean="0">
+                <a:solidFill>
+                  <a:srgbClr val="404040"/>
+                </a:solidFill>
+              </a:rPr>
+              <a:t> </a:t>
+            </a:r>
+            <a:r>
+              <a:rPr lang="fr-FR" i="0" dirty="0" err="1" smtClean="0">
+                <a:solidFill>
+                  <a:srgbClr val="404040"/>
+                </a:solidFill>
+              </a:rPr>
+              <a:t>can</a:t>
+            </a:r>
+            <a:r>
+              <a:rPr lang="fr-FR" i="0" dirty="0" smtClean="0">
+                <a:solidFill>
+                  <a:srgbClr val="404040"/>
+                </a:solidFill>
+              </a:rPr>
+              <a:t> </a:t>
+            </a:r>
+            <a:r>
+              <a:rPr lang="fr-FR" i="0" dirty="0" err="1" smtClean="0">
+                <a:solidFill>
+                  <a:srgbClr val="404040"/>
+                </a:solidFill>
+              </a:rPr>
+              <a:t>easily</a:t>
+            </a:r>
+            <a:r>
+              <a:rPr lang="fr-FR" i="0" dirty="0" smtClean="0">
+                <a:solidFill>
+                  <a:srgbClr val="404040"/>
+                </a:solidFill>
+              </a:rPr>
+              <a:t> </a:t>
+            </a:r>
+            <a:r>
+              <a:rPr lang="fr-FR" i="0" dirty="0" err="1" smtClean="0">
+                <a:solidFill>
+                  <a:srgbClr val="404040"/>
+                </a:solidFill>
+              </a:rPr>
+              <a:t>identifiy</a:t>
+            </a:r>
+            <a:r>
+              <a:rPr lang="fr-FR" i="0" dirty="0" smtClean="0">
+                <a:solidFill>
+                  <a:srgbClr val="404040"/>
+                </a:solidFill>
+              </a:rPr>
+              <a:t> the top </a:t>
+            </a:r>
+            <a:r>
+              <a:rPr lang="fr-FR" i="0" dirty="0" err="1" smtClean="0">
+                <a:solidFill>
+                  <a:srgbClr val="404040"/>
+                </a:solidFill>
+              </a:rPr>
+              <a:t>cpu</a:t>
+            </a:r>
+            <a:r>
+              <a:rPr lang="fr-FR" i="0" dirty="0" smtClean="0">
+                <a:solidFill>
+                  <a:srgbClr val="404040"/>
+                </a:solidFill>
+              </a:rPr>
+              <a:t> &amp; </a:t>
+            </a:r>
+            <a:r>
+              <a:rPr lang="fr-FR" i="0" dirty="0" err="1" smtClean="0">
+                <a:solidFill>
+                  <a:srgbClr val="404040"/>
+                </a:solidFill>
+              </a:rPr>
+              <a:t>memory</a:t>
+            </a:r>
+            <a:r>
+              <a:rPr lang="fr-FR" i="0" dirty="0" smtClean="0">
+                <a:solidFill>
+                  <a:srgbClr val="404040"/>
+                </a:solidFill>
+              </a:rPr>
+              <a:t> consumer. </a:t>
+            </a:r>
+          </a:p>
+          <a:p>
+            <a:pPr marL="265113" lvl="1" indent="-265113">
+              <a:lnSpc>
+                <a:spcPct val="100000"/>
+              </a:lnSpc>
+            </a:pPr>
+            <a:r>
+              <a:rPr lang="fr-FR" i="0" dirty="0" err="1" smtClean="0">
+                <a:solidFill>
+                  <a:srgbClr val="404040"/>
+                </a:solidFill>
+              </a:rPr>
+              <a:t>With</a:t>
+            </a:r>
+            <a:r>
+              <a:rPr lang="fr-FR" i="0" dirty="0" smtClean="0">
+                <a:solidFill>
+                  <a:srgbClr val="404040"/>
+                </a:solidFill>
+              </a:rPr>
+              <a:t> the </a:t>
+            </a:r>
+            <a:r>
+              <a:rPr lang="fr-FR" i="0" dirty="0" err="1" smtClean="0">
+                <a:solidFill>
+                  <a:srgbClr val="404040"/>
+                </a:solidFill>
+              </a:rPr>
+              <a:t>MBeans</a:t>
+            </a:r>
+            <a:r>
+              <a:rPr lang="fr-FR" i="0" dirty="0" smtClean="0">
+                <a:solidFill>
+                  <a:srgbClr val="404040"/>
+                </a:solidFill>
+              </a:rPr>
+              <a:t> tab, explore the </a:t>
+            </a:r>
+            <a:r>
+              <a:rPr lang="fr-FR" i="0" dirty="0" err="1" smtClean="0">
+                <a:solidFill>
+                  <a:srgbClr val="404040"/>
+                </a:solidFill>
+              </a:rPr>
+              <a:t>MBeans</a:t>
+            </a:r>
+            <a:r>
+              <a:rPr lang="fr-FR" i="0" dirty="0" smtClean="0">
+                <a:solidFill>
+                  <a:srgbClr val="404040"/>
+                </a:solidFill>
+              </a:rPr>
+              <a:t> </a:t>
+            </a:r>
+            <a:r>
+              <a:rPr lang="fr-FR" i="0" dirty="0" err="1" smtClean="0">
+                <a:solidFill>
+                  <a:srgbClr val="404040"/>
+                </a:solidFill>
+              </a:rPr>
+              <a:t>exposed</a:t>
+            </a:r>
+            <a:r>
+              <a:rPr lang="fr-FR" i="0" dirty="0" smtClean="0">
+                <a:solidFill>
+                  <a:srgbClr val="404040"/>
+                </a:solidFill>
+              </a:rPr>
+              <a:t> by </a:t>
+            </a:r>
+            <a:r>
+              <a:rPr lang="fr-FR" i="0" dirty="0" err="1" smtClean="0">
+                <a:solidFill>
+                  <a:srgbClr val="404040"/>
+                </a:solidFill>
+              </a:rPr>
+              <a:t>eXo</a:t>
+            </a:r>
+            <a:r>
+              <a:rPr lang="fr-FR" i="0" dirty="0" smtClean="0">
+                <a:solidFill>
+                  <a:srgbClr val="404040"/>
+                </a:solidFill>
+              </a:rPr>
+              <a:t> :</a:t>
+            </a:r>
+          </a:p>
+          <a:p>
+            <a:pPr lvl="1">
+              <a:lnSpc>
+                <a:spcPct val="100000"/>
+              </a:lnSpc>
+              <a:buFontTx/>
+              <a:buChar char="-"/>
+            </a:pPr>
+            <a:r>
+              <a:rPr lang="fr-FR" i="0" dirty="0" err="1" smtClean="0">
+                <a:solidFill>
+                  <a:srgbClr val="404040"/>
+                </a:solidFill>
+              </a:rPr>
+              <a:t>Retrieve</a:t>
+            </a:r>
+            <a:r>
+              <a:rPr lang="fr-FR" i="0" dirty="0" smtClean="0">
+                <a:solidFill>
+                  <a:srgbClr val="404040"/>
+                </a:solidFill>
+              </a:rPr>
+              <a:t> the portal configuration (</a:t>
+            </a:r>
+            <a:r>
+              <a:rPr lang="fr-FR" sz="1800" b="0" i="0" dirty="0" smtClean="0">
+                <a:solidFill>
+                  <a:srgbClr val="404040"/>
+                </a:solidFill>
+              </a:rPr>
+              <a:t>in exo-&gt;portal-&gt;portal-&gt;</a:t>
+            </a:r>
+            <a:r>
+              <a:rPr lang="fr-FR" sz="1800" b="0" i="0" dirty="0" err="1" smtClean="0">
+                <a:solidFill>
+                  <a:srgbClr val="404040"/>
+                </a:solidFill>
+              </a:rPr>
+              <a:t>portal.getConfigrationXML</a:t>
+            </a:r>
+            <a:r>
+              <a:rPr lang="fr-FR" sz="1800" b="0" i="0" dirty="0" smtClean="0">
+                <a:solidFill>
+                  <a:srgbClr val="404040"/>
+                </a:solidFill>
+              </a:rPr>
+              <a:t>()</a:t>
+            </a:r>
+            <a:r>
+              <a:rPr lang="fr-FR" i="0" dirty="0" smtClean="0">
+                <a:solidFill>
+                  <a:srgbClr val="404040"/>
+                </a:solidFill>
+              </a:rPr>
+              <a:t>)</a:t>
+            </a:r>
+          </a:p>
+          <a:p>
+            <a:pPr lvl="1">
+              <a:lnSpc>
+                <a:spcPct val="100000"/>
+              </a:lnSpc>
+              <a:buFontTx/>
+              <a:buChar char="-"/>
+            </a:pPr>
+            <a:r>
+              <a:rPr lang="fr-FR" i="0" dirty="0" smtClean="0">
+                <a:solidFill>
+                  <a:srgbClr val="404040"/>
+                </a:solidFill>
+              </a:rPr>
+              <a:t>In the forum </a:t>
+            </a:r>
+            <a:r>
+              <a:rPr lang="fr-FR" i="0" dirty="0" err="1" smtClean="0">
+                <a:solidFill>
+                  <a:srgbClr val="404040"/>
+                </a:solidFill>
+              </a:rPr>
+              <a:t>MBeans</a:t>
+            </a:r>
+            <a:r>
+              <a:rPr lang="fr-FR" i="0" dirty="0" smtClean="0">
+                <a:solidFill>
+                  <a:srgbClr val="404040"/>
+                </a:solidFill>
+              </a:rPr>
+              <a:t>, check if </a:t>
+            </a:r>
+            <a:r>
+              <a:rPr lang="fr-FR" i="0" dirty="0" err="1" smtClean="0">
+                <a:solidFill>
+                  <a:srgbClr val="404040"/>
+                </a:solidFill>
+              </a:rPr>
+              <a:t>john</a:t>
+            </a:r>
+            <a:r>
+              <a:rPr lang="fr-FR" i="0" dirty="0" smtClean="0">
+                <a:solidFill>
+                  <a:srgbClr val="404040"/>
+                </a:solidFill>
+              </a:rPr>
+              <a:t> &amp; </a:t>
+            </a:r>
+            <a:r>
+              <a:rPr lang="fr-FR" i="0" dirty="0" err="1" smtClean="0">
+                <a:solidFill>
+                  <a:srgbClr val="404040"/>
+                </a:solidFill>
+              </a:rPr>
+              <a:t>root</a:t>
+            </a:r>
+            <a:r>
+              <a:rPr lang="fr-FR" i="0" dirty="0" smtClean="0">
+                <a:solidFill>
+                  <a:srgbClr val="404040"/>
+                </a:solidFill>
+              </a:rPr>
+              <a:t> has </a:t>
+            </a:r>
+            <a:r>
+              <a:rPr lang="fr-FR" i="0" dirty="0" err="1" smtClean="0">
+                <a:solidFill>
+                  <a:srgbClr val="404040"/>
+                </a:solidFill>
+              </a:rPr>
+              <a:t>admin</a:t>
+            </a:r>
+            <a:r>
+              <a:rPr lang="fr-FR" i="0" dirty="0" smtClean="0">
+                <a:solidFill>
+                  <a:srgbClr val="404040"/>
+                </a:solidFill>
+              </a:rPr>
+              <a:t> </a:t>
+            </a:r>
+            <a:r>
+              <a:rPr lang="fr-FR" i="0" dirty="0" err="1" smtClean="0">
+                <a:solidFill>
+                  <a:srgbClr val="404040"/>
+                </a:solidFill>
+              </a:rPr>
+              <a:t>role</a:t>
+            </a:r>
+            <a:r>
+              <a:rPr lang="fr-FR" i="0" dirty="0">
+                <a:solidFill>
+                  <a:srgbClr val="404040"/>
+                </a:solidFill>
+              </a:rPr>
+              <a:t>:</a:t>
+            </a:r>
+            <a:endParaRPr lang="fr-FR" i="0" dirty="0" smtClean="0">
+              <a:solidFill>
+                <a:srgbClr val="404040"/>
+              </a:solidFill>
+            </a:endParaRPr>
+          </a:p>
+          <a:p>
+            <a:pPr marL="0" lvl="1" indent="0">
+              <a:lnSpc>
+                <a:spcPct val="100000"/>
+              </a:lnSpc>
+              <a:buNone/>
+            </a:pPr>
+            <a:r>
+              <a:rPr lang="fr-FR" sz="2400" b="0" i="0" dirty="0" smtClean="0">
+                <a:solidFill>
+                  <a:srgbClr val="404040"/>
+                </a:solidFill>
+              </a:rPr>
+              <a:t>		</a:t>
+            </a:r>
+            <a:r>
+              <a:rPr lang="fr-FR" sz="1800" b="0" i="0" dirty="0" smtClean="0">
+                <a:solidFill>
+                  <a:srgbClr val="404040"/>
+                </a:solidFill>
+              </a:rPr>
+              <a:t>(</a:t>
+            </a:r>
+            <a:r>
+              <a:rPr lang="fr-FR" sz="1800" b="0" i="0" dirty="0">
+                <a:solidFill>
+                  <a:srgbClr val="404040"/>
+                </a:solidFill>
+              </a:rPr>
+              <a:t>in exo-&gt;portal-&gt;forum-&gt;</a:t>
+            </a:r>
+            <a:r>
+              <a:rPr lang="fr-FR" sz="1800" b="0" i="0" dirty="0" err="1">
+                <a:solidFill>
+                  <a:srgbClr val="404040"/>
+                </a:solidFill>
+              </a:rPr>
+              <a:t>hasAdminForumRole</a:t>
+            </a:r>
+            <a:r>
+              <a:rPr lang="fr-FR" sz="1800" b="0" i="0" dirty="0">
+                <a:solidFill>
+                  <a:srgbClr val="404040"/>
+                </a:solidFill>
+              </a:rPr>
+              <a:t>(«</a:t>
+            </a:r>
+            <a:r>
+              <a:rPr lang="fr-FR" sz="1800" b="0" i="0">
+                <a:solidFill>
+                  <a:srgbClr val="404040"/>
+                </a:solidFill>
+              </a:rPr>
+              <a:t> </a:t>
+            </a:r>
+            <a:r>
+              <a:rPr lang="fr-FR" sz="1800" b="0" i="0" smtClean="0">
+                <a:solidFill>
+                  <a:srgbClr val="404040"/>
+                </a:solidFill>
+              </a:rPr>
+              <a:t>john</a:t>
+            </a:r>
+            <a:r>
+              <a:rPr lang="fr-FR" sz="1800" b="0" i="0" dirty="0" smtClean="0">
+                <a:solidFill>
+                  <a:srgbClr val="404040"/>
+                </a:solidFill>
+              </a:rPr>
+              <a:t> </a:t>
+            </a:r>
+            <a:r>
+              <a:rPr lang="fr-FR" sz="1800" b="0" i="0" dirty="0">
+                <a:solidFill>
+                  <a:srgbClr val="404040"/>
+                </a:solidFill>
+              </a:rPr>
+              <a:t>»</a:t>
+            </a:r>
+            <a:r>
+              <a:rPr lang="fr-FR" sz="1800" b="0" i="0" dirty="0" smtClean="0">
+                <a:solidFill>
+                  <a:srgbClr val="404040"/>
+                </a:solidFill>
+              </a:rPr>
+              <a:t>)</a:t>
+            </a:r>
+            <a:endParaRPr lang="fr-FR" sz="1800" i="0" dirty="0" smtClean="0">
+              <a:solidFill>
+                <a:srgbClr val="404040"/>
+              </a:solidFill>
+            </a:endParaRPr>
+          </a:p>
+          <a:p>
+            <a:pPr lvl="1">
+              <a:lnSpc>
+                <a:spcPct val="100000"/>
+              </a:lnSpc>
+              <a:buFontTx/>
+              <a:buChar char="-"/>
+            </a:pPr>
+            <a:r>
+              <a:rPr lang="fr-FR" i="0" dirty="0" err="1" smtClean="0">
+                <a:solidFill>
+                  <a:srgbClr val="404040"/>
+                </a:solidFill>
+              </a:rPr>
+              <a:t>Clear</a:t>
+            </a:r>
+            <a:r>
+              <a:rPr lang="fr-FR" i="0" dirty="0" smtClean="0">
+                <a:solidFill>
+                  <a:srgbClr val="404040"/>
+                </a:solidFill>
+              </a:rPr>
+              <a:t> the </a:t>
+            </a:r>
+            <a:r>
+              <a:rPr lang="fr-FR" i="0" dirty="0" err="1" smtClean="0">
+                <a:solidFill>
+                  <a:srgbClr val="404040"/>
+                </a:solidFill>
+              </a:rPr>
+              <a:t>eXo</a:t>
+            </a:r>
+            <a:r>
+              <a:rPr lang="fr-FR" i="0" dirty="0" smtClean="0">
+                <a:solidFill>
+                  <a:srgbClr val="404040"/>
+                </a:solidFill>
+              </a:rPr>
+              <a:t> </a:t>
+            </a:r>
+            <a:r>
+              <a:rPr lang="fr-FR" i="0" dirty="0" err="1" smtClean="0">
+                <a:solidFill>
+                  <a:srgbClr val="404040"/>
+                </a:solidFill>
+              </a:rPr>
+              <a:t>template</a:t>
+            </a:r>
+            <a:r>
+              <a:rPr lang="fr-FR" i="0" dirty="0" smtClean="0">
+                <a:solidFill>
+                  <a:srgbClr val="404040"/>
+                </a:solidFill>
+              </a:rPr>
+              <a:t> cache (</a:t>
+            </a:r>
+            <a:r>
+              <a:rPr lang="fr-FR" sz="1800" b="0" i="0" dirty="0">
+                <a:solidFill>
+                  <a:srgbClr val="404040"/>
+                </a:solidFill>
+              </a:rPr>
+              <a:t>in exo-&gt;portal-</a:t>
+            </a:r>
+            <a:r>
+              <a:rPr lang="fr-FR" sz="1800" b="0" i="0" dirty="0" smtClean="0">
+                <a:solidFill>
+                  <a:srgbClr val="404040"/>
+                </a:solidFill>
+              </a:rPr>
+              <a:t>&gt;cache-&gt;</a:t>
+            </a:r>
+            <a:r>
+              <a:rPr lang="fr-FR" sz="1800" b="0" i="0" dirty="0" err="1" smtClean="0">
+                <a:solidFill>
+                  <a:srgbClr val="404040"/>
+                </a:solidFill>
+              </a:rPr>
+              <a:t>TemplateService.clearCache</a:t>
+            </a:r>
+            <a:r>
+              <a:rPr lang="fr-FR" sz="1800" b="0" i="0" dirty="0" smtClean="0">
+                <a:solidFill>
+                  <a:srgbClr val="404040"/>
+                </a:solidFill>
+              </a:rPr>
+              <a:t>()</a:t>
+            </a:r>
+            <a:r>
+              <a:rPr lang="fr-FR" sz="2400" b="0" i="0" dirty="0" smtClean="0">
+                <a:solidFill>
+                  <a:srgbClr val="404040"/>
+                </a:solidFill>
+              </a:rPr>
+              <a:t>)</a:t>
+            </a:r>
+            <a:endParaRPr lang="fr-FR" i="0" dirty="0" smtClean="0">
+              <a:solidFill>
+                <a:srgbClr val="404040"/>
+              </a:solidFill>
+            </a:endParaRPr>
+          </a:p>
+          <a:p>
+            <a:pPr lvl="1">
+              <a:lnSpc>
+                <a:spcPct val="100000"/>
+              </a:lnSpc>
+              <a:buFontTx/>
+              <a:buChar char="-"/>
+            </a:pPr>
+            <a:endParaRPr lang="fr-FR" i="0" dirty="0" smtClean="0">
+              <a:solidFill>
+                <a:srgbClr val="404040"/>
+              </a:solidFill>
+            </a:endParaRPr>
+          </a:p>
+          <a:p>
+            <a:pPr marL="0" lvl="1" indent="0">
+              <a:lnSpc>
+                <a:spcPct val="100000"/>
+              </a:lnSpc>
+              <a:buNone/>
+            </a:pPr>
+            <a:endParaRPr lang="fr-FR" i="0" dirty="0">
+              <a:solidFill>
+                <a:srgbClr val="404040"/>
+              </a:solidFill>
+            </a:endParaRPr>
+          </a:p>
+          <a:p>
+            <a:pPr marL="265113" lvl="1" indent="-265113">
+              <a:lnSpc>
+                <a:spcPct val="100000"/>
+              </a:lnSpc>
+            </a:pPr>
+            <a:endParaRPr lang="fr-FR" i="0" dirty="0" smtClean="0">
+              <a:solidFill>
+                <a:srgbClr val="404040"/>
+              </a:solidFill>
+            </a:endParaRPr>
+          </a:p>
+          <a:p>
+            <a:pPr marL="265113" lvl="1" indent="-265113">
+              <a:lnSpc>
+                <a:spcPct val="100000"/>
+              </a:lnSpc>
+            </a:pPr>
+            <a:endParaRPr lang="fr-FR" i="0" dirty="0" smtClean="0">
+              <a:solidFill>
+                <a:srgbClr val="404040"/>
+              </a:solidFill>
+            </a:endParaRPr>
+          </a:p>
+          <a:p>
+            <a:pPr marL="265113" lvl="1" indent="-265113">
+              <a:lnSpc>
+                <a:spcPct val="100000"/>
+              </a:lnSpc>
+            </a:pPr>
+            <a:endParaRPr lang="fr-CA" i="0" dirty="0" smtClean="0">
+              <a:solidFill>
+                <a:srgbClr val="404040"/>
+              </a:solidFill>
+            </a:endParaRPr>
+          </a:p>
+          <a:p>
+            <a:pPr marL="265113" lvl="1" indent="-265113">
+              <a:lnSpc>
+                <a:spcPct val="100000"/>
+              </a:lnSpc>
+            </a:pPr>
+            <a:endParaRPr lang="fr-CA" i="0" dirty="0" smtClean="0"/>
+          </a:p>
+          <a:p>
+            <a:pPr marL="265113" lvl="1" indent="-265113">
+              <a:lnSpc>
+                <a:spcPct val="100000"/>
+              </a:lnSpc>
+            </a:pPr>
+            <a:endParaRPr lang="fr-CA" i="0" dirty="0" smtClean="0"/>
+          </a:p>
+        </p:txBody>
+      </p:sp>
+    </p:spTree>
+    <p:extLst>
+      <p:ext uri="{BB962C8B-B14F-4D97-AF65-F5344CB8AC3E}">
+        <p14:creationId xmlns:p14="http://schemas.microsoft.com/office/powerpoint/2010/main" val="2460136822"/>
+      </p:ext>
+    </p:extLst>
+  </p:cSld>
+  <p:clrMapOvr>
+    <a:masterClrMapping/>
+  </p:clrMapOvr>
+  <p:transition xmlns:p14="http://schemas.microsoft.com/office/powerpoint/2010/main"/>
+  <p:timing>
+    <p:tnLst>
+      <p:par>
+        <p:cTn xmlns:p14="http://schemas.microsoft.com/office/powerpoint/2010/main" id="1" dur="indefinite" restart="never" nodeType="tmRoot"/>
+      </p:par>
+    </p:tnLst>
+  </p:timing>
+</p:sld>
+</file>
+
+<file path=ppt/slides/slide23.xml><?xml version="1.0" encoding="utf-8"?>
+<p:sld xmlns:a="http://schemas.openxmlformats.org/drawingml/2006/main" xmlns:r="http://schemas.openxmlformats.org/officeDocument/2006/relationships" xmlns:p="http://schemas.openxmlformats.org/presentationml/2006/main">
+  <p:cSld>
+    <p:spTree>
+      <p:nvGrpSpPr>
+        <p:cNvPr id="1" name=""/>
+        <p:cNvGrpSpPr/>
+        <p:nvPr/>
+      </p:nvGrpSpPr>
+      <p:grpSpPr>
+        <a:xfrm>
+          <a:off x="0" y="0"/>
+          <a:ext cx="0" cy="0"/>
+          <a:chOff x="0" y="0"/>
+          <a:chExt cx="0" cy="0"/>
+        </a:xfrm>
+      </p:grpSpPr>
+      <p:sp>
+        <p:nvSpPr>
+          <p:cNvPr id="15362" name="Rectangle 1"/>
+          <p:cNvSpPr>
+            <a:spLocks noGrp="1" noChangeArrowheads="1"/>
+          </p:cNvSpPr>
+          <p:nvPr>
+            <p:ph type="title"/>
+          </p:nvPr>
+        </p:nvSpPr>
+        <p:spPr>
+          <a:xfrm>
+            <a:off x="490435" y="255926"/>
+            <a:ext cx="10562235" cy="454024"/>
+          </a:xfrm>
+        </p:spPr>
+        <p:txBody>
+          <a:bodyPr rIns="41783" anchor="b"/>
+          <a:lstStyle/>
+          <a:p>
+            <a:pPr marL="584962" lvl="1" indent="-219361">
+              <a:lnSpc>
+                <a:spcPct val="100000"/>
+              </a:lnSpc>
+            </a:pPr>
+            <a:r>
+              <a:rPr lang="fr-FR" sz="3600" dirty="0" err="1"/>
+              <a:t>Exercises</a:t>
+            </a:r>
+            <a:r>
+              <a:rPr lang="fr-FR" sz="3600" dirty="0"/>
+              <a:t> : </a:t>
+            </a:r>
+            <a:r>
               <a:rPr lang="fr-FR" sz="3200" dirty="0" smtClean="0"/>
-              <a:t>2</a:t>
-            </a:r>
-            <a:r>
-              <a:rPr lang="fr-FR" sz="3200" dirty="0" smtClean="0"/>
-              <a:t> </a:t>
+              <a:t>2 </a:t>
             </a:r>
             <a:r>
               <a:rPr lang="fr-FR" sz="3200" dirty="0" err="1" smtClean="0"/>
@@ -25354,11 +25922,6 @@
               </a:rPr>
               <a:t>?</a:t>
             </a:r>
-            <a:endParaRPr lang="fr-FR" i="0" dirty="0" smtClean="0">
-              <a:solidFill>
-                <a:srgbClr val="404040"/>
-              </a:solidFill>
-            </a:endParaRPr>
           </a:p>
           <a:p>
             <a:pPr marL="265113" lvl="1" indent="-265113">
@@ -25542,11 +26105,6 @@
               </a:rPr>
               <a:t> </a:t>
             </a:r>
-            <a:endParaRPr lang="fr-FR" i="0" dirty="0" smtClean="0">
-              <a:solidFill>
-                <a:srgbClr val="404040"/>
-              </a:solidFill>
-            </a:endParaRPr>
           </a:p>
           <a:p>
             <a:pPr marL="265113" lvl="1" indent="-265113">
@@ -25863,7 +26421,7 @@
 </p:sld>
 </file>
 
-<file path=ppt/slides/slide23.xml><?xml version="1.0" encoding="utf-8"?>
+<file path=ppt/slides/slide24.xml><?xml version="1.0" encoding="utf-8"?>
 <p:sld xmlns:a="http://schemas.openxmlformats.org/drawingml/2006/main" xmlns:r="http://schemas.openxmlformats.org/officeDocument/2006/relationships" xmlns:p="http://schemas.openxmlformats.org/presentationml/2006/main">
   <p:cSld>
     <p:spTree>
@@ -27869,11 +28427,7 @@
             </a:r>
             <a:r>
               <a:rPr lang="fr-CA" sz="1800" b="0" i="0" dirty="0" smtClean="0"/>
-              <a:t>false"</a:t>
-            </a:r>
-            <a:r>
-              <a:rPr lang="fr-CA" sz="1800" b="0" i="0" dirty="0" smtClean="0"/>
-              <a:t>  </a:t>
+              <a:t>false"  </a:t>
             </a:r>
           </a:p>
           <a:p>
@@ -28013,6 +28567,14 @@
               <a:rPr lang="fr-CA" i="0" dirty="0" smtClean="0"/>
               <a:t>)</a:t>
             </a:r>
+          </a:p>
+          <a:p>
+            <a:pPr marL="265113" lvl="1" indent="-265113">
+              <a:lnSpc>
+                <a:spcPct val="100000"/>
+              </a:lnSpc>
+            </a:pPr>
+            <a:endParaRPr lang="fr-CA" i="0" dirty="0" smtClean="0"/>
           </a:p>
           <a:p>
             <a:pPr marL="265113" lvl="1" indent="-265113">
@@ -28311,15 +28873,7 @@
                   <a:srgbClr val="404040"/>
                 </a:solidFill>
               </a:rPr>
-              <a:t> </a:t>
-            </a:r>
-            <a:r>
-              <a:rPr lang="fr-CA" i="0" dirty="0" smtClean="0">
-                <a:solidFill>
-                  <a:srgbClr val="404040"/>
-                </a:solidFill>
-              </a:rPr>
-              <a:t>: </a:t>
+              <a:t> : </a:t>
             </a:r>
             <a:r>
               <a:rPr lang="fr-CA" i="0" dirty="0" err="1">
@@ -28737,12 +29291,12 @@
               <a:t>JMX </a:t>
             </a:r>
             <a:r>
-              <a:rPr lang="fr-FR" dirty="0" err="1" smtClean="0"/>
-              <a:t>Remote</a:t>
-            </a:r>
-            <a:r>
               <a:rPr lang="fr-FR" dirty="0" smtClean="0"/>
-              <a:t> Configuration</a:t>
+              <a:t>Configuration </a:t>
+            </a:r>
+            <a:r>
+              <a:rPr lang="fr-FR" dirty="0" smtClean="0"/>
+              <a:t>for JBoss</a:t>
             </a:r>
             <a:endParaRPr lang="fr-FR" dirty="0"/>
           </a:p>
@@ -28760,7 +29314,7 @@
         </p:nvSpPr>
         <p:spPr>
           <a:xfrm>
-            <a:off x="395486" y="995093"/>
+            <a:off x="395486" y="1350945"/>
             <a:ext cx="10219725" cy="5089000"/>
           </a:xfrm>
         </p:spPr>
@@ -28768,29 +29322,44 @@
           <a:bodyPr rIns="41783" anchor="t"/>
           <a:lstStyle/>
           <a:p>
+            <a:pPr marL="0" lvl="1" indent="0">
+              <a:lnSpc>
+                <a:spcPct val="100000"/>
+              </a:lnSpc>
+              <a:buNone/>
+            </a:pPr>
+            <a:endParaRPr lang="fr-CA" i="0" dirty="0" smtClean="0">
+              <a:solidFill>
+                <a:srgbClr val="404040"/>
+              </a:solidFill>
+            </a:endParaRPr>
+          </a:p>
+          <a:p>
             <a:pPr marL="265113" lvl="1" indent="-265113">
               <a:lnSpc>
                 <a:spcPct val="100000"/>
               </a:lnSpc>
             </a:pPr>
             <a:r>
+              <a:rPr lang="fr-CA" i="0" dirty="0" smtClean="0">
+                <a:solidFill>
+                  <a:srgbClr val="404040"/>
+                </a:solidFill>
+              </a:rPr>
+              <a:t>JBoss configuration </a:t>
+            </a:r>
+            <a:r>
               <a:rPr lang="fr-CA" i="0" dirty="0" err="1" smtClean="0">
                 <a:solidFill>
-                  <a:schemeClr val="tx1">
-                    <a:lumMod val="75000"/>
-                    <a:lumOff val="25000"/>
-                  </a:schemeClr>
-                </a:solidFill>
-              </a:rPr>
-              <a:t>When</a:t>
+                  <a:srgbClr val="404040"/>
+                </a:solidFill>
+              </a:rPr>
+              <a:t>can</a:t>
             </a:r>
             <a:r>
               <a:rPr lang="fr-CA" i="0" dirty="0" smtClean="0">
                 <a:solidFill>
-                  <a:schemeClr val="tx1">
-                    <a:lumMod val="75000"/>
-                    <a:lumOff val="25000"/>
-                  </a:schemeClr>
+                  <a:srgbClr val="404040"/>
                 </a:solidFill>
               </a:rPr>
               <a:t> </a:t>
@@ -28798,156 +29367,50 @@
             <a:r>
               <a:rPr lang="fr-CA" i="0" dirty="0" err="1" smtClean="0">
                 <a:solidFill>
-                  <a:schemeClr val="tx1">
-                    <a:lumMod val="75000"/>
-                    <a:lumOff val="25000"/>
-                  </a:schemeClr>
-                </a:solidFill>
-              </a:rPr>
-              <a:t>you</a:t>
+                  <a:srgbClr val="404040"/>
+                </a:solidFill>
+              </a:rPr>
+              <a:t>be</a:t>
             </a:r>
             <a:r>
               <a:rPr lang="fr-CA" i="0" dirty="0" smtClean="0">
                 <a:solidFill>
-                  <a:schemeClr val="tx1">
-                    <a:lumMod val="75000"/>
-                    <a:lumOff val="25000"/>
-                  </a:schemeClr>
-                </a:solidFill>
-              </a:rPr>
-              <a:t> </a:t>
+                  <a:srgbClr val="404040"/>
+                </a:solidFill>
+              </a:rPr>
+              <a:t> more </a:t>
             </a:r>
             <a:r>
               <a:rPr lang="fr-CA" i="0" dirty="0" err="1" smtClean="0">
                 <a:solidFill>
-                  <a:schemeClr val="tx1">
-                    <a:lumMod val="75000"/>
-                    <a:lumOff val="25000"/>
-                  </a:schemeClr>
-                </a:solidFill>
-              </a:rPr>
-              <a:t>enable</a:t>
+                  <a:srgbClr val="404040"/>
+                </a:solidFill>
+              </a:rPr>
+              <a:t>tricky</a:t>
             </a:r>
             <a:r>
               <a:rPr lang="fr-CA" i="0" dirty="0" smtClean="0">
                 <a:solidFill>
-                  <a:schemeClr val="tx1">
-                    <a:lumMod val="75000"/>
-                    <a:lumOff val="25000"/>
-                  </a:schemeClr>
-                </a:solidFill>
-              </a:rPr>
-              <a:t> authentification, </a:t>
+                  <a:srgbClr val="404040"/>
+                </a:solidFill>
+              </a:rPr>
+              <a:t> in </a:t>
             </a:r>
             <a:r>
               <a:rPr lang="fr-CA" i="0" dirty="0" err="1" smtClean="0">
                 <a:solidFill>
-                  <a:schemeClr val="tx1">
-                    <a:lumMod val="75000"/>
-                    <a:lumOff val="25000"/>
-                  </a:schemeClr>
-                </a:solidFill>
-              </a:rPr>
-              <a:t>you</a:t>
+                  <a:srgbClr val="404040"/>
+                </a:solidFill>
+              </a:rPr>
+              <a:t>some</a:t>
             </a:r>
             <a:r>
               <a:rPr lang="fr-CA" i="0" dirty="0" smtClean="0">
                 <a:solidFill>
-                  <a:schemeClr val="tx1">
-                    <a:lumMod val="75000"/>
-                    <a:lumOff val="25000"/>
-                  </a:schemeClr>
-                </a:solidFill>
-              </a:rPr>
-              <a:t> have to </a:t>
-            </a:r>
-            <a:r>
-              <a:rPr lang="fr-CA" i="0" dirty="0" err="1" smtClean="0">
-                <a:solidFill>
-                  <a:schemeClr val="tx1">
-                    <a:lumMod val="75000"/>
-                    <a:lumOff val="25000"/>
-                  </a:schemeClr>
-                </a:solidFill>
-              </a:rPr>
-              <a:t>create</a:t>
-            </a:r>
-            <a:r>
-              <a:rPr lang="fr-CA" i="0" dirty="0" smtClean="0">
-                <a:solidFill>
-                  <a:schemeClr val="tx1">
-                    <a:lumMod val="75000"/>
-                    <a:lumOff val="25000"/>
-                  </a:schemeClr>
-                </a:solidFill>
-              </a:rPr>
-              <a:t> </a:t>
-            </a:r>
-            <a:r>
-              <a:rPr lang="fr-CA" i="0" dirty="0" err="1" smtClean="0">
-                <a:solidFill>
-                  <a:schemeClr val="tx1">
-                    <a:lumMod val="75000"/>
-                    <a:lumOff val="25000"/>
-                  </a:schemeClr>
-                </a:solidFill>
-              </a:rPr>
-              <a:t>two</a:t>
-            </a:r>
-            <a:r>
-              <a:rPr lang="fr-CA" i="0" dirty="0" smtClean="0">
-                <a:solidFill>
-                  <a:schemeClr val="tx1">
-                    <a:lumMod val="75000"/>
-                    <a:lumOff val="25000"/>
-                  </a:schemeClr>
-                </a:solidFill>
-              </a:rPr>
-              <a:t> files: an </a:t>
-            </a:r>
-            <a:r>
-              <a:rPr lang="fr-CA" i="0" dirty="0" err="1" smtClean="0">
-                <a:solidFill>
-                  <a:schemeClr val="tx1">
-                    <a:lumMod val="75000"/>
-                    <a:lumOff val="25000"/>
-                  </a:schemeClr>
-                </a:solidFill>
-              </a:rPr>
-              <a:t>access</a:t>
-            </a:r>
-            <a:r>
-              <a:rPr lang="fr-CA" i="0" dirty="0" smtClean="0">
-                <a:solidFill>
-                  <a:schemeClr val="tx1">
-                    <a:lumMod val="75000"/>
-                    <a:lumOff val="25000"/>
-                  </a:schemeClr>
-                </a:solidFill>
-              </a:rPr>
-              <a:t> file and a </a:t>
-            </a:r>
-            <a:r>
-              <a:rPr lang="fr-CA" i="0" dirty="0" err="1" smtClean="0">
-                <a:solidFill>
-                  <a:schemeClr val="tx1">
-                    <a:lumMod val="75000"/>
-                    <a:lumOff val="25000"/>
-                  </a:schemeClr>
-                </a:solidFill>
-              </a:rPr>
-              <a:t>password</a:t>
-            </a:r>
-            <a:r>
-              <a:rPr lang="fr-CA" i="0" dirty="0" smtClean="0">
-                <a:solidFill>
-                  <a:schemeClr val="tx1">
-                    <a:lumMod val="75000"/>
-                    <a:lumOff val="25000"/>
-                  </a:schemeClr>
-                </a:solidFill>
-              </a:rPr>
-              <a:t> file. </a:t>
+                  <a:srgbClr val="404040"/>
+                </a:solidFill>
+              </a:rPr>
+              <a:t> cases.</a:t>
             </a:r>
           </a:p>
           <a:p>
@@ -28959,110 +29422,147 @@
             <a:r>
               <a:rPr lang="fr-CA" i="0" dirty="0" smtClean="0">
                 <a:solidFill>
-                  <a:schemeClr val="tx1">
-                    <a:lumMod val="75000"/>
-                    <a:lumOff val="25000"/>
-                  </a:schemeClr>
-                </a:solidFill>
-              </a:rPr>
-              <a:t>The </a:t>
+                  <a:srgbClr val="404040"/>
+                </a:solidFill>
+              </a:rPr>
+              <a:t>If </a:t>
             </a:r>
             <a:r>
               <a:rPr lang="fr-CA" i="0" dirty="0" err="1" smtClean="0">
                 <a:solidFill>
-                  <a:schemeClr val="tx1">
-                    <a:lumMod val="75000"/>
-                    <a:lumOff val="25000"/>
-                  </a:schemeClr>
-                </a:solidFill>
-              </a:rPr>
-              <a:t>password</a:t>
+                  <a:srgbClr val="404040"/>
+                </a:solidFill>
+              </a:rPr>
+              <a:t>it</a:t>
             </a:r>
             <a:r>
               <a:rPr lang="fr-CA" i="0" dirty="0" smtClean="0">
                 <a:solidFill>
-                  <a:schemeClr val="tx1">
-                    <a:lumMod val="75000"/>
-                    <a:lumOff val="25000"/>
-                  </a:schemeClr>
-                </a:solidFill>
-              </a:rPr>
-              <a:t> file </a:t>
+                  <a:srgbClr val="404040"/>
+                </a:solidFill>
+              </a:rPr>
+              <a:t> </a:t>
             </a:r>
             <a:r>
               <a:rPr lang="fr-CA" i="0" dirty="0" err="1" smtClean="0">
                 <a:solidFill>
-                  <a:schemeClr val="tx1">
-                    <a:lumMod val="75000"/>
-                    <a:lumOff val="25000"/>
-                  </a:schemeClr>
-                </a:solidFill>
-              </a:rPr>
-              <a:t>defines</a:t>
+                  <a:srgbClr val="404040"/>
+                </a:solidFill>
+              </a:rPr>
+              <a:t>does</a:t>
             </a:r>
             <a:r>
               <a:rPr lang="fr-CA" i="0" dirty="0" smtClean="0">
                 <a:solidFill>
-                  <a:schemeClr val="tx1">
-                    <a:lumMod val="75000"/>
-                    <a:lumOff val="25000"/>
-                  </a:schemeClr>
-                </a:solidFill>
-              </a:rPr>
-              <a:t> user </a:t>
+                  <a:srgbClr val="404040"/>
+                </a:solidFill>
+              </a:rPr>
+              <a:t> not </a:t>
             </a:r>
             <a:r>
               <a:rPr lang="fr-CA" i="0" dirty="0" err="1" smtClean="0">
                 <a:solidFill>
-                  <a:schemeClr val="tx1">
-                    <a:lumMod val="75000"/>
-                    <a:lumOff val="25000"/>
-                  </a:schemeClr>
-                </a:solidFill>
-              </a:rPr>
-              <a:t>accounts</a:t>
+                  <a:srgbClr val="404040"/>
+                </a:solidFill>
+              </a:rPr>
+              <a:t>work</a:t>
             </a:r>
             <a:r>
               <a:rPr lang="fr-CA" i="0" dirty="0" smtClean="0">
                 <a:solidFill>
-                  <a:schemeClr val="tx1">
-                    <a:lumMod val="75000"/>
-                    <a:lumOff val="25000"/>
-                  </a:schemeClr>
+                  <a:srgbClr val="404040"/>
+                </a:solidFill>
+              </a:rPr>
+              <a:t> as </a:t>
+            </a:r>
+            <a:r>
+              <a:rPr lang="fr-CA" i="0" dirty="0" err="1" smtClean="0">
+                <a:solidFill>
+                  <a:srgbClr val="404040"/>
+                </a:solidFill>
+              </a:rPr>
+              <a:t>described</a:t>
+            </a:r>
+            <a:r>
+              <a:rPr lang="fr-CA" i="0" dirty="0">
+                <a:solidFill>
+                  <a:srgbClr val="404040"/>
+                </a:solidFill>
+              </a:rPr>
+              <a:t>, </a:t>
+            </a:r>
+            <a:r>
+              <a:rPr lang="fr-CA" i="0" smtClean="0">
+                <a:solidFill>
+                  <a:srgbClr val="404040"/>
+                </a:solidFill>
+              </a:rPr>
+              <a:t>register</a:t>
+            </a:r>
+            <a:r>
+              <a:rPr lang="fr-CA" i="0" dirty="0" smtClean="0">
+                <a:solidFill>
+                  <a:srgbClr val="404040"/>
                 </a:solidFill>
               </a:rPr>
               <a:t> </a:t>
             </a:r>
             <a:r>
-              <a:rPr lang="en-US" i="0" dirty="0">
-                <a:solidFill>
-                  <a:schemeClr val="tx1">
-                    <a:lumMod val="75000"/>
-                    <a:lumOff val="25000"/>
-                  </a:schemeClr>
-                </a:solidFill>
-              </a:rPr>
-              <a:t>that can access the monitoring </a:t>
-            </a:r>
-            <a:r>
-              <a:rPr lang="en-US" i="0" dirty="0" smtClean="0">
-                <a:solidFill>
-                  <a:schemeClr val="tx1">
-                    <a:lumMod val="75000"/>
-                    <a:lumOff val="25000"/>
-                  </a:schemeClr>
-                </a:solidFill>
-              </a:rPr>
-              <a:t>information. The access file defines the permissions of these accounts.</a:t>
-            </a:r>
-            <a:endParaRPr lang="fr-CA" i="0" dirty="0" smtClean="0">
-              <a:solidFill>
-                <a:schemeClr val="tx1">
-                  <a:lumMod val="75000"/>
-                  <a:lumOff val="25000"/>
-                </a:schemeClr>
-              </a:solidFill>
-            </a:endParaRPr>
+              <a:rPr lang="fr-CA" i="0" dirty="0">
+                <a:solidFill>
+                  <a:srgbClr val="404040"/>
+                </a:solidFill>
+              </a:rPr>
+              <a:t>the JBoss </a:t>
+            </a:r>
+            <a:r>
+              <a:rPr lang="fr-CA" i="0" dirty="0" err="1">
+                <a:solidFill>
+                  <a:srgbClr val="404040"/>
+                </a:solidFill>
+              </a:rPr>
+              <a:t>MBeans</a:t>
+            </a:r>
+            <a:r>
+              <a:rPr lang="fr-CA" i="0" dirty="0">
+                <a:solidFill>
+                  <a:srgbClr val="404040"/>
+                </a:solidFill>
+              </a:rPr>
+              <a:t> in the </a:t>
+            </a:r>
+            <a:r>
+              <a:rPr lang="fr-CA" i="0" dirty="0" err="1">
+                <a:solidFill>
+                  <a:srgbClr val="404040"/>
+                </a:solidFill>
+              </a:rPr>
+              <a:t>platform</a:t>
+            </a:r>
+            <a:r>
+              <a:rPr lang="fr-CA" i="0" dirty="0">
+                <a:solidFill>
+                  <a:srgbClr val="404040"/>
+                </a:solidFill>
+              </a:rPr>
+              <a:t> </a:t>
+            </a:r>
+            <a:r>
+              <a:rPr lang="fr-CA" i="0" dirty="0" err="1">
+                <a:solidFill>
+                  <a:srgbClr val="404040"/>
+                </a:solidFill>
+              </a:rPr>
+              <a:t>MBeanServer</a:t>
+            </a:r>
+            <a:r>
+              <a:rPr lang="fr-CA" i="0" dirty="0" smtClean="0">
+                <a:solidFill>
+                  <a:srgbClr val="404040"/>
+                </a:solidFill>
+              </a:rPr>
+              <a:t>:</a:t>
+            </a:r>
           </a:p>
           <a:p>
             <a:pPr marL="265113" lvl="1" indent="-265113">
@@ -29071,597 +29571,90 @@
               </a:lnSpc>
             </a:pPr>
             <a:r>
+              <a:rPr lang="fr-CA" i="0" dirty="0">
+                <a:solidFill>
+                  <a:srgbClr val="404040"/>
+                </a:solidFill>
+              </a:rPr>
+              <a:t>-</a:t>
+            </a:r>
+            <a:r>
               <a:rPr lang="fr-CA" i="0" dirty="0" err="1" smtClean="0">
                 <a:solidFill>
-                  <a:schemeClr val="tx1">
-                    <a:lumMod val="75000"/>
-                    <a:lumOff val="25000"/>
-                  </a:schemeClr>
-                </a:solidFill>
-              </a:rPr>
-              <a:t>Add</a:t>
+                  <a:srgbClr val="404040"/>
+                </a:solidFill>
+              </a:rPr>
+              <a:t>Djavax.management.builder.initial</a:t>
             </a:r>
             <a:r>
               <a:rPr lang="fr-CA" i="0" dirty="0" smtClean="0">
                 <a:solidFill>
-                  <a:schemeClr val="tx1">
-                    <a:lumMod val="75000"/>
-                    <a:lumOff val="25000"/>
-                  </a:schemeClr>
-                </a:solidFill>
-              </a:rPr>
-              <a:t> </a:t>
-            </a:r>
+                  <a:srgbClr val="404040"/>
+                </a:solidFill>
+              </a:rPr>
+              <a:t>=</a:t>
+            </a:r>
+            <a:br>
+              <a:rPr lang="fr-CA" i="0" dirty="0" smtClean="0">
+                <a:solidFill>
+                  <a:srgbClr val="404040"/>
+                </a:solidFill>
+              </a:rPr>
+            </a:br>
             <a:r>
               <a:rPr lang="fr-CA" i="0" dirty="0" err="1" smtClean="0">
                 <a:solidFill>
-                  <a:schemeClr val="tx1">
-                    <a:lumMod val="75000"/>
-                    <a:lumOff val="25000"/>
-                  </a:schemeClr>
-                </a:solidFill>
-              </a:rPr>
-              <a:t>these</a:t>
-            </a:r>
-            <a:r>
-              <a:rPr lang="fr-CA" i="0" dirty="0" smtClean="0">
-                <a:solidFill>
-                  <a:schemeClr val="tx1">
-                    <a:lumMod val="75000"/>
-                    <a:lumOff val="25000"/>
-                  </a:schemeClr>
-                </a:solidFill>
-              </a:rPr>
-              <a:t> </a:t>
-            </a:r>
-            <a:r>
-              <a:rPr lang="fr-CA" i="0" dirty="0" err="1" smtClean="0">
-                <a:solidFill>
-                  <a:schemeClr val="tx1">
-                    <a:lumMod val="75000"/>
-                    <a:lumOff val="25000"/>
-                  </a:schemeClr>
-                </a:solidFill>
-              </a:rPr>
-              <a:t>authentication</a:t>
-            </a:r>
-            <a:r>
-              <a:rPr lang="fr-CA" i="0" dirty="0" smtClean="0">
-                <a:solidFill>
-                  <a:schemeClr val="tx1">
-                    <a:lumMod val="75000"/>
-                    <a:lumOff val="25000"/>
-                  </a:schemeClr>
-                </a:solidFill>
-              </a:rPr>
-              <a:t> </a:t>
-            </a:r>
-            <a:r>
-              <a:rPr lang="fr-CA" i="0" dirty="0" err="1" smtClean="0">
-                <a:solidFill>
-                  <a:schemeClr val="tx1">
-                    <a:lumMod val="75000"/>
-                    <a:lumOff val="25000"/>
-                  </a:schemeClr>
-                </a:solidFill>
-              </a:rPr>
-              <a:t>properties</a:t>
-            </a:r>
-            <a:r>
-              <a:rPr lang="fr-CA" i="0" dirty="0" smtClean="0">
-                <a:solidFill>
-                  <a:schemeClr val="tx1">
-                    <a:lumMod val="75000"/>
-                    <a:lumOff val="25000"/>
-                  </a:schemeClr>
-                </a:solidFill>
-              </a:rPr>
-              <a:t> in </a:t>
-            </a:r>
-            <a:r>
-              <a:rPr lang="fr-CA" i="0" dirty="0" err="1" smtClean="0">
-                <a:solidFill>
-                  <a:schemeClr val="tx1">
-                    <a:lumMod val="75000"/>
-                    <a:lumOff val="25000"/>
-                  </a:schemeClr>
-                </a:solidFill>
-              </a:rPr>
-              <a:t>gatein.sh</a:t>
-            </a:r>
-            <a:r>
-              <a:rPr lang="fr-CA" i="0" dirty="0" smtClean="0">
-                <a:solidFill>
-                  <a:schemeClr val="tx1">
-                    <a:lumMod val="75000"/>
-                    <a:lumOff val="25000"/>
-                  </a:schemeClr>
-                </a:solidFill>
-              </a:rPr>
-              <a:t> and </a:t>
-            </a:r>
-            <a:r>
-              <a:rPr lang="fr-CA" i="0" dirty="0">
-                <a:solidFill>
-                  <a:schemeClr val="tx1">
-                    <a:lumMod val="75000"/>
-                    <a:lumOff val="25000"/>
-                  </a:schemeClr>
-                </a:solidFill>
-              </a:rPr>
-              <a:t>point to the </a:t>
-            </a:r>
-            <a:r>
-              <a:rPr lang="fr-CA" i="0" dirty="0" err="1">
-                <a:solidFill>
-                  <a:schemeClr val="tx1">
-                    <a:lumMod val="75000"/>
-                    <a:lumOff val="25000"/>
-                  </a:schemeClr>
-                </a:solidFill>
-              </a:rPr>
-              <a:t>given</a:t>
-            </a:r>
-            <a:r>
-              <a:rPr lang="fr-CA" i="0" dirty="0">
-                <a:solidFill>
-                  <a:schemeClr val="tx1">
-                    <a:lumMod val="75000"/>
-                    <a:lumOff val="25000"/>
-                  </a:schemeClr>
-                </a:solidFill>
-              </a:rPr>
-              <a:t> </a:t>
-            </a:r>
-            <a:r>
-              <a:rPr lang="fr-CA" i="0" dirty="0" smtClean="0">
-                <a:solidFill>
-                  <a:schemeClr val="tx1">
-                    <a:lumMod val="75000"/>
-                    <a:lumOff val="25000"/>
-                  </a:schemeClr>
-                </a:solidFill>
-              </a:rPr>
-              <a:t>files</a:t>
-            </a:r>
-            <a:r>
-              <a:rPr lang="fr-CA" i="0" dirty="0">
-                <a:solidFill>
-                  <a:schemeClr val="tx1">
-                    <a:lumMod val="75000"/>
-                    <a:lumOff val="25000"/>
-                  </a:schemeClr>
-                </a:solidFill>
-              </a:rPr>
-              <a:t> </a:t>
-            </a:r>
-            <a:r>
-              <a:rPr lang="fr-CA" i="0" dirty="0" smtClean="0">
-                <a:solidFill>
-                  <a:schemeClr val="tx1">
-                    <a:lumMod val="75000"/>
-                    <a:lumOff val="25000"/>
-                  </a:schemeClr>
-                </a:solidFill>
-              </a:rPr>
-              <a:t>: </a:t>
-            </a:r>
-            <a:endParaRPr lang="fr-CA" sz="1800" b="0" i="0" dirty="0" smtClean="0">
+                  <a:srgbClr val="404040"/>
+                </a:solidFill>
+              </a:rPr>
+              <a:t>org.jboss.system.server.jmx.MBeanServerBuilderImpl</a:t>
+            </a:r>
+            <a:endParaRPr lang="fr-CA" i="0" dirty="0">
               <a:solidFill>
-                <a:schemeClr val="tx1">
-                  <a:lumMod val="75000"/>
-                  <a:lumOff val="25000"/>
-                </a:schemeClr>
+                <a:srgbClr val="404040"/>
               </a:solidFill>
             </a:endParaRPr>
           </a:p>
           <a:p>
-            <a:pPr marL="3175" indent="0">
-              <a:buNone/>
+            <a:pPr marL="265113" lvl="1" indent="-265113">
+              <a:lnSpc>
+                <a:spcPct val="100000"/>
+              </a:lnSpc>
             </a:pPr>
             <a:r>
-              <a:rPr lang="fr-CA" sz="1800" b="0" i="0" dirty="0">
-                <a:solidFill>
-                  <a:schemeClr val="tx1">
-                    <a:lumMod val="75000"/>
-                    <a:lumOff val="25000"/>
-                  </a:schemeClr>
-                </a:solidFill>
-              </a:rPr>
-              <a:t>	</a:t>
-            </a:r>
-            <a:r>
-              <a:rPr lang="fr-CA" sz="1800" b="0" i="0" dirty="0" smtClean="0">
-                <a:solidFill>
-                  <a:schemeClr val="tx1">
-                    <a:lumMod val="75000"/>
-                    <a:lumOff val="25000"/>
-                  </a:schemeClr>
+              <a:rPr lang="fr-CA" i="0" dirty="0" smtClean="0">
+                <a:solidFill>
+                  <a:srgbClr val="404040"/>
                 </a:solidFill>
               </a:rPr>
               <a:t>-</a:t>
             </a:r>
             <a:r>
-              <a:rPr lang="fr-CA" sz="1800" b="0" i="0" dirty="0" err="1" smtClean="0">
-                <a:solidFill>
-                  <a:schemeClr val="tx1">
-                    <a:lumMod val="75000"/>
-                    <a:lumOff val="25000"/>
-                  </a:schemeClr>
-                </a:solidFill>
-              </a:rPr>
-              <a:t>Dcom.sun.management.jmxremote.authenticate</a:t>
-            </a:r>
-            <a:r>
-              <a:rPr lang="fr-CA" sz="1800" b="0" i="0" dirty="0">
-                <a:solidFill>
-                  <a:schemeClr val="tx1">
-                    <a:lumMod val="75000"/>
-                    <a:lumOff val="25000"/>
-                  </a:schemeClr>
-                </a:solidFill>
-              </a:rPr>
-              <a:t>=</a:t>
-            </a:r>
-            <a:r>
-              <a:rPr lang="fr-CA" sz="1800" b="0" i="0" dirty="0" err="1" smtClean="0">
-                <a:solidFill>
-                  <a:schemeClr val="tx1">
-                    <a:lumMod val="75000"/>
-                    <a:lumOff val="25000"/>
-                  </a:schemeClr>
-                </a:solidFill>
-              </a:rPr>
-              <a:t>true</a:t>
-            </a:r>
-            <a:endParaRPr lang="fr-CA" sz="1800" b="0" i="0" dirty="0">
+              <a:rPr lang="fr-CA" i="0" dirty="0" err="1">
+                <a:solidFill>
+                  <a:srgbClr val="404040"/>
+                </a:solidFill>
+              </a:rPr>
+              <a:t>Djboss.platform.mbeanserver</a:t>
+            </a:r>
+            <a:r>
+              <a:rPr lang="fr-CA" i="0" dirty="0">
+                <a:solidFill>
+                  <a:srgbClr val="404040"/>
+                </a:solidFill>
+              </a:rPr>
+              <a:t>"</a:t>
+            </a:r>
+          </a:p>
+          <a:p>
+            <a:pPr marL="265113" lvl="1" indent="-265113">
+              <a:lnSpc>
+                <a:spcPct val="100000"/>
+              </a:lnSpc>
+            </a:pPr>
+            <a:endParaRPr lang="fr-CA" i="0" dirty="0">
               <a:solidFill>
-                <a:schemeClr val="tx1">
-                  <a:lumMod val="75000"/>
-                  <a:lumOff val="25000"/>
-                </a:schemeClr>
-              </a:solidFill>
-            </a:endParaRPr>
-          </a:p>
-          <a:p>
-            <a:pPr marL="3175" indent="0">
-              <a:buNone/>
-            </a:pPr>
-            <a:r>
-              <a:rPr lang="fr-CA" sz="1800" b="0" i="0" dirty="0">
-                <a:solidFill>
-                  <a:schemeClr val="tx1">
-                    <a:lumMod val="75000"/>
-                    <a:lumOff val="25000"/>
-                  </a:schemeClr>
-                </a:solidFill>
-              </a:rPr>
-              <a:t>	-</a:t>
-            </a:r>
-            <a:r>
-              <a:rPr lang="fr-CA" sz="1800" b="0" i="0" dirty="0" err="1">
-                <a:solidFill>
-                  <a:schemeClr val="tx1">
-                    <a:lumMod val="75000"/>
-                    <a:lumOff val="25000"/>
-                  </a:schemeClr>
-                </a:solidFill>
-              </a:rPr>
-              <a:t>Dcom.sun.management.jmxremote.password.file</a:t>
-            </a:r>
-            <a:r>
-              <a:rPr lang="fr-CA" sz="1800" b="0" i="0" dirty="0">
-                <a:solidFill>
-                  <a:schemeClr val="tx1">
-                    <a:lumMod val="75000"/>
-                    <a:lumOff val="25000"/>
-                  </a:schemeClr>
-                </a:solidFill>
-              </a:rPr>
-              <a:t>=</a:t>
-            </a:r>
-            <a:r>
-              <a:rPr lang="fr-CA" sz="1800" b="0" i="0" dirty="0" err="1">
-                <a:solidFill>
-                  <a:schemeClr val="tx1">
-                    <a:lumMod val="75000"/>
-                    <a:lumOff val="25000"/>
-                  </a:schemeClr>
-                </a:solidFill>
-              </a:rPr>
-              <a:t>tomcat</a:t>
-            </a:r>
-            <a:r>
-              <a:rPr lang="fr-CA" sz="1800" b="0" i="0" dirty="0">
-                <a:solidFill>
-                  <a:schemeClr val="tx1">
-                    <a:lumMod val="75000"/>
-                    <a:lumOff val="25000"/>
-                  </a:schemeClr>
-                </a:solidFill>
-              </a:rPr>
-              <a:t>/</a:t>
-            </a:r>
-            <a:r>
-              <a:rPr lang="fr-CA" sz="1800" b="0" i="0" dirty="0" err="1">
-                <a:solidFill>
-                  <a:schemeClr val="tx1">
-                    <a:lumMod val="75000"/>
-                    <a:lumOff val="25000"/>
-                  </a:schemeClr>
-                </a:solidFill>
-              </a:rPr>
-              <a:t>conf</a:t>
-            </a:r>
-            <a:r>
-              <a:rPr lang="fr-CA" sz="1800" b="0" i="0" dirty="0">
-                <a:solidFill>
-                  <a:schemeClr val="tx1">
-                    <a:lumMod val="75000"/>
-                    <a:lumOff val="25000"/>
-                  </a:schemeClr>
-                </a:solidFill>
-              </a:rPr>
-              <a:t>/</a:t>
-            </a:r>
-            <a:r>
-              <a:rPr lang="fr-CA" sz="1800" b="0" i="0" dirty="0" err="1">
-                <a:solidFill>
-                  <a:schemeClr val="tx1">
-                    <a:lumMod val="75000"/>
-                    <a:lumOff val="25000"/>
-                  </a:schemeClr>
-                </a:solidFill>
-              </a:rPr>
-              <a:t>jmxremote.password</a:t>
-            </a:r>
-            <a:r>
-              <a:rPr lang="fr-CA" sz="1800" b="0" i="0" dirty="0">
-                <a:solidFill>
-                  <a:schemeClr val="tx1">
-                    <a:lumMod val="75000"/>
-                    <a:lumOff val="25000"/>
-                  </a:schemeClr>
-                </a:solidFill>
-              </a:rPr>
-              <a:t> </a:t>
-            </a:r>
-          </a:p>
-          <a:p>
-            <a:pPr marL="3175" indent="0">
-              <a:buNone/>
-            </a:pPr>
-            <a:r>
-              <a:rPr lang="fr-CA" sz="1800" b="0" i="0" dirty="0">
-                <a:solidFill>
-                  <a:schemeClr val="tx1">
-                    <a:lumMod val="75000"/>
-                    <a:lumOff val="25000"/>
-                  </a:schemeClr>
-                </a:solidFill>
-              </a:rPr>
-              <a:t>       -</a:t>
-            </a:r>
-            <a:r>
-              <a:rPr lang="fr-CA" sz="1800" b="0" i="0" dirty="0" err="1">
-                <a:solidFill>
-                  <a:schemeClr val="tx1">
-                    <a:lumMod val="75000"/>
-                    <a:lumOff val="25000"/>
-                  </a:schemeClr>
-                </a:solidFill>
-              </a:rPr>
-              <a:t>Dcom.sun.management.jmxremote.access.file</a:t>
-            </a:r>
-            <a:r>
-              <a:rPr lang="fr-CA" sz="1800" b="0" i="0" dirty="0">
-                <a:solidFill>
-                  <a:schemeClr val="tx1">
-                    <a:lumMod val="75000"/>
-                    <a:lumOff val="25000"/>
-                  </a:schemeClr>
-                </a:solidFill>
-              </a:rPr>
-              <a:t>=</a:t>
-            </a:r>
-            <a:r>
-              <a:rPr lang="fr-CA" sz="1800" b="0" i="0" dirty="0" err="1">
-                <a:solidFill>
-                  <a:schemeClr val="tx1">
-                    <a:lumMod val="75000"/>
-                    <a:lumOff val="25000"/>
-                  </a:schemeClr>
-                </a:solidFill>
-              </a:rPr>
-              <a:t>tomcat</a:t>
-            </a:r>
-            <a:r>
-              <a:rPr lang="fr-CA" sz="1800" b="0" i="0" dirty="0">
-                <a:solidFill>
-                  <a:schemeClr val="tx1">
-                    <a:lumMod val="75000"/>
-                    <a:lumOff val="25000"/>
-                  </a:schemeClr>
-                </a:solidFill>
-              </a:rPr>
-              <a:t>/</a:t>
-            </a:r>
-            <a:r>
-              <a:rPr lang="fr-CA" sz="1800" b="0" i="0" dirty="0" err="1">
-                <a:solidFill>
-                  <a:schemeClr val="tx1">
-                    <a:lumMod val="75000"/>
-                    <a:lumOff val="25000"/>
-                  </a:schemeClr>
-                </a:solidFill>
-              </a:rPr>
-              <a:t>conf</a:t>
-            </a:r>
-            <a:r>
-              <a:rPr lang="fr-CA" sz="1800" b="0" i="0" dirty="0">
-                <a:solidFill>
-                  <a:schemeClr val="tx1">
-                    <a:lumMod val="75000"/>
-                    <a:lumOff val="25000"/>
-                  </a:schemeClr>
-                </a:solidFill>
-              </a:rPr>
-              <a:t>/</a:t>
-            </a:r>
-            <a:r>
-              <a:rPr lang="fr-CA" sz="1800" b="0" i="0" dirty="0" err="1">
-                <a:solidFill>
-                  <a:schemeClr val="tx1">
-                    <a:lumMod val="75000"/>
-                    <a:lumOff val="25000"/>
-                  </a:schemeClr>
-                </a:solidFill>
-              </a:rPr>
-              <a:t>jmxremote.access</a:t>
-            </a:r>
-            <a:endParaRPr lang="fr-CA" sz="1800" b="0" i="0" dirty="0" smtClean="0">
-              <a:solidFill>
-                <a:schemeClr val="tx1">
-                  <a:lumMod val="75000"/>
-                  <a:lumOff val="25000"/>
-                </a:schemeClr>
-              </a:solidFill>
-            </a:endParaRPr>
-          </a:p>
-          <a:p>
-            <a:pPr marL="3175" indent="0">
-              <a:buNone/>
-            </a:pPr>
-            <a:r>
-              <a:rPr lang="fr-CA" sz="1800" b="0" i="0" dirty="0" smtClean="0">
-                <a:solidFill>
-                  <a:schemeClr val="tx1">
-                    <a:lumMod val="75000"/>
-                    <a:lumOff val="25000"/>
-                  </a:schemeClr>
-                </a:solidFill>
-              </a:rPr>
-              <a:t>	-</a:t>
-            </a:r>
-            <a:r>
-              <a:rPr lang="fr-CA" sz="1800" b="0" i="0" dirty="0" err="1" smtClean="0">
-                <a:solidFill>
-                  <a:schemeClr val="tx1">
-                    <a:lumMod val="75000"/>
-                    <a:lumOff val="25000"/>
-                  </a:schemeClr>
-                </a:solidFill>
-              </a:rPr>
-              <a:t>Djava.rmi.server.hostname</a:t>
-            </a:r>
-            <a:r>
-              <a:rPr lang="fr-CA" sz="1800" b="0" i="0" dirty="0" smtClean="0">
-                <a:solidFill>
-                  <a:schemeClr val="tx1">
-                    <a:lumMod val="75000"/>
-                    <a:lumOff val="25000"/>
-                  </a:schemeClr>
-                </a:solidFill>
-              </a:rPr>
-              <a:t>=</a:t>
-            </a:r>
-            <a:r>
-              <a:rPr lang="fr-CA" sz="1800" b="0" i="0" dirty="0" err="1" smtClean="0">
-                <a:solidFill>
-                  <a:schemeClr val="tx1">
-                    <a:lumMod val="75000"/>
-                    <a:lumOff val="25000"/>
-                  </a:schemeClr>
-                </a:solidFill>
-              </a:rPr>
-              <a:t>localhost</a:t>
-            </a:r>
-            <a:endParaRPr lang="fr-CA" sz="1800" b="0" i="0" dirty="0" smtClean="0">
-              <a:solidFill>
-                <a:schemeClr val="tx1">
-                  <a:lumMod val="75000"/>
-                  <a:lumOff val="25000"/>
-                </a:schemeClr>
-              </a:solidFill>
-            </a:endParaRPr>
-          </a:p>
-          <a:p>
-            <a:pPr marL="3175" indent="0">
-              <a:buNone/>
-            </a:pPr>
-            <a:r>
-              <a:rPr lang="fr-CA" sz="1800" b="0" i="0" dirty="0" smtClean="0">
-                <a:solidFill>
-                  <a:schemeClr val="tx1">
-                    <a:lumMod val="75000"/>
-                    <a:lumOff val="25000"/>
-                  </a:schemeClr>
-                </a:solidFill>
-              </a:rPr>
-              <a:t>	-</a:t>
-            </a:r>
-            <a:r>
-              <a:rPr lang="fr-CA" sz="1800" b="0" i="0" dirty="0" err="1">
-                <a:solidFill>
-                  <a:schemeClr val="tx1">
-                    <a:lumMod val="75000"/>
-                    <a:lumOff val="25000"/>
-                  </a:schemeClr>
-                </a:solidFill>
-              </a:rPr>
-              <a:t>Dcom.sun.management.jmxremote.ssl</a:t>
-            </a:r>
-            <a:r>
-              <a:rPr lang="fr-CA" sz="1800" b="0" i="0" dirty="0">
-                <a:solidFill>
-                  <a:schemeClr val="tx1">
-                    <a:lumMod val="75000"/>
-                    <a:lumOff val="25000"/>
-                  </a:schemeClr>
-                </a:solidFill>
-              </a:rPr>
-              <a:t>=</a:t>
-            </a:r>
-            <a:r>
-              <a:rPr lang="fr-CA" sz="1800" b="0" i="0" dirty="0" smtClean="0">
-                <a:solidFill>
-                  <a:schemeClr val="tx1">
-                    <a:lumMod val="75000"/>
-                    <a:lumOff val="25000"/>
-                  </a:schemeClr>
-                </a:solidFill>
-              </a:rPr>
-              <a:t>false"</a:t>
-            </a:r>
-            <a:r>
-              <a:rPr lang="fr-CA" sz="1800" b="0" i="0" dirty="0">
-                <a:solidFill>
-                  <a:schemeClr val="tx1">
-                    <a:lumMod val="75000"/>
-                    <a:lumOff val="25000"/>
-                  </a:schemeClr>
-                </a:solidFill>
-              </a:rPr>
-              <a:t>;</a:t>
-            </a:r>
-            <a:r>
-              <a:rPr lang="fr-CA" sz="1800" b="0" i="0" dirty="0" smtClean="0">
-                <a:solidFill>
-                  <a:schemeClr val="tx1">
-                    <a:lumMod val="75000"/>
-                    <a:lumOff val="25000"/>
-                  </a:schemeClr>
-                </a:solidFill>
-              </a:rPr>
-              <a:t> -</a:t>
-            </a:r>
-            <a:endParaRPr lang="fr-FR" sz="1800" b="0" i="0" dirty="0">
-              <a:solidFill>
-                <a:schemeClr val="tx1">
-                  <a:lumMod val="75000"/>
-                  <a:lumOff val="25000"/>
-                </a:schemeClr>
+                <a:srgbClr val="404040"/>
               </a:solidFill>
             </a:endParaRPr>
           </a:p>
@@ -29670,7 +29663,7 @@
     </p:spTree>
     <p:extLst>
       <p:ext uri="{BB962C8B-B14F-4D97-AF65-F5344CB8AC3E}">
-        <p14:creationId xmlns:p14="http://schemas.microsoft.com/office/powerpoint/2010/main" val="4274807838"/>
+        <p14:creationId xmlns:p14="http://schemas.microsoft.com/office/powerpoint/2010/main" val="796211984"/>
       </p:ext>
     </p:extLst>
   </p:cSld>
@@ -29731,26 +29724,18 @@
               </a:lnSpc>
             </a:pPr>
             <a:r>
-              <a:rPr lang="en-US" dirty="0" smtClean="0"/>
-              <a:t>JMX </a:t>
-            </a:r>
-            <a:r>
-              <a:rPr lang="en-US" dirty="0" smtClean="0"/>
-              <a:t>Configuration with </a:t>
-            </a:r>
-            <a:r>
-              <a:rPr lang="en-US" dirty="0" smtClean="0">
+              <a:rPr lang="en-US" dirty="0"/>
+              <a:t>JMX Configuration with </a:t>
+            </a:r>
+            <a:r>
+              <a:rPr lang="en-US" dirty="0">
                 <a:latin typeface="Arial"/>
                 <a:ea typeface="MS Gothic"/>
                 <a:cs typeface="MS Gothic"/>
               </a:rPr>
               <a:t>Authentication </a:t>
             </a:r>
-            <a:endParaRPr lang="en-US" sz="2200" dirty="0">
-              <a:solidFill>
-                <a:srgbClr val="FF9900"/>
-              </a:solidFill>
-            </a:endParaRPr>
+            <a:endParaRPr lang="fr-FR" dirty="0"/>
           </a:p>
         </p:txBody>
       </p:sp>
@@ -29780,116 +29765,288 @@
               </a:lnSpc>
             </a:pPr>
             <a:r>
-              <a:rPr lang="en-US" sz="2200" i="0" dirty="0" smtClean="0">
-                <a:solidFill>
-                  <a:schemeClr val="tx1">
-                    <a:lumMod val="75000"/>
-                    <a:lumOff val="25000"/>
-                  </a:schemeClr>
-                </a:solidFill>
-              </a:rPr>
-              <a:t>Create </a:t>
-            </a:r>
-            <a:r>
-              <a:rPr lang="en-US" sz="2200" i="0" dirty="0" smtClean="0">
-                <a:solidFill>
-                  <a:schemeClr val="tx1">
-                    <a:lumMod val="75000"/>
-                    <a:lumOff val="25000"/>
-                  </a:schemeClr>
-                </a:solidFill>
-              </a:rPr>
-              <a:t>a password file (</a:t>
-            </a:r>
-            <a:r>
-              <a:rPr lang="en-US" sz="1800" b="0" i="0" dirty="0" smtClean="0">
-                <a:solidFill>
-                  <a:schemeClr val="tx1">
-                    <a:lumMod val="75000"/>
-                    <a:lumOff val="25000"/>
-                  </a:schemeClr>
-                </a:solidFill>
-              </a:rPr>
-              <a:t>tomcat/</a:t>
-            </a:r>
-            <a:r>
-              <a:rPr lang="en-US" sz="1800" b="0" i="0" dirty="0" err="1" smtClean="0">
-                <a:solidFill>
-                  <a:schemeClr val="tx1">
-                    <a:lumMod val="75000"/>
-                    <a:lumOff val="25000"/>
-                  </a:schemeClr>
-                </a:solidFill>
-              </a:rPr>
-              <a:t>conf</a:t>
-            </a:r>
-            <a:r>
-              <a:rPr lang="en-US" sz="1800" b="0" i="0" dirty="0" smtClean="0">
-                <a:solidFill>
-                  <a:schemeClr val="tx1">
-                    <a:lumMod val="75000"/>
-                    <a:lumOff val="25000"/>
-                  </a:schemeClr>
-                </a:solidFill>
-              </a:rPr>
-              <a:t>/</a:t>
-            </a:r>
-            <a:r>
-              <a:rPr lang="en-US" sz="1800" b="0" i="0" dirty="0" err="1" smtClean="0">
-                <a:solidFill>
-                  <a:schemeClr val="tx1">
-                    <a:lumMod val="75000"/>
-                    <a:lumOff val="25000"/>
-                  </a:schemeClr>
-                </a:solidFill>
-              </a:rPr>
-              <a:t>jmxremote.password</a:t>
-            </a:r>
-            <a:r>
-              <a:rPr lang="en-US" sz="2200" i="0" dirty="0" smtClean="0">
-                <a:solidFill>
-                  <a:schemeClr val="tx1">
-                    <a:lumMod val="75000"/>
-                    <a:lumOff val="25000"/>
-                  </a:schemeClr>
-                </a:solidFill>
-              </a:rPr>
-              <a:t>) </a:t>
-            </a:r>
-            <a:r>
-              <a:rPr lang="en-US" sz="2200" i="0" dirty="0" smtClean="0">
-                <a:solidFill>
-                  <a:schemeClr val="tx1">
-                    <a:lumMod val="75000"/>
-                    <a:lumOff val="25000"/>
-                  </a:schemeClr>
-                </a:solidFill>
-              </a:rPr>
-              <a:t>containing the </a:t>
-            </a:r>
-            <a:r>
-              <a:rPr lang="en-US" sz="2200" i="0" dirty="0" smtClean="0">
-                <a:solidFill>
-                  <a:schemeClr val="tx1">
-                    <a:lumMod val="75000"/>
-                    <a:lumOff val="25000"/>
-                  </a:schemeClr>
-                </a:solidFill>
-              </a:rPr>
-              <a:t>user accounts </a:t>
-            </a:r>
-            <a:r>
-              <a:rPr lang="en-US" sz="2200" i="0" dirty="0" smtClean="0">
-                <a:solidFill>
-                  <a:schemeClr val="tx1">
-                    <a:lumMod val="75000"/>
-                    <a:lumOff val="25000"/>
-                  </a:schemeClr>
-                </a:solidFill>
-              </a:rPr>
-              <a:t>with passwords:</a:t>
-            </a:r>
-            <a:endParaRPr lang="en-US" sz="2200" i="0" dirty="0" smtClean="0">
+              <a:rPr lang="fr-CA" i="0" dirty="0" err="1" smtClean="0">
+                <a:solidFill>
+                  <a:schemeClr val="tx1">
+                    <a:lumMod val="75000"/>
+                    <a:lumOff val="25000"/>
+                  </a:schemeClr>
+                </a:solidFill>
+              </a:rPr>
+              <a:t>When</a:t>
+            </a:r>
+            <a:r>
+              <a:rPr lang="fr-CA" i="0" dirty="0" smtClean="0">
+                <a:solidFill>
+                  <a:schemeClr val="tx1">
+                    <a:lumMod val="75000"/>
+                    <a:lumOff val="25000"/>
+                  </a:schemeClr>
+                </a:solidFill>
+              </a:rPr>
+              <a:t> </a:t>
+            </a:r>
+            <a:r>
+              <a:rPr lang="fr-CA" i="0" dirty="0" err="1" smtClean="0">
+                <a:solidFill>
+                  <a:schemeClr val="tx1">
+                    <a:lumMod val="75000"/>
+                    <a:lumOff val="25000"/>
+                  </a:schemeClr>
+                </a:solidFill>
+              </a:rPr>
+              <a:t>you</a:t>
+            </a:r>
+            <a:r>
+              <a:rPr lang="fr-CA" i="0" dirty="0" smtClean="0">
+                <a:solidFill>
+                  <a:schemeClr val="tx1">
+                    <a:lumMod val="75000"/>
+                    <a:lumOff val="25000"/>
+                  </a:schemeClr>
+                </a:solidFill>
+              </a:rPr>
+              <a:t> </a:t>
+            </a:r>
+            <a:r>
+              <a:rPr lang="fr-CA" i="0" dirty="0" err="1" smtClean="0">
+                <a:solidFill>
+                  <a:schemeClr val="tx1">
+                    <a:lumMod val="75000"/>
+                    <a:lumOff val="25000"/>
+                  </a:schemeClr>
+                </a:solidFill>
+              </a:rPr>
+              <a:t>enable</a:t>
+            </a:r>
+            <a:r>
+              <a:rPr lang="fr-CA" i="0" dirty="0" smtClean="0">
+                <a:solidFill>
+                  <a:schemeClr val="tx1">
+                    <a:lumMod val="75000"/>
+                    <a:lumOff val="25000"/>
+                  </a:schemeClr>
+                </a:solidFill>
+              </a:rPr>
+              <a:t> authentification, </a:t>
+            </a:r>
+            <a:r>
+              <a:rPr lang="fr-CA" i="0" dirty="0" err="1" smtClean="0">
+                <a:solidFill>
+                  <a:schemeClr val="tx1">
+                    <a:lumMod val="75000"/>
+                    <a:lumOff val="25000"/>
+                  </a:schemeClr>
+                </a:solidFill>
+              </a:rPr>
+              <a:t>you</a:t>
+            </a:r>
+            <a:r>
+              <a:rPr lang="fr-CA" i="0" dirty="0" smtClean="0">
+                <a:solidFill>
+                  <a:schemeClr val="tx1">
+                    <a:lumMod val="75000"/>
+                    <a:lumOff val="25000"/>
+                  </a:schemeClr>
+                </a:solidFill>
+              </a:rPr>
+              <a:t> have to </a:t>
+            </a:r>
+            <a:r>
+              <a:rPr lang="fr-CA" i="0" dirty="0" err="1" smtClean="0">
+                <a:solidFill>
+                  <a:schemeClr val="tx1">
+                    <a:lumMod val="75000"/>
+                    <a:lumOff val="25000"/>
+                  </a:schemeClr>
+                </a:solidFill>
+              </a:rPr>
+              <a:t>create</a:t>
+            </a:r>
+            <a:r>
+              <a:rPr lang="fr-CA" i="0" dirty="0" smtClean="0">
+                <a:solidFill>
+                  <a:schemeClr val="tx1">
+                    <a:lumMod val="75000"/>
+                    <a:lumOff val="25000"/>
+                  </a:schemeClr>
+                </a:solidFill>
+              </a:rPr>
+              <a:t> </a:t>
+            </a:r>
+            <a:r>
+              <a:rPr lang="fr-CA" i="0" dirty="0" err="1" smtClean="0">
+                <a:solidFill>
+                  <a:schemeClr val="tx1">
+                    <a:lumMod val="75000"/>
+                    <a:lumOff val="25000"/>
+                  </a:schemeClr>
+                </a:solidFill>
+              </a:rPr>
+              <a:t>two</a:t>
+            </a:r>
+            <a:r>
+              <a:rPr lang="fr-CA" i="0" dirty="0" smtClean="0">
+                <a:solidFill>
+                  <a:schemeClr val="tx1">
+                    <a:lumMod val="75000"/>
+                    <a:lumOff val="25000"/>
+                  </a:schemeClr>
+                </a:solidFill>
+              </a:rPr>
+              <a:t> files: an </a:t>
+            </a:r>
+            <a:r>
+              <a:rPr lang="fr-CA" i="0" dirty="0" err="1" smtClean="0">
+                <a:solidFill>
+                  <a:schemeClr val="tx1">
+                    <a:lumMod val="75000"/>
+                    <a:lumOff val="25000"/>
+                  </a:schemeClr>
+                </a:solidFill>
+              </a:rPr>
+              <a:t>access</a:t>
+            </a:r>
+            <a:r>
+              <a:rPr lang="fr-CA" i="0" dirty="0" smtClean="0">
+                <a:solidFill>
+                  <a:schemeClr val="tx1">
+                    <a:lumMod val="75000"/>
+                    <a:lumOff val="25000"/>
+                  </a:schemeClr>
+                </a:solidFill>
+              </a:rPr>
+              <a:t> file and a </a:t>
+            </a:r>
+            <a:r>
+              <a:rPr lang="fr-CA" i="0" dirty="0" err="1" smtClean="0">
+                <a:solidFill>
+                  <a:schemeClr val="tx1">
+                    <a:lumMod val="75000"/>
+                    <a:lumOff val="25000"/>
+                  </a:schemeClr>
+                </a:solidFill>
+              </a:rPr>
+              <a:t>password</a:t>
+            </a:r>
+            <a:r>
+              <a:rPr lang="fr-CA" i="0" dirty="0" smtClean="0">
+                <a:solidFill>
+                  <a:schemeClr val="tx1">
+                    <a:lumMod val="75000"/>
+                    <a:lumOff val="25000"/>
+                  </a:schemeClr>
+                </a:solidFill>
+              </a:rPr>
+              <a:t> file. </a:t>
+            </a:r>
+          </a:p>
+          <a:p>
+            <a:pPr marL="265113" lvl="1" indent="-265113">
+              <a:lnSpc>
+                <a:spcPct val="100000"/>
+              </a:lnSpc>
+            </a:pPr>
+            <a:r>
+              <a:rPr lang="fr-CA" i="0" dirty="0" smtClean="0">
+                <a:solidFill>
+                  <a:schemeClr val="tx1">
+                    <a:lumMod val="75000"/>
+                    <a:lumOff val="25000"/>
+                  </a:schemeClr>
+                </a:solidFill>
+              </a:rPr>
+              <a:t>The </a:t>
+            </a:r>
+            <a:r>
+              <a:rPr lang="fr-CA" i="0" dirty="0" err="1" smtClean="0">
+                <a:solidFill>
+                  <a:schemeClr val="tx1">
+                    <a:lumMod val="75000"/>
+                    <a:lumOff val="25000"/>
+                  </a:schemeClr>
+                </a:solidFill>
+              </a:rPr>
+              <a:t>password</a:t>
+            </a:r>
+            <a:r>
+              <a:rPr lang="fr-CA" i="0" dirty="0" smtClean="0">
+                <a:solidFill>
+                  <a:schemeClr val="tx1">
+                    <a:lumMod val="75000"/>
+                    <a:lumOff val="25000"/>
+                  </a:schemeClr>
+                </a:solidFill>
+              </a:rPr>
+              <a:t> file </a:t>
+            </a:r>
+            <a:r>
+              <a:rPr lang="fr-CA" i="0" dirty="0" err="1" smtClean="0">
+                <a:solidFill>
+                  <a:schemeClr val="tx1">
+                    <a:lumMod val="75000"/>
+                    <a:lumOff val="25000"/>
+                  </a:schemeClr>
+                </a:solidFill>
+              </a:rPr>
+              <a:t>defines</a:t>
+            </a:r>
+            <a:r>
+              <a:rPr lang="fr-CA" i="0" dirty="0" smtClean="0">
+                <a:solidFill>
+                  <a:schemeClr val="tx1">
+                    <a:lumMod val="75000"/>
+                    <a:lumOff val="25000"/>
+                  </a:schemeClr>
+                </a:solidFill>
+              </a:rPr>
+              <a:t> user </a:t>
+            </a:r>
+            <a:r>
+              <a:rPr lang="fr-CA" i="0" dirty="0" err="1" smtClean="0">
+                <a:solidFill>
+                  <a:schemeClr val="tx1">
+                    <a:lumMod val="75000"/>
+                    <a:lumOff val="25000"/>
+                  </a:schemeClr>
+                </a:solidFill>
+              </a:rPr>
+              <a:t>accounts</a:t>
+            </a:r>
+            <a:r>
+              <a:rPr lang="fr-CA" i="0" dirty="0" smtClean="0">
+                <a:solidFill>
+                  <a:schemeClr val="tx1">
+                    <a:lumMod val="75000"/>
+                    <a:lumOff val="25000"/>
+                  </a:schemeClr>
+                </a:solidFill>
+              </a:rPr>
+              <a:t> </a:t>
+            </a:r>
+            <a:r>
+              <a:rPr lang="en-US" i="0" dirty="0">
+                <a:solidFill>
+                  <a:schemeClr val="tx1">
+                    <a:lumMod val="75000"/>
+                    <a:lumOff val="25000"/>
+                  </a:schemeClr>
+                </a:solidFill>
+              </a:rPr>
+              <a:t>that can access the monitoring </a:t>
+            </a:r>
+            <a:r>
+              <a:rPr lang="en-US" i="0" dirty="0" smtClean="0">
+                <a:solidFill>
+                  <a:schemeClr val="tx1">
+                    <a:lumMod val="75000"/>
+                    <a:lumOff val="25000"/>
+                  </a:schemeClr>
+                </a:solidFill>
+              </a:rPr>
+              <a:t>information. The access file defines the permissions of these accounts.</a:t>
+            </a:r>
+            <a:endParaRPr lang="fr-CA" i="0" dirty="0" smtClean="0">
               <a:solidFill>
                 <a:schemeClr val="tx1">
                   <a:lumMod val="75000"/>
@@ -29899,25 +30056,188 @@
             </a:endParaRPr>
           </a:p>
           <a:p>
-            <a:pPr marL="1025525" lvl="2" indent="0">
+            <a:pPr marL="265113" lvl="1" indent="-265113">
               <a:lnSpc>
                 <a:spcPct val="100000"/>
               </a:lnSpc>
-              <a:buNone/>
             </a:pPr>
             <a:r>
-              <a:rPr lang="en-US" sz="1800" b="0" i="0" dirty="0" smtClean="0">
-                <a:solidFill>
-                  <a:schemeClr val="tx1">
-                    <a:lumMod val="75000"/>
-                    <a:lumOff val="25000"/>
-                  </a:schemeClr>
-                </a:solidFill>
-              </a:rPr>
-              <a:t>	guest  password -	admin password</a:t>
-            </a:r>
-            <a:endParaRPr lang="en-US" sz="1800" i="0" dirty="0" smtClean="0">
+              <a:rPr lang="fr-CA" i="0" dirty="0" err="1" smtClean="0">
+                <a:solidFill>
+                  <a:schemeClr val="tx1">
+                    <a:lumMod val="75000"/>
+                    <a:lumOff val="25000"/>
+                  </a:schemeClr>
+                </a:solidFill>
+              </a:rPr>
+              <a:t>Add</a:t>
+            </a:r>
+            <a:r>
+              <a:rPr lang="fr-CA" i="0" dirty="0" smtClean="0">
+                <a:solidFill>
+                  <a:schemeClr val="tx1">
+                    <a:lumMod val="75000"/>
+                    <a:lumOff val="25000"/>
+                  </a:schemeClr>
+                </a:solidFill>
+              </a:rPr>
+              <a:t> </a:t>
+            </a:r>
+            <a:r>
+              <a:rPr lang="fr-CA" i="0" dirty="0" err="1" smtClean="0">
+                <a:solidFill>
+                  <a:schemeClr val="tx1">
+                    <a:lumMod val="75000"/>
+                    <a:lumOff val="25000"/>
+                  </a:schemeClr>
+                </a:solidFill>
+              </a:rPr>
+              <a:t>these</a:t>
+            </a:r>
+            <a:r>
+              <a:rPr lang="fr-CA" i="0" dirty="0" smtClean="0">
+                <a:solidFill>
+                  <a:schemeClr val="tx1">
+                    <a:lumMod val="75000"/>
+                    <a:lumOff val="25000"/>
+                  </a:schemeClr>
+                </a:solidFill>
+              </a:rPr>
+              <a:t> </a:t>
+            </a:r>
+            <a:r>
+              <a:rPr lang="fr-CA" i="0" dirty="0" err="1" smtClean="0">
+                <a:solidFill>
+                  <a:schemeClr val="tx1">
+                    <a:lumMod val="75000"/>
+                    <a:lumOff val="25000"/>
+                  </a:schemeClr>
+                </a:solidFill>
+              </a:rPr>
+              <a:t>authentication</a:t>
+            </a:r>
+            <a:r>
+              <a:rPr lang="fr-CA" i="0" dirty="0" smtClean="0">
+                <a:solidFill>
+                  <a:schemeClr val="tx1">
+                    <a:lumMod val="75000"/>
+                    <a:lumOff val="25000"/>
+                  </a:schemeClr>
+                </a:solidFill>
+              </a:rPr>
+              <a:t> </a:t>
+            </a:r>
+            <a:r>
+              <a:rPr lang="fr-CA" i="0" dirty="0" err="1" smtClean="0">
+                <a:solidFill>
+                  <a:schemeClr val="tx1">
+                    <a:lumMod val="75000"/>
+                    <a:lumOff val="25000"/>
+                  </a:schemeClr>
+                </a:solidFill>
+              </a:rPr>
+              <a:t>properties</a:t>
+            </a:r>
+            <a:r>
+              <a:rPr lang="fr-CA" i="0" dirty="0" smtClean="0">
+                <a:solidFill>
+                  <a:schemeClr val="tx1">
+                    <a:lumMod val="75000"/>
+                    <a:lumOff val="25000"/>
+                  </a:schemeClr>
+                </a:solidFill>
+              </a:rPr>
+              <a:t> in </a:t>
+            </a:r>
+            <a:r>
+              <a:rPr lang="fr-CA" i="0" dirty="0" err="1" smtClean="0">
+                <a:solidFill>
+                  <a:schemeClr val="tx1">
+                    <a:lumMod val="75000"/>
+                    <a:lumOff val="25000"/>
+                  </a:schemeClr>
+                </a:solidFill>
+              </a:rPr>
+              <a:t>gatein.sh</a:t>
+            </a:r>
+            <a:r>
+              <a:rPr lang="fr-CA" i="0" dirty="0" smtClean="0">
+                <a:solidFill>
+                  <a:schemeClr val="tx1">
+                    <a:lumMod val="75000"/>
+                    <a:lumOff val="25000"/>
+                  </a:schemeClr>
+                </a:solidFill>
+              </a:rPr>
+              <a:t> and </a:t>
+            </a:r>
+            <a:r>
+              <a:rPr lang="fr-CA" i="0" dirty="0">
+                <a:solidFill>
+                  <a:schemeClr val="tx1">
+                    <a:lumMod val="75000"/>
+                    <a:lumOff val="25000"/>
+                  </a:schemeClr>
+                </a:solidFill>
+              </a:rPr>
+              <a:t>point to the </a:t>
+            </a:r>
+            <a:r>
+              <a:rPr lang="fr-CA" i="0" dirty="0" err="1">
+                <a:solidFill>
+                  <a:schemeClr val="tx1">
+                    <a:lumMod val="75000"/>
+                    <a:lumOff val="25000"/>
+                  </a:schemeClr>
+                </a:solidFill>
+              </a:rPr>
+              <a:t>given</a:t>
+            </a:r>
+            <a:r>
+              <a:rPr lang="fr-CA" i="0" dirty="0">
+                <a:solidFill>
+                  <a:schemeClr val="tx1">
+                    <a:lumMod val="75000"/>
+                    <a:lumOff val="25000"/>
+                  </a:schemeClr>
+                </a:solidFill>
+              </a:rPr>
+              <a:t> </a:t>
+            </a:r>
+            <a:r>
+              <a:rPr lang="fr-CA" i="0" dirty="0" smtClean="0">
+                <a:solidFill>
+                  <a:schemeClr val="tx1">
+                    <a:lumMod val="75000"/>
+                    <a:lumOff val="25000"/>
+                  </a:schemeClr>
+                </a:solidFill>
+              </a:rPr>
+              <a:t>files</a:t>
+            </a:r>
+            <a:r>
+              <a:rPr lang="fr-CA" i="0" dirty="0">
+                <a:solidFill>
+                  <a:schemeClr val="tx1">
+                    <a:lumMod val="75000"/>
+                    <a:lumOff val="25000"/>
+                  </a:schemeClr>
+                </a:solidFill>
+              </a:rPr>
+              <a:t> </a:t>
+            </a:r>
+            <a:r>
+              <a:rPr lang="fr-CA" i="0" dirty="0" smtClean="0">
+                <a:solidFill>
+                  <a:schemeClr val="tx1">
+                    <a:lumMod val="75000"/>
+                    <a:lumOff val="25000"/>
+                  </a:schemeClr>
+                </a:solidFill>
+              </a:rPr>
+              <a:t>: </a:t>
+            </a:r>
+            <a:endParaRPr lang="fr-CA" sz="1800" b="0" i="0" dirty="0" smtClean="0">
               <a:solidFill>
                 <a:schemeClr val="tx1">
                   <a:lumMod val="75000"/>
@@ -29927,259 +30247,65 @@
             </a:endParaRPr>
           </a:p>
           <a:p>
-            <a:pPr marL="265113" lvl="1" indent="-265113">
-              <a:lnSpc>
-                <a:spcPct val="100000"/>
-              </a:lnSpc>
-            </a:pPr>
-            <a:r>
-              <a:rPr lang="en-US" sz="2200" i="0" dirty="0" smtClean="0">
-                <a:solidFill>
-                  <a:schemeClr val="tx1">
-                    <a:lumMod val="75000"/>
-                    <a:lumOff val="25000"/>
-                  </a:schemeClr>
-                </a:solidFill>
-              </a:rPr>
-              <a:t>The file above creates two users for JMX connections. </a:t>
-            </a:r>
-            <a:r>
-              <a:rPr lang="en-US" i="0" dirty="0" smtClean="0">
-                <a:solidFill>
-                  <a:schemeClr val="tx1">
-                    <a:lumMod val="75000"/>
-                    <a:lumOff val="25000"/>
-                  </a:schemeClr>
-                </a:solidFill>
-              </a:rPr>
-              <a:t>B</a:t>
-            </a:r>
-            <a:r>
-              <a:rPr lang="en-US" sz="2200" i="0" dirty="0" smtClean="0">
-                <a:solidFill>
-                  <a:schemeClr val="tx1">
-                    <a:lumMod val="75000"/>
-                    <a:lumOff val="25000"/>
-                  </a:schemeClr>
-                </a:solidFill>
-              </a:rPr>
-              <a:t>oth</a:t>
-            </a:r>
-            <a:r>
-              <a:rPr lang="en-US" i="0" dirty="0" smtClean="0">
-                <a:solidFill>
-                  <a:schemeClr val="tx1">
-                    <a:lumMod val="75000"/>
-                    <a:lumOff val="25000"/>
-                  </a:schemeClr>
-                </a:solidFill>
-              </a:rPr>
-              <a:t> users, guest and admin, have </a:t>
-            </a:r>
-            <a:r>
-              <a:rPr lang="en-US" sz="2200" i="0" dirty="0" smtClean="0">
-                <a:solidFill>
-                  <a:schemeClr val="tx1">
-                    <a:lumMod val="75000"/>
-                    <a:lumOff val="25000"/>
-                  </a:schemeClr>
-                </a:solidFill>
-              </a:rPr>
-              <a:t>the password "password ».</a:t>
-            </a:r>
-          </a:p>
-          <a:p>
-            <a:pPr marL="265113" lvl="1" indent="-265113">
-              <a:lnSpc>
-                <a:spcPct val="100000"/>
-              </a:lnSpc>
-            </a:pPr>
-            <a:r>
-              <a:rPr lang="en-US" sz="2200" i="0" dirty="0" smtClean="0">
-                <a:solidFill>
-                  <a:schemeClr val="tx1">
-                    <a:lumMod val="75000"/>
-                    <a:lumOff val="25000"/>
-                  </a:schemeClr>
-                </a:solidFill>
-              </a:rPr>
-              <a:t>Create the access file, in which you assign </a:t>
-            </a:r>
-            <a:r>
-              <a:rPr lang="en-US" sz="2200" i="0" dirty="0" smtClean="0">
-                <a:solidFill>
-                  <a:schemeClr val="tx1">
-                    <a:lumMod val="75000"/>
-                    <a:lumOff val="25000"/>
-                  </a:schemeClr>
-                </a:solidFill>
-              </a:rPr>
-              <a:t>permissions to each </a:t>
-            </a:r>
-            <a:r>
-              <a:rPr lang="en-US" sz="2200" i="0" dirty="0" smtClean="0">
-                <a:solidFill>
-                  <a:schemeClr val="tx1">
-                    <a:lumMod val="75000"/>
-                    <a:lumOff val="25000"/>
-                  </a:schemeClr>
-                </a:solidFill>
-              </a:rPr>
-              <a:t>account</a:t>
-            </a:r>
-            <a:r>
-              <a:rPr lang="en-US" i="0" dirty="0" smtClean="0">
-                <a:solidFill>
-                  <a:schemeClr val="tx1">
-                    <a:lumMod val="75000"/>
-                    <a:lumOff val="25000"/>
-                  </a:schemeClr>
-                </a:solidFill>
-              </a:rPr>
-              <a:t>: (</a:t>
-            </a:r>
-            <a:r>
-              <a:rPr lang="en-US" sz="1800" b="0" i="0" dirty="0" smtClean="0">
-                <a:solidFill>
-                  <a:schemeClr val="tx1">
-                    <a:lumMod val="75000"/>
-                    <a:lumOff val="25000"/>
-                  </a:schemeClr>
-                </a:solidFill>
-              </a:rPr>
-              <a:t>tomcat</a:t>
-            </a:r>
-            <a:r>
-              <a:rPr lang="en-US" sz="1800" b="0" i="0" dirty="0" smtClean="0">
-                <a:solidFill>
-                  <a:schemeClr val="tx1">
-                    <a:lumMod val="75000"/>
-                    <a:lumOff val="25000"/>
-                  </a:schemeClr>
-                </a:solidFill>
-              </a:rPr>
-              <a:t>/</a:t>
-            </a:r>
-            <a:r>
-              <a:rPr lang="en-US" sz="1800" b="0" i="0" dirty="0" err="1" smtClean="0">
-                <a:solidFill>
-                  <a:schemeClr val="tx1">
-                    <a:lumMod val="75000"/>
-                    <a:lumOff val="25000"/>
-                  </a:schemeClr>
-                </a:solidFill>
-              </a:rPr>
-              <a:t>conf</a:t>
-            </a:r>
-            <a:r>
-              <a:rPr lang="en-US" sz="1800" b="0" i="0" dirty="0" smtClean="0">
-                <a:solidFill>
-                  <a:schemeClr val="tx1">
-                    <a:lumMod val="75000"/>
-                    <a:lumOff val="25000"/>
-                  </a:schemeClr>
-                </a:solidFill>
-              </a:rPr>
-              <a:t>/</a:t>
-            </a:r>
-            <a:r>
-              <a:rPr lang="en-US" sz="1800" b="0" i="0" dirty="0" err="1" smtClean="0">
-                <a:solidFill>
-                  <a:schemeClr val="tx1">
-                    <a:lumMod val="75000"/>
-                    <a:lumOff val="25000"/>
-                  </a:schemeClr>
-                </a:solidFill>
-              </a:rPr>
-              <a:t>jmxremote.access</a:t>
-            </a:r>
-            <a:r>
-              <a:rPr lang="en-US" sz="1800" b="0" i="0" dirty="0" smtClean="0">
-                <a:solidFill>
-                  <a:schemeClr val="tx1">
-                    <a:lumMod val="75000"/>
-                    <a:lumOff val="25000"/>
-                  </a:schemeClr>
-                </a:solidFill>
-              </a:rPr>
-              <a:t>) </a:t>
-            </a:r>
-            <a:r>
-              <a:rPr lang="en-US" sz="2200" i="0" dirty="0" smtClean="0">
-                <a:solidFill>
-                  <a:schemeClr val="tx1">
-                    <a:lumMod val="75000"/>
-                    <a:lumOff val="25000"/>
-                  </a:schemeClr>
-                </a:solidFill>
-              </a:rPr>
-              <a:t>:</a:t>
-            </a:r>
-          </a:p>
-          <a:p>
-            <a:pPr marL="0" lvl="1" indent="0">
-              <a:lnSpc>
-                <a:spcPct val="100000"/>
-              </a:lnSpc>
+            <a:pPr marL="3175" indent="0">
               <a:buNone/>
             </a:pPr>
             <a:r>
-              <a:rPr lang="en-US" sz="2400" b="0" i="0" dirty="0" smtClean="0">
-                <a:solidFill>
-                  <a:schemeClr val="tx1">
-                    <a:lumMod val="75000"/>
-                    <a:lumOff val="25000"/>
-                  </a:schemeClr>
-                </a:solidFill>
-              </a:rPr>
-              <a:t>			</a:t>
-            </a:r>
-            <a:r>
-              <a:rPr lang="en-US" sz="1800" b="0" i="0" dirty="0" smtClean="0">
-                <a:solidFill>
-                  <a:schemeClr val="tx1">
-                    <a:lumMod val="75000"/>
-                    <a:lumOff val="25000"/>
-                  </a:schemeClr>
-                </a:solidFill>
-              </a:rPr>
-              <a:t>guest </a:t>
-            </a:r>
-            <a:r>
-              <a:rPr lang="en-US" sz="1800" b="0" i="0" dirty="0" err="1" smtClean="0">
-                <a:solidFill>
-                  <a:schemeClr val="tx1">
-                    <a:lumMod val="75000"/>
-                    <a:lumOff val="25000"/>
-                  </a:schemeClr>
-                </a:solidFill>
-              </a:rPr>
-              <a:t>readonly</a:t>
-            </a:r>
-            <a:r>
-              <a:rPr lang="en-US" sz="1800" b="0" i="0" dirty="0" smtClean="0">
-                <a:solidFill>
-                  <a:schemeClr val="tx1">
-                    <a:lumMod val="75000"/>
-                    <a:lumOff val="25000"/>
-                  </a:schemeClr>
-                </a:solidFill>
-              </a:rPr>
-              <a:t> -			admin </a:t>
-            </a:r>
-            <a:r>
-              <a:rPr lang="en-US" sz="1800" b="0" i="0" dirty="0" err="1" smtClean="0">
-                <a:solidFill>
-                  <a:schemeClr val="tx1">
-                    <a:lumMod val="75000"/>
-                    <a:lumOff val="25000"/>
-                  </a:schemeClr>
-                </a:solidFill>
-              </a:rPr>
-              <a:t>readwrite</a:t>
-            </a:r>
-            <a:endParaRPr lang="en-US" sz="1800" b="0" i="0" dirty="0" smtClean="0">
+              <a:rPr lang="fr-CA" sz="1800" b="0" i="0" dirty="0">
+                <a:solidFill>
+                  <a:schemeClr val="tx1">
+                    <a:lumMod val="75000"/>
+                    <a:lumOff val="25000"/>
+                  </a:schemeClr>
+                </a:solidFill>
+              </a:rPr>
+              <a:t>	</a:t>
+            </a:r>
+            <a:r>
+              <a:rPr lang="fr-CA" sz="1800" b="0" i="0" dirty="0" smtClean="0">
+                <a:solidFill>
+                  <a:schemeClr val="tx1">
+                    <a:lumMod val="75000"/>
+                    <a:lumOff val="25000"/>
+                  </a:schemeClr>
+                </a:solidFill>
+              </a:rPr>
+              <a:t>-</a:t>
+            </a:r>
+            <a:r>
+              <a:rPr lang="fr-CA" sz="1800" b="0" i="0" dirty="0" err="1" smtClean="0">
+                <a:solidFill>
+                  <a:schemeClr val="tx1">
+                    <a:lumMod val="75000"/>
+                    <a:lumOff val="25000"/>
+                  </a:schemeClr>
+                </a:solidFill>
+              </a:rPr>
+              <a:t>Dcom.sun.management.jmxremote.authenticate</a:t>
+            </a:r>
+            <a:r>
+              <a:rPr lang="fr-CA" sz="1800" b="0" i="0" dirty="0">
+                <a:solidFill>
+                  <a:schemeClr val="tx1">
+                    <a:lumMod val="75000"/>
+                    <a:lumOff val="25000"/>
+                  </a:schemeClr>
+                </a:solidFill>
+              </a:rPr>
+              <a:t>=</a:t>
+            </a:r>
+            <a:r>
+              <a:rPr lang="fr-CA" sz="1800" b="0" i="0" dirty="0" err="1" smtClean="0">
+                <a:solidFill>
+                  <a:schemeClr val="tx1">
+                    <a:lumMod val="75000"/>
+                    <a:lumOff val="25000"/>
+                  </a:schemeClr>
+                </a:solidFill>
+              </a:rPr>
+              <a:t>true</a:t>
+            </a:r>
+            <a:endParaRPr lang="fr-CA" sz="1800" b="0" i="0" dirty="0">
               <a:solidFill>
                 <a:schemeClr val="tx1">
                   <a:lumMod val="75000"/>
@@ -30189,160 +30315,202 @@
             </a:endParaRPr>
           </a:p>
           <a:p>
-            <a:pPr marL="265113" lvl="1" indent="-265113">
-              <a:lnSpc>
-                <a:spcPct val="100000"/>
-              </a:lnSpc>
-            </a:pPr>
-            <a:r>
-              <a:rPr lang="fr-CA" i="0" dirty="0">
-                <a:solidFill>
-                  <a:srgbClr val="000000">
-                    <a:lumMod val="75000"/>
-                    <a:lumOff val="25000"/>
-                  </a:srgbClr>
-                </a:solidFill>
-              </a:rPr>
-              <a:t>You </a:t>
-            </a:r>
-            <a:r>
-              <a:rPr lang="fr-CA" i="0" dirty="0" smtClean="0">
-                <a:solidFill>
-                  <a:srgbClr val="000000">
-                    <a:lumMod val="75000"/>
-                    <a:lumOff val="25000"/>
-                  </a:srgbClr>
-                </a:solidFill>
-              </a:rPr>
-              <a:t>have to </a:t>
-            </a:r>
-            <a:r>
-              <a:rPr lang="fr-CA" i="0" dirty="0">
-                <a:solidFill>
-                  <a:srgbClr val="000000">
-                    <a:lumMod val="75000"/>
-                    <a:lumOff val="25000"/>
-                  </a:srgbClr>
-                </a:solidFill>
-              </a:rPr>
-              <a:t>set the </a:t>
-            </a:r>
-            <a:r>
-              <a:rPr lang="fr-CA" i="0" dirty="0" err="1" smtClean="0">
-                <a:solidFill>
-                  <a:srgbClr val="000000">
-                    <a:lumMod val="75000"/>
-                    <a:lumOff val="25000"/>
-                  </a:srgbClr>
-                </a:solidFill>
-              </a:rPr>
-              <a:t>read</a:t>
-            </a:r>
-            <a:r>
-              <a:rPr lang="fr-CA" i="0" dirty="0" smtClean="0">
-                <a:solidFill>
-                  <a:srgbClr val="000000">
-                    <a:lumMod val="75000"/>
-                    <a:lumOff val="25000"/>
-                  </a:srgbClr>
-                </a:solidFill>
-              </a:rPr>
-              <a:t> permissions to </a:t>
-            </a:r>
-            <a:r>
-              <a:rPr lang="fr-CA" i="0" dirty="0" err="1" smtClean="0">
-                <a:solidFill>
-                  <a:srgbClr val="000000">
-                    <a:lumMod val="75000"/>
-                    <a:lumOff val="25000"/>
-                  </a:srgbClr>
-                </a:solidFill>
-              </a:rPr>
-              <a:t>both</a:t>
-            </a:r>
-            <a:r>
-              <a:rPr lang="fr-CA" i="0" dirty="0" smtClean="0">
-                <a:solidFill>
-                  <a:srgbClr val="000000">
-                    <a:lumMod val="75000"/>
-                    <a:lumOff val="25000"/>
-                  </a:srgbClr>
-                </a:solidFill>
-              </a:rPr>
-              <a:t> </a:t>
-            </a:r>
-            <a:r>
-              <a:rPr lang="fr-CA" i="0" dirty="0" smtClean="0">
-                <a:solidFill>
-                  <a:srgbClr val="000000">
-                    <a:lumMod val="75000"/>
-                    <a:lumOff val="25000"/>
-                  </a:srgbClr>
-                </a:solidFill>
-              </a:rPr>
-              <a:t>files (</a:t>
-            </a:r>
-            <a:r>
-              <a:rPr lang="fr-CA" i="0" dirty="0" err="1" smtClean="0">
-                <a:solidFill>
-                  <a:srgbClr val="000000">
-                    <a:lumMod val="75000"/>
-                    <a:lumOff val="25000"/>
-                  </a:srgbClr>
-                </a:solidFill>
-              </a:rPr>
-              <a:t>password</a:t>
-            </a:r>
-            <a:r>
-              <a:rPr lang="fr-CA" i="0" dirty="0" smtClean="0">
-                <a:solidFill>
-                  <a:srgbClr val="000000">
-                    <a:lumMod val="75000"/>
-                    <a:lumOff val="25000"/>
-                  </a:srgbClr>
-                </a:solidFill>
-              </a:rPr>
-              <a:t> file and </a:t>
-            </a:r>
-            <a:r>
-              <a:rPr lang="fr-CA" i="0" dirty="0" err="1" smtClean="0">
-                <a:solidFill>
-                  <a:srgbClr val="000000">
-                    <a:lumMod val="75000"/>
-                    <a:lumOff val="25000"/>
-                  </a:srgbClr>
-                </a:solidFill>
-              </a:rPr>
-              <a:t>acces</a:t>
-            </a:r>
-            <a:r>
-              <a:rPr lang="fr-CA" i="0" dirty="0" smtClean="0">
-                <a:solidFill>
-                  <a:srgbClr val="000000">
-                    <a:lumMod val="75000"/>
-                    <a:lumOff val="25000"/>
-                  </a:srgbClr>
-                </a:solidFill>
-              </a:rPr>
-              <a:t> file).</a:t>
-            </a:r>
-            <a:endParaRPr lang="fr-CA" i="0" dirty="0">
-              <a:solidFill>
-                <a:srgbClr val="000000">
-                  <a:lumMod val="75000"/>
-                  <a:lumOff val="25000"/>
-                </a:srgbClr>
-              </a:solidFill>
-            </a:endParaRPr>
-          </a:p>
-          <a:p>
-            <a:pPr marL="0" lvl="1" indent="0">
-              <a:lnSpc>
-                <a:spcPct val="100000"/>
-              </a:lnSpc>
+            <a:pPr marL="3175" indent="0">
               <a:buNone/>
             </a:pPr>
-            <a:endParaRPr lang="en-US" sz="1800" b="0" i="0" dirty="0" smtClean="0">
+            <a:r>
+              <a:rPr lang="fr-CA" sz="1800" b="0" i="0" dirty="0">
+                <a:solidFill>
+                  <a:schemeClr val="tx1">
+                    <a:lumMod val="75000"/>
+                    <a:lumOff val="25000"/>
+                  </a:schemeClr>
+                </a:solidFill>
+              </a:rPr>
+              <a:t>	-</a:t>
+            </a:r>
+            <a:r>
+              <a:rPr lang="fr-CA" sz="1800" b="0" i="0" dirty="0" err="1">
+                <a:solidFill>
+                  <a:schemeClr val="tx1">
+                    <a:lumMod val="75000"/>
+                    <a:lumOff val="25000"/>
+                  </a:schemeClr>
+                </a:solidFill>
+              </a:rPr>
+              <a:t>Dcom.sun.management.jmxremote.password.file</a:t>
+            </a:r>
+            <a:r>
+              <a:rPr lang="fr-CA" sz="1800" b="0" i="0" dirty="0">
+                <a:solidFill>
+                  <a:schemeClr val="tx1">
+                    <a:lumMod val="75000"/>
+                    <a:lumOff val="25000"/>
+                  </a:schemeClr>
+                </a:solidFill>
+              </a:rPr>
+              <a:t>=</a:t>
+            </a:r>
+            <a:r>
+              <a:rPr lang="fr-CA" sz="1800" b="0" i="0" dirty="0" err="1">
+                <a:solidFill>
+                  <a:schemeClr val="tx1">
+                    <a:lumMod val="75000"/>
+                    <a:lumOff val="25000"/>
+                  </a:schemeClr>
+                </a:solidFill>
+              </a:rPr>
+              <a:t>tomcat</a:t>
+            </a:r>
+            <a:r>
+              <a:rPr lang="fr-CA" sz="1800" b="0" i="0" dirty="0">
+                <a:solidFill>
+                  <a:schemeClr val="tx1">
+                    <a:lumMod val="75000"/>
+                    <a:lumOff val="25000"/>
+                  </a:schemeClr>
+                </a:solidFill>
+              </a:rPr>
+              <a:t>/</a:t>
+            </a:r>
+            <a:r>
+              <a:rPr lang="fr-CA" sz="1800" b="0" i="0" dirty="0" err="1">
+                <a:solidFill>
+                  <a:schemeClr val="tx1">
+                    <a:lumMod val="75000"/>
+                    <a:lumOff val="25000"/>
+                  </a:schemeClr>
+                </a:solidFill>
+              </a:rPr>
+              <a:t>conf</a:t>
+            </a:r>
+            <a:r>
+              <a:rPr lang="fr-CA" sz="1800" b="0" i="0" dirty="0">
+                <a:solidFill>
+                  <a:schemeClr val="tx1">
+                    <a:lumMod val="75000"/>
+                    <a:lumOff val="25000"/>
+                  </a:schemeClr>
+                </a:solidFill>
+              </a:rPr>
+              <a:t>/</a:t>
+            </a:r>
+            <a:r>
+              <a:rPr lang="fr-CA" sz="1800" b="0" i="0" dirty="0" err="1">
+                <a:solidFill>
+                  <a:schemeClr val="tx1">
+                    <a:lumMod val="75000"/>
+                    <a:lumOff val="25000"/>
+                  </a:schemeClr>
+                </a:solidFill>
+              </a:rPr>
+              <a:t>jmxremote.password</a:t>
+            </a:r>
+            <a:r>
+              <a:rPr lang="fr-CA" sz="1800" b="0" i="0" dirty="0">
+                <a:solidFill>
+                  <a:schemeClr val="tx1">
+                    <a:lumMod val="75000"/>
+                    <a:lumOff val="25000"/>
+                  </a:schemeClr>
+                </a:solidFill>
+              </a:rPr>
+              <a:t> </a:t>
+            </a:r>
+          </a:p>
+          <a:p>
+            <a:pPr marL="3175" indent="0">
+              <a:buNone/>
+            </a:pPr>
+            <a:r>
+              <a:rPr lang="fr-CA" sz="1800" b="0" i="0" dirty="0">
+                <a:solidFill>
+                  <a:schemeClr val="tx1">
+                    <a:lumMod val="75000"/>
+                    <a:lumOff val="25000"/>
+                  </a:schemeClr>
+                </a:solidFill>
+              </a:rPr>
+              <a:t>       -</a:t>
+            </a:r>
+            <a:r>
+              <a:rPr lang="fr-CA" sz="1800" b="0" i="0" dirty="0" err="1">
+                <a:solidFill>
+                  <a:schemeClr val="tx1">
+                    <a:lumMod val="75000"/>
+                    <a:lumOff val="25000"/>
+                  </a:schemeClr>
+                </a:solidFill>
+              </a:rPr>
+              <a:t>Dcom.sun.management.jmxremote.access.file</a:t>
+            </a:r>
+            <a:r>
+              <a:rPr lang="fr-CA" sz="1800" b="0" i="0" dirty="0">
+                <a:solidFill>
+                  <a:schemeClr val="tx1">
+                    <a:lumMod val="75000"/>
+                    <a:lumOff val="25000"/>
+                  </a:schemeClr>
+                </a:solidFill>
+              </a:rPr>
+              <a:t>=</a:t>
+            </a:r>
+            <a:r>
+              <a:rPr lang="fr-CA" sz="1800" b="0" i="0" dirty="0" err="1">
+                <a:solidFill>
+                  <a:schemeClr val="tx1">
+                    <a:lumMod val="75000"/>
+                    <a:lumOff val="25000"/>
+                  </a:schemeClr>
+                </a:solidFill>
+              </a:rPr>
+              <a:t>tomcat</a:t>
+            </a:r>
+            <a:r>
+              <a:rPr lang="fr-CA" sz="1800" b="0" i="0" dirty="0">
+                <a:solidFill>
+                  <a:schemeClr val="tx1">
+                    <a:lumMod val="75000"/>
+                    <a:lumOff val="25000"/>
+                  </a:schemeClr>
+                </a:solidFill>
+              </a:rPr>
+              <a:t>/</a:t>
+            </a:r>
+            <a:r>
+              <a:rPr lang="fr-CA" sz="1800" b="0" i="0" dirty="0" err="1">
+                <a:solidFill>
+                  <a:schemeClr val="tx1">
+                    <a:lumMod val="75000"/>
+                    <a:lumOff val="25000"/>
+                  </a:schemeClr>
+                </a:solidFill>
+              </a:rPr>
+              <a:t>conf</a:t>
+            </a:r>
+            <a:r>
+              <a:rPr lang="fr-CA" sz="1800" b="0" i="0" dirty="0">
+                <a:solidFill>
+                  <a:schemeClr val="tx1">
+                    <a:lumMod val="75000"/>
+                    <a:lumOff val="25000"/>
+                  </a:schemeClr>
+                </a:solidFill>
+              </a:rPr>
+              <a:t>/</a:t>
+            </a:r>
+            <a:r>
+              <a:rPr lang="fr-CA" sz="1800" b="0" i="0" dirty="0" err="1">
+                <a:solidFill>
+                  <a:schemeClr val="tx1">
+                    <a:lumMod val="75000"/>
+                    <a:lumOff val="25000"/>
+                  </a:schemeClr>
+                </a:solidFill>
+              </a:rPr>
+              <a:t>jmxremote.access</a:t>
+            </a:r>
+            <a:endParaRPr lang="fr-CA" sz="1800" b="0" i="0" dirty="0" smtClean="0">
               <a:solidFill>
                 <a:schemeClr val="tx1">
                   <a:lumMod val="75000"/>
@@ -30352,19 +30520,148 @@
             </a:endParaRPr>
           </a:p>
           <a:p>
-            <a:pPr marL="265113" lvl="1" indent="-265113">
-              <a:lnSpc>
-                <a:spcPct val="100000"/>
-              </a:lnSpc>
+            <a:pPr marL="3175" indent="0">
+              <a:buNone/>
             </a:pPr>
-            <a:endParaRPr lang="en-US" i="0" dirty="0"/>
+            <a:r>
+              <a:rPr lang="fr-CA" sz="1800" b="0" i="0" dirty="0" smtClean="0">
+                <a:solidFill>
+                  <a:schemeClr val="tx1">
+                    <a:lumMod val="75000"/>
+                    <a:lumOff val="25000"/>
+                  </a:schemeClr>
+                </a:solidFill>
+              </a:rPr>
+              <a:t>	-</a:t>
+            </a:r>
+            <a:r>
+              <a:rPr lang="fr-CA" sz="1800" b="0" i="0" dirty="0" err="1" smtClean="0">
+                <a:solidFill>
+                  <a:schemeClr val="tx1">
+                    <a:lumMod val="75000"/>
+                    <a:lumOff val="25000"/>
+                  </a:schemeClr>
+                </a:solidFill>
+              </a:rPr>
+              <a:t>Djava.rmi.server.hostname</a:t>
+            </a:r>
+            <a:r>
+              <a:rPr lang="fr-CA" sz="1800" b="0" i="0" dirty="0" smtClean="0">
+                <a:solidFill>
+                  <a:schemeClr val="tx1">
+                    <a:lumMod val="75000"/>
+                    <a:lumOff val="25000"/>
+                  </a:schemeClr>
+                </a:solidFill>
+              </a:rPr>
+              <a:t>=</a:t>
+            </a:r>
+            <a:r>
+              <a:rPr lang="fr-CA" sz="1800" b="0" i="0" dirty="0" err="1" smtClean="0">
+                <a:solidFill>
+                  <a:schemeClr val="tx1">
+                    <a:lumMod val="75000"/>
+                    <a:lumOff val="25000"/>
+                  </a:schemeClr>
+                </a:solidFill>
+              </a:rPr>
+              <a:t>localhost</a:t>
+            </a:r>
+            <a:endParaRPr lang="fr-CA" sz="1800" b="0" i="0" dirty="0" smtClean="0">
+              <a:solidFill>
+                <a:schemeClr val="tx1">
+                  <a:lumMod val="75000"/>
+                  <a:lumOff val="25000"/>
+                </a:schemeClr>
+              </a:solidFill>
+            </a:endParaRPr>
+          </a:p>
+          <a:p>
+            <a:pPr marL="3175" indent="0">
+              <a:buNone/>
+            </a:pPr>
+            <a:r>
+              <a:rPr lang="fr-CA" sz="1800" b="0" i="0" dirty="0" smtClean="0">
+                <a:solidFill>
+                  <a:schemeClr val="tx1">
+                    <a:lumMod val="75000"/>
+                    <a:lumOff val="25000"/>
+                  </a:schemeClr>
+                </a:solidFill>
+              </a:rPr>
+              <a:t>	-</a:t>
+            </a:r>
+            <a:r>
+              <a:rPr lang="fr-CA" sz="1800" b="0" i="0" dirty="0" err="1">
+                <a:solidFill>
+                  <a:schemeClr val="tx1">
+                    <a:lumMod val="75000"/>
+                    <a:lumOff val="25000"/>
+                  </a:schemeClr>
+                </a:solidFill>
+              </a:rPr>
+              <a:t>Dcom.sun.management.jmxremote.ssl</a:t>
+            </a:r>
+            <a:r>
+              <a:rPr lang="fr-CA" sz="1800" b="0" i="0" dirty="0">
+                <a:solidFill>
+                  <a:schemeClr val="tx1">
+                    <a:lumMod val="75000"/>
+                    <a:lumOff val="25000"/>
+                  </a:schemeClr>
+                </a:solidFill>
+              </a:rPr>
+              <a:t>=</a:t>
+            </a:r>
+            <a:r>
+              <a:rPr lang="fr-CA" sz="1800" b="0" i="0" dirty="0" smtClean="0">
+                <a:solidFill>
+                  <a:schemeClr val="tx1">
+                    <a:lumMod val="75000"/>
+                    <a:lumOff val="25000"/>
+                  </a:schemeClr>
+                </a:solidFill>
+              </a:rPr>
+              <a:t>false"</a:t>
+            </a:r>
+            <a:r>
+              <a:rPr lang="fr-CA" sz="1800" b="0" i="0" dirty="0">
+                <a:solidFill>
+                  <a:schemeClr val="tx1">
+                    <a:lumMod val="75000"/>
+                    <a:lumOff val="25000"/>
+                  </a:schemeClr>
+                </a:solidFill>
+              </a:rPr>
+              <a:t>;</a:t>
+            </a:r>
+            <a:r>
+              <a:rPr lang="fr-CA" sz="1800" b="0" i="0" dirty="0" smtClean="0">
+                <a:solidFill>
+                  <a:schemeClr val="tx1">
+                    <a:lumMod val="75000"/>
+                    <a:lumOff val="25000"/>
+                  </a:schemeClr>
+                </a:solidFill>
+              </a:rPr>
+              <a:t> +</a:t>
+            </a:r>
+            <a:endParaRPr lang="fr-FR" sz="1800" b="0" i="0" dirty="0">
+              <a:solidFill>
+                <a:schemeClr val="tx1">
+                  <a:lumMod val="75000"/>
+                  <a:lumOff val="25000"/>
+                </a:schemeClr>
+              </a:solidFill>
+            </a:endParaRPr>
           </a:p>
         </p:txBody>
       </p:sp>
     </p:spTree>
     <p:extLst>
       <p:ext uri="{BB962C8B-B14F-4D97-AF65-F5344CB8AC3E}">
-        <p14:creationId xmlns:p14="http://schemas.microsoft.com/office/powerpoint/2010/main" val="3464125179"/>
+        <p14:creationId xmlns:p14="http://schemas.microsoft.com/office/powerpoint/2010/main" val="4274807838"/>
       </p:ext>
     </p:extLst>
   </p:cSld>
